--- a/maquette.pptx
+++ b/maquette.pptx
@@ -114,6 +114,11 @@
       </a:defRPr>
     </a:lvl9pPr>
   </p:defaultTextStyle>
+  <p:extLst>
+    <p:ext uri="{EFAFB233-063F-42B5-8137-9DF3F51BA10A}">
+      <p15:sldGuideLst xmlns:p15="http://schemas.microsoft.com/office/powerpoint/2012/main"/>
+    </p:ext>
+  </p:extLst>
 </p:presentation>
 </file>
 
@@ -270,7 +275,7 @@
           <a:p>
             <a:fld id="{C9788473-FFB2-4B48-A667-AF2C4182B393}" type="datetimeFigureOut">
               <a:rPr lang="fr-FR" smtClean="0"/>
-              <a:t>03/08/2018</a:t>
+              <a:t>06/08/2018</a:t>
             </a:fld>
             <a:endParaRPr lang="fr-FR"/>
           </a:p>
@@ -470,7 +475,7 @@
           <a:p>
             <a:fld id="{C9788473-FFB2-4B48-A667-AF2C4182B393}" type="datetimeFigureOut">
               <a:rPr lang="fr-FR" smtClean="0"/>
-              <a:t>03/08/2018</a:t>
+              <a:t>06/08/2018</a:t>
             </a:fld>
             <a:endParaRPr lang="fr-FR"/>
           </a:p>
@@ -680,7 +685,7 @@
           <a:p>
             <a:fld id="{C9788473-FFB2-4B48-A667-AF2C4182B393}" type="datetimeFigureOut">
               <a:rPr lang="fr-FR" smtClean="0"/>
-              <a:t>03/08/2018</a:t>
+              <a:t>06/08/2018</a:t>
             </a:fld>
             <a:endParaRPr lang="fr-FR"/>
           </a:p>
@@ -880,7 +885,7 @@
           <a:p>
             <a:fld id="{C9788473-FFB2-4B48-A667-AF2C4182B393}" type="datetimeFigureOut">
               <a:rPr lang="fr-FR" smtClean="0"/>
-              <a:t>03/08/2018</a:t>
+              <a:t>06/08/2018</a:t>
             </a:fld>
             <a:endParaRPr lang="fr-FR"/>
           </a:p>
@@ -1156,7 +1161,7 @@
           <a:p>
             <a:fld id="{C9788473-FFB2-4B48-A667-AF2C4182B393}" type="datetimeFigureOut">
               <a:rPr lang="fr-FR" smtClean="0"/>
-              <a:t>03/08/2018</a:t>
+              <a:t>06/08/2018</a:t>
             </a:fld>
             <a:endParaRPr lang="fr-FR"/>
           </a:p>
@@ -1424,7 +1429,7 @@
           <a:p>
             <a:fld id="{C9788473-FFB2-4B48-A667-AF2C4182B393}" type="datetimeFigureOut">
               <a:rPr lang="fr-FR" smtClean="0"/>
-              <a:t>03/08/2018</a:t>
+              <a:t>06/08/2018</a:t>
             </a:fld>
             <a:endParaRPr lang="fr-FR"/>
           </a:p>
@@ -1839,7 +1844,7 @@
           <a:p>
             <a:fld id="{C9788473-FFB2-4B48-A667-AF2C4182B393}" type="datetimeFigureOut">
               <a:rPr lang="fr-FR" smtClean="0"/>
-              <a:t>03/08/2018</a:t>
+              <a:t>06/08/2018</a:t>
             </a:fld>
             <a:endParaRPr lang="fr-FR"/>
           </a:p>
@@ -1981,7 +1986,7 @@
           <a:p>
             <a:fld id="{C9788473-FFB2-4B48-A667-AF2C4182B393}" type="datetimeFigureOut">
               <a:rPr lang="fr-FR" smtClean="0"/>
-              <a:t>03/08/2018</a:t>
+              <a:t>06/08/2018</a:t>
             </a:fld>
             <a:endParaRPr lang="fr-FR"/>
           </a:p>
@@ -2094,7 +2099,7 @@
           <a:p>
             <a:fld id="{C9788473-FFB2-4B48-A667-AF2C4182B393}" type="datetimeFigureOut">
               <a:rPr lang="fr-FR" smtClean="0"/>
-              <a:t>03/08/2018</a:t>
+              <a:t>06/08/2018</a:t>
             </a:fld>
             <a:endParaRPr lang="fr-FR"/>
           </a:p>
@@ -2407,7 +2412,7 @@
           <a:p>
             <a:fld id="{C9788473-FFB2-4B48-A667-AF2C4182B393}" type="datetimeFigureOut">
               <a:rPr lang="fr-FR" smtClean="0"/>
-              <a:t>03/08/2018</a:t>
+              <a:t>06/08/2018</a:t>
             </a:fld>
             <a:endParaRPr lang="fr-FR"/>
           </a:p>
@@ -2696,7 +2701,7 @@
           <a:p>
             <a:fld id="{C9788473-FFB2-4B48-A667-AF2C4182B393}" type="datetimeFigureOut">
               <a:rPr lang="fr-FR" smtClean="0"/>
-              <a:t>03/08/2018</a:t>
+              <a:t>06/08/2018</a:t>
             </a:fld>
             <a:endParaRPr lang="fr-FR"/>
           </a:p>
@@ -2939,7 +2944,7 @@
           <a:p>
             <a:fld id="{C9788473-FFB2-4B48-A667-AF2C4182B393}" type="datetimeFigureOut">
               <a:rPr lang="fr-FR" smtClean="0"/>
-              <a:t>03/08/2018</a:t>
+              <a:t>06/08/2018</a:t>
             </a:fld>
             <a:endParaRPr lang="fr-FR"/>
           </a:p>
@@ -3492,7 +3497,9 @@
         </p:nvSpPr>
         <p:spPr/>
         <p:txBody>
-          <a:bodyPr/>
+          <a:bodyPr>
+            <a:normAutofit fontScale="92500"/>
+          </a:bodyPr>
           <a:lstStyle/>
           <a:p>
             <a:r>
@@ -3503,11 +3510,25 @@
           <a:p>
             <a:r>
               <a:rPr lang="fr-FR" dirty="0"/>
-              <a:t>Les services s’enregistrent dans la </a:t>
+              <a:t>Les services attendent l’annonce des </a:t>
             </a:r>
             <a:r>
               <a:rPr lang="fr-FR" dirty="0" err="1"/>
-              <a:t>regsirty</a:t>
+              <a:t>registries</a:t>
+            </a:r>
+            <a:r>
+              <a:rPr lang="fr-FR" dirty="0"/>
+              <a:t> pour se faire connaitre</a:t>
+            </a:r>
+          </a:p>
+          <a:p>
+            <a:r>
+              <a:rPr lang="fr-FR" dirty="0"/>
+              <a:t>Les services s’enregistrent dans les </a:t>
+            </a:r>
+            <a:r>
+              <a:rPr lang="fr-FR" dirty="0" err="1"/>
+              <a:t>regsirties</a:t>
             </a:r>
             <a:endParaRPr lang="fr-FR" dirty="0"/>
           </a:p>
@@ -3534,7 +3555,7 @@
           <a:p>
             <a:r>
               <a:rPr lang="fr-FR" dirty="0"/>
-              <a:t>L’API manager demande à la </a:t>
+              <a:t>L’API manager demande à une </a:t>
             </a:r>
             <a:r>
               <a:rPr lang="fr-FR" dirty="0" err="1"/>
@@ -4019,7 +4040,27 @@
             </a:r>
             <a:r>
               <a:rPr lang="fr-FR" dirty="0"/>
-              <a:t> (http://XXX.XXX.XXX.XXX:PPPP/health/status)</a:t>
+              <a:t> (</a:t>
+            </a:r>
+            <a:r>
+              <a:rPr lang="fr-FR" dirty="0">
+                <a:hlinkClick r:id="rId2"/>
+              </a:rPr>
+              <a:t>http://XXX.XXX.XXX.XXX:PPPP/health/status</a:t>
+            </a:r>
+            <a:r>
+              <a:rPr lang="fr-FR" dirty="0"/>
+              <a:t>)</a:t>
+            </a:r>
+          </a:p>
+          <a:p>
+            <a:pPr lvl="2"/>
+            <a:endParaRPr lang="fr-FR" dirty="0"/>
+          </a:p>
+          <a:p>
+            <a:r>
+              <a:rPr lang="fr-FR" dirty="0"/>
+              <a:t>Chaque composant utilise une liste d’annuaires pour se faire connaître du système</a:t>
             </a:r>
           </a:p>
         </p:txBody>
@@ -4235,7 +4276,7 @@
             <a:pPr lvl="1"/>
             <a:r>
               <a:rPr lang="fr-FR" dirty="0"/>
-              <a:t>Dispose d’une Url fixe connue par tous les services du système</a:t>
+              <a:t>Dispose d’une Url dynamique annoncée à tous les services du système via une annonce multicast</a:t>
             </a:r>
           </a:p>
           <a:p>
@@ -4262,7 +4303,7 @@
             <a:pPr lvl="1"/>
             <a:r>
               <a:rPr lang="fr-FR" dirty="0"/>
-              <a:t>Alimenté par les services qui se déclarent aux démarrage</a:t>
+              <a:t>Alimenté par les services qui se déclarent au démarrage puis périodiquement</a:t>
             </a:r>
           </a:p>
         </p:txBody>
@@ -4737,8 +4778,8 @@
         </p:nvSpPr>
         <p:spPr>
           <a:xfrm>
-            <a:off x="6300021" y="1283664"/>
-            <a:ext cx="2460171" cy="4985657"/>
+            <a:off x="6097820" y="1283664"/>
+            <a:ext cx="2879925" cy="4985657"/>
           </a:xfrm>
           <a:prstGeom prst="flowChartProcess">
             <a:avLst/>
@@ -4977,7 +5018,9 @@
           <a:prstGeom prst="rect">
             <a:avLst/>
           </a:prstGeom>
-          <a:noFill/>
+          <a:solidFill>
+            <a:srgbClr val="00B0F0"/>
+          </a:solidFill>
           <a:ln>
             <a:solidFill>
               <a:schemeClr val="accent1"/>
@@ -5060,7 +5103,9 @@
           <a:prstGeom prst="rect">
             <a:avLst/>
           </a:prstGeom>
-          <a:noFill/>
+          <a:solidFill>
+            <a:srgbClr val="00B0F0"/>
+          </a:solidFill>
           <a:ln>
             <a:solidFill>
               <a:schemeClr val="accent1"/>
@@ -5102,7 +5147,9 @@
           <a:prstGeom prst="rect">
             <a:avLst/>
           </a:prstGeom>
-          <a:noFill/>
+          <a:solidFill>
+            <a:srgbClr val="00B0F0"/>
+          </a:solidFill>
           <a:ln>
             <a:solidFill>
               <a:schemeClr val="accent1"/>
@@ -5143,7 +5190,9 @@
           <a:prstGeom prst="rect">
             <a:avLst/>
           </a:prstGeom>
-          <a:noFill/>
+          <a:solidFill>
+            <a:srgbClr val="00B0F0"/>
+          </a:solidFill>
           <a:ln>
             <a:solidFill>
               <a:schemeClr val="accent1"/>
@@ -6025,6 +6074,273 @@
               <a:t>Registry</a:t>
             </a:r>
             <a:endParaRPr lang="fr-FR" dirty="0"/>
+          </a:p>
+        </p:txBody>
+      </p:sp>
+      <p:sp>
+        <p:nvSpPr>
+          <p:cNvPr id="34" name="Flowchart: Magnetic Disk 33">
+            <a:extLst>
+              <a:ext uri="{FF2B5EF4-FFF2-40B4-BE49-F238E27FC236}">
+                <a16:creationId xmlns:a16="http://schemas.microsoft.com/office/drawing/2014/main" id="{5F49EEAD-2A48-48E1-8226-3332298EB212}"/>
+              </a:ext>
+            </a:extLst>
+          </p:cNvPr>
+          <p:cNvSpPr/>
+          <p:nvPr/>
+        </p:nvSpPr>
+        <p:spPr>
+          <a:xfrm>
+            <a:off x="3942942" y="5229274"/>
+            <a:ext cx="1203355" cy="628864"/>
+          </a:xfrm>
+          <a:prstGeom prst="flowChartMagneticDisk">
+            <a:avLst/>
+          </a:prstGeom>
+        </p:spPr>
+        <p:style>
+          <a:lnRef idx="2">
+            <a:schemeClr val="accent1">
+              <a:shade val="50000"/>
+            </a:schemeClr>
+          </a:lnRef>
+          <a:fillRef idx="1">
+            <a:schemeClr val="accent1"/>
+          </a:fillRef>
+          <a:effectRef idx="0">
+            <a:schemeClr val="accent1"/>
+          </a:effectRef>
+          <a:fontRef idx="minor">
+            <a:schemeClr val="lt1"/>
+          </a:fontRef>
+        </p:style>
+        <p:txBody>
+          <a:bodyPr rtlCol="0" anchor="ctr"/>
+          <a:lstStyle/>
+          <a:p>
+            <a:pPr algn="ctr"/>
+            <a:r>
+              <a:rPr lang="fr-FR" dirty="0" err="1"/>
+              <a:t>Registry</a:t>
+            </a:r>
+            <a:endParaRPr lang="fr-FR" dirty="0"/>
+          </a:p>
+        </p:txBody>
+      </p:sp>
+      <p:sp>
+        <p:nvSpPr>
+          <p:cNvPr id="36" name="TextBox 35">
+            <a:extLst>
+              <a:ext uri="{FF2B5EF4-FFF2-40B4-BE49-F238E27FC236}">
+                <a16:creationId xmlns:a16="http://schemas.microsoft.com/office/drawing/2014/main" id="{3D470577-8B68-4BD4-8031-301AAC6E2D86}"/>
+              </a:ext>
+            </a:extLst>
+          </p:cNvPr>
+          <p:cNvSpPr txBox="1"/>
+          <p:nvPr/>
+        </p:nvSpPr>
+        <p:spPr>
+          <a:xfrm>
+            <a:off x="7229778" y="2172959"/>
+            <a:ext cx="1315510" cy="369332"/>
+          </a:xfrm>
+          <a:prstGeom prst="rect">
+            <a:avLst/>
+          </a:prstGeom>
+          <a:solidFill>
+            <a:srgbClr val="00B0F0"/>
+          </a:solidFill>
+          <a:ln>
+            <a:solidFill>
+              <a:schemeClr val="accent1"/>
+            </a:solidFill>
+          </a:ln>
+        </p:spPr>
+        <p:txBody>
+          <a:bodyPr wrap="square" rtlCol="0">
+            <a:spAutoFit/>
+          </a:bodyPr>
+          <a:lstStyle/>
+          <a:p>
+            <a:pPr algn="ctr"/>
+            <a:r>
+              <a:rPr lang="fr-FR" dirty="0" err="1"/>
+              <a:t>Authent</a:t>
+            </a:r>
+            <a:endParaRPr lang="fr-FR" dirty="0"/>
+          </a:p>
+        </p:txBody>
+      </p:sp>
+      <p:sp>
+        <p:nvSpPr>
+          <p:cNvPr id="38" name="TextBox 37">
+            <a:extLst>
+              <a:ext uri="{FF2B5EF4-FFF2-40B4-BE49-F238E27FC236}">
+                <a16:creationId xmlns:a16="http://schemas.microsoft.com/office/drawing/2014/main" id="{293D492F-1CFA-4B53-800D-ACF45F702FF3}"/>
+              </a:ext>
+            </a:extLst>
+          </p:cNvPr>
+          <p:cNvSpPr txBox="1"/>
+          <p:nvPr/>
+        </p:nvSpPr>
+        <p:spPr>
+          <a:xfrm>
+            <a:off x="7229778" y="2960703"/>
+            <a:ext cx="1315509" cy="369332"/>
+          </a:xfrm>
+          <a:prstGeom prst="rect">
+            <a:avLst/>
+          </a:prstGeom>
+          <a:solidFill>
+            <a:srgbClr val="00B0F0"/>
+          </a:solidFill>
+          <a:ln>
+            <a:solidFill>
+              <a:schemeClr val="accent1"/>
+            </a:solidFill>
+          </a:ln>
+        </p:spPr>
+        <p:txBody>
+          <a:bodyPr wrap="square" rtlCol="0">
+            <a:spAutoFit/>
+          </a:bodyPr>
+          <a:lstStyle/>
+          <a:p>
+            <a:pPr algn="ctr"/>
+            <a:r>
+              <a:rPr lang="fr-FR" dirty="0"/>
+              <a:t>Paniers</a:t>
+            </a:r>
+          </a:p>
+        </p:txBody>
+      </p:sp>
+      <p:sp>
+        <p:nvSpPr>
+          <p:cNvPr id="40" name="TextBox 39">
+            <a:extLst>
+              <a:ext uri="{FF2B5EF4-FFF2-40B4-BE49-F238E27FC236}">
+                <a16:creationId xmlns:a16="http://schemas.microsoft.com/office/drawing/2014/main" id="{28AF0912-F1D2-4775-9E49-58E27D74175E}"/>
+              </a:ext>
+            </a:extLst>
+          </p:cNvPr>
+          <p:cNvSpPr txBox="1"/>
+          <p:nvPr/>
+        </p:nvSpPr>
+        <p:spPr>
+          <a:xfrm>
+            <a:off x="7229778" y="3663882"/>
+            <a:ext cx="1315508" cy="369332"/>
+          </a:xfrm>
+          <a:prstGeom prst="rect">
+            <a:avLst/>
+          </a:prstGeom>
+          <a:solidFill>
+            <a:srgbClr val="00B0F0"/>
+          </a:solidFill>
+          <a:ln>
+            <a:solidFill>
+              <a:schemeClr val="accent1"/>
+            </a:solidFill>
+          </a:ln>
+        </p:spPr>
+        <p:txBody>
+          <a:bodyPr wrap="square" rtlCol="0">
+            <a:spAutoFit/>
+          </a:bodyPr>
+          <a:lstStyle/>
+          <a:p>
+            <a:pPr algn="ctr"/>
+            <a:r>
+              <a:rPr lang="fr-FR" dirty="0"/>
+              <a:t>…</a:t>
+            </a:r>
+          </a:p>
+        </p:txBody>
+      </p:sp>
+      <p:sp>
+        <p:nvSpPr>
+          <p:cNvPr id="42" name="TextBox 41">
+            <a:extLst>
+              <a:ext uri="{FF2B5EF4-FFF2-40B4-BE49-F238E27FC236}">
+                <a16:creationId xmlns:a16="http://schemas.microsoft.com/office/drawing/2014/main" id="{FED88094-5182-4249-BC6A-D212691CB925}"/>
+              </a:ext>
+            </a:extLst>
+          </p:cNvPr>
+          <p:cNvSpPr txBox="1"/>
+          <p:nvPr/>
+        </p:nvSpPr>
+        <p:spPr>
+          <a:xfrm>
+            <a:off x="7229778" y="5341298"/>
+            <a:ext cx="1315509" cy="369332"/>
+          </a:xfrm>
+          <a:prstGeom prst="rect">
+            <a:avLst/>
+          </a:prstGeom>
+          <a:solidFill>
+            <a:srgbClr val="00B0F0"/>
+          </a:solidFill>
+          <a:ln>
+            <a:solidFill>
+              <a:schemeClr val="accent1"/>
+            </a:solidFill>
+          </a:ln>
+        </p:spPr>
+        <p:txBody>
+          <a:bodyPr wrap="square" rtlCol="0">
+            <a:spAutoFit/>
+          </a:bodyPr>
+          <a:lstStyle/>
+          <a:p>
+            <a:pPr algn="ctr"/>
+            <a:r>
+              <a:rPr lang="fr-FR" dirty="0" err="1"/>
+              <a:t>EventsMgr</a:t>
+            </a:r>
+            <a:endParaRPr lang="fr-FR" dirty="0"/>
+          </a:p>
+        </p:txBody>
+      </p:sp>
+      <p:sp>
+        <p:nvSpPr>
+          <p:cNvPr id="43" name="TextBox 42">
+            <a:extLst>
+              <a:ext uri="{FF2B5EF4-FFF2-40B4-BE49-F238E27FC236}">
+                <a16:creationId xmlns:a16="http://schemas.microsoft.com/office/drawing/2014/main" id="{77187FE3-67BC-4E6D-BB5A-FB70BAFE754C}"/>
+              </a:ext>
+            </a:extLst>
+          </p:cNvPr>
+          <p:cNvSpPr txBox="1"/>
+          <p:nvPr/>
+        </p:nvSpPr>
+        <p:spPr>
+          <a:xfrm>
+            <a:off x="7382178" y="3816282"/>
+            <a:ext cx="1315508" cy="369332"/>
+          </a:xfrm>
+          <a:prstGeom prst="rect">
+            <a:avLst/>
+          </a:prstGeom>
+          <a:solidFill>
+            <a:srgbClr val="00B0F0"/>
+          </a:solidFill>
+          <a:ln>
+            <a:solidFill>
+              <a:schemeClr val="accent1"/>
+            </a:solidFill>
+          </a:ln>
+        </p:spPr>
+        <p:txBody>
+          <a:bodyPr wrap="square" rtlCol="0">
+            <a:spAutoFit/>
+          </a:bodyPr>
+          <a:lstStyle/>
+          <a:p>
+            <a:pPr algn="ctr"/>
+            <a:r>
+              <a:rPr lang="fr-FR" dirty="0"/>
+              <a:t>…</a:t>
+            </a:r>
           </a:p>
         </p:txBody>
       </p:sp>

--- a/maquette.pptx
+++ b/maquette.pptx
@@ -6,18 +6,20 @@
   </p:sldMasterIdLst>
   <p:sldIdLst>
     <p:sldId id="256" r:id="rId2"/>
-    <p:sldId id="257" r:id="rId3"/>
-    <p:sldId id="258" r:id="rId4"/>
-    <p:sldId id="267" r:id="rId5"/>
-    <p:sldId id="268" r:id="rId6"/>
-    <p:sldId id="259" r:id="rId7"/>
-    <p:sldId id="260" r:id="rId8"/>
-    <p:sldId id="261" r:id="rId9"/>
-    <p:sldId id="262" r:id="rId10"/>
-    <p:sldId id="263" r:id="rId11"/>
-    <p:sldId id="264" r:id="rId12"/>
-    <p:sldId id="265" r:id="rId13"/>
-    <p:sldId id="266" r:id="rId14"/>
+    <p:sldId id="269" r:id="rId3"/>
+    <p:sldId id="257" r:id="rId4"/>
+    <p:sldId id="270" r:id="rId5"/>
+    <p:sldId id="258" r:id="rId6"/>
+    <p:sldId id="267" r:id="rId7"/>
+    <p:sldId id="268" r:id="rId8"/>
+    <p:sldId id="259" r:id="rId9"/>
+    <p:sldId id="260" r:id="rId10"/>
+    <p:sldId id="261" r:id="rId11"/>
+    <p:sldId id="262" r:id="rId12"/>
+    <p:sldId id="263" r:id="rId13"/>
+    <p:sldId id="264" r:id="rId14"/>
+    <p:sldId id="265" r:id="rId15"/>
+    <p:sldId id="266" r:id="rId16"/>
   </p:sldIdLst>
   <p:sldSz cx="12192000" cy="6858000"/>
   <p:notesSz cx="6858000" cy="9144000"/>
@@ -277,7 +279,7 @@
           <a:p>
             <a:fld id="{C9788473-FFB2-4B48-A667-AF2C4182B393}" type="datetimeFigureOut">
               <a:rPr lang="fr-FR" smtClean="0"/>
-              <a:t>07/08/2018</a:t>
+              <a:t>08/08/2018</a:t>
             </a:fld>
             <a:endParaRPr lang="fr-FR"/>
           </a:p>
@@ -477,7 +479,7 @@
           <a:p>
             <a:fld id="{C9788473-FFB2-4B48-A667-AF2C4182B393}" type="datetimeFigureOut">
               <a:rPr lang="fr-FR" smtClean="0"/>
-              <a:t>07/08/2018</a:t>
+              <a:t>08/08/2018</a:t>
             </a:fld>
             <a:endParaRPr lang="fr-FR"/>
           </a:p>
@@ -687,7 +689,7 @@
           <a:p>
             <a:fld id="{C9788473-FFB2-4B48-A667-AF2C4182B393}" type="datetimeFigureOut">
               <a:rPr lang="fr-FR" smtClean="0"/>
-              <a:t>07/08/2018</a:t>
+              <a:t>08/08/2018</a:t>
             </a:fld>
             <a:endParaRPr lang="fr-FR"/>
           </a:p>
@@ -887,7 +889,7 @@
           <a:p>
             <a:fld id="{C9788473-FFB2-4B48-A667-AF2C4182B393}" type="datetimeFigureOut">
               <a:rPr lang="fr-FR" smtClean="0"/>
-              <a:t>07/08/2018</a:t>
+              <a:t>08/08/2018</a:t>
             </a:fld>
             <a:endParaRPr lang="fr-FR"/>
           </a:p>
@@ -1163,7 +1165,7 @@
           <a:p>
             <a:fld id="{C9788473-FFB2-4B48-A667-AF2C4182B393}" type="datetimeFigureOut">
               <a:rPr lang="fr-FR" smtClean="0"/>
-              <a:t>07/08/2018</a:t>
+              <a:t>08/08/2018</a:t>
             </a:fld>
             <a:endParaRPr lang="fr-FR"/>
           </a:p>
@@ -1431,7 +1433,7 @@
           <a:p>
             <a:fld id="{C9788473-FFB2-4B48-A667-AF2C4182B393}" type="datetimeFigureOut">
               <a:rPr lang="fr-FR" smtClean="0"/>
-              <a:t>07/08/2018</a:t>
+              <a:t>08/08/2018</a:t>
             </a:fld>
             <a:endParaRPr lang="fr-FR"/>
           </a:p>
@@ -1846,7 +1848,7 @@
           <a:p>
             <a:fld id="{C9788473-FFB2-4B48-A667-AF2C4182B393}" type="datetimeFigureOut">
               <a:rPr lang="fr-FR" smtClean="0"/>
-              <a:t>07/08/2018</a:t>
+              <a:t>08/08/2018</a:t>
             </a:fld>
             <a:endParaRPr lang="fr-FR"/>
           </a:p>
@@ -1988,7 +1990,7 @@
           <a:p>
             <a:fld id="{C9788473-FFB2-4B48-A667-AF2C4182B393}" type="datetimeFigureOut">
               <a:rPr lang="fr-FR" smtClean="0"/>
-              <a:t>07/08/2018</a:t>
+              <a:t>08/08/2018</a:t>
             </a:fld>
             <a:endParaRPr lang="fr-FR"/>
           </a:p>
@@ -2101,7 +2103,7 @@
           <a:p>
             <a:fld id="{C9788473-FFB2-4B48-A667-AF2C4182B393}" type="datetimeFigureOut">
               <a:rPr lang="fr-FR" smtClean="0"/>
-              <a:t>07/08/2018</a:t>
+              <a:t>08/08/2018</a:t>
             </a:fld>
             <a:endParaRPr lang="fr-FR"/>
           </a:p>
@@ -2414,7 +2416,7 @@
           <a:p>
             <a:fld id="{C9788473-FFB2-4B48-A667-AF2C4182B393}" type="datetimeFigureOut">
               <a:rPr lang="fr-FR" smtClean="0"/>
-              <a:t>07/08/2018</a:t>
+              <a:t>08/08/2018</a:t>
             </a:fld>
             <a:endParaRPr lang="fr-FR"/>
           </a:p>
@@ -2703,7 +2705,7 @@
           <a:p>
             <a:fld id="{C9788473-FFB2-4B48-A667-AF2C4182B393}" type="datetimeFigureOut">
               <a:rPr lang="fr-FR" smtClean="0"/>
-              <a:t>07/08/2018</a:t>
+              <a:t>08/08/2018</a:t>
             </a:fld>
             <a:endParaRPr lang="fr-FR"/>
           </a:p>
@@ -2946,7 +2948,7 @@
           <a:p>
             <a:fld id="{C9788473-FFB2-4B48-A667-AF2C4182B393}" type="datetimeFigureOut">
               <a:rPr lang="fr-FR" smtClean="0"/>
-              <a:t>07/08/2018</a:t>
+              <a:t>08/08/2018</a:t>
             </a:fld>
             <a:endParaRPr lang="fr-FR"/>
           </a:p>
@@ -3458,6 +3460,2283 @@
           <p:cNvPr id="2" name="Title 1">
             <a:extLst>
               <a:ext uri="{FF2B5EF4-FFF2-40B4-BE49-F238E27FC236}">
+                <a16:creationId xmlns:a16="http://schemas.microsoft.com/office/drawing/2014/main" id="{9B7484C3-D6CC-4BD2-9E77-9E04169EEFEE}"/>
+              </a:ext>
+            </a:extLst>
+          </p:cNvPr>
+          <p:cNvSpPr>
+            <a:spLocks noGrp="1"/>
+          </p:cNvSpPr>
+          <p:nvPr>
+            <p:ph type="title"/>
+          </p:nvPr>
+        </p:nvSpPr>
+        <p:spPr/>
+        <p:txBody>
+          <a:bodyPr/>
+          <a:lstStyle/>
+          <a:p>
+            <a:r>
+              <a:rPr lang="fr-FR" dirty="0"/>
+              <a:t>Authentification</a:t>
+            </a:r>
+          </a:p>
+        </p:txBody>
+      </p:sp>
+      <p:sp>
+        <p:nvSpPr>
+          <p:cNvPr id="3" name="Content Placeholder 2">
+            <a:extLst>
+              <a:ext uri="{FF2B5EF4-FFF2-40B4-BE49-F238E27FC236}">
+                <a16:creationId xmlns:a16="http://schemas.microsoft.com/office/drawing/2014/main" id="{E1341335-5AD4-4696-9936-5A6B2CC76468}"/>
+              </a:ext>
+            </a:extLst>
+          </p:cNvPr>
+          <p:cNvSpPr>
+            <a:spLocks noGrp="1"/>
+          </p:cNvSpPr>
+          <p:nvPr>
+            <p:ph idx="1"/>
+          </p:nvPr>
+        </p:nvSpPr>
+        <p:spPr/>
+        <p:txBody>
+          <a:bodyPr/>
+          <a:lstStyle/>
+          <a:p>
+            <a:r>
+              <a:rPr lang="fr-FR" dirty="0"/>
+              <a:t>Caractéristiques:</a:t>
+            </a:r>
+          </a:p>
+          <a:p>
+            <a:pPr lvl="1"/>
+            <a:r>
+              <a:rPr lang="fr-FR" dirty="0"/>
+              <a:t>Utilise l’annuaire LDAP et la base des utilisateurs d’AFO</a:t>
+            </a:r>
+          </a:p>
+          <a:p>
+            <a:pPr lvl="1"/>
+            <a:endParaRPr lang="fr-FR" dirty="0"/>
+          </a:p>
+          <a:p>
+            <a:r>
+              <a:rPr lang="fr-FR" dirty="0"/>
+              <a:t>Rôle:</a:t>
+            </a:r>
+          </a:p>
+          <a:p>
+            <a:pPr lvl="1"/>
+            <a:r>
+              <a:rPr lang="fr-FR" dirty="0"/>
+              <a:t>Authentifier un client (générer un jeton d’authentification temporaire).</a:t>
+            </a:r>
+          </a:p>
+          <a:p>
+            <a:pPr lvl="1"/>
+            <a:r>
+              <a:rPr lang="fr-FR" dirty="0"/>
+              <a:t>Fournir le profil du client (Produits d’abonnement, profils, etc…).</a:t>
+            </a:r>
+          </a:p>
+          <a:p>
+            <a:pPr lvl="1"/>
+            <a:r>
+              <a:rPr lang="fr-FR" dirty="0"/>
+              <a:t>Vérifier la validité des jetons présentés.</a:t>
+            </a:r>
+          </a:p>
+        </p:txBody>
+      </p:sp>
+      <p:grpSp>
+        <p:nvGrpSpPr>
+          <p:cNvPr id="4" name="Group 3">
+            <a:extLst>
+              <a:ext uri="{FF2B5EF4-FFF2-40B4-BE49-F238E27FC236}">
+                <a16:creationId xmlns:a16="http://schemas.microsoft.com/office/drawing/2014/main" id="{2155BD20-741C-4D88-82D5-13ED1D9385DF}"/>
+              </a:ext>
+            </a:extLst>
+          </p:cNvPr>
+          <p:cNvGrpSpPr/>
+          <p:nvPr/>
+        </p:nvGrpSpPr>
+        <p:grpSpPr>
+          <a:xfrm>
+            <a:off x="6387852" y="576943"/>
+            <a:ext cx="5412262" cy="696685"/>
+            <a:chOff x="836138" y="4057401"/>
+            <a:chExt cx="10254344" cy="2539341"/>
+          </a:xfrm>
+        </p:grpSpPr>
+        <p:sp>
+          <p:nvSpPr>
+            <p:cNvPr id="5" name="Rectangle: Rounded Corners 4">
+              <a:extLst>
+                <a:ext uri="{FF2B5EF4-FFF2-40B4-BE49-F238E27FC236}">
+                  <a16:creationId xmlns:a16="http://schemas.microsoft.com/office/drawing/2014/main" id="{3FFDDBAA-618F-441C-940D-0A962CA69856}"/>
+                </a:ext>
+              </a:extLst>
+            </p:cNvPr>
+            <p:cNvSpPr/>
+            <p:nvPr/>
+          </p:nvSpPr>
+          <p:spPr>
+            <a:xfrm>
+              <a:off x="836138" y="4993572"/>
+              <a:ext cx="914400" cy="666998"/>
+            </a:xfrm>
+            <a:prstGeom prst="roundRect">
+              <a:avLst/>
+            </a:prstGeom>
+          </p:spPr>
+          <p:style>
+            <a:lnRef idx="2">
+              <a:schemeClr val="accent1">
+                <a:shade val="50000"/>
+              </a:schemeClr>
+            </a:lnRef>
+            <a:fillRef idx="1">
+              <a:schemeClr val="accent1"/>
+            </a:fillRef>
+            <a:effectRef idx="0">
+              <a:schemeClr val="accent1"/>
+            </a:effectRef>
+            <a:fontRef idx="minor">
+              <a:schemeClr val="lt1"/>
+            </a:fontRef>
+          </p:style>
+          <p:txBody>
+            <a:bodyPr rtlCol="0" anchor="ctr"/>
+            <a:lstStyle/>
+            <a:p>
+              <a:pPr algn="ctr"/>
+              <a:r>
+                <a:rPr lang="fr-FR" sz="900" dirty="0"/>
+                <a:t>Client</a:t>
+              </a:r>
+            </a:p>
+          </p:txBody>
+        </p:sp>
+        <p:sp>
+          <p:nvSpPr>
+            <p:cNvPr id="6" name="Rectangle: Rounded Corners 5">
+              <a:extLst>
+                <a:ext uri="{FF2B5EF4-FFF2-40B4-BE49-F238E27FC236}">
+                  <a16:creationId xmlns:a16="http://schemas.microsoft.com/office/drawing/2014/main" id="{FDCC1603-6569-4380-B255-A74CDD1AC86A}"/>
+                </a:ext>
+              </a:extLst>
+            </p:cNvPr>
+            <p:cNvSpPr/>
+            <p:nvPr/>
+          </p:nvSpPr>
+          <p:spPr>
+            <a:xfrm>
+              <a:off x="2166257" y="4057401"/>
+              <a:ext cx="1121229" cy="2539341"/>
+            </a:xfrm>
+            <a:prstGeom prst="roundRect">
+              <a:avLst/>
+            </a:prstGeom>
+          </p:spPr>
+          <p:style>
+            <a:lnRef idx="2">
+              <a:schemeClr val="accent1">
+                <a:shade val="50000"/>
+              </a:schemeClr>
+            </a:lnRef>
+            <a:fillRef idx="1">
+              <a:schemeClr val="accent1"/>
+            </a:fillRef>
+            <a:effectRef idx="0">
+              <a:schemeClr val="accent1"/>
+            </a:effectRef>
+            <a:fontRef idx="minor">
+              <a:schemeClr val="lt1"/>
+            </a:fontRef>
+          </p:style>
+          <p:txBody>
+            <a:bodyPr rtlCol="0" anchor="ctr"/>
+            <a:lstStyle/>
+            <a:p>
+              <a:pPr algn="ctr"/>
+              <a:r>
+                <a:rPr lang="fr-FR" sz="900" dirty="0" err="1"/>
+                <a:t>Load</a:t>
+              </a:r>
+              <a:endParaRPr lang="fr-FR" sz="900" dirty="0"/>
+            </a:p>
+            <a:p>
+              <a:pPr algn="ctr"/>
+              <a:r>
+                <a:rPr lang="fr-FR" sz="900" dirty="0"/>
+                <a:t>Balancer</a:t>
+              </a:r>
+            </a:p>
+          </p:txBody>
+        </p:sp>
+        <p:sp>
+          <p:nvSpPr>
+            <p:cNvPr id="7" name="Rectangle: Rounded Corners 6">
+              <a:extLst>
+                <a:ext uri="{FF2B5EF4-FFF2-40B4-BE49-F238E27FC236}">
+                  <a16:creationId xmlns:a16="http://schemas.microsoft.com/office/drawing/2014/main" id="{C161309D-0ECD-4CE3-9CD2-26309375171A}"/>
+                </a:ext>
+              </a:extLst>
+            </p:cNvPr>
+            <p:cNvSpPr/>
+            <p:nvPr/>
+          </p:nvSpPr>
+          <p:spPr>
+            <a:xfrm>
+              <a:off x="3827649" y="4124366"/>
+              <a:ext cx="1593438" cy="673265"/>
+            </a:xfrm>
+            <a:prstGeom prst="roundRect">
+              <a:avLst/>
+            </a:prstGeom>
+          </p:spPr>
+          <p:style>
+            <a:lnRef idx="2">
+              <a:schemeClr val="accent1">
+                <a:shade val="50000"/>
+              </a:schemeClr>
+            </a:lnRef>
+            <a:fillRef idx="1">
+              <a:schemeClr val="accent1"/>
+            </a:fillRef>
+            <a:effectRef idx="0">
+              <a:schemeClr val="accent1"/>
+            </a:effectRef>
+            <a:fontRef idx="minor">
+              <a:schemeClr val="lt1"/>
+            </a:fontRef>
+          </p:style>
+          <p:txBody>
+            <a:bodyPr rtlCol="0" anchor="ctr"/>
+            <a:lstStyle/>
+            <a:p>
+              <a:pPr algn="ctr"/>
+              <a:r>
+                <a:rPr lang="fr-FR" sz="900" dirty="0"/>
+                <a:t>API Gateway</a:t>
+              </a:r>
+            </a:p>
+          </p:txBody>
+        </p:sp>
+        <p:sp>
+          <p:nvSpPr>
+            <p:cNvPr id="8" name="Rectangle: Rounded Corners 7">
+              <a:extLst>
+                <a:ext uri="{FF2B5EF4-FFF2-40B4-BE49-F238E27FC236}">
+                  <a16:creationId xmlns:a16="http://schemas.microsoft.com/office/drawing/2014/main" id="{9C9A6205-B5FD-4410-9330-F4A8787B194E}"/>
+                </a:ext>
+              </a:extLst>
+            </p:cNvPr>
+            <p:cNvSpPr/>
+            <p:nvPr/>
+          </p:nvSpPr>
+          <p:spPr>
+            <a:xfrm>
+              <a:off x="3827649" y="5638635"/>
+              <a:ext cx="1593438" cy="673265"/>
+            </a:xfrm>
+            <a:prstGeom prst="roundRect">
+              <a:avLst/>
+            </a:prstGeom>
+          </p:spPr>
+          <p:style>
+            <a:lnRef idx="2">
+              <a:schemeClr val="accent1">
+                <a:shade val="50000"/>
+              </a:schemeClr>
+            </a:lnRef>
+            <a:fillRef idx="1">
+              <a:schemeClr val="accent1"/>
+            </a:fillRef>
+            <a:effectRef idx="0">
+              <a:schemeClr val="accent1"/>
+            </a:effectRef>
+            <a:fontRef idx="minor">
+              <a:schemeClr val="lt1"/>
+            </a:fontRef>
+          </p:style>
+          <p:txBody>
+            <a:bodyPr rtlCol="0" anchor="ctr"/>
+            <a:lstStyle/>
+            <a:p>
+              <a:pPr algn="ctr"/>
+              <a:r>
+                <a:rPr lang="fr-FR" sz="900" dirty="0"/>
+                <a:t>API Gateway</a:t>
+              </a:r>
+            </a:p>
+          </p:txBody>
+        </p:sp>
+        <p:sp>
+          <p:nvSpPr>
+            <p:cNvPr id="9" name="Rectangle: Rounded Corners 8">
+              <a:extLst>
+                <a:ext uri="{FF2B5EF4-FFF2-40B4-BE49-F238E27FC236}">
+                  <a16:creationId xmlns:a16="http://schemas.microsoft.com/office/drawing/2014/main" id="{0467E751-DC42-438E-92EF-445BB16D01BC}"/>
+                </a:ext>
+              </a:extLst>
+            </p:cNvPr>
+            <p:cNvSpPr/>
+            <p:nvPr/>
+          </p:nvSpPr>
+          <p:spPr>
+            <a:xfrm>
+              <a:off x="6042726" y="4726843"/>
+              <a:ext cx="1593438" cy="673265"/>
+            </a:xfrm>
+            <a:prstGeom prst="roundRect">
+              <a:avLst/>
+            </a:prstGeom>
+          </p:spPr>
+          <p:style>
+            <a:lnRef idx="2">
+              <a:schemeClr val="accent1">
+                <a:shade val="50000"/>
+              </a:schemeClr>
+            </a:lnRef>
+            <a:fillRef idx="1">
+              <a:schemeClr val="accent1"/>
+            </a:fillRef>
+            <a:effectRef idx="0">
+              <a:schemeClr val="accent1"/>
+            </a:effectRef>
+            <a:fontRef idx="minor">
+              <a:schemeClr val="lt1"/>
+            </a:fontRef>
+          </p:style>
+          <p:txBody>
+            <a:bodyPr rtlCol="0" anchor="ctr"/>
+            <a:lstStyle/>
+            <a:p>
+              <a:pPr algn="ctr"/>
+              <a:r>
+                <a:rPr lang="fr-FR" sz="900" dirty="0"/>
+                <a:t>Annuaire</a:t>
+              </a:r>
+            </a:p>
+          </p:txBody>
+        </p:sp>
+        <p:sp>
+          <p:nvSpPr>
+            <p:cNvPr id="10" name="Rectangle: Rounded Corners 9">
+              <a:extLst>
+                <a:ext uri="{FF2B5EF4-FFF2-40B4-BE49-F238E27FC236}">
+                  <a16:creationId xmlns:a16="http://schemas.microsoft.com/office/drawing/2014/main" id="{C8758F60-BBFB-4895-BF06-53D4CC03887E}"/>
+                </a:ext>
+              </a:extLst>
+            </p:cNvPr>
+            <p:cNvSpPr/>
+            <p:nvPr/>
+          </p:nvSpPr>
+          <p:spPr>
+            <a:xfrm>
+              <a:off x="8970406" y="4260520"/>
+              <a:ext cx="1593438" cy="673265"/>
+            </a:xfrm>
+            <a:prstGeom prst="roundRect">
+              <a:avLst/>
+            </a:prstGeom>
+          </p:spPr>
+          <p:style>
+            <a:lnRef idx="2">
+              <a:schemeClr val="accent1">
+                <a:shade val="50000"/>
+              </a:schemeClr>
+            </a:lnRef>
+            <a:fillRef idx="1">
+              <a:schemeClr val="accent1"/>
+            </a:fillRef>
+            <a:effectRef idx="0">
+              <a:schemeClr val="accent1"/>
+            </a:effectRef>
+            <a:fontRef idx="minor">
+              <a:schemeClr val="lt1"/>
+            </a:fontRef>
+          </p:style>
+          <p:txBody>
+            <a:bodyPr rtlCol="0" anchor="ctr"/>
+            <a:lstStyle/>
+            <a:p>
+              <a:pPr algn="ctr"/>
+              <a:r>
+                <a:rPr lang="fr-FR" sz="900" dirty="0"/>
+                <a:t>Composant</a:t>
+              </a:r>
+            </a:p>
+          </p:txBody>
+        </p:sp>
+        <p:sp>
+          <p:nvSpPr>
+            <p:cNvPr id="11" name="Rectangle: Rounded Corners 10">
+              <a:extLst>
+                <a:ext uri="{FF2B5EF4-FFF2-40B4-BE49-F238E27FC236}">
+                  <a16:creationId xmlns:a16="http://schemas.microsoft.com/office/drawing/2014/main" id="{F4C2D893-AF75-47DE-8575-BB8E595B543F}"/>
+                </a:ext>
+              </a:extLst>
+            </p:cNvPr>
+            <p:cNvSpPr/>
+            <p:nvPr/>
+          </p:nvSpPr>
+          <p:spPr>
+            <a:xfrm>
+              <a:off x="9233725" y="4791364"/>
+              <a:ext cx="1593438" cy="673265"/>
+            </a:xfrm>
+            <a:prstGeom prst="roundRect">
+              <a:avLst/>
+            </a:prstGeom>
+          </p:spPr>
+          <p:style>
+            <a:lnRef idx="2">
+              <a:schemeClr val="accent1">
+                <a:shade val="50000"/>
+              </a:schemeClr>
+            </a:lnRef>
+            <a:fillRef idx="1">
+              <a:schemeClr val="accent1"/>
+            </a:fillRef>
+            <a:effectRef idx="0">
+              <a:schemeClr val="accent1"/>
+            </a:effectRef>
+            <a:fontRef idx="minor">
+              <a:schemeClr val="lt1"/>
+            </a:fontRef>
+          </p:style>
+          <p:txBody>
+            <a:bodyPr rtlCol="0" anchor="ctr"/>
+            <a:lstStyle/>
+            <a:p>
+              <a:pPr algn="ctr"/>
+              <a:r>
+                <a:rPr lang="fr-FR" sz="900" dirty="0"/>
+                <a:t>Composant</a:t>
+              </a:r>
+            </a:p>
+          </p:txBody>
+        </p:sp>
+        <p:sp>
+          <p:nvSpPr>
+            <p:cNvPr id="12" name="Rectangle: Rounded Corners 11">
+              <a:extLst>
+                <a:ext uri="{FF2B5EF4-FFF2-40B4-BE49-F238E27FC236}">
+                  <a16:creationId xmlns:a16="http://schemas.microsoft.com/office/drawing/2014/main" id="{A09AA88A-06E4-484B-A704-0AF3F85528E1}"/>
+                </a:ext>
+              </a:extLst>
+            </p:cNvPr>
+            <p:cNvSpPr/>
+            <p:nvPr/>
+          </p:nvSpPr>
+          <p:spPr>
+            <a:xfrm>
+              <a:off x="9497044" y="5337886"/>
+              <a:ext cx="1593438" cy="673265"/>
+            </a:xfrm>
+            <a:prstGeom prst="roundRect">
+              <a:avLst/>
+            </a:prstGeom>
+          </p:spPr>
+          <p:style>
+            <a:lnRef idx="2">
+              <a:schemeClr val="accent1">
+                <a:shade val="50000"/>
+              </a:schemeClr>
+            </a:lnRef>
+            <a:fillRef idx="1">
+              <a:schemeClr val="accent1"/>
+            </a:fillRef>
+            <a:effectRef idx="0">
+              <a:schemeClr val="accent1"/>
+            </a:effectRef>
+            <a:fontRef idx="minor">
+              <a:schemeClr val="lt1"/>
+            </a:fontRef>
+          </p:style>
+          <p:txBody>
+            <a:bodyPr rtlCol="0" anchor="ctr"/>
+            <a:lstStyle/>
+            <a:p>
+              <a:pPr algn="ctr"/>
+              <a:r>
+                <a:rPr lang="fr-FR" sz="900" dirty="0"/>
+                <a:t>Composant</a:t>
+              </a:r>
+            </a:p>
+          </p:txBody>
+        </p:sp>
+        <p:sp>
+          <p:nvSpPr>
+            <p:cNvPr id="13" name="Rectangle: Rounded Corners 12">
+              <a:extLst>
+                <a:ext uri="{FF2B5EF4-FFF2-40B4-BE49-F238E27FC236}">
+                  <a16:creationId xmlns:a16="http://schemas.microsoft.com/office/drawing/2014/main" id="{33F98C27-1B25-45D1-AF4B-9CF26AA188B0}"/>
+                </a:ext>
+              </a:extLst>
+            </p:cNvPr>
+            <p:cNvSpPr/>
+            <p:nvPr/>
+          </p:nvSpPr>
+          <p:spPr>
+            <a:xfrm>
+              <a:off x="6306045" y="5198412"/>
+              <a:ext cx="1593438" cy="673265"/>
+            </a:xfrm>
+            <a:prstGeom prst="roundRect">
+              <a:avLst/>
+            </a:prstGeom>
+          </p:spPr>
+          <p:style>
+            <a:lnRef idx="2">
+              <a:schemeClr val="accent1">
+                <a:shade val="50000"/>
+              </a:schemeClr>
+            </a:lnRef>
+            <a:fillRef idx="1">
+              <a:schemeClr val="accent1"/>
+            </a:fillRef>
+            <a:effectRef idx="0">
+              <a:schemeClr val="accent1"/>
+            </a:effectRef>
+            <a:fontRef idx="minor">
+              <a:schemeClr val="lt1"/>
+            </a:fontRef>
+          </p:style>
+          <p:txBody>
+            <a:bodyPr rtlCol="0" anchor="ctr"/>
+            <a:lstStyle/>
+            <a:p>
+              <a:pPr algn="ctr"/>
+              <a:r>
+                <a:rPr lang="fr-FR" sz="900" dirty="0"/>
+                <a:t>Annuaire</a:t>
+              </a:r>
+            </a:p>
+          </p:txBody>
+        </p:sp>
+        <p:cxnSp>
+          <p:nvCxnSpPr>
+            <p:cNvPr id="14" name="Straight Arrow Connector 13">
+              <a:extLst>
+                <a:ext uri="{FF2B5EF4-FFF2-40B4-BE49-F238E27FC236}">
+                  <a16:creationId xmlns:a16="http://schemas.microsoft.com/office/drawing/2014/main" id="{6B2831E4-6DF0-4889-BF98-929D4E9316E7}"/>
+                </a:ext>
+              </a:extLst>
+            </p:cNvPr>
+            <p:cNvCxnSpPr>
+              <a:stCxn id="10" idx="1"/>
+              <a:endCxn id="9" idx="3"/>
+            </p:cNvCxnSpPr>
+            <p:nvPr/>
+          </p:nvCxnSpPr>
+          <p:spPr>
+            <a:xfrm flipH="1">
+              <a:off x="7636164" y="4597153"/>
+              <a:ext cx="1334242" cy="466323"/>
+            </a:xfrm>
+            <a:prstGeom prst="straightConnector1">
+              <a:avLst/>
+            </a:prstGeom>
+            <a:ln>
+              <a:tailEnd type="triangle"/>
+            </a:ln>
+          </p:spPr>
+          <p:style>
+            <a:lnRef idx="1">
+              <a:schemeClr val="accent1"/>
+            </a:lnRef>
+            <a:fillRef idx="0">
+              <a:schemeClr val="accent1"/>
+            </a:fillRef>
+            <a:effectRef idx="0">
+              <a:schemeClr val="accent1"/>
+            </a:effectRef>
+            <a:fontRef idx="minor">
+              <a:schemeClr val="tx1"/>
+            </a:fontRef>
+          </p:style>
+        </p:cxnSp>
+        <p:cxnSp>
+          <p:nvCxnSpPr>
+            <p:cNvPr id="15" name="Straight Arrow Connector 14">
+              <a:extLst>
+                <a:ext uri="{FF2B5EF4-FFF2-40B4-BE49-F238E27FC236}">
+                  <a16:creationId xmlns:a16="http://schemas.microsoft.com/office/drawing/2014/main" id="{7DC7F612-268F-4F1D-A417-AA3B6B60430D}"/>
+                </a:ext>
+              </a:extLst>
+            </p:cNvPr>
+            <p:cNvCxnSpPr>
+              <a:stCxn id="10" idx="1"/>
+              <a:endCxn id="13" idx="3"/>
+            </p:cNvCxnSpPr>
+            <p:nvPr/>
+          </p:nvCxnSpPr>
+          <p:spPr>
+            <a:xfrm flipH="1">
+              <a:off x="7899483" y="4597153"/>
+              <a:ext cx="1070923" cy="937892"/>
+            </a:xfrm>
+            <a:prstGeom prst="straightConnector1">
+              <a:avLst/>
+            </a:prstGeom>
+            <a:ln>
+              <a:tailEnd type="triangle"/>
+            </a:ln>
+          </p:spPr>
+          <p:style>
+            <a:lnRef idx="1">
+              <a:schemeClr val="accent1"/>
+            </a:lnRef>
+            <a:fillRef idx="0">
+              <a:schemeClr val="accent1"/>
+            </a:fillRef>
+            <a:effectRef idx="0">
+              <a:schemeClr val="accent1"/>
+            </a:effectRef>
+            <a:fontRef idx="minor">
+              <a:schemeClr val="tx1"/>
+            </a:fontRef>
+          </p:style>
+        </p:cxnSp>
+        <p:cxnSp>
+          <p:nvCxnSpPr>
+            <p:cNvPr id="16" name="Straight Arrow Connector 15">
+              <a:extLst>
+                <a:ext uri="{FF2B5EF4-FFF2-40B4-BE49-F238E27FC236}">
+                  <a16:creationId xmlns:a16="http://schemas.microsoft.com/office/drawing/2014/main" id="{02775AC3-292D-4E72-80A0-ADBB034C5566}"/>
+                </a:ext>
+              </a:extLst>
+            </p:cNvPr>
+            <p:cNvCxnSpPr>
+              <a:stCxn id="11" idx="1"/>
+            </p:cNvCxnSpPr>
+            <p:nvPr/>
+          </p:nvCxnSpPr>
+          <p:spPr>
+            <a:xfrm flipH="1">
+              <a:off x="7636164" y="5127997"/>
+              <a:ext cx="1597561" cy="126742"/>
+            </a:xfrm>
+            <a:prstGeom prst="straightConnector1">
+              <a:avLst/>
+            </a:prstGeom>
+            <a:ln>
+              <a:tailEnd type="triangle"/>
+            </a:ln>
+          </p:spPr>
+          <p:style>
+            <a:lnRef idx="1">
+              <a:schemeClr val="accent1"/>
+            </a:lnRef>
+            <a:fillRef idx="0">
+              <a:schemeClr val="accent1"/>
+            </a:fillRef>
+            <a:effectRef idx="0">
+              <a:schemeClr val="accent1"/>
+            </a:effectRef>
+            <a:fontRef idx="minor">
+              <a:schemeClr val="tx1"/>
+            </a:fontRef>
+          </p:style>
+        </p:cxnSp>
+        <p:cxnSp>
+          <p:nvCxnSpPr>
+            <p:cNvPr id="17" name="Straight Arrow Connector 16">
+              <a:extLst>
+                <a:ext uri="{FF2B5EF4-FFF2-40B4-BE49-F238E27FC236}">
+                  <a16:creationId xmlns:a16="http://schemas.microsoft.com/office/drawing/2014/main" id="{48B0C995-19EC-4879-BF7F-59F18506E843}"/>
+                </a:ext>
+              </a:extLst>
+            </p:cNvPr>
+            <p:cNvCxnSpPr>
+              <a:stCxn id="11" idx="1"/>
+              <a:endCxn id="13" idx="3"/>
+            </p:cNvCxnSpPr>
+            <p:nvPr/>
+          </p:nvCxnSpPr>
+          <p:spPr>
+            <a:xfrm flipH="1">
+              <a:off x="7899483" y="5127997"/>
+              <a:ext cx="1334242" cy="407048"/>
+            </a:xfrm>
+            <a:prstGeom prst="straightConnector1">
+              <a:avLst/>
+            </a:prstGeom>
+            <a:ln>
+              <a:tailEnd type="triangle"/>
+            </a:ln>
+          </p:spPr>
+          <p:style>
+            <a:lnRef idx="1">
+              <a:schemeClr val="accent1"/>
+            </a:lnRef>
+            <a:fillRef idx="0">
+              <a:schemeClr val="accent1"/>
+            </a:fillRef>
+            <a:effectRef idx="0">
+              <a:schemeClr val="accent1"/>
+            </a:effectRef>
+            <a:fontRef idx="minor">
+              <a:schemeClr val="tx1"/>
+            </a:fontRef>
+          </p:style>
+        </p:cxnSp>
+        <p:cxnSp>
+          <p:nvCxnSpPr>
+            <p:cNvPr id="18" name="Straight Arrow Connector 17">
+              <a:extLst>
+                <a:ext uri="{FF2B5EF4-FFF2-40B4-BE49-F238E27FC236}">
+                  <a16:creationId xmlns:a16="http://schemas.microsoft.com/office/drawing/2014/main" id="{8331648D-4BA0-461F-9557-E80BC2B26969}"/>
+                </a:ext>
+              </a:extLst>
+            </p:cNvPr>
+            <p:cNvCxnSpPr>
+              <a:stCxn id="12" idx="1"/>
+              <a:endCxn id="9" idx="3"/>
+            </p:cNvCxnSpPr>
+            <p:nvPr/>
+          </p:nvCxnSpPr>
+          <p:spPr>
+            <a:xfrm flipH="1" flipV="1">
+              <a:off x="7636164" y="5063476"/>
+              <a:ext cx="1860880" cy="611043"/>
+            </a:xfrm>
+            <a:prstGeom prst="straightConnector1">
+              <a:avLst/>
+            </a:prstGeom>
+            <a:ln>
+              <a:tailEnd type="triangle"/>
+            </a:ln>
+          </p:spPr>
+          <p:style>
+            <a:lnRef idx="1">
+              <a:schemeClr val="accent1"/>
+            </a:lnRef>
+            <a:fillRef idx="0">
+              <a:schemeClr val="accent1"/>
+            </a:fillRef>
+            <a:effectRef idx="0">
+              <a:schemeClr val="accent1"/>
+            </a:effectRef>
+            <a:fontRef idx="minor">
+              <a:schemeClr val="tx1"/>
+            </a:fontRef>
+          </p:style>
+        </p:cxnSp>
+        <p:cxnSp>
+          <p:nvCxnSpPr>
+            <p:cNvPr id="19" name="Straight Arrow Connector 18">
+              <a:extLst>
+                <a:ext uri="{FF2B5EF4-FFF2-40B4-BE49-F238E27FC236}">
+                  <a16:creationId xmlns:a16="http://schemas.microsoft.com/office/drawing/2014/main" id="{AF86001E-516D-41D3-AF13-BB03F419265B}"/>
+                </a:ext>
+              </a:extLst>
+            </p:cNvPr>
+            <p:cNvCxnSpPr>
+              <a:stCxn id="12" idx="1"/>
+              <a:endCxn id="13" idx="3"/>
+            </p:cNvCxnSpPr>
+            <p:nvPr/>
+          </p:nvCxnSpPr>
+          <p:spPr>
+            <a:xfrm flipH="1" flipV="1">
+              <a:off x="7899483" y="5535045"/>
+              <a:ext cx="1597561" cy="139474"/>
+            </a:xfrm>
+            <a:prstGeom prst="straightConnector1">
+              <a:avLst/>
+            </a:prstGeom>
+            <a:ln>
+              <a:tailEnd type="triangle"/>
+            </a:ln>
+          </p:spPr>
+          <p:style>
+            <a:lnRef idx="1">
+              <a:schemeClr val="accent1"/>
+            </a:lnRef>
+            <a:fillRef idx="0">
+              <a:schemeClr val="accent1"/>
+            </a:fillRef>
+            <a:effectRef idx="0">
+              <a:schemeClr val="accent1"/>
+            </a:effectRef>
+            <a:fontRef idx="minor">
+              <a:schemeClr val="tx1"/>
+            </a:fontRef>
+          </p:style>
+        </p:cxnSp>
+        <p:cxnSp>
+          <p:nvCxnSpPr>
+            <p:cNvPr id="20" name="Connector: Elbow 19">
+              <a:extLst>
+                <a:ext uri="{FF2B5EF4-FFF2-40B4-BE49-F238E27FC236}">
+                  <a16:creationId xmlns:a16="http://schemas.microsoft.com/office/drawing/2014/main" id="{F47B46BA-EF5E-4213-9E58-FE956C958A88}"/>
+                </a:ext>
+              </a:extLst>
+            </p:cNvPr>
+            <p:cNvCxnSpPr>
+              <a:stCxn id="9" idx="1"/>
+              <a:endCxn id="7" idx="2"/>
+            </p:cNvCxnSpPr>
+            <p:nvPr/>
+          </p:nvCxnSpPr>
+          <p:spPr>
+            <a:xfrm rot="10800000">
+              <a:off x="4624368" y="4797632"/>
+              <a:ext cx="1418358" cy="265845"/>
+            </a:xfrm>
+            <a:prstGeom prst="bentConnector2">
+              <a:avLst/>
+            </a:prstGeom>
+            <a:ln>
+              <a:tailEnd type="triangle"/>
+            </a:ln>
+          </p:spPr>
+          <p:style>
+            <a:lnRef idx="1">
+              <a:schemeClr val="accent1"/>
+            </a:lnRef>
+            <a:fillRef idx="0">
+              <a:schemeClr val="accent1"/>
+            </a:fillRef>
+            <a:effectRef idx="0">
+              <a:schemeClr val="accent1"/>
+            </a:effectRef>
+            <a:fontRef idx="minor">
+              <a:schemeClr val="tx1"/>
+            </a:fontRef>
+          </p:style>
+        </p:cxnSp>
+        <p:cxnSp>
+          <p:nvCxnSpPr>
+            <p:cNvPr id="21" name="Connector: Elbow 20">
+              <a:extLst>
+                <a:ext uri="{FF2B5EF4-FFF2-40B4-BE49-F238E27FC236}">
+                  <a16:creationId xmlns:a16="http://schemas.microsoft.com/office/drawing/2014/main" id="{5FBA397E-233F-4A3B-ACA4-74297991A815}"/>
+                </a:ext>
+              </a:extLst>
+            </p:cNvPr>
+            <p:cNvCxnSpPr>
+              <a:stCxn id="13" idx="1"/>
+              <a:endCxn id="8" idx="0"/>
+            </p:cNvCxnSpPr>
+            <p:nvPr/>
+          </p:nvCxnSpPr>
+          <p:spPr>
+            <a:xfrm rot="10800000" flipV="1">
+              <a:off x="4624369" y="5535045"/>
+              <a:ext cx="1681677" cy="103590"/>
+            </a:xfrm>
+            <a:prstGeom prst="bentConnector2">
+              <a:avLst/>
+            </a:prstGeom>
+            <a:ln>
+              <a:tailEnd type="triangle"/>
+            </a:ln>
+          </p:spPr>
+          <p:style>
+            <a:lnRef idx="1">
+              <a:schemeClr val="accent1"/>
+            </a:lnRef>
+            <a:fillRef idx="0">
+              <a:schemeClr val="accent1"/>
+            </a:fillRef>
+            <a:effectRef idx="0">
+              <a:schemeClr val="accent1"/>
+            </a:effectRef>
+            <a:fontRef idx="minor">
+              <a:schemeClr val="tx1"/>
+            </a:fontRef>
+          </p:style>
+        </p:cxnSp>
+        <p:cxnSp>
+          <p:nvCxnSpPr>
+            <p:cNvPr id="22" name="Straight Arrow Connector 21">
+              <a:extLst>
+                <a:ext uri="{FF2B5EF4-FFF2-40B4-BE49-F238E27FC236}">
+                  <a16:creationId xmlns:a16="http://schemas.microsoft.com/office/drawing/2014/main" id="{F775EE79-B365-4FEA-B163-6B58440DCF7C}"/>
+                </a:ext>
+              </a:extLst>
+            </p:cNvPr>
+            <p:cNvCxnSpPr>
+              <a:stCxn id="5" idx="3"/>
+              <a:endCxn id="6" idx="1"/>
+            </p:cNvCxnSpPr>
+            <p:nvPr/>
+          </p:nvCxnSpPr>
+          <p:spPr>
+            <a:xfrm>
+              <a:off x="1750538" y="5327071"/>
+              <a:ext cx="415719" cy="1"/>
+            </a:xfrm>
+            <a:prstGeom prst="straightConnector1">
+              <a:avLst/>
+            </a:prstGeom>
+            <a:ln>
+              <a:tailEnd type="triangle"/>
+            </a:ln>
+          </p:spPr>
+          <p:style>
+            <a:lnRef idx="1">
+              <a:schemeClr val="accent1"/>
+            </a:lnRef>
+            <a:fillRef idx="0">
+              <a:schemeClr val="accent1"/>
+            </a:fillRef>
+            <a:effectRef idx="0">
+              <a:schemeClr val="accent1"/>
+            </a:effectRef>
+            <a:fontRef idx="minor">
+              <a:schemeClr val="tx1"/>
+            </a:fontRef>
+          </p:style>
+        </p:cxnSp>
+        <p:cxnSp>
+          <p:nvCxnSpPr>
+            <p:cNvPr id="23" name="Straight Arrow Connector 22">
+              <a:extLst>
+                <a:ext uri="{FF2B5EF4-FFF2-40B4-BE49-F238E27FC236}">
+                  <a16:creationId xmlns:a16="http://schemas.microsoft.com/office/drawing/2014/main" id="{73DD10CB-50CA-4218-9376-162FF319709D}"/>
+                </a:ext>
+              </a:extLst>
+            </p:cNvPr>
+            <p:cNvCxnSpPr>
+              <a:stCxn id="6" idx="3"/>
+              <a:endCxn id="7" idx="1"/>
+            </p:cNvCxnSpPr>
+            <p:nvPr/>
+          </p:nvCxnSpPr>
+          <p:spPr>
+            <a:xfrm flipV="1">
+              <a:off x="3287486" y="4460999"/>
+              <a:ext cx="540163" cy="866073"/>
+            </a:xfrm>
+            <a:prstGeom prst="straightConnector1">
+              <a:avLst/>
+            </a:prstGeom>
+            <a:ln>
+              <a:tailEnd type="triangle"/>
+            </a:ln>
+          </p:spPr>
+          <p:style>
+            <a:lnRef idx="1">
+              <a:schemeClr val="accent1"/>
+            </a:lnRef>
+            <a:fillRef idx="0">
+              <a:schemeClr val="accent1"/>
+            </a:fillRef>
+            <a:effectRef idx="0">
+              <a:schemeClr val="accent1"/>
+            </a:effectRef>
+            <a:fontRef idx="minor">
+              <a:schemeClr val="tx1"/>
+            </a:fontRef>
+          </p:style>
+        </p:cxnSp>
+        <p:cxnSp>
+          <p:nvCxnSpPr>
+            <p:cNvPr id="24" name="Straight Arrow Connector 23">
+              <a:extLst>
+                <a:ext uri="{FF2B5EF4-FFF2-40B4-BE49-F238E27FC236}">
+                  <a16:creationId xmlns:a16="http://schemas.microsoft.com/office/drawing/2014/main" id="{38EA3F6C-1772-4CFE-AAC4-FC2904216686}"/>
+                </a:ext>
+              </a:extLst>
+            </p:cNvPr>
+            <p:cNvCxnSpPr>
+              <a:stCxn id="6" idx="3"/>
+              <a:endCxn id="8" idx="1"/>
+            </p:cNvCxnSpPr>
+            <p:nvPr/>
+          </p:nvCxnSpPr>
+          <p:spPr>
+            <a:xfrm>
+              <a:off x="3287486" y="5327072"/>
+              <a:ext cx="540163" cy="648196"/>
+            </a:xfrm>
+            <a:prstGeom prst="straightConnector1">
+              <a:avLst/>
+            </a:prstGeom>
+            <a:ln>
+              <a:tailEnd type="triangle"/>
+            </a:ln>
+          </p:spPr>
+          <p:style>
+            <a:lnRef idx="1">
+              <a:schemeClr val="accent1"/>
+            </a:lnRef>
+            <a:fillRef idx="0">
+              <a:schemeClr val="accent1"/>
+            </a:fillRef>
+            <a:effectRef idx="0">
+              <a:schemeClr val="accent1"/>
+            </a:effectRef>
+            <a:fontRef idx="minor">
+              <a:schemeClr val="tx1"/>
+            </a:fontRef>
+          </p:style>
+        </p:cxnSp>
+        <p:cxnSp>
+          <p:nvCxnSpPr>
+            <p:cNvPr id="25" name="Connector: Elbow 24">
+              <a:extLst>
+                <a:ext uri="{FF2B5EF4-FFF2-40B4-BE49-F238E27FC236}">
+                  <a16:creationId xmlns:a16="http://schemas.microsoft.com/office/drawing/2014/main" id="{174421D8-8A61-4DCD-AC28-78FEF8B68F3F}"/>
+                </a:ext>
+              </a:extLst>
+            </p:cNvPr>
+            <p:cNvCxnSpPr>
+              <a:stCxn id="13" idx="1"/>
+              <a:endCxn id="7" idx="3"/>
+            </p:cNvCxnSpPr>
+            <p:nvPr/>
+          </p:nvCxnSpPr>
+          <p:spPr>
+            <a:xfrm rot="10800000">
+              <a:off x="5421087" y="4460999"/>
+              <a:ext cx="884958" cy="1074046"/>
+            </a:xfrm>
+            <a:prstGeom prst="bentConnector3">
+              <a:avLst/>
+            </a:prstGeom>
+            <a:ln>
+              <a:tailEnd type="triangle"/>
+            </a:ln>
+          </p:spPr>
+          <p:style>
+            <a:lnRef idx="1">
+              <a:schemeClr val="accent1"/>
+            </a:lnRef>
+            <a:fillRef idx="0">
+              <a:schemeClr val="accent1"/>
+            </a:fillRef>
+            <a:effectRef idx="0">
+              <a:schemeClr val="accent1"/>
+            </a:effectRef>
+            <a:fontRef idx="minor">
+              <a:schemeClr val="tx1"/>
+            </a:fontRef>
+          </p:style>
+        </p:cxnSp>
+        <p:cxnSp>
+          <p:nvCxnSpPr>
+            <p:cNvPr id="26" name="Connector: Elbow 25">
+              <a:extLst>
+                <a:ext uri="{FF2B5EF4-FFF2-40B4-BE49-F238E27FC236}">
+                  <a16:creationId xmlns:a16="http://schemas.microsoft.com/office/drawing/2014/main" id="{9DFF02DA-C998-4890-BE32-6901DF065D13}"/>
+                </a:ext>
+              </a:extLst>
+            </p:cNvPr>
+            <p:cNvCxnSpPr>
+              <a:stCxn id="9" idx="1"/>
+              <a:endCxn id="8" idx="3"/>
+            </p:cNvCxnSpPr>
+            <p:nvPr/>
+          </p:nvCxnSpPr>
+          <p:spPr>
+            <a:xfrm rot="10800000" flipV="1">
+              <a:off x="5421088" y="5063476"/>
+              <a:ext cx="621639" cy="911792"/>
+            </a:xfrm>
+            <a:prstGeom prst="bentConnector3">
+              <a:avLst/>
+            </a:prstGeom>
+            <a:ln>
+              <a:tailEnd type="triangle"/>
+            </a:ln>
+          </p:spPr>
+          <p:style>
+            <a:lnRef idx="1">
+              <a:schemeClr val="accent1"/>
+            </a:lnRef>
+            <a:fillRef idx="0">
+              <a:schemeClr val="accent1"/>
+            </a:fillRef>
+            <a:effectRef idx="0">
+              <a:schemeClr val="accent1"/>
+            </a:effectRef>
+            <a:fontRef idx="minor">
+              <a:schemeClr val="tx1"/>
+            </a:fontRef>
+          </p:style>
+        </p:cxnSp>
+      </p:grpSp>
+    </p:spTree>
+    <p:extLst>
+      <p:ext uri="{BB962C8B-B14F-4D97-AF65-F5344CB8AC3E}">
+        <p14:creationId xmlns:p14="http://schemas.microsoft.com/office/powerpoint/2010/main" val="2624437563"/>
+      </p:ext>
+    </p:extLst>
+  </p:cSld>
+  <p:clrMapOvr>
+    <a:masterClrMapping/>
+  </p:clrMapOvr>
+</p:sld>
+</file>
+
+<file path=ppt/slides/slide11.xml><?xml version="1.0" encoding="utf-8"?>
+<p:sld xmlns:a="http://schemas.openxmlformats.org/drawingml/2006/main" xmlns:r="http://schemas.openxmlformats.org/officeDocument/2006/relationships" xmlns:p="http://schemas.openxmlformats.org/presentationml/2006/main">
+  <p:cSld>
+    <p:spTree>
+      <p:nvGrpSpPr>
+        <p:cNvPr id="1" name=""/>
+        <p:cNvGrpSpPr/>
+        <p:nvPr/>
+      </p:nvGrpSpPr>
+      <p:grpSpPr>
+        <a:xfrm>
+          <a:off x="0" y="0"/>
+          <a:ext cx="0" cy="0"/>
+          <a:chOff x="0" y="0"/>
+          <a:chExt cx="0" cy="0"/>
+        </a:xfrm>
+      </p:grpSpPr>
+      <p:sp>
+        <p:nvSpPr>
+          <p:cNvPr id="2" name="Title 1">
+            <a:extLst>
+              <a:ext uri="{FF2B5EF4-FFF2-40B4-BE49-F238E27FC236}">
+                <a16:creationId xmlns:a16="http://schemas.microsoft.com/office/drawing/2014/main" id="{BE846B5D-3A68-45EE-9EA8-80354212CA8C}"/>
+              </a:ext>
+            </a:extLst>
+          </p:cNvPr>
+          <p:cNvSpPr>
+            <a:spLocks noGrp="1"/>
+          </p:cNvSpPr>
+          <p:nvPr>
+            <p:ph type="title"/>
+          </p:nvPr>
+        </p:nvSpPr>
+        <p:spPr/>
+        <p:txBody>
+          <a:bodyPr/>
+          <a:lstStyle/>
+          <a:p>
+            <a:r>
+              <a:rPr lang="fr-FR" dirty="0" err="1"/>
+              <a:t>EventsMgr</a:t>
+            </a:r>
+            <a:endParaRPr lang="fr-FR" dirty="0"/>
+          </a:p>
+        </p:txBody>
+      </p:sp>
+      <p:sp>
+        <p:nvSpPr>
+          <p:cNvPr id="3" name="Content Placeholder 2">
+            <a:extLst>
+              <a:ext uri="{FF2B5EF4-FFF2-40B4-BE49-F238E27FC236}">
+                <a16:creationId xmlns:a16="http://schemas.microsoft.com/office/drawing/2014/main" id="{F35BB907-035D-4171-B0C0-41B2FDD8F443}"/>
+              </a:ext>
+            </a:extLst>
+          </p:cNvPr>
+          <p:cNvSpPr>
+            <a:spLocks noGrp="1"/>
+          </p:cNvSpPr>
+          <p:nvPr>
+            <p:ph idx="1"/>
+          </p:nvPr>
+        </p:nvSpPr>
+        <p:spPr/>
+        <p:txBody>
+          <a:bodyPr/>
+          <a:lstStyle/>
+          <a:p>
+            <a:r>
+              <a:rPr lang="fr-FR" dirty="0"/>
+              <a:t>Caractéristiques:</a:t>
+            </a:r>
+          </a:p>
+          <a:p>
+            <a:pPr lvl="1"/>
+            <a:r>
+              <a:rPr lang="fr-FR" dirty="0"/>
+              <a:t>Interroge IRIS360</a:t>
+            </a:r>
+          </a:p>
+          <a:p>
+            <a:pPr lvl="1"/>
+            <a:endParaRPr lang="fr-FR" dirty="0"/>
+          </a:p>
+          <a:p>
+            <a:r>
+              <a:rPr lang="fr-FR" dirty="0"/>
+              <a:t>Rôle:</a:t>
+            </a:r>
+          </a:p>
+          <a:p>
+            <a:pPr lvl="1"/>
+            <a:r>
+              <a:rPr lang="fr-FR" dirty="0"/>
+              <a:t>Permet de récupérer une liste d’événements en fonction de la langue du client.</a:t>
+            </a:r>
+          </a:p>
+          <a:p>
+            <a:pPr lvl="1"/>
+            <a:r>
+              <a:rPr lang="fr-FR" dirty="0"/>
+              <a:t>Permet de récupéré le titre associé à un </a:t>
+            </a:r>
+            <a:r>
+              <a:rPr lang="fr-FR" dirty="0" err="1"/>
+              <a:t>eventID</a:t>
+            </a:r>
+            <a:endParaRPr lang="fr-FR" dirty="0"/>
+          </a:p>
+        </p:txBody>
+      </p:sp>
+      <p:grpSp>
+        <p:nvGrpSpPr>
+          <p:cNvPr id="4" name="Group 3">
+            <a:extLst>
+              <a:ext uri="{FF2B5EF4-FFF2-40B4-BE49-F238E27FC236}">
+                <a16:creationId xmlns:a16="http://schemas.microsoft.com/office/drawing/2014/main" id="{AAB891C2-AE0F-47B0-95F1-7D278930A4E1}"/>
+              </a:ext>
+            </a:extLst>
+          </p:cNvPr>
+          <p:cNvGrpSpPr/>
+          <p:nvPr/>
+        </p:nvGrpSpPr>
+        <p:grpSpPr>
+          <a:xfrm>
+            <a:off x="6387852" y="576943"/>
+            <a:ext cx="5412262" cy="696685"/>
+            <a:chOff x="836138" y="4057401"/>
+            <a:chExt cx="10254344" cy="2539341"/>
+          </a:xfrm>
+        </p:grpSpPr>
+        <p:sp>
+          <p:nvSpPr>
+            <p:cNvPr id="5" name="Rectangle: Rounded Corners 4">
+              <a:extLst>
+                <a:ext uri="{FF2B5EF4-FFF2-40B4-BE49-F238E27FC236}">
+                  <a16:creationId xmlns:a16="http://schemas.microsoft.com/office/drawing/2014/main" id="{51E7AB13-66FA-44A6-AB1C-B19848FBC363}"/>
+                </a:ext>
+              </a:extLst>
+            </p:cNvPr>
+            <p:cNvSpPr/>
+            <p:nvPr/>
+          </p:nvSpPr>
+          <p:spPr>
+            <a:xfrm>
+              <a:off x="836138" y="4993572"/>
+              <a:ext cx="914400" cy="666998"/>
+            </a:xfrm>
+            <a:prstGeom prst="roundRect">
+              <a:avLst/>
+            </a:prstGeom>
+          </p:spPr>
+          <p:style>
+            <a:lnRef idx="2">
+              <a:schemeClr val="accent1">
+                <a:shade val="50000"/>
+              </a:schemeClr>
+            </a:lnRef>
+            <a:fillRef idx="1">
+              <a:schemeClr val="accent1"/>
+            </a:fillRef>
+            <a:effectRef idx="0">
+              <a:schemeClr val="accent1"/>
+            </a:effectRef>
+            <a:fontRef idx="minor">
+              <a:schemeClr val="lt1"/>
+            </a:fontRef>
+          </p:style>
+          <p:txBody>
+            <a:bodyPr rtlCol="0" anchor="ctr"/>
+            <a:lstStyle/>
+            <a:p>
+              <a:pPr algn="ctr"/>
+              <a:r>
+                <a:rPr lang="fr-FR" sz="900" dirty="0"/>
+                <a:t>Client</a:t>
+              </a:r>
+            </a:p>
+          </p:txBody>
+        </p:sp>
+        <p:sp>
+          <p:nvSpPr>
+            <p:cNvPr id="6" name="Rectangle: Rounded Corners 5">
+              <a:extLst>
+                <a:ext uri="{FF2B5EF4-FFF2-40B4-BE49-F238E27FC236}">
+                  <a16:creationId xmlns:a16="http://schemas.microsoft.com/office/drawing/2014/main" id="{0F320D62-F198-4CD0-BEAD-8D67299E84AE}"/>
+                </a:ext>
+              </a:extLst>
+            </p:cNvPr>
+            <p:cNvSpPr/>
+            <p:nvPr/>
+          </p:nvSpPr>
+          <p:spPr>
+            <a:xfrm>
+              <a:off x="2166257" y="4057401"/>
+              <a:ext cx="1121229" cy="2539341"/>
+            </a:xfrm>
+            <a:prstGeom prst="roundRect">
+              <a:avLst/>
+            </a:prstGeom>
+          </p:spPr>
+          <p:style>
+            <a:lnRef idx="2">
+              <a:schemeClr val="accent1">
+                <a:shade val="50000"/>
+              </a:schemeClr>
+            </a:lnRef>
+            <a:fillRef idx="1">
+              <a:schemeClr val="accent1"/>
+            </a:fillRef>
+            <a:effectRef idx="0">
+              <a:schemeClr val="accent1"/>
+            </a:effectRef>
+            <a:fontRef idx="minor">
+              <a:schemeClr val="lt1"/>
+            </a:fontRef>
+          </p:style>
+          <p:txBody>
+            <a:bodyPr rtlCol="0" anchor="ctr"/>
+            <a:lstStyle/>
+            <a:p>
+              <a:pPr algn="ctr"/>
+              <a:r>
+                <a:rPr lang="fr-FR" sz="900" dirty="0" err="1"/>
+                <a:t>Load</a:t>
+              </a:r>
+              <a:endParaRPr lang="fr-FR" sz="900" dirty="0"/>
+            </a:p>
+            <a:p>
+              <a:pPr algn="ctr"/>
+              <a:r>
+                <a:rPr lang="fr-FR" sz="900" dirty="0"/>
+                <a:t>Balancer</a:t>
+              </a:r>
+            </a:p>
+          </p:txBody>
+        </p:sp>
+        <p:sp>
+          <p:nvSpPr>
+            <p:cNvPr id="7" name="Rectangle: Rounded Corners 6">
+              <a:extLst>
+                <a:ext uri="{FF2B5EF4-FFF2-40B4-BE49-F238E27FC236}">
+                  <a16:creationId xmlns:a16="http://schemas.microsoft.com/office/drawing/2014/main" id="{2AE14402-1490-47B3-9CE6-B1898CDAAD88}"/>
+                </a:ext>
+              </a:extLst>
+            </p:cNvPr>
+            <p:cNvSpPr/>
+            <p:nvPr/>
+          </p:nvSpPr>
+          <p:spPr>
+            <a:xfrm>
+              <a:off x="3827649" y="4124366"/>
+              <a:ext cx="1593438" cy="673265"/>
+            </a:xfrm>
+            <a:prstGeom prst="roundRect">
+              <a:avLst/>
+            </a:prstGeom>
+          </p:spPr>
+          <p:style>
+            <a:lnRef idx="2">
+              <a:schemeClr val="accent1">
+                <a:shade val="50000"/>
+              </a:schemeClr>
+            </a:lnRef>
+            <a:fillRef idx="1">
+              <a:schemeClr val="accent1"/>
+            </a:fillRef>
+            <a:effectRef idx="0">
+              <a:schemeClr val="accent1"/>
+            </a:effectRef>
+            <a:fontRef idx="minor">
+              <a:schemeClr val="lt1"/>
+            </a:fontRef>
+          </p:style>
+          <p:txBody>
+            <a:bodyPr rtlCol="0" anchor="ctr"/>
+            <a:lstStyle/>
+            <a:p>
+              <a:pPr algn="ctr"/>
+              <a:r>
+                <a:rPr lang="fr-FR" sz="900" dirty="0"/>
+                <a:t>API Gateway</a:t>
+              </a:r>
+            </a:p>
+          </p:txBody>
+        </p:sp>
+        <p:sp>
+          <p:nvSpPr>
+            <p:cNvPr id="8" name="Rectangle: Rounded Corners 7">
+              <a:extLst>
+                <a:ext uri="{FF2B5EF4-FFF2-40B4-BE49-F238E27FC236}">
+                  <a16:creationId xmlns:a16="http://schemas.microsoft.com/office/drawing/2014/main" id="{489D75B0-72AF-48D2-9EE3-877115E72258}"/>
+                </a:ext>
+              </a:extLst>
+            </p:cNvPr>
+            <p:cNvSpPr/>
+            <p:nvPr/>
+          </p:nvSpPr>
+          <p:spPr>
+            <a:xfrm>
+              <a:off x="3827649" y="5638635"/>
+              <a:ext cx="1593438" cy="673265"/>
+            </a:xfrm>
+            <a:prstGeom prst="roundRect">
+              <a:avLst/>
+            </a:prstGeom>
+          </p:spPr>
+          <p:style>
+            <a:lnRef idx="2">
+              <a:schemeClr val="accent1">
+                <a:shade val="50000"/>
+              </a:schemeClr>
+            </a:lnRef>
+            <a:fillRef idx="1">
+              <a:schemeClr val="accent1"/>
+            </a:fillRef>
+            <a:effectRef idx="0">
+              <a:schemeClr val="accent1"/>
+            </a:effectRef>
+            <a:fontRef idx="minor">
+              <a:schemeClr val="lt1"/>
+            </a:fontRef>
+          </p:style>
+          <p:txBody>
+            <a:bodyPr rtlCol="0" anchor="ctr"/>
+            <a:lstStyle/>
+            <a:p>
+              <a:pPr algn="ctr"/>
+              <a:r>
+                <a:rPr lang="fr-FR" sz="900" dirty="0"/>
+                <a:t>API Gateway</a:t>
+              </a:r>
+            </a:p>
+          </p:txBody>
+        </p:sp>
+        <p:sp>
+          <p:nvSpPr>
+            <p:cNvPr id="9" name="Rectangle: Rounded Corners 8">
+              <a:extLst>
+                <a:ext uri="{FF2B5EF4-FFF2-40B4-BE49-F238E27FC236}">
+                  <a16:creationId xmlns:a16="http://schemas.microsoft.com/office/drawing/2014/main" id="{4127AE46-18C5-4572-A7FA-782B67B6D504}"/>
+                </a:ext>
+              </a:extLst>
+            </p:cNvPr>
+            <p:cNvSpPr/>
+            <p:nvPr/>
+          </p:nvSpPr>
+          <p:spPr>
+            <a:xfrm>
+              <a:off x="6042726" y="4726843"/>
+              <a:ext cx="1593438" cy="673265"/>
+            </a:xfrm>
+            <a:prstGeom prst="roundRect">
+              <a:avLst/>
+            </a:prstGeom>
+          </p:spPr>
+          <p:style>
+            <a:lnRef idx="2">
+              <a:schemeClr val="accent1">
+                <a:shade val="50000"/>
+              </a:schemeClr>
+            </a:lnRef>
+            <a:fillRef idx="1">
+              <a:schemeClr val="accent1"/>
+            </a:fillRef>
+            <a:effectRef idx="0">
+              <a:schemeClr val="accent1"/>
+            </a:effectRef>
+            <a:fontRef idx="minor">
+              <a:schemeClr val="lt1"/>
+            </a:fontRef>
+          </p:style>
+          <p:txBody>
+            <a:bodyPr rtlCol="0" anchor="ctr"/>
+            <a:lstStyle/>
+            <a:p>
+              <a:pPr algn="ctr"/>
+              <a:r>
+                <a:rPr lang="fr-FR" sz="900" dirty="0"/>
+                <a:t>Annuaire</a:t>
+              </a:r>
+            </a:p>
+          </p:txBody>
+        </p:sp>
+        <p:sp>
+          <p:nvSpPr>
+            <p:cNvPr id="10" name="Rectangle: Rounded Corners 9">
+              <a:extLst>
+                <a:ext uri="{FF2B5EF4-FFF2-40B4-BE49-F238E27FC236}">
+                  <a16:creationId xmlns:a16="http://schemas.microsoft.com/office/drawing/2014/main" id="{6C7CB54E-42EE-46D8-9264-C13E7D385D92}"/>
+                </a:ext>
+              </a:extLst>
+            </p:cNvPr>
+            <p:cNvSpPr/>
+            <p:nvPr/>
+          </p:nvSpPr>
+          <p:spPr>
+            <a:xfrm>
+              <a:off x="8970406" y="4260520"/>
+              <a:ext cx="1593438" cy="673265"/>
+            </a:xfrm>
+            <a:prstGeom prst="roundRect">
+              <a:avLst/>
+            </a:prstGeom>
+          </p:spPr>
+          <p:style>
+            <a:lnRef idx="2">
+              <a:schemeClr val="accent1">
+                <a:shade val="50000"/>
+              </a:schemeClr>
+            </a:lnRef>
+            <a:fillRef idx="1">
+              <a:schemeClr val="accent1"/>
+            </a:fillRef>
+            <a:effectRef idx="0">
+              <a:schemeClr val="accent1"/>
+            </a:effectRef>
+            <a:fontRef idx="minor">
+              <a:schemeClr val="lt1"/>
+            </a:fontRef>
+          </p:style>
+          <p:txBody>
+            <a:bodyPr rtlCol="0" anchor="ctr"/>
+            <a:lstStyle/>
+            <a:p>
+              <a:pPr algn="ctr"/>
+              <a:r>
+                <a:rPr lang="fr-FR" sz="900" dirty="0"/>
+                <a:t>Composant</a:t>
+              </a:r>
+            </a:p>
+          </p:txBody>
+        </p:sp>
+        <p:sp>
+          <p:nvSpPr>
+            <p:cNvPr id="11" name="Rectangle: Rounded Corners 10">
+              <a:extLst>
+                <a:ext uri="{FF2B5EF4-FFF2-40B4-BE49-F238E27FC236}">
+                  <a16:creationId xmlns:a16="http://schemas.microsoft.com/office/drawing/2014/main" id="{427FEE52-9D25-4275-8845-154AF36F1446}"/>
+                </a:ext>
+              </a:extLst>
+            </p:cNvPr>
+            <p:cNvSpPr/>
+            <p:nvPr/>
+          </p:nvSpPr>
+          <p:spPr>
+            <a:xfrm>
+              <a:off x="9233725" y="4791364"/>
+              <a:ext cx="1593438" cy="673265"/>
+            </a:xfrm>
+            <a:prstGeom prst="roundRect">
+              <a:avLst/>
+            </a:prstGeom>
+          </p:spPr>
+          <p:style>
+            <a:lnRef idx="2">
+              <a:schemeClr val="accent1">
+                <a:shade val="50000"/>
+              </a:schemeClr>
+            </a:lnRef>
+            <a:fillRef idx="1">
+              <a:schemeClr val="accent1"/>
+            </a:fillRef>
+            <a:effectRef idx="0">
+              <a:schemeClr val="accent1"/>
+            </a:effectRef>
+            <a:fontRef idx="minor">
+              <a:schemeClr val="lt1"/>
+            </a:fontRef>
+          </p:style>
+          <p:txBody>
+            <a:bodyPr rtlCol="0" anchor="ctr"/>
+            <a:lstStyle/>
+            <a:p>
+              <a:pPr algn="ctr"/>
+              <a:r>
+                <a:rPr lang="fr-FR" sz="900" dirty="0"/>
+                <a:t>Composant</a:t>
+              </a:r>
+            </a:p>
+          </p:txBody>
+        </p:sp>
+        <p:sp>
+          <p:nvSpPr>
+            <p:cNvPr id="12" name="Rectangle: Rounded Corners 11">
+              <a:extLst>
+                <a:ext uri="{FF2B5EF4-FFF2-40B4-BE49-F238E27FC236}">
+                  <a16:creationId xmlns:a16="http://schemas.microsoft.com/office/drawing/2014/main" id="{9AAC77BE-0D09-4BC8-B3BB-FC1F52B95566}"/>
+                </a:ext>
+              </a:extLst>
+            </p:cNvPr>
+            <p:cNvSpPr/>
+            <p:nvPr/>
+          </p:nvSpPr>
+          <p:spPr>
+            <a:xfrm>
+              <a:off x="9497044" y="5337886"/>
+              <a:ext cx="1593438" cy="673265"/>
+            </a:xfrm>
+            <a:prstGeom prst="roundRect">
+              <a:avLst/>
+            </a:prstGeom>
+          </p:spPr>
+          <p:style>
+            <a:lnRef idx="2">
+              <a:schemeClr val="accent1">
+                <a:shade val="50000"/>
+              </a:schemeClr>
+            </a:lnRef>
+            <a:fillRef idx="1">
+              <a:schemeClr val="accent1"/>
+            </a:fillRef>
+            <a:effectRef idx="0">
+              <a:schemeClr val="accent1"/>
+            </a:effectRef>
+            <a:fontRef idx="minor">
+              <a:schemeClr val="lt1"/>
+            </a:fontRef>
+          </p:style>
+          <p:txBody>
+            <a:bodyPr rtlCol="0" anchor="ctr"/>
+            <a:lstStyle/>
+            <a:p>
+              <a:pPr algn="ctr"/>
+              <a:r>
+                <a:rPr lang="fr-FR" sz="900" dirty="0"/>
+                <a:t>Composant</a:t>
+              </a:r>
+            </a:p>
+          </p:txBody>
+        </p:sp>
+        <p:sp>
+          <p:nvSpPr>
+            <p:cNvPr id="13" name="Rectangle: Rounded Corners 12">
+              <a:extLst>
+                <a:ext uri="{FF2B5EF4-FFF2-40B4-BE49-F238E27FC236}">
+                  <a16:creationId xmlns:a16="http://schemas.microsoft.com/office/drawing/2014/main" id="{5B1AAF03-A1B0-4CBE-82DE-5A64FD776610}"/>
+                </a:ext>
+              </a:extLst>
+            </p:cNvPr>
+            <p:cNvSpPr/>
+            <p:nvPr/>
+          </p:nvSpPr>
+          <p:spPr>
+            <a:xfrm>
+              <a:off x="6306045" y="5198412"/>
+              <a:ext cx="1593438" cy="673265"/>
+            </a:xfrm>
+            <a:prstGeom prst="roundRect">
+              <a:avLst/>
+            </a:prstGeom>
+          </p:spPr>
+          <p:style>
+            <a:lnRef idx="2">
+              <a:schemeClr val="accent1">
+                <a:shade val="50000"/>
+              </a:schemeClr>
+            </a:lnRef>
+            <a:fillRef idx="1">
+              <a:schemeClr val="accent1"/>
+            </a:fillRef>
+            <a:effectRef idx="0">
+              <a:schemeClr val="accent1"/>
+            </a:effectRef>
+            <a:fontRef idx="minor">
+              <a:schemeClr val="lt1"/>
+            </a:fontRef>
+          </p:style>
+          <p:txBody>
+            <a:bodyPr rtlCol="0" anchor="ctr"/>
+            <a:lstStyle/>
+            <a:p>
+              <a:pPr algn="ctr"/>
+              <a:r>
+                <a:rPr lang="fr-FR" sz="900" dirty="0"/>
+                <a:t>Annuaire</a:t>
+              </a:r>
+            </a:p>
+          </p:txBody>
+        </p:sp>
+        <p:cxnSp>
+          <p:nvCxnSpPr>
+            <p:cNvPr id="14" name="Straight Arrow Connector 13">
+              <a:extLst>
+                <a:ext uri="{FF2B5EF4-FFF2-40B4-BE49-F238E27FC236}">
+                  <a16:creationId xmlns:a16="http://schemas.microsoft.com/office/drawing/2014/main" id="{2DAAA127-016C-4A56-81B3-AA085F33D623}"/>
+                </a:ext>
+              </a:extLst>
+            </p:cNvPr>
+            <p:cNvCxnSpPr>
+              <a:stCxn id="10" idx="1"/>
+              <a:endCxn id="9" idx="3"/>
+            </p:cNvCxnSpPr>
+            <p:nvPr/>
+          </p:nvCxnSpPr>
+          <p:spPr>
+            <a:xfrm flipH="1">
+              <a:off x="7636164" y="4597153"/>
+              <a:ext cx="1334242" cy="466323"/>
+            </a:xfrm>
+            <a:prstGeom prst="straightConnector1">
+              <a:avLst/>
+            </a:prstGeom>
+            <a:ln>
+              <a:tailEnd type="triangle"/>
+            </a:ln>
+          </p:spPr>
+          <p:style>
+            <a:lnRef idx="1">
+              <a:schemeClr val="accent1"/>
+            </a:lnRef>
+            <a:fillRef idx="0">
+              <a:schemeClr val="accent1"/>
+            </a:fillRef>
+            <a:effectRef idx="0">
+              <a:schemeClr val="accent1"/>
+            </a:effectRef>
+            <a:fontRef idx="minor">
+              <a:schemeClr val="tx1"/>
+            </a:fontRef>
+          </p:style>
+        </p:cxnSp>
+        <p:cxnSp>
+          <p:nvCxnSpPr>
+            <p:cNvPr id="15" name="Straight Arrow Connector 14">
+              <a:extLst>
+                <a:ext uri="{FF2B5EF4-FFF2-40B4-BE49-F238E27FC236}">
+                  <a16:creationId xmlns:a16="http://schemas.microsoft.com/office/drawing/2014/main" id="{EC9143FA-2416-4218-ADBF-932D3DD46F10}"/>
+                </a:ext>
+              </a:extLst>
+            </p:cNvPr>
+            <p:cNvCxnSpPr>
+              <a:stCxn id="10" idx="1"/>
+              <a:endCxn id="13" idx="3"/>
+            </p:cNvCxnSpPr>
+            <p:nvPr/>
+          </p:nvCxnSpPr>
+          <p:spPr>
+            <a:xfrm flipH="1">
+              <a:off x="7899483" y="4597153"/>
+              <a:ext cx="1070923" cy="937892"/>
+            </a:xfrm>
+            <a:prstGeom prst="straightConnector1">
+              <a:avLst/>
+            </a:prstGeom>
+            <a:ln>
+              <a:tailEnd type="triangle"/>
+            </a:ln>
+          </p:spPr>
+          <p:style>
+            <a:lnRef idx="1">
+              <a:schemeClr val="accent1"/>
+            </a:lnRef>
+            <a:fillRef idx="0">
+              <a:schemeClr val="accent1"/>
+            </a:fillRef>
+            <a:effectRef idx="0">
+              <a:schemeClr val="accent1"/>
+            </a:effectRef>
+            <a:fontRef idx="minor">
+              <a:schemeClr val="tx1"/>
+            </a:fontRef>
+          </p:style>
+        </p:cxnSp>
+        <p:cxnSp>
+          <p:nvCxnSpPr>
+            <p:cNvPr id="16" name="Straight Arrow Connector 15">
+              <a:extLst>
+                <a:ext uri="{FF2B5EF4-FFF2-40B4-BE49-F238E27FC236}">
+                  <a16:creationId xmlns:a16="http://schemas.microsoft.com/office/drawing/2014/main" id="{1B1CCB51-14D6-45F6-8DDF-E266F5E9C4B5}"/>
+                </a:ext>
+              </a:extLst>
+            </p:cNvPr>
+            <p:cNvCxnSpPr>
+              <a:stCxn id="11" idx="1"/>
+            </p:cNvCxnSpPr>
+            <p:nvPr/>
+          </p:nvCxnSpPr>
+          <p:spPr>
+            <a:xfrm flipH="1">
+              <a:off x="7636164" y="5127997"/>
+              <a:ext cx="1597561" cy="126742"/>
+            </a:xfrm>
+            <a:prstGeom prst="straightConnector1">
+              <a:avLst/>
+            </a:prstGeom>
+            <a:ln>
+              <a:tailEnd type="triangle"/>
+            </a:ln>
+          </p:spPr>
+          <p:style>
+            <a:lnRef idx="1">
+              <a:schemeClr val="accent1"/>
+            </a:lnRef>
+            <a:fillRef idx="0">
+              <a:schemeClr val="accent1"/>
+            </a:fillRef>
+            <a:effectRef idx="0">
+              <a:schemeClr val="accent1"/>
+            </a:effectRef>
+            <a:fontRef idx="minor">
+              <a:schemeClr val="tx1"/>
+            </a:fontRef>
+          </p:style>
+        </p:cxnSp>
+        <p:cxnSp>
+          <p:nvCxnSpPr>
+            <p:cNvPr id="17" name="Straight Arrow Connector 16">
+              <a:extLst>
+                <a:ext uri="{FF2B5EF4-FFF2-40B4-BE49-F238E27FC236}">
+                  <a16:creationId xmlns:a16="http://schemas.microsoft.com/office/drawing/2014/main" id="{63F6C8AF-B42B-4955-A3AE-905FF16A7873}"/>
+                </a:ext>
+              </a:extLst>
+            </p:cNvPr>
+            <p:cNvCxnSpPr>
+              <a:stCxn id="11" idx="1"/>
+              <a:endCxn id="13" idx="3"/>
+            </p:cNvCxnSpPr>
+            <p:nvPr/>
+          </p:nvCxnSpPr>
+          <p:spPr>
+            <a:xfrm flipH="1">
+              <a:off x="7899483" y="5127997"/>
+              <a:ext cx="1334242" cy="407048"/>
+            </a:xfrm>
+            <a:prstGeom prst="straightConnector1">
+              <a:avLst/>
+            </a:prstGeom>
+            <a:ln>
+              <a:tailEnd type="triangle"/>
+            </a:ln>
+          </p:spPr>
+          <p:style>
+            <a:lnRef idx="1">
+              <a:schemeClr val="accent1"/>
+            </a:lnRef>
+            <a:fillRef idx="0">
+              <a:schemeClr val="accent1"/>
+            </a:fillRef>
+            <a:effectRef idx="0">
+              <a:schemeClr val="accent1"/>
+            </a:effectRef>
+            <a:fontRef idx="minor">
+              <a:schemeClr val="tx1"/>
+            </a:fontRef>
+          </p:style>
+        </p:cxnSp>
+        <p:cxnSp>
+          <p:nvCxnSpPr>
+            <p:cNvPr id="18" name="Straight Arrow Connector 17">
+              <a:extLst>
+                <a:ext uri="{FF2B5EF4-FFF2-40B4-BE49-F238E27FC236}">
+                  <a16:creationId xmlns:a16="http://schemas.microsoft.com/office/drawing/2014/main" id="{BF13D51B-C88B-4BD3-9040-37AB58F3E05C}"/>
+                </a:ext>
+              </a:extLst>
+            </p:cNvPr>
+            <p:cNvCxnSpPr>
+              <a:stCxn id="12" idx="1"/>
+              <a:endCxn id="9" idx="3"/>
+            </p:cNvCxnSpPr>
+            <p:nvPr/>
+          </p:nvCxnSpPr>
+          <p:spPr>
+            <a:xfrm flipH="1" flipV="1">
+              <a:off x="7636164" y="5063476"/>
+              <a:ext cx="1860880" cy="611043"/>
+            </a:xfrm>
+            <a:prstGeom prst="straightConnector1">
+              <a:avLst/>
+            </a:prstGeom>
+            <a:ln>
+              <a:tailEnd type="triangle"/>
+            </a:ln>
+          </p:spPr>
+          <p:style>
+            <a:lnRef idx="1">
+              <a:schemeClr val="accent1"/>
+            </a:lnRef>
+            <a:fillRef idx="0">
+              <a:schemeClr val="accent1"/>
+            </a:fillRef>
+            <a:effectRef idx="0">
+              <a:schemeClr val="accent1"/>
+            </a:effectRef>
+            <a:fontRef idx="minor">
+              <a:schemeClr val="tx1"/>
+            </a:fontRef>
+          </p:style>
+        </p:cxnSp>
+        <p:cxnSp>
+          <p:nvCxnSpPr>
+            <p:cNvPr id="19" name="Straight Arrow Connector 18">
+              <a:extLst>
+                <a:ext uri="{FF2B5EF4-FFF2-40B4-BE49-F238E27FC236}">
+                  <a16:creationId xmlns:a16="http://schemas.microsoft.com/office/drawing/2014/main" id="{E0289396-4F77-4B57-AF97-3868B76DF7A6}"/>
+                </a:ext>
+              </a:extLst>
+            </p:cNvPr>
+            <p:cNvCxnSpPr>
+              <a:stCxn id="12" idx="1"/>
+              <a:endCxn id="13" idx="3"/>
+            </p:cNvCxnSpPr>
+            <p:nvPr/>
+          </p:nvCxnSpPr>
+          <p:spPr>
+            <a:xfrm flipH="1" flipV="1">
+              <a:off x="7899483" y="5535045"/>
+              <a:ext cx="1597561" cy="139474"/>
+            </a:xfrm>
+            <a:prstGeom prst="straightConnector1">
+              <a:avLst/>
+            </a:prstGeom>
+            <a:ln>
+              <a:tailEnd type="triangle"/>
+            </a:ln>
+          </p:spPr>
+          <p:style>
+            <a:lnRef idx="1">
+              <a:schemeClr val="accent1"/>
+            </a:lnRef>
+            <a:fillRef idx="0">
+              <a:schemeClr val="accent1"/>
+            </a:fillRef>
+            <a:effectRef idx="0">
+              <a:schemeClr val="accent1"/>
+            </a:effectRef>
+            <a:fontRef idx="minor">
+              <a:schemeClr val="tx1"/>
+            </a:fontRef>
+          </p:style>
+        </p:cxnSp>
+        <p:cxnSp>
+          <p:nvCxnSpPr>
+            <p:cNvPr id="20" name="Connector: Elbow 19">
+              <a:extLst>
+                <a:ext uri="{FF2B5EF4-FFF2-40B4-BE49-F238E27FC236}">
+                  <a16:creationId xmlns:a16="http://schemas.microsoft.com/office/drawing/2014/main" id="{191D1981-A6EA-4075-8523-6FFB2832B97B}"/>
+                </a:ext>
+              </a:extLst>
+            </p:cNvPr>
+            <p:cNvCxnSpPr>
+              <a:stCxn id="9" idx="1"/>
+              <a:endCxn id="7" idx="2"/>
+            </p:cNvCxnSpPr>
+            <p:nvPr/>
+          </p:nvCxnSpPr>
+          <p:spPr>
+            <a:xfrm rot="10800000">
+              <a:off x="4624368" y="4797632"/>
+              <a:ext cx="1418358" cy="265845"/>
+            </a:xfrm>
+            <a:prstGeom prst="bentConnector2">
+              <a:avLst/>
+            </a:prstGeom>
+            <a:ln>
+              <a:tailEnd type="triangle"/>
+            </a:ln>
+          </p:spPr>
+          <p:style>
+            <a:lnRef idx="1">
+              <a:schemeClr val="accent1"/>
+            </a:lnRef>
+            <a:fillRef idx="0">
+              <a:schemeClr val="accent1"/>
+            </a:fillRef>
+            <a:effectRef idx="0">
+              <a:schemeClr val="accent1"/>
+            </a:effectRef>
+            <a:fontRef idx="minor">
+              <a:schemeClr val="tx1"/>
+            </a:fontRef>
+          </p:style>
+        </p:cxnSp>
+        <p:cxnSp>
+          <p:nvCxnSpPr>
+            <p:cNvPr id="21" name="Connector: Elbow 20">
+              <a:extLst>
+                <a:ext uri="{FF2B5EF4-FFF2-40B4-BE49-F238E27FC236}">
+                  <a16:creationId xmlns:a16="http://schemas.microsoft.com/office/drawing/2014/main" id="{4EB571C2-F106-40C5-83E0-818977498A17}"/>
+                </a:ext>
+              </a:extLst>
+            </p:cNvPr>
+            <p:cNvCxnSpPr>
+              <a:stCxn id="13" idx="1"/>
+              <a:endCxn id="8" idx="0"/>
+            </p:cNvCxnSpPr>
+            <p:nvPr/>
+          </p:nvCxnSpPr>
+          <p:spPr>
+            <a:xfrm rot="10800000" flipV="1">
+              <a:off x="4624369" y="5535045"/>
+              <a:ext cx="1681677" cy="103590"/>
+            </a:xfrm>
+            <a:prstGeom prst="bentConnector2">
+              <a:avLst/>
+            </a:prstGeom>
+            <a:ln>
+              <a:tailEnd type="triangle"/>
+            </a:ln>
+          </p:spPr>
+          <p:style>
+            <a:lnRef idx="1">
+              <a:schemeClr val="accent1"/>
+            </a:lnRef>
+            <a:fillRef idx="0">
+              <a:schemeClr val="accent1"/>
+            </a:fillRef>
+            <a:effectRef idx="0">
+              <a:schemeClr val="accent1"/>
+            </a:effectRef>
+            <a:fontRef idx="minor">
+              <a:schemeClr val="tx1"/>
+            </a:fontRef>
+          </p:style>
+        </p:cxnSp>
+        <p:cxnSp>
+          <p:nvCxnSpPr>
+            <p:cNvPr id="22" name="Straight Arrow Connector 21">
+              <a:extLst>
+                <a:ext uri="{FF2B5EF4-FFF2-40B4-BE49-F238E27FC236}">
+                  <a16:creationId xmlns:a16="http://schemas.microsoft.com/office/drawing/2014/main" id="{9275ED90-D7C6-44E2-BD48-26EE8BF800AE}"/>
+                </a:ext>
+              </a:extLst>
+            </p:cNvPr>
+            <p:cNvCxnSpPr>
+              <a:stCxn id="5" idx="3"/>
+              <a:endCxn id="6" idx="1"/>
+            </p:cNvCxnSpPr>
+            <p:nvPr/>
+          </p:nvCxnSpPr>
+          <p:spPr>
+            <a:xfrm>
+              <a:off x="1750538" y="5327071"/>
+              <a:ext cx="415719" cy="1"/>
+            </a:xfrm>
+            <a:prstGeom prst="straightConnector1">
+              <a:avLst/>
+            </a:prstGeom>
+            <a:ln>
+              <a:tailEnd type="triangle"/>
+            </a:ln>
+          </p:spPr>
+          <p:style>
+            <a:lnRef idx="1">
+              <a:schemeClr val="accent1"/>
+            </a:lnRef>
+            <a:fillRef idx="0">
+              <a:schemeClr val="accent1"/>
+            </a:fillRef>
+            <a:effectRef idx="0">
+              <a:schemeClr val="accent1"/>
+            </a:effectRef>
+            <a:fontRef idx="minor">
+              <a:schemeClr val="tx1"/>
+            </a:fontRef>
+          </p:style>
+        </p:cxnSp>
+        <p:cxnSp>
+          <p:nvCxnSpPr>
+            <p:cNvPr id="23" name="Straight Arrow Connector 22">
+              <a:extLst>
+                <a:ext uri="{FF2B5EF4-FFF2-40B4-BE49-F238E27FC236}">
+                  <a16:creationId xmlns:a16="http://schemas.microsoft.com/office/drawing/2014/main" id="{AD2AA70D-27BC-4573-A154-4A5E55D67839}"/>
+                </a:ext>
+              </a:extLst>
+            </p:cNvPr>
+            <p:cNvCxnSpPr>
+              <a:stCxn id="6" idx="3"/>
+              <a:endCxn id="7" idx="1"/>
+            </p:cNvCxnSpPr>
+            <p:nvPr/>
+          </p:nvCxnSpPr>
+          <p:spPr>
+            <a:xfrm flipV="1">
+              <a:off x="3287486" y="4460999"/>
+              <a:ext cx="540163" cy="866073"/>
+            </a:xfrm>
+            <a:prstGeom prst="straightConnector1">
+              <a:avLst/>
+            </a:prstGeom>
+            <a:ln>
+              <a:tailEnd type="triangle"/>
+            </a:ln>
+          </p:spPr>
+          <p:style>
+            <a:lnRef idx="1">
+              <a:schemeClr val="accent1"/>
+            </a:lnRef>
+            <a:fillRef idx="0">
+              <a:schemeClr val="accent1"/>
+            </a:fillRef>
+            <a:effectRef idx="0">
+              <a:schemeClr val="accent1"/>
+            </a:effectRef>
+            <a:fontRef idx="minor">
+              <a:schemeClr val="tx1"/>
+            </a:fontRef>
+          </p:style>
+        </p:cxnSp>
+        <p:cxnSp>
+          <p:nvCxnSpPr>
+            <p:cNvPr id="24" name="Straight Arrow Connector 23">
+              <a:extLst>
+                <a:ext uri="{FF2B5EF4-FFF2-40B4-BE49-F238E27FC236}">
+                  <a16:creationId xmlns:a16="http://schemas.microsoft.com/office/drawing/2014/main" id="{B754C11D-7883-414B-80AE-531AD1B85245}"/>
+                </a:ext>
+              </a:extLst>
+            </p:cNvPr>
+            <p:cNvCxnSpPr>
+              <a:stCxn id="6" idx="3"/>
+              <a:endCxn id="8" idx="1"/>
+            </p:cNvCxnSpPr>
+            <p:nvPr/>
+          </p:nvCxnSpPr>
+          <p:spPr>
+            <a:xfrm>
+              <a:off x="3287486" y="5327072"/>
+              <a:ext cx="540163" cy="648196"/>
+            </a:xfrm>
+            <a:prstGeom prst="straightConnector1">
+              <a:avLst/>
+            </a:prstGeom>
+            <a:ln>
+              <a:tailEnd type="triangle"/>
+            </a:ln>
+          </p:spPr>
+          <p:style>
+            <a:lnRef idx="1">
+              <a:schemeClr val="accent1"/>
+            </a:lnRef>
+            <a:fillRef idx="0">
+              <a:schemeClr val="accent1"/>
+            </a:fillRef>
+            <a:effectRef idx="0">
+              <a:schemeClr val="accent1"/>
+            </a:effectRef>
+            <a:fontRef idx="minor">
+              <a:schemeClr val="tx1"/>
+            </a:fontRef>
+          </p:style>
+        </p:cxnSp>
+        <p:cxnSp>
+          <p:nvCxnSpPr>
+            <p:cNvPr id="25" name="Connector: Elbow 24">
+              <a:extLst>
+                <a:ext uri="{FF2B5EF4-FFF2-40B4-BE49-F238E27FC236}">
+                  <a16:creationId xmlns:a16="http://schemas.microsoft.com/office/drawing/2014/main" id="{389C3BEB-465E-4BC3-BC71-A568605791D0}"/>
+                </a:ext>
+              </a:extLst>
+            </p:cNvPr>
+            <p:cNvCxnSpPr>
+              <a:stCxn id="13" idx="1"/>
+              <a:endCxn id="7" idx="3"/>
+            </p:cNvCxnSpPr>
+            <p:nvPr/>
+          </p:nvCxnSpPr>
+          <p:spPr>
+            <a:xfrm rot="10800000">
+              <a:off x="5421087" y="4460999"/>
+              <a:ext cx="884958" cy="1074046"/>
+            </a:xfrm>
+            <a:prstGeom prst="bentConnector3">
+              <a:avLst/>
+            </a:prstGeom>
+            <a:ln>
+              <a:tailEnd type="triangle"/>
+            </a:ln>
+          </p:spPr>
+          <p:style>
+            <a:lnRef idx="1">
+              <a:schemeClr val="accent1"/>
+            </a:lnRef>
+            <a:fillRef idx="0">
+              <a:schemeClr val="accent1"/>
+            </a:fillRef>
+            <a:effectRef idx="0">
+              <a:schemeClr val="accent1"/>
+            </a:effectRef>
+            <a:fontRef idx="minor">
+              <a:schemeClr val="tx1"/>
+            </a:fontRef>
+          </p:style>
+        </p:cxnSp>
+        <p:cxnSp>
+          <p:nvCxnSpPr>
+            <p:cNvPr id="26" name="Connector: Elbow 25">
+              <a:extLst>
+                <a:ext uri="{FF2B5EF4-FFF2-40B4-BE49-F238E27FC236}">
+                  <a16:creationId xmlns:a16="http://schemas.microsoft.com/office/drawing/2014/main" id="{FEBFE2E8-F637-429E-A601-254CD0A14666}"/>
+                </a:ext>
+              </a:extLst>
+            </p:cNvPr>
+            <p:cNvCxnSpPr>
+              <a:stCxn id="9" idx="1"/>
+              <a:endCxn id="8" idx="3"/>
+            </p:cNvCxnSpPr>
+            <p:nvPr/>
+          </p:nvCxnSpPr>
+          <p:spPr>
+            <a:xfrm rot="10800000" flipV="1">
+              <a:off x="5421088" y="5063476"/>
+              <a:ext cx="621639" cy="911792"/>
+            </a:xfrm>
+            <a:prstGeom prst="bentConnector3">
+              <a:avLst/>
+            </a:prstGeom>
+            <a:ln>
+              <a:tailEnd type="triangle"/>
+            </a:ln>
+          </p:spPr>
+          <p:style>
+            <a:lnRef idx="1">
+              <a:schemeClr val="accent1"/>
+            </a:lnRef>
+            <a:fillRef idx="0">
+              <a:schemeClr val="accent1"/>
+            </a:fillRef>
+            <a:effectRef idx="0">
+              <a:schemeClr val="accent1"/>
+            </a:effectRef>
+            <a:fontRef idx="minor">
+              <a:schemeClr val="tx1"/>
+            </a:fontRef>
+          </p:style>
+        </p:cxnSp>
+      </p:grpSp>
+    </p:spTree>
+    <p:extLst>
+      <p:ext uri="{BB962C8B-B14F-4D97-AF65-F5344CB8AC3E}">
+        <p14:creationId xmlns:p14="http://schemas.microsoft.com/office/powerpoint/2010/main" val="80698698"/>
+      </p:ext>
+    </p:extLst>
+  </p:cSld>
+  <p:clrMapOvr>
+    <a:masterClrMapping/>
+  </p:clrMapOvr>
+</p:sld>
+</file>
+
+<file path=ppt/slides/slide12.xml><?xml version="1.0" encoding="utf-8"?>
+<p:sld xmlns:a="http://schemas.openxmlformats.org/drawingml/2006/main" xmlns:r="http://schemas.openxmlformats.org/officeDocument/2006/relationships" xmlns:p="http://schemas.openxmlformats.org/presentationml/2006/main">
+  <p:cSld>
+    <p:spTree>
+      <p:nvGrpSpPr>
+        <p:cNvPr id="1" name=""/>
+        <p:cNvGrpSpPr/>
+        <p:nvPr/>
+      </p:nvGrpSpPr>
+      <p:grpSpPr>
+        <a:xfrm>
+          <a:off x="0" y="0"/>
+          <a:ext cx="0" cy="0"/>
+          <a:chOff x="0" y="0"/>
+          <a:chExt cx="0" cy="0"/>
+        </a:xfrm>
+      </p:grpSpPr>
+      <p:sp>
+        <p:nvSpPr>
+          <p:cNvPr id="2" name="Title 1">
+            <a:extLst>
+              <a:ext uri="{FF2B5EF4-FFF2-40B4-BE49-F238E27FC236}">
                 <a16:creationId xmlns:a16="http://schemas.microsoft.com/office/drawing/2014/main" id="{1B3DDF9F-0E21-4754-A7B9-3DCDA74F63B3}"/>
               </a:ext>
             </a:extLst>
@@ -4568,7 +6847,7 @@
 </p:sld>
 </file>
 
-<file path=ppt/slides/slide11.xml><?xml version="1.0" encoding="utf-8"?>
+<file path=ppt/slides/slide13.xml><?xml version="1.0" encoding="utf-8"?>
 <p:sld xmlns:a="http://schemas.openxmlformats.org/drawingml/2006/main" xmlns:r="http://schemas.openxmlformats.org/officeDocument/2006/relationships" xmlns:p="http://schemas.openxmlformats.org/presentationml/2006/main">
   <p:cSld>
     <p:spTree>
@@ -6257,7 +8536,7 @@
 </p:sld>
 </file>
 
-<file path=ppt/slides/slide12.xml><?xml version="1.0" encoding="utf-8"?>
+<file path=ppt/slides/slide14.xml><?xml version="1.0" encoding="utf-8"?>
 <p:sld xmlns:a="http://schemas.openxmlformats.org/drawingml/2006/main" xmlns:r="http://schemas.openxmlformats.org/officeDocument/2006/relationships" xmlns:p="http://schemas.openxmlformats.org/presentationml/2006/main">
   <p:cSld>
     <p:spTree>
@@ -6402,7 +8681,7 @@
 </p:sld>
 </file>
 
-<file path=ppt/slides/slide13.xml><?xml version="1.0" encoding="utf-8"?>
+<file path=ppt/slides/slide15.xml><?xml version="1.0" encoding="utf-8"?>
 <p:sld xmlns:a="http://schemas.openxmlformats.org/drawingml/2006/main" xmlns:r="http://schemas.openxmlformats.org/officeDocument/2006/relationships" xmlns:p="http://schemas.openxmlformats.org/presentationml/2006/main">
   <p:cSld>
     <p:spTree>
@@ -6658,6 +8937,122 @@
           <p:cNvPr id="2" name="Title 1">
             <a:extLst>
               <a:ext uri="{FF2B5EF4-FFF2-40B4-BE49-F238E27FC236}">
+                <a16:creationId xmlns:a16="http://schemas.microsoft.com/office/drawing/2014/main" id="{126C36B2-FD0B-4FE5-B7E4-8B214DBA29E8}"/>
+              </a:ext>
+            </a:extLst>
+          </p:cNvPr>
+          <p:cNvSpPr>
+            <a:spLocks noGrp="1"/>
+          </p:cNvSpPr>
+          <p:nvPr>
+            <p:ph type="title"/>
+          </p:nvPr>
+        </p:nvSpPr>
+        <p:spPr/>
+        <p:txBody>
+          <a:bodyPr/>
+          <a:lstStyle/>
+          <a:p>
+            <a:r>
+              <a:rPr lang="fr-FR" dirty="0"/>
+              <a:t>Points clés:</a:t>
+            </a:r>
+          </a:p>
+        </p:txBody>
+      </p:sp>
+      <p:sp>
+        <p:nvSpPr>
+          <p:cNvPr id="3" name="Content Placeholder 2">
+            <a:extLst>
+              <a:ext uri="{FF2B5EF4-FFF2-40B4-BE49-F238E27FC236}">
+                <a16:creationId xmlns:a16="http://schemas.microsoft.com/office/drawing/2014/main" id="{5099AFA1-3A03-4172-A0DA-85D4C68860D8}"/>
+              </a:ext>
+            </a:extLst>
+          </p:cNvPr>
+          <p:cNvSpPr>
+            <a:spLocks noGrp="1"/>
+          </p:cNvSpPr>
+          <p:nvPr>
+            <p:ph idx="1"/>
+          </p:nvPr>
+        </p:nvSpPr>
+        <p:spPr/>
+        <p:txBody>
+          <a:bodyPr/>
+          <a:lstStyle/>
+          <a:p>
+            <a:r>
+              <a:rPr lang="fr-FR" dirty="0" err="1"/>
+              <a:t>resilience</a:t>
+            </a:r>
+            <a:r>
+              <a:rPr lang="fr-FR" dirty="0"/>
+              <a:t>, </a:t>
+            </a:r>
+            <a:r>
+              <a:rPr lang="fr-FR" dirty="0" err="1"/>
+              <a:t>composability</a:t>
+            </a:r>
+            <a:r>
+              <a:rPr lang="fr-FR" dirty="0"/>
+              <a:t>, </a:t>
+            </a:r>
+            <a:r>
+              <a:rPr lang="fr-FR" dirty="0" err="1"/>
+              <a:t>elasticity</a:t>
+            </a:r>
+            <a:endParaRPr lang="fr-FR" dirty="0"/>
+          </a:p>
+          <a:p>
+            <a:r>
+              <a:rPr lang="en-US" dirty="0"/>
+              <a:t>latency, traceability, and configuration management</a:t>
+            </a:r>
+          </a:p>
+          <a:p>
+            <a:r>
+              <a:rPr lang="en-US" dirty="0"/>
+              <a:t>Network latency: Microservices have a distributed nature so that network latency has to be accounted for</a:t>
+            </a:r>
+            <a:endParaRPr lang="fr-FR" dirty="0"/>
+          </a:p>
+        </p:txBody>
+      </p:sp>
+    </p:spTree>
+    <p:extLst>
+      <p:ext uri="{BB962C8B-B14F-4D97-AF65-F5344CB8AC3E}">
+        <p14:creationId xmlns:p14="http://schemas.microsoft.com/office/powerpoint/2010/main" val="3228703209"/>
+      </p:ext>
+    </p:extLst>
+  </p:cSld>
+  <p:clrMapOvr>
+    <a:masterClrMapping/>
+  </p:clrMapOvr>
+</p:sld>
+</file>
+
+<file path=ppt/slides/slide3.xml><?xml version="1.0" encoding="utf-8"?>
+<p:sld xmlns:a="http://schemas.openxmlformats.org/drawingml/2006/main" xmlns:r="http://schemas.openxmlformats.org/officeDocument/2006/relationships" xmlns:p="http://schemas.openxmlformats.org/presentationml/2006/main">
+  <p:cSld>
+    <p:spTree>
+      <p:nvGrpSpPr>
+        <p:cNvPr id="1" name=""/>
+        <p:cNvGrpSpPr/>
+        <p:nvPr/>
+      </p:nvGrpSpPr>
+      <p:grpSpPr>
+        <a:xfrm>
+          <a:off x="0" y="0"/>
+          <a:ext cx="0" cy="0"/>
+          <a:chOff x="0" y="0"/>
+          <a:chExt cx="0" cy="0"/>
+        </a:xfrm>
+      </p:grpSpPr>
+      <p:sp>
+        <p:nvSpPr>
+          <p:cNvPr id="2" name="Title 1">
+            <a:extLst>
+              <a:ext uri="{FF2B5EF4-FFF2-40B4-BE49-F238E27FC236}">
                 <a16:creationId xmlns:a16="http://schemas.microsoft.com/office/drawing/2014/main" id="{33F48B1C-6145-4688-B312-43A4F1FEB543}"/>
               </a:ext>
             </a:extLst>
@@ -6753,7 +9148,93 @@
 </p:sld>
 </file>
 
-<file path=ppt/slides/slide3.xml><?xml version="1.0" encoding="utf-8"?>
+<file path=ppt/slides/slide4.xml><?xml version="1.0" encoding="utf-8"?>
+<p:sld xmlns:a="http://schemas.openxmlformats.org/drawingml/2006/main" xmlns:r="http://schemas.openxmlformats.org/officeDocument/2006/relationships" xmlns:p="http://schemas.openxmlformats.org/presentationml/2006/main">
+  <p:cSld>
+    <p:spTree>
+      <p:nvGrpSpPr>
+        <p:cNvPr id="1" name=""/>
+        <p:cNvGrpSpPr/>
+        <p:nvPr/>
+      </p:nvGrpSpPr>
+      <p:grpSpPr>
+        <a:xfrm>
+          <a:off x="0" y="0"/>
+          <a:ext cx="0" cy="0"/>
+          <a:chOff x="0" y="0"/>
+          <a:chExt cx="0" cy="0"/>
+        </a:xfrm>
+      </p:grpSpPr>
+      <p:sp>
+        <p:nvSpPr>
+          <p:cNvPr id="2" name="Title 1">
+            <a:extLst>
+              <a:ext uri="{FF2B5EF4-FFF2-40B4-BE49-F238E27FC236}">
+                <a16:creationId xmlns:a16="http://schemas.microsoft.com/office/drawing/2014/main" id="{2784687D-23B8-4E40-AEF6-6452B80AEC11}"/>
+              </a:ext>
+            </a:extLst>
+          </p:cNvPr>
+          <p:cNvSpPr>
+            <a:spLocks noGrp="1"/>
+          </p:cNvSpPr>
+          <p:nvPr>
+            <p:ph type="title"/>
+          </p:nvPr>
+        </p:nvSpPr>
+        <p:spPr/>
+        <p:txBody>
+          <a:bodyPr/>
+          <a:lstStyle/>
+          <a:p>
+            <a:r>
+              <a:rPr lang="fr-FR" dirty="0"/>
+              <a:t>Définition des composants</a:t>
+            </a:r>
+          </a:p>
+        </p:txBody>
+      </p:sp>
+      <p:sp>
+        <p:nvSpPr>
+          <p:cNvPr id="3" name="Content Placeholder 2">
+            <a:extLst>
+              <a:ext uri="{FF2B5EF4-FFF2-40B4-BE49-F238E27FC236}">
+                <a16:creationId xmlns:a16="http://schemas.microsoft.com/office/drawing/2014/main" id="{D76C1FAB-7866-4776-8F13-24FBD5CADE02}"/>
+              </a:ext>
+            </a:extLst>
+          </p:cNvPr>
+          <p:cNvSpPr>
+            <a:spLocks noGrp="1"/>
+          </p:cNvSpPr>
+          <p:nvPr>
+            <p:ph idx="1"/>
+          </p:nvPr>
+        </p:nvSpPr>
+        <p:spPr/>
+        <p:txBody>
+          <a:bodyPr/>
+          <a:lstStyle/>
+          <a:p>
+            <a:r>
+              <a:rPr lang="fr-FR" dirty="0"/>
+              <a:t>Définition des interfaces (contrats)</a:t>
+            </a:r>
+          </a:p>
+        </p:txBody>
+      </p:sp>
+    </p:spTree>
+    <p:extLst>
+      <p:ext uri="{BB962C8B-B14F-4D97-AF65-F5344CB8AC3E}">
+        <p14:creationId xmlns:p14="http://schemas.microsoft.com/office/powerpoint/2010/main" val="4272597895"/>
+      </p:ext>
+    </p:extLst>
+  </p:cSld>
+  <p:clrMapOvr>
+    <a:masterClrMapping/>
+  </p:clrMapOvr>
+</p:sld>
+</file>
+
+<file path=ppt/slides/slide5.xml><?xml version="1.0" encoding="utf-8"?>
 <p:sld xmlns:a="http://schemas.openxmlformats.org/drawingml/2006/main" xmlns:r="http://schemas.openxmlformats.org/officeDocument/2006/relationships" xmlns:p="http://schemas.openxmlformats.org/presentationml/2006/main">
   <p:cSld>
     <p:spTree>
@@ -7133,7 +9614,7 @@
 </p:sld>
 </file>
 
-<file path=ppt/slides/slide4.xml><?xml version="1.0" encoding="utf-8"?>
+<file path=ppt/slides/slide6.xml><?xml version="1.0" encoding="utf-8"?>
 <p:sld xmlns:a="http://schemas.openxmlformats.org/drawingml/2006/main" xmlns:r="http://schemas.openxmlformats.org/officeDocument/2006/relationships" xmlns:p="http://schemas.openxmlformats.org/presentationml/2006/main">
   <p:cSld>
     <p:spTree>
@@ -7712,7 +10193,7 @@
 </p:sld>
 </file>
 
-<file path=ppt/slides/slide5.xml><?xml version="1.0" encoding="utf-8"?>
+<file path=ppt/slides/slide7.xml><?xml version="1.0" encoding="utf-8"?>
 <p:sld xmlns:a="http://schemas.openxmlformats.org/drawingml/2006/main" xmlns:r="http://schemas.openxmlformats.org/officeDocument/2006/relationships" xmlns:p="http://schemas.openxmlformats.org/presentationml/2006/main">
   <p:cSld>
     <p:spTree>
@@ -8785,7 +11266,7 @@
 </p:sld>
 </file>
 
-<file path=ppt/slides/slide6.xml><?xml version="1.0" encoding="utf-8"?>
+<file path=ppt/slides/slide8.xml><?xml version="1.0" encoding="utf-8"?>
 <p:sld xmlns:a="http://schemas.openxmlformats.org/drawingml/2006/main" xmlns:r="http://schemas.openxmlformats.org/officeDocument/2006/relationships" xmlns:p="http://schemas.openxmlformats.org/presentationml/2006/main">
   <p:cSld>
     <p:spTree>
@@ -9970,7 +12451,7 @@
 </p:sld>
 </file>
 
-<file path=ppt/slides/slide7.xml><?xml version="1.0" encoding="utf-8"?>
+<file path=ppt/slides/slide9.xml><?xml version="1.0" encoding="utf-8"?>
 <p:sld xmlns:a="http://schemas.openxmlformats.org/drawingml/2006/main" xmlns:r="http://schemas.openxmlformats.org/officeDocument/2006/relationships" xmlns:p="http://schemas.openxmlformats.org/presentationml/2006/main">
   <p:cSld>
     <p:spTree>
@@ -11111,2283 +13592,6 @@
     <p:extLst>
       <p:ext uri="{BB962C8B-B14F-4D97-AF65-F5344CB8AC3E}">
         <p14:creationId xmlns:p14="http://schemas.microsoft.com/office/powerpoint/2010/main" val="744247867"/>
-      </p:ext>
-    </p:extLst>
-  </p:cSld>
-  <p:clrMapOvr>
-    <a:masterClrMapping/>
-  </p:clrMapOvr>
-</p:sld>
-</file>
-
-<file path=ppt/slides/slide8.xml><?xml version="1.0" encoding="utf-8"?>
-<p:sld xmlns:a="http://schemas.openxmlformats.org/drawingml/2006/main" xmlns:r="http://schemas.openxmlformats.org/officeDocument/2006/relationships" xmlns:p="http://schemas.openxmlformats.org/presentationml/2006/main">
-  <p:cSld>
-    <p:spTree>
-      <p:nvGrpSpPr>
-        <p:cNvPr id="1" name=""/>
-        <p:cNvGrpSpPr/>
-        <p:nvPr/>
-      </p:nvGrpSpPr>
-      <p:grpSpPr>
-        <a:xfrm>
-          <a:off x="0" y="0"/>
-          <a:ext cx="0" cy="0"/>
-          <a:chOff x="0" y="0"/>
-          <a:chExt cx="0" cy="0"/>
-        </a:xfrm>
-      </p:grpSpPr>
-      <p:sp>
-        <p:nvSpPr>
-          <p:cNvPr id="2" name="Title 1">
-            <a:extLst>
-              <a:ext uri="{FF2B5EF4-FFF2-40B4-BE49-F238E27FC236}">
-                <a16:creationId xmlns:a16="http://schemas.microsoft.com/office/drawing/2014/main" id="{9B7484C3-D6CC-4BD2-9E77-9E04169EEFEE}"/>
-              </a:ext>
-            </a:extLst>
-          </p:cNvPr>
-          <p:cNvSpPr>
-            <a:spLocks noGrp="1"/>
-          </p:cNvSpPr>
-          <p:nvPr>
-            <p:ph type="title"/>
-          </p:nvPr>
-        </p:nvSpPr>
-        <p:spPr/>
-        <p:txBody>
-          <a:bodyPr/>
-          <a:lstStyle/>
-          <a:p>
-            <a:r>
-              <a:rPr lang="fr-FR" dirty="0"/>
-              <a:t>Authentification</a:t>
-            </a:r>
-          </a:p>
-        </p:txBody>
-      </p:sp>
-      <p:sp>
-        <p:nvSpPr>
-          <p:cNvPr id="3" name="Content Placeholder 2">
-            <a:extLst>
-              <a:ext uri="{FF2B5EF4-FFF2-40B4-BE49-F238E27FC236}">
-                <a16:creationId xmlns:a16="http://schemas.microsoft.com/office/drawing/2014/main" id="{E1341335-5AD4-4696-9936-5A6B2CC76468}"/>
-              </a:ext>
-            </a:extLst>
-          </p:cNvPr>
-          <p:cNvSpPr>
-            <a:spLocks noGrp="1"/>
-          </p:cNvSpPr>
-          <p:nvPr>
-            <p:ph idx="1"/>
-          </p:nvPr>
-        </p:nvSpPr>
-        <p:spPr/>
-        <p:txBody>
-          <a:bodyPr/>
-          <a:lstStyle/>
-          <a:p>
-            <a:r>
-              <a:rPr lang="fr-FR" dirty="0"/>
-              <a:t>Caractéristiques:</a:t>
-            </a:r>
-          </a:p>
-          <a:p>
-            <a:pPr lvl="1"/>
-            <a:r>
-              <a:rPr lang="fr-FR" dirty="0"/>
-              <a:t>Utilise l’annuaire LDAP et la base des utilisateurs d’AFO</a:t>
-            </a:r>
-          </a:p>
-          <a:p>
-            <a:pPr lvl="1"/>
-            <a:endParaRPr lang="fr-FR" dirty="0"/>
-          </a:p>
-          <a:p>
-            <a:r>
-              <a:rPr lang="fr-FR" dirty="0"/>
-              <a:t>Rôle:</a:t>
-            </a:r>
-          </a:p>
-          <a:p>
-            <a:pPr lvl="1"/>
-            <a:r>
-              <a:rPr lang="fr-FR" dirty="0"/>
-              <a:t>Authentifier un client (générer un jeton d’authentification temporaire).</a:t>
-            </a:r>
-          </a:p>
-          <a:p>
-            <a:pPr lvl="1"/>
-            <a:r>
-              <a:rPr lang="fr-FR" dirty="0"/>
-              <a:t>Fournir le profil du client (Produits d’abonnement, profils, etc…).</a:t>
-            </a:r>
-          </a:p>
-          <a:p>
-            <a:pPr lvl="1"/>
-            <a:r>
-              <a:rPr lang="fr-FR" dirty="0"/>
-              <a:t>Vérifier la validité des jetons présentés.</a:t>
-            </a:r>
-          </a:p>
-        </p:txBody>
-      </p:sp>
-      <p:grpSp>
-        <p:nvGrpSpPr>
-          <p:cNvPr id="4" name="Group 3">
-            <a:extLst>
-              <a:ext uri="{FF2B5EF4-FFF2-40B4-BE49-F238E27FC236}">
-                <a16:creationId xmlns:a16="http://schemas.microsoft.com/office/drawing/2014/main" id="{2155BD20-741C-4D88-82D5-13ED1D9385DF}"/>
-              </a:ext>
-            </a:extLst>
-          </p:cNvPr>
-          <p:cNvGrpSpPr/>
-          <p:nvPr/>
-        </p:nvGrpSpPr>
-        <p:grpSpPr>
-          <a:xfrm>
-            <a:off x="6387852" y="576943"/>
-            <a:ext cx="5412262" cy="696685"/>
-            <a:chOff x="836138" y="4057401"/>
-            <a:chExt cx="10254344" cy="2539341"/>
-          </a:xfrm>
-        </p:grpSpPr>
-        <p:sp>
-          <p:nvSpPr>
-            <p:cNvPr id="5" name="Rectangle: Rounded Corners 4">
-              <a:extLst>
-                <a:ext uri="{FF2B5EF4-FFF2-40B4-BE49-F238E27FC236}">
-                  <a16:creationId xmlns:a16="http://schemas.microsoft.com/office/drawing/2014/main" id="{3FFDDBAA-618F-441C-940D-0A962CA69856}"/>
-                </a:ext>
-              </a:extLst>
-            </p:cNvPr>
-            <p:cNvSpPr/>
-            <p:nvPr/>
-          </p:nvSpPr>
-          <p:spPr>
-            <a:xfrm>
-              <a:off x="836138" y="4993572"/>
-              <a:ext cx="914400" cy="666998"/>
-            </a:xfrm>
-            <a:prstGeom prst="roundRect">
-              <a:avLst/>
-            </a:prstGeom>
-          </p:spPr>
-          <p:style>
-            <a:lnRef idx="2">
-              <a:schemeClr val="accent1">
-                <a:shade val="50000"/>
-              </a:schemeClr>
-            </a:lnRef>
-            <a:fillRef idx="1">
-              <a:schemeClr val="accent1"/>
-            </a:fillRef>
-            <a:effectRef idx="0">
-              <a:schemeClr val="accent1"/>
-            </a:effectRef>
-            <a:fontRef idx="minor">
-              <a:schemeClr val="lt1"/>
-            </a:fontRef>
-          </p:style>
-          <p:txBody>
-            <a:bodyPr rtlCol="0" anchor="ctr"/>
-            <a:lstStyle/>
-            <a:p>
-              <a:pPr algn="ctr"/>
-              <a:r>
-                <a:rPr lang="fr-FR" sz="900" dirty="0"/>
-                <a:t>Client</a:t>
-              </a:r>
-            </a:p>
-          </p:txBody>
-        </p:sp>
-        <p:sp>
-          <p:nvSpPr>
-            <p:cNvPr id="6" name="Rectangle: Rounded Corners 5">
-              <a:extLst>
-                <a:ext uri="{FF2B5EF4-FFF2-40B4-BE49-F238E27FC236}">
-                  <a16:creationId xmlns:a16="http://schemas.microsoft.com/office/drawing/2014/main" id="{FDCC1603-6569-4380-B255-A74CDD1AC86A}"/>
-                </a:ext>
-              </a:extLst>
-            </p:cNvPr>
-            <p:cNvSpPr/>
-            <p:nvPr/>
-          </p:nvSpPr>
-          <p:spPr>
-            <a:xfrm>
-              <a:off x="2166257" y="4057401"/>
-              <a:ext cx="1121229" cy="2539341"/>
-            </a:xfrm>
-            <a:prstGeom prst="roundRect">
-              <a:avLst/>
-            </a:prstGeom>
-          </p:spPr>
-          <p:style>
-            <a:lnRef idx="2">
-              <a:schemeClr val="accent1">
-                <a:shade val="50000"/>
-              </a:schemeClr>
-            </a:lnRef>
-            <a:fillRef idx="1">
-              <a:schemeClr val="accent1"/>
-            </a:fillRef>
-            <a:effectRef idx="0">
-              <a:schemeClr val="accent1"/>
-            </a:effectRef>
-            <a:fontRef idx="minor">
-              <a:schemeClr val="lt1"/>
-            </a:fontRef>
-          </p:style>
-          <p:txBody>
-            <a:bodyPr rtlCol="0" anchor="ctr"/>
-            <a:lstStyle/>
-            <a:p>
-              <a:pPr algn="ctr"/>
-              <a:r>
-                <a:rPr lang="fr-FR" sz="900" dirty="0" err="1"/>
-                <a:t>Load</a:t>
-              </a:r>
-              <a:endParaRPr lang="fr-FR" sz="900" dirty="0"/>
-            </a:p>
-            <a:p>
-              <a:pPr algn="ctr"/>
-              <a:r>
-                <a:rPr lang="fr-FR" sz="900" dirty="0"/>
-                <a:t>Balancer</a:t>
-              </a:r>
-            </a:p>
-          </p:txBody>
-        </p:sp>
-        <p:sp>
-          <p:nvSpPr>
-            <p:cNvPr id="7" name="Rectangle: Rounded Corners 6">
-              <a:extLst>
-                <a:ext uri="{FF2B5EF4-FFF2-40B4-BE49-F238E27FC236}">
-                  <a16:creationId xmlns:a16="http://schemas.microsoft.com/office/drawing/2014/main" id="{C161309D-0ECD-4CE3-9CD2-26309375171A}"/>
-                </a:ext>
-              </a:extLst>
-            </p:cNvPr>
-            <p:cNvSpPr/>
-            <p:nvPr/>
-          </p:nvSpPr>
-          <p:spPr>
-            <a:xfrm>
-              <a:off x="3827649" y="4124366"/>
-              <a:ext cx="1593438" cy="673265"/>
-            </a:xfrm>
-            <a:prstGeom prst="roundRect">
-              <a:avLst/>
-            </a:prstGeom>
-          </p:spPr>
-          <p:style>
-            <a:lnRef idx="2">
-              <a:schemeClr val="accent1">
-                <a:shade val="50000"/>
-              </a:schemeClr>
-            </a:lnRef>
-            <a:fillRef idx="1">
-              <a:schemeClr val="accent1"/>
-            </a:fillRef>
-            <a:effectRef idx="0">
-              <a:schemeClr val="accent1"/>
-            </a:effectRef>
-            <a:fontRef idx="minor">
-              <a:schemeClr val="lt1"/>
-            </a:fontRef>
-          </p:style>
-          <p:txBody>
-            <a:bodyPr rtlCol="0" anchor="ctr"/>
-            <a:lstStyle/>
-            <a:p>
-              <a:pPr algn="ctr"/>
-              <a:r>
-                <a:rPr lang="fr-FR" sz="900" dirty="0"/>
-                <a:t>API Gateway</a:t>
-              </a:r>
-            </a:p>
-          </p:txBody>
-        </p:sp>
-        <p:sp>
-          <p:nvSpPr>
-            <p:cNvPr id="8" name="Rectangle: Rounded Corners 7">
-              <a:extLst>
-                <a:ext uri="{FF2B5EF4-FFF2-40B4-BE49-F238E27FC236}">
-                  <a16:creationId xmlns:a16="http://schemas.microsoft.com/office/drawing/2014/main" id="{9C9A6205-B5FD-4410-9330-F4A8787B194E}"/>
-                </a:ext>
-              </a:extLst>
-            </p:cNvPr>
-            <p:cNvSpPr/>
-            <p:nvPr/>
-          </p:nvSpPr>
-          <p:spPr>
-            <a:xfrm>
-              <a:off x="3827649" y="5638635"/>
-              <a:ext cx="1593438" cy="673265"/>
-            </a:xfrm>
-            <a:prstGeom prst="roundRect">
-              <a:avLst/>
-            </a:prstGeom>
-          </p:spPr>
-          <p:style>
-            <a:lnRef idx="2">
-              <a:schemeClr val="accent1">
-                <a:shade val="50000"/>
-              </a:schemeClr>
-            </a:lnRef>
-            <a:fillRef idx="1">
-              <a:schemeClr val="accent1"/>
-            </a:fillRef>
-            <a:effectRef idx="0">
-              <a:schemeClr val="accent1"/>
-            </a:effectRef>
-            <a:fontRef idx="minor">
-              <a:schemeClr val="lt1"/>
-            </a:fontRef>
-          </p:style>
-          <p:txBody>
-            <a:bodyPr rtlCol="0" anchor="ctr"/>
-            <a:lstStyle/>
-            <a:p>
-              <a:pPr algn="ctr"/>
-              <a:r>
-                <a:rPr lang="fr-FR" sz="900" dirty="0"/>
-                <a:t>API Gateway</a:t>
-              </a:r>
-            </a:p>
-          </p:txBody>
-        </p:sp>
-        <p:sp>
-          <p:nvSpPr>
-            <p:cNvPr id="9" name="Rectangle: Rounded Corners 8">
-              <a:extLst>
-                <a:ext uri="{FF2B5EF4-FFF2-40B4-BE49-F238E27FC236}">
-                  <a16:creationId xmlns:a16="http://schemas.microsoft.com/office/drawing/2014/main" id="{0467E751-DC42-438E-92EF-445BB16D01BC}"/>
-                </a:ext>
-              </a:extLst>
-            </p:cNvPr>
-            <p:cNvSpPr/>
-            <p:nvPr/>
-          </p:nvSpPr>
-          <p:spPr>
-            <a:xfrm>
-              <a:off x="6042726" y="4726843"/>
-              <a:ext cx="1593438" cy="673265"/>
-            </a:xfrm>
-            <a:prstGeom prst="roundRect">
-              <a:avLst/>
-            </a:prstGeom>
-          </p:spPr>
-          <p:style>
-            <a:lnRef idx="2">
-              <a:schemeClr val="accent1">
-                <a:shade val="50000"/>
-              </a:schemeClr>
-            </a:lnRef>
-            <a:fillRef idx="1">
-              <a:schemeClr val="accent1"/>
-            </a:fillRef>
-            <a:effectRef idx="0">
-              <a:schemeClr val="accent1"/>
-            </a:effectRef>
-            <a:fontRef idx="minor">
-              <a:schemeClr val="lt1"/>
-            </a:fontRef>
-          </p:style>
-          <p:txBody>
-            <a:bodyPr rtlCol="0" anchor="ctr"/>
-            <a:lstStyle/>
-            <a:p>
-              <a:pPr algn="ctr"/>
-              <a:r>
-                <a:rPr lang="fr-FR" sz="900" dirty="0"/>
-                <a:t>Annuaire</a:t>
-              </a:r>
-            </a:p>
-          </p:txBody>
-        </p:sp>
-        <p:sp>
-          <p:nvSpPr>
-            <p:cNvPr id="10" name="Rectangle: Rounded Corners 9">
-              <a:extLst>
-                <a:ext uri="{FF2B5EF4-FFF2-40B4-BE49-F238E27FC236}">
-                  <a16:creationId xmlns:a16="http://schemas.microsoft.com/office/drawing/2014/main" id="{C8758F60-BBFB-4895-BF06-53D4CC03887E}"/>
-                </a:ext>
-              </a:extLst>
-            </p:cNvPr>
-            <p:cNvSpPr/>
-            <p:nvPr/>
-          </p:nvSpPr>
-          <p:spPr>
-            <a:xfrm>
-              <a:off x="8970406" y="4260520"/>
-              <a:ext cx="1593438" cy="673265"/>
-            </a:xfrm>
-            <a:prstGeom prst="roundRect">
-              <a:avLst/>
-            </a:prstGeom>
-          </p:spPr>
-          <p:style>
-            <a:lnRef idx="2">
-              <a:schemeClr val="accent1">
-                <a:shade val="50000"/>
-              </a:schemeClr>
-            </a:lnRef>
-            <a:fillRef idx="1">
-              <a:schemeClr val="accent1"/>
-            </a:fillRef>
-            <a:effectRef idx="0">
-              <a:schemeClr val="accent1"/>
-            </a:effectRef>
-            <a:fontRef idx="minor">
-              <a:schemeClr val="lt1"/>
-            </a:fontRef>
-          </p:style>
-          <p:txBody>
-            <a:bodyPr rtlCol="0" anchor="ctr"/>
-            <a:lstStyle/>
-            <a:p>
-              <a:pPr algn="ctr"/>
-              <a:r>
-                <a:rPr lang="fr-FR" sz="900" dirty="0"/>
-                <a:t>Composant</a:t>
-              </a:r>
-            </a:p>
-          </p:txBody>
-        </p:sp>
-        <p:sp>
-          <p:nvSpPr>
-            <p:cNvPr id="11" name="Rectangle: Rounded Corners 10">
-              <a:extLst>
-                <a:ext uri="{FF2B5EF4-FFF2-40B4-BE49-F238E27FC236}">
-                  <a16:creationId xmlns:a16="http://schemas.microsoft.com/office/drawing/2014/main" id="{F4C2D893-AF75-47DE-8575-BB8E595B543F}"/>
-                </a:ext>
-              </a:extLst>
-            </p:cNvPr>
-            <p:cNvSpPr/>
-            <p:nvPr/>
-          </p:nvSpPr>
-          <p:spPr>
-            <a:xfrm>
-              <a:off x="9233725" y="4791364"/>
-              <a:ext cx="1593438" cy="673265"/>
-            </a:xfrm>
-            <a:prstGeom prst="roundRect">
-              <a:avLst/>
-            </a:prstGeom>
-          </p:spPr>
-          <p:style>
-            <a:lnRef idx="2">
-              <a:schemeClr val="accent1">
-                <a:shade val="50000"/>
-              </a:schemeClr>
-            </a:lnRef>
-            <a:fillRef idx="1">
-              <a:schemeClr val="accent1"/>
-            </a:fillRef>
-            <a:effectRef idx="0">
-              <a:schemeClr val="accent1"/>
-            </a:effectRef>
-            <a:fontRef idx="minor">
-              <a:schemeClr val="lt1"/>
-            </a:fontRef>
-          </p:style>
-          <p:txBody>
-            <a:bodyPr rtlCol="0" anchor="ctr"/>
-            <a:lstStyle/>
-            <a:p>
-              <a:pPr algn="ctr"/>
-              <a:r>
-                <a:rPr lang="fr-FR" sz="900" dirty="0"/>
-                <a:t>Composant</a:t>
-              </a:r>
-            </a:p>
-          </p:txBody>
-        </p:sp>
-        <p:sp>
-          <p:nvSpPr>
-            <p:cNvPr id="12" name="Rectangle: Rounded Corners 11">
-              <a:extLst>
-                <a:ext uri="{FF2B5EF4-FFF2-40B4-BE49-F238E27FC236}">
-                  <a16:creationId xmlns:a16="http://schemas.microsoft.com/office/drawing/2014/main" id="{A09AA88A-06E4-484B-A704-0AF3F85528E1}"/>
-                </a:ext>
-              </a:extLst>
-            </p:cNvPr>
-            <p:cNvSpPr/>
-            <p:nvPr/>
-          </p:nvSpPr>
-          <p:spPr>
-            <a:xfrm>
-              <a:off x="9497044" y="5337886"/>
-              <a:ext cx="1593438" cy="673265"/>
-            </a:xfrm>
-            <a:prstGeom prst="roundRect">
-              <a:avLst/>
-            </a:prstGeom>
-          </p:spPr>
-          <p:style>
-            <a:lnRef idx="2">
-              <a:schemeClr val="accent1">
-                <a:shade val="50000"/>
-              </a:schemeClr>
-            </a:lnRef>
-            <a:fillRef idx="1">
-              <a:schemeClr val="accent1"/>
-            </a:fillRef>
-            <a:effectRef idx="0">
-              <a:schemeClr val="accent1"/>
-            </a:effectRef>
-            <a:fontRef idx="minor">
-              <a:schemeClr val="lt1"/>
-            </a:fontRef>
-          </p:style>
-          <p:txBody>
-            <a:bodyPr rtlCol="0" anchor="ctr"/>
-            <a:lstStyle/>
-            <a:p>
-              <a:pPr algn="ctr"/>
-              <a:r>
-                <a:rPr lang="fr-FR" sz="900" dirty="0"/>
-                <a:t>Composant</a:t>
-              </a:r>
-            </a:p>
-          </p:txBody>
-        </p:sp>
-        <p:sp>
-          <p:nvSpPr>
-            <p:cNvPr id="13" name="Rectangle: Rounded Corners 12">
-              <a:extLst>
-                <a:ext uri="{FF2B5EF4-FFF2-40B4-BE49-F238E27FC236}">
-                  <a16:creationId xmlns:a16="http://schemas.microsoft.com/office/drawing/2014/main" id="{33F98C27-1B25-45D1-AF4B-9CF26AA188B0}"/>
-                </a:ext>
-              </a:extLst>
-            </p:cNvPr>
-            <p:cNvSpPr/>
-            <p:nvPr/>
-          </p:nvSpPr>
-          <p:spPr>
-            <a:xfrm>
-              <a:off x="6306045" y="5198412"/>
-              <a:ext cx="1593438" cy="673265"/>
-            </a:xfrm>
-            <a:prstGeom prst="roundRect">
-              <a:avLst/>
-            </a:prstGeom>
-          </p:spPr>
-          <p:style>
-            <a:lnRef idx="2">
-              <a:schemeClr val="accent1">
-                <a:shade val="50000"/>
-              </a:schemeClr>
-            </a:lnRef>
-            <a:fillRef idx="1">
-              <a:schemeClr val="accent1"/>
-            </a:fillRef>
-            <a:effectRef idx="0">
-              <a:schemeClr val="accent1"/>
-            </a:effectRef>
-            <a:fontRef idx="minor">
-              <a:schemeClr val="lt1"/>
-            </a:fontRef>
-          </p:style>
-          <p:txBody>
-            <a:bodyPr rtlCol="0" anchor="ctr"/>
-            <a:lstStyle/>
-            <a:p>
-              <a:pPr algn="ctr"/>
-              <a:r>
-                <a:rPr lang="fr-FR" sz="900" dirty="0"/>
-                <a:t>Annuaire</a:t>
-              </a:r>
-            </a:p>
-          </p:txBody>
-        </p:sp>
-        <p:cxnSp>
-          <p:nvCxnSpPr>
-            <p:cNvPr id="14" name="Straight Arrow Connector 13">
-              <a:extLst>
-                <a:ext uri="{FF2B5EF4-FFF2-40B4-BE49-F238E27FC236}">
-                  <a16:creationId xmlns:a16="http://schemas.microsoft.com/office/drawing/2014/main" id="{6B2831E4-6DF0-4889-BF98-929D4E9316E7}"/>
-                </a:ext>
-              </a:extLst>
-            </p:cNvPr>
-            <p:cNvCxnSpPr>
-              <a:stCxn id="10" idx="1"/>
-              <a:endCxn id="9" idx="3"/>
-            </p:cNvCxnSpPr>
-            <p:nvPr/>
-          </p:nvCxnSpPr>
-          <p:spPr>
-            <a:xfrm flipH="1">
-              <a:off x="7636164" y="4597153"/>
-              <a:ext cx="1334242" cy="466323"/>
-            </a:xfrm>
-            <a:prstGeom prst="straightConnector1">
-              <a:avLst/>
-            </a:prstGeom>
-            <a:ln>
-              <a:tailEnd type="triangle"/>
-            </a:ln>
-          </p:spPr>
-          <p:style>
-            <a:lnRef idx="1">
-              <a:schemeClr val="accent1"/>
-            </a:lnRef>
-            <a:fillRef idx="0">
-              <a:schemeClr val="accent1"/>
-            </a:fillRef>
-            <a:effectRef idx="0">
-              <a:schemeClr val="accent1"/>
-            </a:effectRef>
-            <a:fontRef idx="minor">
-              <a:schemeClr val="tx1"/>
-            </a:fontRef>
-          </p:style>
-        </p:cxnSp>
-        <p:cxnSp>
-          <p:nvCxnSpPr>
-            <p:cNvPr id="15" name="Straight Arrow Connector 14">
-              <a:extLst>
-                <a:ext uri="{FF2B5EF4-FFF2-40B4-BE49-F238E27FC236}">
-                  <a16:creationId xmlns:a16="http://schemas.microsoft.com/office/drawing/2014/main" id="{7DC7F612-268F-4F1D-A417-AA3B6B60430D}"/>
-                </a:ext>
-              </a:extLst>
-            </p:cNvPr>
-            <p:cNvCxnSpPr>
-              <a:stCxn id="10" idx="1"/>
-              <a:endCxn id="13" idx="3"/>
-            </p:cNvCxnSpPr>
-            <p:nvPr/>
-          </p:nvCxnSpPr>
-          <p:spPr>
-            <a:xfrm flipH="1">
-              <a:off x="7899483" y="4597153"/>
-              <a:ext cx="1070923" cy="937892"/>
-            </a:xfrm>
-            <a:prstGeom prst="straightConnector1">
-              <a:avLst/>
-            </a:prstGeom>
-            <a:ln>
-              <a:tailEnd type="triangle"/>
-            </a:ln>
-          </p:spPr>
-          <p:style>
-            <a:lnRef idx="1">
-              <a:schemeClr val="accent1"/>
-            </a:lnRef>
-            <a:fillRef idx="0">
-              <a:schemeClr val="accent1"/>
-            </a:fillRef>
-            <a:effectRef idx="0">
-              <a:schemeClr val="accent1"/>
-            </a:effectRef>
-            <a:fontRef idx="minor">
-              <a:schemeClr val="tx1"/>
-            </a:fontRef>
-          </p:style>
-        </p:cxnSp>
-        <p:cxnSp>
-          <p:nvCxnSpPr>
-            <p:cNvPr id="16" name="Straight Arrow Connector 15">
-              <a:extLst>
-                <a:ext uri="{FF2B5EF4-FFF2-40B4-BE49-F238E27FC236}">
-                  <a16:creationId xmlns:a16="http://schemas.microsoft.com/office/drawing/2014/main" id="{02775AC3-292D-4E72-80A0-ADBB034C5566}"/>
-                </a:ext>
-              </a:extLst>
-            </p:cNvPr>
-            <p:cNvCxnSpPr>
-              <a:stCxn id="11" idx="1"/>
-            </p:cNvCxnSpPr>
-            <p:nvPr/>
-          </p:nvCxnSpPr>
-          <p:spPr>
-            <a:xfrm flipH="1">
-              <a:off x="7636164" y="5127997"/>
-              <a:ext cx="1597561" cy="126742"/>
-            </a:xfrm>
-            <a:prstGeom prst="straightConnector1">
-              <a:avLst/>
-            </a:prstGeom>
-            <a:ln>
-              <a:tailEnd type="triangle"/>
-            </a:ln>
-          </p:spPr>
-          <p:style>
-            <a:lnRef idx="1">
-              <a:schemeClr val="accent1"/>
-            </a:lnRef>
-            <a:fillRef idx="0">
-              <a:schemeClr val="accent1"/>
-            </a:fillRef>
-            <a:effectRef idx="0">
-              <a:schemeClr val="accent1"/>
-            </a:effectRef>
-            <a:fontRef idx="minor">
-              <a:schemeClr val="tx1"/>
-            </a:fontRef>
-          </p:style>
-        </p:cxnSp>
-        <p:cxnSp>
-          <p:nvCxnSpPr>
-            <p:cNvPr id="17" name="Straight Arrow Connector 16">
-              <a:extLst>
-                <a:ext uri="{FF2B5EF4-FFF2-40B4-BE49-F238E27FC236}">
-                  <a16:creationId xmlns:a16="http://schemas.microsoft.com/office/drawing/2014/main" id="{48B0C995-19EC-4879-BF7F-59F18506E843}"/>
-                </a:ext>
-              </a:extLst>
-            </p:cNvPr>
-            <p:cNvCxnSpPr>
-              <a:stCxn id="11" idx="1"/>
-              <a:endCxn id="13" idx="3"/>
-            </p:cNvCxnSpPr>
-            <p:nvPr/>
-          </p:nvCxnSpPr>
-          <p:spPr>
-            <a:xfrm flipH="1">
-              <a:off x="7899483" y="5127997"/>
-              <a:ext cx="1334242" cy="407048"/>
-            </a:xfrm>
-            <a:prstGeom prst="straightConnector1">
-              <a:avLst/>
-            </a:prstGeom>
-            <a:ln>
-              <a:tailEnd type="triangle"/>
-            </a:ln>
-          </p:spPr>
-          <p:style>
-            <a:lnRef idx="1">
-              <a:schemeClr val="accent1"/>
-            </a:lnRef>
-            <a:fillRef idx="0">
-              <a:schemeClr val="accent1"/>
-            </a:fillRef>
-            <a:effectRef idx="0">
-              <a:schemeClr val="accent1"/>
-            </a:effectRef>
-            <a:fontRef idx="minor">
-              <a:schemeClr val="tx1"/>
-            </a:fontRef>
-          </p:style>
-        </p:cxnSp>
-        <p:cxnSp>
-          <p:nvCxnSpPr>
-            <p:cNvPr id="18" name="Straight Arrow Connector 17">
-              <a:extLst>
-                <a:ext uri="{FF2B5EF4-FFF2-40B4-BE49-F238E27FC236}">
-                  <a16:creationId xmlns:a16="http://schemas.microsoft.com/office/drawing/2014/main" id="{8331648D-4BA0-461F-9557-E80BC2B26969}"/>
-                </a:ext>
-              </a:extLst>
-            </p:cNvPr>
-            <p:cNvCxnSpPr>
-              <a:stCxn id="12" idx="1"/>
-              <a:endCxn id="9" idx="3"/>
-            </p:cNvCxnSpPr>
-            <p:nvPr/>
-          </p:nvCxnSpPr>
-          <p:spPr>
-            <a:xfrm flipH="1" flipV="1">
-              <a:off x="7636164" y="5063476"/>
-              <a:ext cx="1860880" cy="611043"/>
-            </a:xfrm>
-            <a:prstGeom prst="straightConnector1">
-              <a:avLst/>
-            </a:prstGeom>
-            <a:ln>
-              <a:tailEnd type="triangle"/>
-            </a:ln>
-          </p:spPr>
-          <p:style>
-            <a:lnRef idx="1">
-              <a:schemeClr val="accent1"/>
-            </a:lnRef>
-            <a:fillRef idx="0">
-              <a:schemeClr val="accent1"/>
-            </a:fillRef>
-            <a:effectRef idx="0">
-              <a:schemeClr val="accent1"/>
-            </a:effectRef>
-            <a:fontRef idx="minor">
-              <a:schemeClr val="tx1"/>
-            </a:fontRef>
-          </p:style>
-        </p:cxnSp>
-        <p:cxnSp>
-          <p:nvCxnSpPr>
-            <p:cNvPr id="19" name="Straight Arrow Connector 18">
-              <a:extLst>
-                <a:ext uri="{FF2B5EF4-FFF2-40B4-BE49-F238E27FC236}">
-                  <a16:creationId xmlns:a16="http://schemas.microsoft.com/office/drawing/2014/main" id="{AF86001E-516D-41D3-AF13-BB03F419265B}"/>
-                </a:ext>
-              </a:extLst>
-            </p:cNvPr>
-            <p:cNvCxnSpPr>
-              <a:stCxn id="12" idx="1"/>
-              <a:endCxn id="13" idx="3"/>
-            </p:cNvCxnSpPr>
-            <p:nvPr/>
-          </p:nvCxnSpPr>
-          <p:spPr>
-            <a:xfrm flipH="1" flipV="1">
-              <a:off x="7899483" y="5535045"/>
-              <a:ext cx="1597561" cy="139474"/>
-            </a:xfrm>
-            <a:prstGeom prst="straightConnector1">
-              <a:avLst/>
-            </a:prstGeom>
-            <a:ln>
-              <a:tailEnd type="triangle"/>
-            </a:ln>
-          </p:spPr>
-          <p:style>
-            <a:lnRef idx="1">
-              <a:schemeClr val="accent1"/>
-            </a:lnRef>
-            <a:fillRef idx="0">
-              <a:schemeClr val="accent1"/>
-            </a:fillRef>
-            <a:effectRef idx="0">
-              <a:schemeClr val="accent1"/>
-            </a:effectRef>
-            <a:fontRef idx="minor">
-              <a:schemeClr val="tx1"/>
-            </a:fontRef>
-          </p:style>
-        </p:cxnSp>
-        <p:cxnSp>
-          <p:nvCxnSpPr>
-            <p:cNvPr id="20" name="Connector: Elbow 19">
-              <a:extLst>
-                <a:ext uri="{FF2B5EF4-FFF2-40B4-BE49-F238E27FC236}">
-                  <a16:creationId xmlns:a16="http://schemas.microsoft.com/office/drawing/2014/main" id="{F47B46BA-EF5E-4213-9E58-FE956C958A88}"/>
-                </a:ext>
-              </a:extLst>
-            </p:cNvPr>
-            <p:cNvCxnSpPr>
-              <a:stCxn id="9" idx="1"/>
-              <a:endCxn id="7" idx="2"/>
-            </p:cNvCxnSpPr>
-            <p:nvPr/>
-          </p:nvCxnSpPr>
-          <p:spPr>
-            <a:xfrm rot="10800000">
-              <a:off x="4624368" y="4797632"/>
-              <a:ext cx="1418358" cy="265845"/>
-            </a:xfrm>
-            <a:prstGeom prst="bentConnector2">
-              <a:avLst/>
-            </a:prstGeom>
-            <a:ln>
-              <a:tailEnd type="triangle"/>
-            </a:ln>
-          </p:spPr>
-          <p:style>
-            <a:lnRef idx="1">
-              <a:schemeClr val="accent1"/>
-            </a:lnRef>
-            <a:fillRef idx="0">
-              <a:schemeClr val="accent1"/>
-            </a:fillRef>
-            <a:effectRef idx="0">
-              <a:schemeClr val="accent1"/>
-            </a:effectRef>
-            <a:fontRef idx="minor">
-              <a:schemeClr val="tx1"/>
-            </a:fontRef>
-          </p:style>
-        </p:cxnSp>
-        <p:cxnSp>
-          <p:nvCxnSpPr>
-            <p:cNvPr id="21" name="Connector: Elbow 20">
-              <a:extLst>
-                <a:ext uri="{FF2B5EF4-FFF2-40B4-BE49-F238E27FC236}">
-                  <a16:creationId xmlns:a16="http://schemas.microsoft.com/office/drawing/2014/main" id="{5FBA397E-233F-4A3B-ACA4-74297991A815}"/>
-                </a:ext>
-              </a:extLst>
-            </p:cNvPr>
-            <p:cNvCxnSpPr>
-              <a:stCxn id="13" idx="1"/>
-              <a:endCxn id="8" idx="0"/>
-            </p:cNvCxnSpPr>
-            <p:nvPr/>
-          </p:nvCxnSpPr>
-          <p:spPr>
-            <a:xfrm rot="10800000" flipV="1">
-              <a:off x="4624369" y="5535045"/>
-              <a:ext cx="1681677" cy="103590"/>
-            </a:xfrm>
-            <a:prstGeom prst="bentConnector2">
-              <a:avLst/>
-            </a:prstGeom>
-            <a:ln>
-              <a:tailEnd type="triangle"/>
-            </a:ln>
-          </p:spPr>
-          <p:style>
-            <a:lnRef idx="1">
-              <a:schemeClr val="accent1"/>
-            </a:lnRef>
-            <a:fillRef idx="0">
-              <a:schemeClr val="accent1"/>
-            </a:fillRef>
-            <a:effectRef idx="0">
-              <a:schemeClr val="accent1"/>
-            </a:effectRef>
-            <a:fontRef idx="minor">
-              <a:schemeClr val="tx1"/>
-            </a:fontRef>
-          </p:style>
-        </p:cxnSp>
-        <p:cxnSp>
-          <p:nvCxnSpPr>
-            <p:cNvPr id="22" name="Straight Arrow Connector 21">
-              <a:extLst>
-                <a:ext uri="{FF2B5EF4-FFF2-40B4-BE49-F238E27FC236}">
-                  <a16:creationId xmlns:a16="http://schemas.microsoft.com/office/drawing/2014/main" id="{F775EE79-B365-4FEA-B163-6B58440DCF7C}"/>
-                </a:ext>
-              </a:extLst>
-            </p:cNvPr>
-            <p:cNvCxnSpPr>
-              <a:stCxn id="5" idx="3"/>
-              <a:endCxn id="6" idx="1"/>
-            </p:cNvCxnSpPr>
-            <p:nvPr/>
-          </p:nvCxnSpPr>
-          <p:spPr>
-            <a:xfrm>
-              <a:off x="1750538" y="5327071"/>
-              <a:ext cx="415719" cy="1"/>
-            </a:xfrm>
-            <a:prstGeom prst="straightConnector1">
-              <a:avLst/>
-            </a:prstGeom>
-            <a:ln>
-              <a:tailEnd type="triangle"/>
-            </a:ln>
-          </p:spPr>
-          <p:style>
-            <a:lnRef idx="1">
-              <a:schemeClr val="accent1"/>
-            </a:lnRef>
-            <a:fillRef idx="0">
-              <a:schemeClr val="accent1"/>
-            </a:fillRef>
-            <a:effectRef idx="0">
-              <a:schemeClr val="accent1"/>
-            </a:effectRef>
-            <a:fontRef idx="minor">
-              <a:schemeClr val="tx1"/>
-            </a:fontRef>
-          </p:style>
-        </p:cxnSp>
-        <p:cxnSp>
-          <p:nvCxnSpPr>
-            <p:cNvPr id="23" name="Straight Arrow Connector 22">
-              <a:extLst>
-                <a:ext uri="{FF2B5EF4-FFF2-40B4-BE49-F238E27FC236}">
-                  <a16:creationId xmlns:a16="http://schemas.microsoft.com/office/drawing/2014/main" id="{73DD10CB-50CA-4218-9376-162FF319709D}"/>
-                </a:ext>
-              </a:extLst>
-            </p:cNvPr>
-            <p:cNvCxnSpPr>
-              <a:stCxn id="6" idx="3"/>
-              <a:endCxn id="7" idx="1"/>
-            </p:cNvCxnSpPr>
-            <p:nvPr/>
-          </p:nvCxnSpPr>
-          <p:spPr>
-            <a:xfrm flipV="1">
-              <a:off x="3287486" y="4460999"/>
-              <a:ext cx="540163" cy="866073"/>
-            </a:xfrm>
-            <a:prstGeom prst="straightConnector1">
-              <a:avLst/>
-            </a:prstGeom>
-            <a:ln>
-              <a:tailEnd type="triangle"/>
-            </a:ln>
-          </p:spPr>
-          <p:style>
-            <a:lnRef idx="1">
-              <a:schemeClr val="accent1"/>
-            </a:lnRef>
-            <a:fillRef idx="0">
-              <a:schemeClr val="accent1"/>
-            </a:fillRef>
-            <a:effectRef idx="0">
-              <a:schemeClr val="accent1"/>
-            </a:effectRef>
-            <a:fontRef idx="minor">
-              <a:schemeClr val="tx1"/>
-            </a:fontRef>
-          </p:style>
-        </p:cxnSp>
-        <p:cxnSp>
-          <p:nvCxnSpPr>
-            <p:cNvPr id="24" name="Straight Arrow Connector 23">
-              <a:extLst>
-                <a:ext uri="{FF2B5EF4-FFF2-40B4-BE49-F238E27FC236}">
-                  <a16:creationId xmlns:a16="http://schemas.microsoft.com/office/drawing/2014/main" id="{38EA3F6C-1772-4CFE-AAC4-FC2904216686}"/>
-                </a:ext>
-              </a:extLst>
-            </p:cNvPr>
-            <p:cNvCxnSpPr>
-              <a:stCxn id="6" idx="3"/>
-              <a:endCxn id="8" idx="1"/>
-            </p:cNvCxnSpPr>
-            <p:nvPr/>
-          </p:nvCxnSpPr>
-          <p:spPr>
-            <a:xfrm>
-              <a:off x="3287486" y="5327072"/>
-              <a:ext cx="540163" cy="648196"/>
-            </a:xfrm>
-            <a:prstGeom prst="straightConnector1">
-              <a:avLst/>
-            </a:prstGeom>
-            <a:ln>
-              <a:tailEnd type="triangle"/>
-            </a:ln>
-          </p:spPr>
-          <p:style>
-            <a:lnRef idx="1">
-              <a:schemeClr val="accent1"/>
-            </a:lnRef>
-            <a:fillRef idx="0">
-              <a:schemeClr val="accent1"/>
-            </a:fillRef>
-            <a:effectRef idx="0">
-              <a:schemeClr val="accent1"/>
-            </a:effectRef>
-            <a:fontRef idx="minor">
-              <a:schemeClr val="tx1"/>
-            </a:fontRef>
-          </p:style>
-        </p:cxnSp>
-        <p:cxnSp>
-          <p:nvCxnSpPr>
-            <p:cNvPr id="25" name="Connector: Elbow 24">
-              <a:extLst>
-                <a:ext uri="{FF2B5EF4-FFF2-40B4-BE49-F238E27FC236}">
-                  <a16:creationId xmlns:a16="http://schemas.microsoft.com/office/drawing/2014/main" id="{174421D8-8A61-4DCD-AC28-78FEF8B68F3F}"/>
-                </a:ext>
-              </a:extLst>
-            </p:cNvPr>
-            <p:cNvCxnSpPr>
-              <a:stCxn id="13" idx="1"/>
-              <a:endCxn id="7" idx="3"/>
-            </p:cNvCxnSpPr>
-            <p:nvPr/>
-          </p:nvCxnSpPr>
-          <p:spPr>
-            <a:xfrm rot="10800000">
-              <a:off x="5421087" y="4460999"/>
-              <a:ext cx="884958" cy="1074046"/>
-            </a:xfrm>
-            <a:prstGeom prst="bentConnector3">
-              <a:avLst/>
-            </a:prstGeom>
-            <a:ln>
-              <a:tailEnd type="triangle"/>
-            </a:ln>
-          </p:spPr>
-          <p:style>
-            <a:lnRef idx="1">
-              <a:schemeClr val="accent1"/>
-            </a:lnRef>
-            <a:fillRef idx="0">
-              <a:schemeClr val="accent1"/>
-            </a:fillRef>
-            <a:effectRef idx="0">
-              <a:schemeClr val="accent1"/>
-            </a:effectRef>
-            <a:fontRef idx="minor">
-              <a:schemeClr val="tx1"/>
-            </a:fontRef>
-          </p:style>
-        </p:cxnSp>
-        <p:cxnSp>
-          <p:nvCxnSpPr>
-            <p:cNvPr id="26" name="Connector: Elbow 25">
-              <a:extLst>
-                <a:ext uri="{FF2B5EF4-FFF2-40B4-BE49-F238E27FC236}">
-                  <a16:creationId xmlns:a16="http://schemas.microsoft.com/office/drawing/2014/main" id="{9DFF02DA-C998-4890-BE32-6901DF065D13}"/>
-                </a:ext>
-              </a:extLst>
-            </p:cNvPr>
-            <p:cNvCxnSpPr>
-              <a:stCxn id="9" idx="1"/>
-              <a:endCxn id="8" idx="3"/>
-            </p:cNvCxnSpPr>
-            <p:nvPr/>
-          </p:nvCxnSpPr>
-          <p:spPr>
-            <a:xfrm rot="10800000" flipV="1">
-              <a:off x="5421088" y="5063476"/>
-              <a:ext cx="621639" cy="911792"/>
-            </a:xfrm>
-            <a:prstGeom prst="bentConnector3">
-              <a:avLst/>
-            </a:prstGeom>
-            <a:ln>
-              <a:tailEnd type="triangle"/>
-            </a:ln>
-          </p:spPr>
-          <p:style>
-            <a:lnRef idx="1">
-              <a:schemeClr val="accent1"/>
-            </a:lnRef>
-            <a:fillRef idx="0">
-              <a:schemeClr val="accent1"/>
-            </a:fillRef>
-            <a:effectRef idx="0">
-              <a:schemeClr val="accent1"/>
-            </a:effectRef>
-            <a:fontRef idx="minor">
-              <a:schemeClr val="tx1"/>
-            </a:fontRef>
-          </p:style>
-        </p:cxnSp>
-      </p:grpSp>
-    </p:spTree>
-    <p:extLst>
-      <p:ext uri="{BB962C8B-B14F-4D97-AF65-F5344CB8AC3E}">
-        <p14:creationId xmlns:p14="http://schemas.microsoft.com/office/powerpoint/2010/main" val="2624437563"/>
-      </p:ext>
-    </p:extLst>
-  </p:cSld>
-  <p:clrMapOvr>
-    <a:masterClrMapping/>
-  </p:clrMapOvr>
-</p:sld>
-</file>
-
-<file path=ppt/slides/slide9.xml><?xml version="1.0" encoding="utf-8"?>
-<p:sld xmlns:a="http://schemas.openxmlformats.org/drawingml/2006/main" xmlns:r="http://schemas.openxmlformats.org/officeDocument/2006/relationships" xmlns:p="http://schemas.openxmlformats.org/presentationml/2006/main">
-  <p:cSld>
-    <p:spTree>
-      <p:nvGrpSpPr>
-        <p:cNvPr id="1" name=""/>
-        <p:cNvGrpSpPr/>
-        <p:nvPr/>
-      </p:nvGrpSpPr>
-      <p:grpSpPr>
-        <a:xfrm>
-          <a:off x="0" y="0"/>
-          <a:ext cx="0" cy="0"/>
-          <a:chOff x="0" y="0"/>
-          <a:chExt cx="0" cy="0"/>
-        </a:xfrm>
-      </p:grpSpPr>
-      <p:sp>
-        <p:nvSpPr>
-          <p:cNvPr id="2" name="Title 1">
-            <a:extLst>
-              <a:ext uri="{FF2B5EF4-FFF2-40B4-BE49-F238E27FC236}">
-                <a16:creationId xmlns:a16="http://schemas.microsoft.com/office/drawing/2014/main" id="{BE846B5D-3A68-45EE-9EA8-80354212CA8C}"/>
-              </a:ext>
-            </a:extLst>
-          </p:cNvPr>
-          <p:cNvSpPr>
-            <a:spLocks noGrp="1"/>
-          </p:cNvSpPr>
-          <p:nvPr>
-            <p:ph type="title"/>
-          </p:nvPr>
-        </p:nvSpPr>
-        <p:spPr/>
-        <p:txBody>
-          <a:bodyPr/>
-          <a:lstStyle/>
-          <a:p>
-            <a:r>
-              <a:rPr lang="fr-FR" dirty="0" err="1"/>
-              <a:t>EventsMgr</a:t>
-            </a:r>
-            <a:endParaRPr lang="fr-FR" dirty="0"/>
-          </a:p>
-        </p:txBody>
-      </p:sp>
-      <p:sp>
-        <p:nvSpPr>
-          <p:cNvPr id="3" name="Content Placeholder 2">
-            <a:extLst>
-              <a:ext uri="{FF2B5EF4-FFF2-40B4-BE49-F238E27FC236}">
-                <a16:creationId xmlns:a16="http://schemas.microsoft.com/office/drawing/2014/main" id="{F35BB907-035D-4171-B0C0-41B2FDD8F443}"/>
-              </a:ext>
-            </a:extLst>
-          </p:cNvPr>
-          <p:cNvSpPr>
-            <a:spLocks noGrp="1"/>
-          </p:cNvSpPr>
-          <p:nvPr>
-            <p:ph idx="1"/>
-          </p:nvPr>
-        </p:nvSpPr>
-        <p:spPr/>
-        <p:txBody>
-          <a:bodyPr/>
-          <a:lstStyle/>
-          <a:p>
-            <a:r>
-              <a:rPr lang="fr-FR" dirty="0"/>
-              <a:t>Caractéristiques:</a:t>
-            </a:r>
-          </a:p>
-          <a:p>
-            <a:pPr lvl="1"/>
-            <a:r>
-              <a:rPr lang="fr-FR" dirty="0"/>
-              <a:t>Interroge IRIS360</a:t>
-            </a:r>
-          </a:p>
-          <a:p>
-            <a:pPr lvl="1"/>
-            <a:endParaRPr lang="fr-FR" dirty="0"/>
-          </a:p>
-          <a:p>
-            <a:r>
-              <a:rPr lang="fr-FR" dirty="0"/>
-              <a:t>Rôle:</a:t>
-            </a:r>
-          </a:p>
-          <a:p>
-            <a:pPr lvl="1"/>
-            <a:r>
-              <a:rPr lang="fr-FR" dirty="0"/>
-              <a:t>Permet de récupérer une liste d’événements en fonction de la langue du client.</a:t>
-            </a:r>
-          </a:p>
-          <a:p>
-            <a:pPr lvl="1"/>
-            <a:r>
-              <a:rPr lang="fr-FR" dirty="0"/>
-              <a:t>Permet de récupéré le titre associé à un </a:t>
-            </a:r>
-            <a:r>
-              <a:rPr lang="fr-FR" dirty="0" err="1"/>
-              <a:t>eventID</a:t>
-            </a:r>
-            <a:endParaRPr lang="fr-FR" dirty="0"/>
-          </a:p>
-        </p:txBody>
-      </p:sp>
-      <p:grpSp>
-        <p:nvGrpSpPr>
-          <p:cNvPr id="4" name="Group 3">
-            <a:extLst>
-              <a:ext uri="{FF2B5EF4-FFF2-40B4-BE49-F238E27FC236}">
-                <a16:creationId xmlns:a16="http://schemas.microsoft.com/office/drawing/2014/main" id="{AAB891C2-AE0F-47B0-95F1-7D278930A4E1}"/>
-              </a:ext>
-            </a:extLst>
-          </p:cNvPr>
-          <p:cNvGrpSpPr/>
-          <p:nvPr/>
-        </p:nvGrpSpPr>
-        <p:grpSpPr>
-          <a:xfrm>
-            <a:off x="6387852" y="576943"/>
-            <a:ext cx="5412262" cy="696685"/>
-            <a:chOff x="836138" y="4057401"/>
-            <a:chExt cx="10254344" cy="2539341"/>
-          </a:xfrm>
-        </p:grpSpPr>
-        <p:sp>
-          <p:nvSpPr>
-            <p:cNvPr id="5" name="Rectangle: Rounded Corners 4">
-              <a:extLst>
-                <a:ext uri="{FF2B5EF4-FFF2-40B4-BE49-F238E27FC236}">
-                  <a16:creationId xmlns:a16="http://schemas.microsoft.com/office/drawing/2014/main" id="{51E7AB13-66FA-44A6-AB1C-B19848FBC363}"/>
-                </a:ext>
-              </a:extLst>
-            </p:cNvPr>
-            <p:cNvSpPr/>
-            <p:nvPr/>
-          </p:nvSpPr>
-          <p:spPr>
-            <a:xfrm>
-              <a:off x="836138" y="4993572"/>
-              <a:ext cx="914400" cy="666998"/>
-            </a:xfrm>
-            <a:prstGeom prst="roundRect">
-              <a:avLst/>
-            </a:prstGeom>
-          </p:spPr>
-          <p:style>
-            <a:lnRef idx="2">
-              <a:schemeClr val="accent1">
-                <a:shade val="50000"/>
-              </a:schemeClr>
-            </a:lnRef>
-            <a:fillRef idx="1">
-              <a:schemeClr val="accent1"/>
-            </a:fillRef>
-            <a:effectRef idx="0">
-              <a:schemeClr val="accent1"/>
-            </a:effectRef>
-            <a:fontRef idx="minor">
-              <a:schemeClr val="lt1"/>
-            </a:fontRef>
-          </p:style>
-          <p:txBody>
-            <a:bodyPr rtlCol="0" anchor="ctr"/>
-            <a:lstStyle/>
-            <a:p>
-              <a:pPr algn="ctr"/>
-              <a:r>
-                <a:rPr lang="fr-FR" sz="900" dirty="0"/>
-                <a:t>Client</a:t>
-              </a:r>
-            </a:p>
-          </p:txBody>
-        </p:sp>
-        <p:sp>
-          <p:nvSpPr>
-            <p:cNvPr id="6" name="Rectangle: Rounded Corners 5">
-              <a:extLst>
-                <a:ext uri="{FF2B5EF4-FFF2-40B4-BE49-F238E27FC236}">
-                  <a16:creationId xmlns:a16="http://schemas.microsoft.com/office/drawing/2014/main" id="{0F320D62-F198-4CD0-BEAD-8D67299E84AE}"/>
-                </a:ext>
-              </a:extLst>
-            </p:cNvPr>
-            <p:cNvSpPr/>
-            <p:nvPr/>
-          </p:nvSpPr>
-          <p:spPr>
-            <a:xfrm>
-              <a:off x="2166257" y="4057401"/>
-              <a:ext cx="1121229" cy="2539341"/>
-            </a:xfrm>
-            <a:prstGeom prst="roundRect">
-              <a:avLst/>
-            </a:prstGeom>
-          </p:spPr>
-          <p:style>
-            <a:lnRef idx="2">
-              <a:schemeClr val="accent1">
-                <a:shade val="50000"/>
-              </a:schemeClr>
-            </a:lnRef>
-            <a:fillRef idx="1">
-              <a:schemeClr val="accent1"/>
-            </a:fillRef>
-            <a:effectRef idx="0">
-              <a:schemeClr val="accent1"/>
-            </a:effectRef>
-            <a:fontRef idx="minor">
-              <a:schemeClr val="lt1"/>
-            </a:fontRef>
-          </p:style>
-          <p:txBody>
-            <a:bodyPr rtlCol="0" anchor="ctr"/>
-            <a:lstStyle/>
-            <a:p>
-              <a:pPr algn="ctr"/>
-              <a:r>
-                <a:rPr lang="fr-FR" sz="900" dirty="0" err="1"/>
-                <a:t>Load</a:t>
-              </a:r>
-              <a:endParaRPr lang="fr-FR" sz="900" dirty="0"/>
-            </a:p>
-            <a:p>
-              <a:pPr algn="ctr"/>
-              <a:r>
-                <a:rPr lang="fr-FR" sz="900" dirty="0"/>
-                <a:t>Balancer</a:t>
-              </a:r>
-            </a:p>
-          </p:txBody>
-        </p:sp>
-        <p:sp>
-          <p:nvSpPr>
-            <p:cNvPr id="7" name="Rectangle: Rounded Corners 6">
-              <a:extLst>
-                <a:ext uri="{FF2B5EF4-FFF2-40B4-BE49-F238E27FC236}">
-                  <a16:creationId xmlns:a16="http://schemas.microsoft.com/office/drawing/2014/main" id="{2AE14402-1490-47B3-9CE6-B1898CDAAD88}"/>
-                </a:ext>
-              </a:extLst>
-            </p:cNvPr>
-            <p:cNvSpPr/>
-            <p:nvPr/>
-          </p:nvSpPr>
-          <p:spPr>
-            <a:xfrm>
-              <a:off x="3827649" y="4124366"/>
-              <a:ext cx="1593438" cy="673265"/>
-            </a:xfrm>
-            <a:prstGeom prst="roundRect">
-              <a:avLst/>
-            </a:prstGeom>
-          </p:spPr>
-          <p:style>
-            <a:lnRef idx="2">
-              <a:schemeClr val="accent1">
-                <a:shade val="50000"/>
-              </a:schemeClr>
-            </a:lnRef>
-            <a:fillRef idx="1">
-              <a:schemeClr val="accent1"/>
-            </a:fillRef>
-            <a:effectRef idx="0">
-              <a:schemeClr val="accent1"/>
-            </a:effectRef>
-            <a:fontRef idx="minor">
-              <a:schemeClr val="lt1"/>
-            </a:fontRef>
-          </p:style>
-          <p:txBody>
-            <a:bodyPr rtlCol="0" anchor="ctr"/>
-            <a:lstStyle/>
-            <a:p>
-              <a:pPr algn="ctr"/>
-              <a:r>
-                <a:rPr lang="fr-FR" sz="900" dirty="0"/>
-                <a:t>API Gateway</a:t>
-              </a:r>
-            </a:p>
-          </p:txBody>
-        </p:sp>
-        <p:sp>
-          <p:nvSpPr>
-            <p:cNvPr id="8" name="Rectangle: Rounded Corners 7">
-              <a:extLst>
-                <a:ext uri="{FF2B5EF4-FFF2-40B4-BE49-F238E27FC236}">
-                  <a16:creationId xmlns:a16="http://schemas.microsoft.com/office/drawing/2014/main" id="{489D75B0-72AF-48D2-9EE3-877115E72258}"/>
-                </a:ext>
-              </a:extLst>
-            </p:cNvPr>
-            <p:cNvSpPr/>
-            <p:nvPr/>
-          </p:nvSpPr>
-          <p:spPr>
-            <a:xfrm>
-              <a:off x="3827649" y="5638635"/>
-              <a:ext cx="1593438" cy="673265"/>
-            </a:xfrm>
-            <a:prstGeom prst="roundRect">
-              <a:avLst/>
-            </a:prstGeom>
-          </p:spPr>
-          <p:style>
-            <a:lnRef idx="2">
-              <a:schemeClr val="accent1">
-                <a:shade val="50000"/>
-              </a:schemeClr>
-            </a:lnRef>
-            <a:fillRef idx="1">
-              <a:schemeClr val="accent1"/>
-            </a:fillRef>
-            <a:effectRef idx="0">
-              <a:schemeClr val="accent1"/>
-            </a:effectRef>
-            <a:fontRef idx="minor">
-              <a:schemeClr val="lt1"/>
-            </a:fontRef>
-          </p:style>
-          <p:txBody>
-            <a:bodyPr rtlCol="0" anchor="ctr"/>
-            <a:lstStyle/>
-            <a:p>
-              <a:pPr algn="ctr"/>
-              <a:r>
-                <a:rPr lang="fr-FR" sz="900" dirty="0"/>
-                <a:t>API Gateway</a:t>
-              </a:r>
-            </a:p>
-          </p:txBody>
-        </p:sp>
-        <p:sp>
-          <p:nvSpPr>
-            <p:cNvPr id="9" name="Rectangle: Rounded Corners 8">
-              <a:extLst>
-                <a:ext uri="{FF2B5EF4-FFF2-40B4-BE49-F238E27FC236}">
-                  <a16:creationId xmlns:a16="http://schemas.microsoft.com/office/drawing/2014/main" id="{4127AE46-18C5-4572-A7FA-782B67B6D504}"/>
-                </a:ext>
-              </a:extLst>
-            </p:cNvPr>
-            <p:cNvSpPr/>
-            <p:nvPr/>
-          </p:nvSpPr>
-          <p:spPr>
-            <a:xfrm>
-              <a:off x="6042726" y="4726843"/>
-              <a:ext cx="1593438" cy="673265"/>
-            </a:xfrm>
-            <a:prstGeom prst="roundRect">
-              <a:avLst/>
-            </a:prstGeom>
-          </p:spPr>
-          <p:style>
-            <a:lnRef idx="2">
-              <a:schemeClr val="accent1">
-                <a:shade val="50000"/>
-              </a:schemeClr>
-            </a:lnRef>
-            <a:fillRef idx="1">
-              <a:schemeClr val="accent1"/>
-            </a:fillRef>
-            <a:effectRef idx="0">
-              <a:schemeClr val="accent1"/>
-            </a:effectRef>
-            <a:fontRef idx="minor">
-              <a:schemeClr val="lt1"/>
-            </a:fontRef>
-          </p:style>
-          <p:txBody>
-            <a:bodyPr rtlCol="0" anchor="ctr"/>
-            <a:lstStyle/>
-            <a:p>
-              <a:pPr algn="ctr"/>
-              <a:r>
-                <a:rPr lang="fr-FR" sz="900" dirty="0"/>
-                <a:t>Annuaire</a:t>
-              </a:r>
-            </a:p>
-          </p:txBody>
-        </p:sp>
-        <p:sp>
-          <p:nvSpPr>
-            <p:cNvPr id="10" name="Rectangle: Rounded Corners 9">
-              <a:extLst>
-                <a:ext uri="{FF2B5EF4-FFF2-40B4-BE49-F238E27FC236}">
-                  <a16:creationId xmlns:a16="http://schemas.microsoft.com/office/drawing/2014/main" id="{6C7CB54E-42EE-46D8-9264-C13E7D385D92}"/>
-                </a:ext>
-              </a:extLst>
-            </p:cNvPr>
-            <p:cNvSpPr/>
-            <p:nvPr/>
-          </p:nvSpPr>
-          <p:spPr>
-            <a:xfrm>
-              <a:off x="8970406" y="4260520"/>
-              <a:ext cx="1593438" cy="673265"/>
-            </a:xfrm>
-            <a:prstGeom prst="roundRect">
-              <a:avLst/>
-            </a:prstGeom>
-          </p:spPr>
-          <p:style>
-            <a:lnRef idx="2">
-              <a:schemeClr val="accent1">
-                <a:shade val="50000"/>
-              </a:schemeClr>
-            </a:lnRef>
-            <a:fillRef idx="1">
-              <a:schemeClr val="accent1"/>
-            </a:fillRef>
-            <a:effectRef idx="0">
-              <a:schemeClr val="accent1"/>
-            </a:effectRef>
-            <a:fontRef idx="minor">
-              <a:schemeClr val="lt1"/>
-            </a:fontRef>
-          </p:style>
-          <p:txBody>
-            <a:bodyPr rtlCol="0" anchor="ctr"/>
-            <a:lstStyle/>
-            <a:p>
-              <a:pPr algn="ctr"/>
-              <a:r>
-                <a:rPr lang="fr-FR" sz="900" dirty="0"/>
-                <a:t>Composant</a:t>
-              </a:r>
-            </a:p>
-          </p:txBody>
-        </p:sp>
-        <p:sp>
-          <p:nvSpPr>
-            <p:cNvPr id="11" name="Rectangle: Rounded Corners 10">
-              <a:extLst>
-                <a:ext uri="{FF2B5EF4-FFF2-40B4-BE49-F238E27FC236}">
-                  <a16:creationId xmlns:a16="http://schemas.microsoft.com/office/drawing/2014/main" id="{427FEE52-9D25-4275-8845-154AF36F1446}"/>
-                </a:ext>
-              </a:extLst>
-            </p:cNvPr>
-            <p:cNvSpPr/>
-            <p:nvPr/>
-          </p:nvSpPr>
-          <p:spPr>
-            <a:xfrm>
-              <a:off x="9233725" y="4791364"/>
-              <a:ext cx="1593438" cy="673265"/>
-            </a:xfrm>
-            <a:prstGeom prst="roundRect">
-              <a:avLst/>
-            </a:prstGeom>
-          </p:spPr>
-          <p:style>
-            <a:lnRef idx="2">
-              <a:schemeClr val="accent1">
-                <a:shade val="50000"/>
-              </a:schemeClr>
-            </a:lnRef>
-            <a:fillRef idx="1">
-              <a:schemeClr val="accent1"/>
-            </a:fillRef>
-            <a:effectRef idx="0">
-              <a:schemeClr val="accent1"/>
-            </a:effectRef>
-            <a:fontRef idx="minor">
-              <a:schemeClr val="lt1"/>
-            </a:fontRef>
-          </p:style>
-          <p:txBody>
-            <a:bodyPr rtlCol="0" anchor="ctr"/>
-            <a:lstStyle/>
-            <a:p>
-              <a:pPr algn="ctr"/>
-              <a:r>
-                <a:rPr lang="fr-FR" sz="900" dirty="0"/>
-                <a:t>Composant</a:t>
-              </a:r>
-            </a:p>
-          </p:txBody>
-        </p:sp>
-        <p:sp>
-          <p:nvSpPr>
-            <p:cNvPr id="12" name="Rectangle: Rounded Corners 11">
-              <a:extLst>
-                <a:ext uri="{FF2B5EF4-FFF2-40B4-BE49-F238E27FC236}">
-                  <a16:creationId xmlns:a16="http://schemas.microsoft.com/office/drawing/2014/main" id="{9AAC77BE-0D09-4BC8-B3BB-FC1F52B95566}"/>
-                </a:ext>
-              </a:extLst>
-            </p:cNvPr>
-            <p:cNvSpPr/>
-            <p:nvPr/>
-          </p:nvSpPr>
-          <p:spPr>
-            <a:xfrm>
-              <a:off x="9497044" y="5337886"/>
-              <a:ext cx="1593438" cy="673265"/>
-            </a:xfrm>
-            <a:prstGeom prst="roundRect">
-              <a:avLst/>
-            </a:prstGeom>
-          </p:spPr>
-          <p:style>
-            <a:lnRef idx="2">
-              <a:schemeClr val="accent1">
-                <a:shade val="50000"/>
-              </a:schemeClr>
-            </a:lnRef>
-            <a:fillRef idx="1">
-              <a:schemeClr val="accent1"/>
-            </a:fillRef>
-            <a:effectRef idx="0">
-              <a:schemeClr val="accent1"/>
-            </a:effectRef>
-            <a:fontRef idx="minor">
-              <a:schemeClr val="lt1"/>
-            </a:fontRef>
-          </p:style>
-          <p:txBody>
-            <a:bodyPr rtlCol="0" anchor="ctr"/>
-            <a:lstStyle/>
-            <a:p>
-              <a:pPr algn="ctr"/>
-              <a:r>
-                <a:rPr lang="fr-FR" sz="900" dirty="0"/>
-                <a:t>Composant</a:t>
-              </a:r>
-            </a:p>
-          </p:txBody>
-        </p:sp>
-        <p:sp>
-          <p:nvSpPr>
-            <p:cNvPr id="13" name="Rectangle: Rounded Corners 12">
-              <a:extLst>
-                <a:ext uri="{FF2B5EF4-FFF2-40B4-BE49-F238E27FC236}">
-                  <a16:creationId xmlns:a16="http://schemas.microsoft.com/office/drawing/2014/main" id="{5B1AAF03-A1B0-4CBE-82DE-5A64FD776610}"/>
-                </a:ext>
-              </a:extLst>
-            </p:cNvPr>
-            <p:cNvSpPr/>
-            <p:nvPr/>
-          </p:nvSpPr>
-          <p:spPr>
-            <a:xfrm>
-              <a:off x="6306045" y="5198412"/>
-              <a:ext cx="1593438" cy="673265"/>
-            </a:xfrm>
-            <a:prstGeom prst="roundRect">
-              <a:avLst/>
-            </a:prstGeom>
-          </p:spPr>
-          <p:style>
-            <a:lnRef idx="2">
-              <a:schemeClr val="accent1">
-                <a:shade val="50000"/>
-              </a:schemeClr>
-            </a:lnRef>
-            <a:fillRef idx="1">
-              <a:schemeClr val="accent1"/>
-            </a:fillRef>
-            <a:effectRef idx="0">
-              <a:schemeClr val="accent1"/>
-            </a:effectRef>
-            <a:fontRef idx="minor">
-              <a:schemeClr val="lt1"/>
-            </a:fontRef>
-          </p:style>
-          <p:txBody>
-            <a:bodyPr rtlCol="0" anchor="ctr"/>
-            <a:lstStyle/>
-            <a:p>
-              <a:pPr algn="ctr"/>
-              <a:r>
-                <a:rPr lang="fr-FR" sz="900" dirty="0"/>
-                <a:t>Annuaire</a:t>
-              </a:r>
-            </a:p>
-          </p:txBody>
-        </p:sp>
-        <p:cxnSp>
-          <p:nvCxnSpPr>
-            <p:cNvPr id="14" name="Straight Arrow Connector 13">
-              <a:extLst>
-                <a:ext uri="{FF2B5EF4-FFF2-40B4-BE49-F238E27FC236}">
-                  <a16:creationId xmlns:a16="http://schemas.microsoft.com/office/drawing/2014/main" id="{2DAAA127-016C-4A56-81B3-AA085F33D623}"/>
-                </a:ext>
-              </a:extLst>
-            </p:cNvPr>
-            <p:cNvCxnSpPr>
-              <a:stCxn id="10" idx="1"/>
-              <a:endCxn id="9" idx="3"/>
-            </p:cNvCxnSpPr>
-            <p:nvPr/>
-          </p:nvCxnSpPr>
-          <p:spPr>
-            <a:xfrm flipH="1">
-              <a:off x="7636164" y="4597153"/>
-              <a:ext cx="1334242" cy="466323"/>
-            </a:xfrm>
-            <a:prstGeom prst="straightConnector1">
-              <a:avLst/>
-            </a:prstGeom>
-            <a:ln>
-              <a:tailEnd type="triangle"/>
-            </a:ln>
-          </p:spPr>
-          <p:style>
-            <a:lnRef idx="1">
-              <a:schemeClr val="accent1"/>
-            </a:lnRef>
-            <a:fillRef idx="0">
-              <a:schemeClr val="accent1"/>
-            </a:fillRef>
-            <a:effectRef idx="0">
-              <a:schemeClr val="accent1"/>
-            </a:effectRef>
-            <a:fontRef idx="minor">
-              <a:schemeClr val="tx1"/>
-            </a:fontRef>
-          </p:style>
-        </p:cxnSp>
-        <p:cxnSp>
-          <p:nvCxnSpPr>
-            <p:cNvPr id="15" name="Straight Arrow Connector 14">
-              <a:extLst>
-                <a:ext uri="{FF2B5EF4-FFF2-40B4-BE49-F238E27FC236}">
-                  <a16:creationId xmlns:a16="http://schemas.microsoft.com/office/drawing/2014/main" id="{EC9143FA-2416-4218-ADBF-932D3DD46F10}"/>
-                </a:ext>
-              </a:extLst>
-            </p:cNvPr>
-            <p:cNvCxnSpPr>
-              <a:stCxn id="10" idx="1"/>
-              <a:endCxn id="13" idx="3"/>
-            </p:cNvCxnSpPr>
-            <p:nvPr/>
-          </p:nvCxnSpPr>
-          <p:spPr>
-            <a:xfrm flipH="1">
-              <a:off x="7899483" y="4597153"/>
-              <a:ext cx="1070923" cy="937892"/>
-            </a:xfrm>
-            <a:prstGeom prst="straightConnector1">
-              <a:avLst/>
-            </a:prstGeom>
-            <a:ln>
-              <a:tailEnd type="triangle"/>
-            </a:ln>
-          </p:spPr>
-          <p:style>
-            <a:lnRef idx="1">
-              <a:schemeClr val="accent1"/>
-            </a:lnRef>
-            <a:fillRef idx="0">
-              <a:schemeClr val="accent1"/>
-            </a:fillRef>
-            <a:effectRef idx="0">
-              <a:schemeClr val="accent1"/>
-            </a:effectRef>
-            <a:fontRef idx="minor">
-              <a:schemeClr val="tx1"/>
-            </a:fontRef>
-          </p:style>
-        </p:cxnSp>
-        <p:cxnSp>
-          <p:nvCxnSpPr>
-            <p:cNvPr id="16" name="Straight Arrow Connector 15">
-              <a:extLst>
-                <a:ext uri="{FF2B5EF4-FFF2-40B4-BE49-F238E27FC236}">
-                  <a16:creationId xmlns:a16="http://schemas.microsoft.com/office/drawing/2014/main" id="{1B1CCB51-14D6-45F6-8DDF-E266F5E9C4B5}"/>
-                </a:ext>
-              </a:extLst>
-            </p:cNvPr>
-            <p:cNvCxnSpPr>
-              <a:stCxn id="11" idx="1"/>
-            </p:cNvCxnSpPr>
-            <p:nvPr/>
-          </p:nvCxnSpPr>
-          <p:spPr>
-            <a:xfrm flipH="1">
-              <a:off x="7636164" y="5127997"/>
-              <a:ext cx="1597561" cy="126742"/>
-            </a:xfrm>
-            <a:prstGeom prst="straightConnector1">
-              <a:avLst/>
-            </a:prstGeom>
-            <a:ln>
-              <a:tailEnd type="triangle"/>
-            </a:ln>
-          </p:spPr>
-          <p:style>
-            <a:lnRef idx="1">
-              <a:schemeClr val="accent1"/>
-            </a:lnRef>
-            <a:fillRef idx="0">
-              <a:schemeClr val="accent1"/>
-            </a:fillRef>
-            <a:effectRef idx="0">
-              <a:schemeClr val="accent1"/>
-            </a:effectRef>
-            <a:fontRef idx="minor">
-              <a:schemeClr val="tx1"/>
-            </a:fontRef>
-          </p:style>
-        </p:cxnSp>
-        <p:cxnSp>
-          <p:nvCxnSpPr>
-            <p:cNvPr id="17" name="Straight Arrow Connector 16">
-              <a:extLst>
-                <a:ext uri="{FF2B5EF4-FFF2-40B4-BE49-F238E27FC236}">
-                  <a16:creationId xmlns:a16="http://schemas.microsoft.com/office/drawing/2014/main" id="{63F6C8AF-B42B-4955-A3AE-905FF16A7873}"/>
-                </a:ext>
-              </a:extLst>
-            </p:cNvPr>
-            <p:cNvCxnSpPr>
-              <a:stCxn id="11" idx="1"/>
-              <a:endCxn id="13" idx="3"/>
-            </p:cNvCxnSpPr>
-            <p:nvPr/>
-          </p:nvCxnSpPr>
-          <p:spPr>
-            <a:xfrm flipH="1">
-              <a:off x="7899483" y="5127997"/>
-              <a:ext cx="1334242" cy="407048"/>
-            </a:xfrm>
-            <a:prstGeom prst="straightConnector1">
-              <a:avLst/>
-            </a:prstGeom>
-            <a:ln>
-              <a:tailEnd type="triangle"/>
-            </a:ln>
-          </p:spPr>
-          <p:style>
-            <a:lnRef idx="1">
-              <a:schemeClr val="accent1"/>
-            </a:lnRef>
-            <a:fillRef idx="0">
-              <a:schemeClr val="accent1"/>
-            </a:fillRef>
-            <a:effectRef idx="0">
-              <a:schemeClr val="accent1"/>
-            </a:effectRef>
-            <a:fontRef idx="minor">
-              <a:schemeClr val="tx1"/>
-            </a:fontRef>
-          </p:style>
-        </p:cxnSp>
-        <p:cxnSp>
-          <p:nvCxnSpPr>
-            <p:cNvPr id="18" name="Straight Arrow Connector 17">
-              <a:extLst>
-                <a:ext uri="{FF2B5EF4-FFF2-40B4-BE49-F238E27FC236}">
-                  <a16:creationId xmlns:a16="http://schemas.microsoft.com/office/drawing/2014/main" id="{BF13D51B-C88B-4BD3-9040-37AB58F3E05C}"/>
-                </a:ext>
-              </a:extLst>
-            </p:cNvPr>
-            <p:cNvCxnSpPr>
-              <a:stCxn id="12" idx="1"/>
-              <a:endCxn id="9" idx="3"/>
-            </p:cNvCxnSpPr>
-            <p:nvPr/>
-          </p:nvCxnSpPr>
-          <p:spPr>
-            <a:xfrm flipH="1" flipV="1">
-              <a:off x="7636164" y="5063476"/>
-              <a:ext cx="1860880" cy="611043"/>
-            </a:xfrm>
-            <a:prstGeom prst="straightConnector1">
-              <a:avLst/>
-            </a:prstGeom>
-            <a:ln>
-              <a:tailEnd type="triangle"/>
-            </a:ln>
-          </p:spPr>
-          <p:style>
-            <a:lnRef idx="1">
-              <a:schemeClr val="accent1"/>
-            </a:lnRef>
-            <a:fillRef idx="0">
-              <a:schemeClr val="accent1"/>
-            </a:fillRef>
-            <a:effectRef idx="0">
-              <a:schemeClr val="accent1"/>
-            </a:effectRef>
-            <a:fontRef idx="minor">
-              <a:schemeClr val="tx1"/>
-            </a:fontRef>
-          </p:style>
-        </p:cxnSp>
-        <p:cxnSp>
-          <p:nvCxnSpPr>
-            <p:cNvPr id="19" name="Straight Arrow Connector 18">
-              <a:extLst>
-                <a:ext uri="{FF2B5EF4-FFF2-40B4-BE49-F238E27FC236}">
-                  <a16:creationId xmlns:a16="http://schemas.microsoft.com/office/drawing/2014/main" id="{E0289396-4F77-4B57-AF97-3868B76DF7A6}"/>
-                </a:ext>
-              </a:extLst>
-            </p:cNvPr>
-            <p:cNvCxnSpPr>
-              <a:stCxn id="12" idx="1"/>
-              <a:endCxn id="13" idx="3"/>
-            </p:cNvCxnSpPr>
-            <p:nvPr/>
-          </p:nvCxnSpPr>
-          <p:spPr>
-            <a:xfrm flipH="1" flipV="1">
-              <a:off x="7899483" y="5535045"/>
-              <a:ext cx="1597561" cy="139474"/>
-            </a:xfrm>
-            <a:prstGeom prst="straightConnector1">
-              <a:avLst/>
-            </a:prstGeom>
-            <a:ln>
-              <a:tailEnd type="triangle"/>
-            </a:ln>
-          </p:spPr>
-          <p:style>
-            <a:lnRef idx="1">
-              <a:schemeClr val="accent1"/>
-            </a:lnRef>
-            <a:fillRef idx="0">
-              <a:schemeClr val="accent1"/>
-            </a:fillRef>
-            <a:effectRef idx="0">
-              <a:schemeClr val="accent1"/>
-            </a:effectRef>
-            <a:fontRef idx="minor">
-              <a:schemeClr val="tx1"/>
-            </a:fontRef>
-          </p:style>
-        </p:cxnSp>
-        <p:cxnSp>
-          <p:nvCxnSpPr>
-            <p:cNvPr id="20" name="Connector: Elbow 19">
-              <a:extLst>
-                <a:ext uri="{FF2B5EF4-FFF2-40B4-BE49-F238E27FC236}">
-                  <a16:creationId xmlns:a16="http://schemas.microsoft.com/office/drawing/2014/main" id="{191D1981-A6EA-4075-8523-6FFB2832B97B}"/>
-                </a:ext>
-              </a:extLst>
-            </p:cNvPr>
-            <p:cNvCxnSpPr>
-              <a:stCxn id="9" idx="1"/>
-              <a:endCxn id="7" idx="2"/>
-            </p:cNvCxnSpPr>
-            <p:nvPr/>
-          </p:nvCxnSpPr>
-          <p:spPr>
-            <a:xfrm rot="10800000">
-              <a:off x="4624368" y="4797632"/>
-              <a:ext cx="1418358" cy="265845"/>
-            </a:xfrm>
-            <a:prstGeom prst="bentConnector2">
-              <a:avLst/>
-            </a:prstGeom>
-            <a:ln>
-              <a:tailEnd type="triangle"/>
-            </a:ln>
-          </p:spPr>
-          <p:style>
-            <a:lnRef idx="1">
-              <a:schemeClr val="accent1"/>
-            </a:lnRef>
-            <a:fillRef idx="0">
-              <a:schemeClr val="accent1"/>
-            </a:fillRef>
-            <a:effectRef idx="0">
-              <a:schemeClr val="accent1"/>
-            </a:effectRef>
-            <a:fontRef idx="minor">
-              <a:schemeClr val="tx1"/>
-            </a:fontRef>
-          </p:style>
-        </p:cxnSp>
-        <p:cxnSp>
-          <p:nvCxnSpPr>
-            <p:cNvPr id="21" name="Connector: Elbow 20">
-              <a:extLst>
-                <a:ext uri="{FF2B5EF4-FFF2-40B4-BE49-F238E27FC236}">
-                  <a16:creationId xmlns:a16="http://schemas.microsoft.com/office/drawing/2014/main" id="{4EB571C2-F106-40C5-83E0-818977498A17}"/>
-                </a:ext>
-              </a:extLst>
-            </p:cNvPr>
-            <p:cNvCxnSpPr>
-              <a:stCxn id="13" idx="1"/>
-              <a:endCxn id="8" idx="0"/>
-            </p:cNvCxnSpPr>
-            <p:nvPr/>
-          </p:nvCxnSpPr>
-          <p:spPr>
-            <a:xfrm rot="10800000" flipV="1">
-              <a:off x="4624369" y="5535045"/>
-              <a:ext cx="1681677" cy="103590"/>
-            </a:xfrm>
-            <a:prstGeom prst="bentConnector2">
-              <a:avLst/>
-            </a:prstGeom>
-            <a:ln>
-              <a:tailEnd type="triangle"/>
-            </a:ln>
-          </p:spPr>
-          <p:style>
-            <a:lnRef idx="1">
-              <a:schemeClr val="accent1"/>
-            </a:lnRef>
-            <a:fillRef idx="0">
-              <a:schemeClr val="accent1"/>
-            </a:fillRef>
-            <a:effectRef idx="0">
-              <a:schemeClr val="accent1"/>
-            </a:effectRef>
-            <a:fontRef idx="minor">
-              <a:schemeClr val="tx1"/>
-            </a:fontRef>
-          </p:style>
-        </p:cxnSp>
-        <p:cxnSp>
-          <p:nvCxnSpPr>
-            <p:cNvPr id="22" name="Straight Arrow Connector 21">
-              <a:extLst>
-                <a:ext uri="{FF2B5EF4-FFF2-40B4-BE49-F238E27FC236}">
-                  <a16:creationId xmlns:a16="http://schemas.microsoft.com/office/drawing/2014/main" id="{9275ED90-D7C6-44E2-BD48-26EE8BF800AE}"/>
-                </a:ext>
-              </a:extLst>
-            </p:cNvPr>
-            <p:cNvCxnSpPr>
-              <a:stCxn id="5" idx="3"/>
-              <a:endCxn id="6" idx="1"/>
-            </p:cNvCxnSpPr>
-            <p:nvPr/>
-          </p:nvCxnSpPr>
-          <p:spPr>
-            <a:xfrm>
-              <a:off x="1750538" y="5327071"/>
-              <a:ext cx="415719" cy="1"/>
-            </a:xfrm>
-            <a:prstGeom prst="straightConnector1">
-              <a:avLst/>
-            </a:prstGeom>
-            <a:ln>
-              <a:tailEnd type="triangle"/>
-            </a:ln>
-          </p:spPr>
-          <p:style>
-            <a:lnRef idx="1">
-              <a:schemeClr val="accent1"/>
-            </a:lnRef>
-            <a:fillRef idx="0">
-              <a:schemeClr val="accent1"/>
-            </a:fillRef>
-            <a:effectRef idx="0">
-              <a:schemeClr val="accent1"/>
-            </a:effectRef>
-            <a:fontRef idx="minor">
-              <a:schemeClr val="tx1"/>
-            </a:fontRef>
-          </p:style>
-        </p:cxnSp>
-        <p:cxnSp>
-          <p:nvCxnSpPr>
-            <p:cNvPr id="23" name="Straight Arrow Connector 22">
-              <a:extLst>
-                <a:ext uri="{FF2B5EF4-FFF2-40B4-BE49-F238E27FC236}">
-                  <a16:creationId xmlns:a16="http://schemas.microsoft.com/office/drawing/2014/main" id="{AD2AA70D-27BC-4573-A154-4A5E55D67839}"/>
-                </a:ext>
-              </a:extLst>
-            </p:cNvPr>
-            <p:cNvCxnSpPr>
-              <a:stCxn id="6" idx="3"/>
-              <a:endCxn id="7" idx="1"/>
-            </p:cNvCxnSpPr>
-            <p:nvPr/>
-          </p:nvCxnSpPr>
-          <p:spPr>
-            <a:xfrm flipV="1">
-              <a:off x="3287486" y="4460999"/>
-              <a:ext cx="540163" cy="866073"/>
-            </a:xfrm>
-            <a:prstGeom prst="straightConnector1">
-              <a:avLst/>
-            </a:prstGeom>
-            <a:ln>
-              <a:tailEnd type="triangle"/>
-            </a:ln>
-          </p:spPr>
-          <p:style>
-            <a:lnRef idx="1">
-              <a:schemeClr val="accent1"/>
-            </a:lnRef>
-            <a:fillRef idx="0">
-              <a:schemeClr val="accent1"/>
-            </a:fillRef>
-            <a:effectRef idx="0">
-              <a:schemeClr val="accent1"/>
-            </a:effectRef>
-            <a:fontRef idx="minor">
-              <a:schemeClr val="tx1"/>
-            </a:fontRef>
-          </p:style>
-        </p:cxnSp>
-        <p:cxnSp>
-          <p:nvCxnSpPr>
-            <p:cNvPr id="24" name="Straight Arrow Connector 23">
-              <a:extLst>
-                <a:ext uri="{FF2B5EF4-FFF2-40B4-BE49-F238E27FC236}">
-                  <a16:creationId xmlns:a16="http://schemas.microsoft.com/office/drawing/2014/main" id="{B754C11D-7883-414B-80AE-531AD1B85245}"/>
-                </a:ext>
-              </a:extLst>
-            </p:cNvPr>
-            <p:cNvCxnSpPr>
-              <a:stCxn id="6" idx="3"/>
-              <a:endCxn id="8" idx="1"/>
-            </p:cNvCxnSpPr>
-            <p:nvPr/>
-          </p:nvCxnSpPr>
-          <p:spPr>
-            <a:xfrm>
-              <a:off x="3287486" y="5327072"/>
-              <a:ext cx="540163" cy="648196"/>
-            </a:xfrm>
-            <a:prstGeom prst="straightConnector1">
-              <a:avLst/>
-            </a:prstGeom>
-            <a:ln>
-              <a:tailEnd type="triangle"/>
-            </a:ln>
-          </p:spPr>
-          <p:style>
-            <a:lnRef idx="1">
-              <a:schemeClr val="accent1"/>
-            </a:lnRef>
-            <a:fillRef idx="0">
-              <a:schemeClr val="accent1"/>
-            </a:fillRef>
-            <a:effectRef idx="0">
-              <a:schemeClr val="accent1"/>
-            </a:effectRef>
-            <a:fontRef idx="minor">
-              <a:schemeClr val="tx1"/>
-            </a:fontRef>
-          </p:style>
-        </p:cxnSp>
-        <p:cxnSp>
-          <p:nvCxnSpPr>
-            <p:cNvPr id="25" name="Connector: Elbow 24">
-              <a:extLst>
-                <a:ext uri="{FF2B5EF4-FFF2-40B4-BE49-F238E27FC236}">
-                  <a16:creationId xmlns:a16="http://schemas.microsoft.com/office/drawing/2014/main" id="{389C3BEB-465E-4BC3-BC71-A568605791D0}"/>
-                </a:ext>
-              </a:extLst>
-            </p:cNvPr>
-            <p:cNvCxnSpPr>
-              <a:stCxn id="13" idx="1"/>
-              <a:endCxn id="7" idx="3"/>
-            </p:cNvCxnSpPr>
-            <p:nvPr/>
-          </p:nvCxnSpPr>
-          <p:spPr>
-            <a:xfrm rot="10800000">
-              <a:off x="5421087" y="4460999"/>
-              <a:ext cx="884958" cy="1074046"/>
-            </a:xfrm>
-            <a:prstGeom prst="bentConnector3">
-              <a:avLst/>
-            </a:prstGeom>
-            <a:ln>
-              <a:tailEnd type="triangle"/>
-            </a:ln>
-          </p:spPr>
-          <p:style>
-            <a:lnRef idx="1">
-              <a:schemeClr val="accent1"/>
-            </a:lnRef>
-            <a:fillRef idx="0">
-              <a:schemeClr val="accent1"/>
-            </a:fillRef>
-            <a:effectRef idx="0">
-              <a:schemeClr val="accent1"/>
-            </a:effectRef>
-            <a:fontRef idx="minor">
-              <a:schemeClr val="tx1"/>
-            </a:fontRef>
-          </p:style>
-        </p:cxnSp>
-        <p:cxnSp>
-          <p:nvCxnSpPr>
-            <p:cNvPr id="26" name="Connector: Elbow 25">
-              <a:extLst>
-                <a:ext uri="{FF2B5EF4-FFF2-40B4-BE49-F238E27FC236}">
-                  <a16:creationId xmlns:a16="http://schemas.microsoft.com/office/drawing/2014/main" id="{FEBFE2E8-F637-429E-A601-254CD0A14666}"/>
-                </a:ext>
-              </a:extLst>
-            </p:cNvPr>
-            <p:cNvCxnSpPr>
-              <a:stCxn id="9" idx="1"/>
-              <a:endCxn id="8" idx="3"/>
-            </p:cNvCxnSpPr>
-            <p:nvPr/>
-          </p:nvCxnSpPr>
-          <p:spPr>
-            <a:xfrm rot="10800000" flipV="1">
-              <a:off x="5421088" y="5063476"/>
-              <a:ext cx="621639" cy="911792"/>
-            </a:xfrm>
-            <a:prstGeom prst="bentConnector3">
-              <a:avLst/>
-            </a:prstGeom>
-            <a:ln>
-              <a:tailEnd type="triangle"/>
-            </a:ln>
-          </p:spPr>
-          <p:style>
-            <a:lnRef idx="1">
-              <a:schemeClr val="accent1"/>
-            </a:lnRef>
-            <a:fillRef idx="0">
-              <a:schemeClr val="accent1"/>
-            </a:fillRef>
-            <a:effectRef idx="0">
-              <a:schemeClr val="accent1"/>
-            </a:effectRef>
-            <a:fontRef idx="minor">
-              <a:schemeClr val="tx1"/>
-            </a:fontRef>
-          </p:style>
-        </p:cxnSp>
-      </p:grpSp>
-    </p:spTree>
-    <p:extLst>
-      <p:ext uri="{BB962C8B-B14F-4D97-AF65-F5344CB8AC3E}">
-        <p14:creationId xmlns:p14="http://schemas.microsoft.com/office/powerpoint/2010/main" val="80698698"/>
       </p:ext>
     </p:extLst>
   </p:cSld>

--- a/maquette.pptx
+++ b/maquette.pptx
@@ -279,7 +279,7 @@
           <a:p>
             <a:fld id="{C9788473-FFB2-4B48-A667-AF2C4182B393}" type="datetimeFigureOut">
               <a:rPr lang="fr-FR" smtClean="0"/>
-              <a:t>08/08/2018</a:t>
+              <a:t>09/08/2018</a:t>
             </a:fld>
             <a:endParaRPr lang="fr-FR"/>
           </a:p>
@@ -479,7 +479,7 @@
           <a:p>
             <a:fld id="{C9788473-FFB2-4B48-A667-AF2C4182B393}" type="datetimeFigureOut">
               <a:rPr lang="fr-FR" smtClean="0"/>
-              <a:t>08/08/2018</a:t>
+              <a:t>09/08/2018</a:t>
             </a:fld>
             <a:endParaRPr lang="fr-FR"/>
           </a:p>
@@ -689,7 +689,7 @@
           <a:p>
             <a:fld id="{C9788473-FFB2-4B48-A667-AF2C4182B393}" type="datetimeFigureOut">
               <a:rPr lang="fr-FR" smtClean="0"/>
-              <a:t>08/08/2018</a:t>
+              <a:t>09/08/2018</a:t>
             </a:fld>
             <a:endParaRPr lang="fr-FR"/>
           </a:p>
@@ -889,7 +889,7 @@
           <a:p>
             <a:fld id="{C9788473-FFB2-4B48-A667-AF2C4182B393}" type="datetimeFigureOut">
               <a:rPr lang="fr-FR" smtClean="0"/>
-              <a:t>08/08/2018</a:t>
+              <a:t>09/08/2018</a:t>
             </a:fld>
             <a:endParaRPr lang="fr-FR"/>
           </a:p>
@@ -1165,7 +1165,7 @@
           <a:p>
             <a:fld id="{C9788473-FFB2-4B48-A667-AF2C4182B393}" type="datetimeFigureOut">
               <a:rPr lang="fr-FR" smtClean="0"/>
-              <a:t>08/08/2018</a:t>
+              <a:t>09/08/2018</a:t>
             </a:fld>
             <a:endParaRPr lang="fr-FR"/>
           </a:p>
@@ -1433,7 +1433,7 @@
           <a:p>
             <a:fld id="{C9788473-FFB2-4B48-A667-AF2C4182B393}" type="datetimeFigureOut">
               <a:rPr lang="fr-FR" smtClean="0"/>
-              <a:t>08/08/2018</a:t>
+              <a:t>09/08/2018</a:t>
             </a:fld>
             <a:endParaRPr lang="fr-FR"/>
           </a:p>
@@ -1848,7 +1848,7 @@
           <a:p>
             <a:fld id="{C9788473-FFB2-4B48-A667-AF2C4182B393}" type="datetimeFigureOut">
               <a:rPr lang="fr-FR" smtClean="0"/>
-              <a:t>08/08/2018</a:t>
+              <a:t>09/08/2018</a:t>
             </a:fld>
             <a:endParaRPr lang="fr-FR"/>
           </a:p>
@@ -1990,7 +1990,7 @@
           <a:p>
             <a:fld id="{C9788473-FFB2-4B48-A667-AF2C4182B393}" type="datetimeFigureOut">
               <a:rPr lang="fr-FR" smtClean="0"/>
-              <a:t>08/08/2018</a:t>
+              <a:t>09/08/2018</a:t>
             </a:fld>
             <a:endParaRPr lang="fr-FR"/>
           </a:p>
@@ -2103,7 +2103,7 @@
           <a:p>
             <a:fld id="{C9788473-FFB2-4B48-A667-AF2C4182B393}" type="datetimeFigureOut">
               <a:rPr lang="fr-FR" smtClean="0"/>
-              <a:t>08/08/2018</a:t>
+              <a:t>09/08/2018</a:t>
             </a:fld>
             <a:endParaRPr lang="fr-FR"/>
           </a:p>
@@ -2416,7 +2416,7 @@
           <a:p>
             <a:fld id="{C9788473-FFB2-4B48-A667-AF2C4182B393}" type="datetimeFigureOut">
               <a:rPr lang="fr-FR" smtClean="0"/>
-              <a:t>08/08/2018</a:t>
+              <a:t>09/08/2018</a:t>
             </a:fld>
             <a:endParaRPr lang="fr-FR"/>
           </a:p>
@@ -2705,7 +2705,7 @@
           <a:p>
             <a:fld id="{C9788473-FFB2-4B48-A667-AF2C4182B393}" type="datetimeFigureOut">
               <a:rPr lang="fr-FR" smtClean="0"/>
-              <a:t>08/08/2018</a:t>
+              <a:t>09/08/2018</a:t>
             </a:fld>
             <a:endParaRPr lang="fr-FR"/>
           </a:p>
@@ -2948,7 +2948,7 @@
           <a:p>
             <a:fld id="{C9788473-FFB2-4B48-A667-AF2C4182B393}" type="datetimeFigureOut">
               <a:rPr lang="fr-FR" smtClean="0"/>
-              <a:t>08/08/2018</a:t>
+              <a:t>09/08/2018</a:t>
             </a:fld>
             <a:endParaRPr lang="fr-FR"/>
           </a:p>
@@ -4670,14 +4670,14 @@
             <a:pPr lvl="1"/>
             <a:r>
               <a:rPr lang="fr-FR" dirty="0"/>
-              <a:t>Permet de récupérer une liste d’événements en fonction de la langue du client.</a:t>
+              <a:t>Récupérer une liste d’événements en fonction de la langue du client.</a:t>
             </a:r>
           </a:p>
           <a:p>
             <a:pPr lvl="1"/>
             <a:r>
               <a:rPr lang="fr-FR" dirty="0"/>
-              <a:t>Permet de récupéré le titre associé à un </a:t>
+              <a:t>Récupérer le titre associé à un </a:t>
             </a:r>
             <a:r>
               <a:rPr lang="fr-FR" dirty="0" err="1"/>
@@ -9367,7 +9367,7 @@
             </a:r>
             <a:r>
               <a:rPr lang="fr-FR" dirty="0"/>
-              <a:t> est destinée à un usage interne et est utilisée par le système pour évaluer l’état de santé des composants</a:t>
+              <a:t> est destinée à un usage interne, elle est utilisée par le système pour évaluer l’état de santé des composants</a:t>
             </a:r>
           </a:p>
         </p:txBody>
@@ -9699,7 +9699,7 @@
           <a:p>
             <a:r>
               <a:rPr lang="fr-FR" dirty="0"/>
-              <a:t>Si un annuaire ne se manifeste pas pendant un temps donné, il est considéré comme mort et doit être sortit de la liste.</a:t>
+              <a:t>Si un annuaire ne se manifeste pas pendant un temps donné, il est considéré comme mort et ne doit plus être utilisé.</a:t>
             </a:r>
           </a:p>
         </p:txBody>
@@ -11330,7 +11330,7 @@
         <p:spPr/>
         <p:txBody>
           <a:bodyPr>
-            <a:normAutofit fontScale="92500" lnSpcReduction="10000"/>
+            <a:normAutofit fontScale="92500" lnSpcReduction="20000"/>
           </a:bodyPr>
           <a:lstStyle/>
           <a:p>
@@ -11364,7 +11364,7 @@
             <a:pPr lvl="1"/>
             <a:r>
               <a:rPr lang="fr-FR" dirty="0"/>
-              <a:t>Utilise le service d’Annuaire pour localiser les services visés</a:t>
+              <a:t>Utilise le service d’Annuaire pour localiser les services visés (notification à chaque modification constatée)</a:t>
             </a:r>
           </a:p>
           <a:p>
@@ -11384,13 +11384,8 @@
             <a:pPr lvl="1"/>
             <a:r>
               <a:rPr lang="fr-FR" dirty="0"/>
-              <a:t>Sécurité: applique les règles de sécurité (API Publiques : Privées), limitation </a:t>
-            </a:r>
-            <a:r>
-              <a:rPr lang="fr-FR"/>
-              <a:t>des échanges.</a:t>
-            </a:r>
-            <a:endParaRPr lang="fr-FR" dirty="0"/>
+              <a:t>Sécurité: applique les règles de sécurité (API Publiques : Privées), limitation des échanges.</a:t>
+            </a:r>
           </a:p>
           <a:p>
             <a:pPr lvl="1"/>
@@ -12561,7 +12556,7 @@
             <a:pPr lvl="1"/>
             <a:r>
               <a:rPr lang="fr-FR" dirty="0"/>
-              <a:t>Annuaire alimenté par les composants qui s’inscrivent au démarrage puis périodiquement.</a:t>
+              <a:t>Annuaire alimenté par les composants qui se déclarent au démarrage puis périodiquement.</a:t>
             </a:r>
           </a:p>
           <a:p>
@@ -12569,6 +12564,13 @@
             <a:r>
               <a:rPr lang="fr-FR" dirty="0"/>
               <a:t>Implémente le pattern « Circuit breaker »</a:t>
+            </a:r>
+          </a:p>
+          <a:p>
+            <a:pPr lvl="1"/>
+            <a:r>
+              <a:rPr lang="fr-FR" dirty="0"/>
+              <a:t>Emet une notification pour inviter les abonnés à se mettre à jour.</a:t>
             </a:r>
           </a:p>
         </p:txBody>

--- a/maquette.pptx
+++ b/maquette.pptx
@@ -7085,12 +7085,17 @@
           <p:spPr>
             <a:xfrm>
               <a:off x="10172534" y="2118822"/>
-              <a:ext cx="997527" cy="2031325"/>
+              <a:ext cx="997527" cy="2062103"/>
             </a:xfrm>
             <a:prstGeom prst="rect">
               <a:avLst/>
             </a:prstGeom>
-            <a:noFill/>
+            <a:solidFill>
+              <a:schemeClr val="accent1">
+                <a:lumMod val="60000"/>
+                <a:lumOff val="40000"/>
+              </a:schemeClr>
+            </a:solidFill>
             <a:ln>
               <a:solidFill>
                 <a:schemeClr val="accent1"/>
@@ -7189,13 +7194,18 @@
           </p:nvSpPr>
           <p:spPr>
             <a:xfrm>
-              <a:off x="10172533" y="5326045"/>
-              <a:ext cx="997527" cy="369332"/>
+              <a:off x="10172533" y="5053414"/>
+              <a:ext cx="997527" cy="923330"/>
             </a:xfrm>
             <a:prstGeom prst="rect">
               <a:avLst/>
             </a:prstGeom>
-            <a:noFill/>
+            <a:solidFill>
+              <a:schemeClr val="accent1">
+                <a:lumMod val="60000"/>
+                <a:lumOff val="40000"/>
+              </a:schemeClr>
+            </a:solidFill>
             <a:ln>
               <a:solidFill>
                 <a:schemeClr val="accent1"/>
@@ -7209,10 +7219,18 @@
             <a:lstStyle/>
             <a:p>
               <a:pPr algn="ctr"/>
+              <a:endParaRPr lang="fr-FR" dirty="0"/>
+            </a:p>
+            <a:p>
+              <a:pPr algn="ctr"/>
               <a:r>
                 <a:rPr lang="fr-FR" dirty="0"/>
                 <a:t>IRIS360</a:t>
               </a:r>
+            </a:p>
+            <a:p>
+              <a:pPr algn="ctr"/>
+              <a:endParaRPr lang="fr-FR" dirty="0"/>
             </a:p>
           </p:txBody>
         </p:sp>
@@ -7843,7 +7861,7 @@
           <p:spPr>
             <a:xfrm>
               <a:off x="8392888" y="2346740"/>
-              <a:ext cx="1779646" cy="787745"/>
+              <a:ext cx="1779646" cy="803134"/>
             </a:xfrm>
             <a:prstGeom prst="straightConnector1">
               <a:avLst/>
@@ -7885,7 +7903,7 @@
           <p:spPr>
             <a:xfrm>
               <a:off x="8392887" y="3134484"/>
-              <a:ext cx="1779647" cy="1"/>
+              <a:ext cx="1779647" cy="15390"/>
             </a:xfrm>
             <a:prstGeom prst="straightConnector1">
               <a:avLst/>
@@ -7927,8 +7945,8 @@
           </p:nvCxnSpPr>
           <p:spPr>
             <a:xfrm flipV="1">
-              <a:off x="8392886" y="3134485"/>
-              <a:ext cx="1779648" cy="703178"/>
+              <a:off x="8392886" y="3149874"/>
+              <a:ext cx="1779648" cy="687789"/>
             </a:xfrm>
             <a:prstGeom prst="straightConnector1">
               <a:avLst/>
@@ -7968,9 +7986,9 @@
             <p:nvPr/>
           </p:nvCxnSpPr>
           <p:spPr>
-            <a:xfrm flipV="1">
-              <a:off x="8392887" y="5510711"/>
-              <a:ext cx="1779646" cy="4368"/>
+            <a:xfrm>
+              <a:off x="8392887" y="5515079"/>
+              <a:ext cx="1779646" cy="0"/>
             </a:xfrm>
             <a:prstGeom prst="straightConnector1">
               <a:avLst/>
@@ -9682,8 +9700,24 @@
           </a:xfrm>
         </p:spPr>
         <p:txBody>
-          <a:bodyPr/>
+          <a:bodyPr>
+            <a:normAutofit fontScale="85000" lnSpcReduction="20000"/>
+          </a:bodyPr>
           <a:lstStyle/>
+          <a:p>
+            <a:r>
+              <a:rPr lang="fr-FR" dirty="0"/>
+              <a:t>Chaque composant réutilise le </a:t>
+            </a:r>
+            <a:r>
+              <a:rPr lang="fr-FR" dirty="0" err="1"/>
+              <a:t>transactionID</a:t>
+            </a:r>
+            <a:r>
+              <a:rPr lang="fr-FR" dirty="0"/>
+              <a:t> qu’il à reçu lorsqu’il appelle un autre composant.</a:t>
+            </a:r>
+          </a:p>
           <a:p>
             <a:r>
               <a:rPr lang="fr-FR" dirty="0"/>

--- a/maquette.pptx
+++ b/maquette.pptx
@@ -279,7 +279,7 @@
           <a:p>
             <a:fld id="{C9788473-FFB2-4B48-A667-AF2C4182B393}" type="datetimeFigureOut">
               <a:rPr lang="fr-FR" smtClean="0"/>
-              <a:t>09/08/2018</a:t>
+              <a:t>10/08/2018</a:t>
             </a:fld>
             <a:endParaRPr lang="fr-FR"/>
           </a:p>
@@ -479,7 +479,7 @@
           <a:p>
             <a:fld id="{C9788473-FFB2-4B48-A667-AF2C4182B393}" type="datetimeFigureOut">
               <a:rPr lang="fr-FR" smtClean="0"/>
-              <a:t>09/08/2018</a:t>
+              <a:t>10/08/2018</a:t>
             </a:fld>
             <a:endParaRPr lang="fr-FR"/>
           </a:p>
@@ -689,7 +689,7 @@
           <a:p>
             <a:fld id="{C9788473-FFB2-4B48-A667-AF2C4182B393}" type="datetimeFigureOut">
               <a:rPr lang="fr-FR" smtClean="0"/>
-              <a:t>09/08/2018</a:t>
+              <a:t>10/08/2018</a:t>
             </a:fld>
             <a:endParaRPr lang="fr-FR"/>
           </a:p>
@@ -889,7 +889,7 @@
           <a:p>
             <a:fld id="{C9788473-FFB2-4B48-A667-AF2C4182B393}" type="datetimeFigureOut">
               <a:rPr lang="fr-FR" smtClean="0"/>
-              <a:t>09/08/2018</a:t>
+              <a:t>10/08/2018</a:t>
             </a:fld>
             <a:endParaRPr lang="fr-FR"/>
           </a:p>
@@ -1165,7 +1165,7 @@
           <a:p>
             <a:fld id="{C9788473-FFB2-4B48-A667-AF2C4182B393}" type="datetimeFigureOut">
               <a:rPr lang="fr-FR" smtClean="0"/>
-              <a:t>09/08/2018</a:t>
+              <a:t>10/08/2018</a:t>
             </a:fld>
             <a:endParaRPr lang="fr-FR"/>
           </a:p>
@@ -1433,7 +1433,7 @@
           <a:p>
             <a:fld id="{C9788473-FFB2-4B48-A667-AF2C4182B393}" type="datetimeFigureOut">
               <a:rPr lang="fr-FR" smtClean="0"/>
-              <a:t>09/08/2018</a:t>
+              <a:t>10/08/2018</a:t>
             </a:fld>
             <a:endParaRPr lang="fr-FR"/>
           </a:p>
@@ -1848,7 +1848,7 @@
           <a:p>
             <a:fld id="{C9788473-FFB2-4B48-A667-AF2C4182B393}" type="datetimeFigureOut">
               <a:rPr lang="fr-FR" smtClean="0"/>
-              <a:t>09/08/2018</a:t>
+              <a:t>10/08/2018</a:t>
             </a:fld>
             <a:endParaRPr lang="fr-FR"/>
           </a:p>
@@ -1990,7 +1990,7 @@
           <a:p>
             <a:fld id="{C9788473-FFB2-4B48-A667-AF2C4182B393}" type="datetimeFigureOut">
               <a:rPr lang="fr-FR" smtClean="0"/>
-              <a:t>09/08/2018</a:t>
+              <a:t>10/08/2018</a:t>
             </a:fld>
             <a:endParaRPr lang="fr-FR"/>
           </a:p>
@@ -2103,7 +2103,7 @@
           <a:p>
             <a:fld id="{C9788473-FFB2-4B48-A667-AF2C4182B393}" type="datetimeFigureOut">
               <a:rPr lang="fr-FR" smtClean="0"/>
-              <a:t>09/08/2018</a:t>
+              <a:t>10/08/2018</a:t>
             </a:fld>
             <a:endParaRPr lang="fr-FR"/>
           </a:p>
@@ -2416,7 +2416,7 @@
           <a:p>
             <a:fld id="{C9788473-FFB2-4B48-A667-AF2C4182B393}" type="datetimeFigureOut">
               <a:rPr lang="fr-FR" smtClean="0"/>
-              <a:t>09/08/2018</a:t>
+              <a:t>10/08/2018</a:t>
             </a:fld>
             <a:endParaRPr lang="fr-FR"/>
           </a:p>
@@ -2705,7 +2705,7 @@
           <a:p>
             <a:fld id="{C9788473-FFB2-4B48-A667-AF2C4182B393}" type="datetimeFigureOut">
               <a:rPr lang="fr-FR" smtClean="0"/>
-              <a:t>09/08/2018</a:t>
+              <a:t>10/08/2018</a:t>
             </a:fld>
             <a:endParaRPr lang="fr-FR"/>
           </a:p>
@@ -2948,7 +2948,7 @@
           <a:p>
             <a:fld id="{C9788473-FFB2-4B48-A667-AF2C4182B393}" type="datetimeFigureOut">
               <a:rPr lang="fr-FR" smtClean="0"/>
-              <a:t>09/08/2018</a:t>
+              <a:t>10/08/2018</a:t>
             </a:fld>
             <a:endParaRPr lang="fr-FR"/>
           </a:p>
@@ -9112,7 +9112,9 @@
         </p:nvSpPr>
         <p:spPr/>
         <p:txBody>
-          <a:bodyPr/>
+          <a:bodyPr>
+            <a:normAutofit lnSpcReduction="10000"/>
+          </a:bodyPr>
           <a:lstStyle/>
           <a:p>
             <a:r>
@@ -9144,6 +9146,29 @@
               <a:rPr lang="fr-FR" dirty="0"/>
               <a:t>Paniers</a:t>
             </a:r>
+          </a:p>
+          <a:p>
+            <a:r>
+              <a:rPr lang="fr-FR" dirty="0"/>
+              <a:t>Gestionnaire de traces</a:t>
+            </a:r>
+          </a:p>
+          <a:p>
+            <a:r>
+              <a:rPr lang="fr-FR" dirty="0"/>
+              <a:t>Gestionnaire de configurations</a:t>
+            </a:r>
+          </a:p>
+          <a:p>
+            <a:r>
+              <a:rPr lang="fr-FR" dirty="0"/>
+              <a:t>Gestion des version </a:t>
+            </a:r>
+            <a:r>
+              <a:rPr lang="fr-FR"/>
+              <a:t>des APIs</a:t>
+            </a:r>
+            <a:endParaRPr lang="fr-FR" dirty="0"/>
           </a:p>
           <a:p>
             <a:r>
@@ -11364,7 +11389,7 @@
         <p:spPr/>
         <p:txBody>
           <a:bodyPr>
-            <a:normAutofit fontScale="92500" lnSpcReduction="20000"/>
+            <a:normAutofit fontScale="77500" lnSpcReduction="20000"/>
           </a:bodyPr>
           <a:lstStyle/>
           <a:p>
@@ -11377,48 +11402,89 @@
             <a:pPr lvl="1"/>
             <a:r>
               <a:rPr lang="fr-FR" dirty="0"/>
-              <a:t>Reçoit toutes les demandes des clients et les distribue aux composants,</a:t>
+              <a:t>Reçoit toutes les demandes des clients et les distribue aux composants </a:t>
+            </a:r>
+            <a:r>
+              <a:rPr lang="fr-FR" sz="1900" dirty="0"/>
+              <a:t>(après analyse de l’url, du numéro de version et des composants disponibles)</a:t>
+            </a:r>
+            <a:r>
+              <a:rPr lang="fr-FR" dirty="0"/>
+              <a:t>.</a:t>
             </a:r>
           </a:p>
           <a:p>
             <a:pPr lvl="1"/>
             <a:r>
               <a:rPr lang="fr-FR" dirty="0"/>
-              <a:t>Joue le rôle de sas de sécurité (application des règles de sécurité,, etc.),</a:t>
-            </a:r>
+              <a:t>Joue le rôle de proxy </a:t>
+            </a:r>
+            <a:r>
+              <a:rPr lang="fr-FR" sz="1900" dirty="0"/>
+              <a:t>(application des règles de routage vers les instances disponibles).</a:t>
+            </a:r>
+            <a:endParaRPr lang="fr-FR" dirty="0"/>
           </a:p>
           <a:p>
             <a:pPr lvl="1"/>
             <a:r>
               <a:rPr lang="fr-FR" dirty="0"/>
-              <a:t>Joue le rôle de proxy (routage vers les vraies implémentations)</a:t>
-            </a:r>
+              <a:t>Joue le rôle de sas de sécurité </a:t>
+            </a:r>
+            <a:r>
+              <a:rPr lang="fr-FR" sz="1900" dirty="0"/>
+              <a:t>(application des règles de sécurité, API Public / Privée, Intranet / Internet, Anonyme / Authentifié, etc.).</a:t>
+            </a:r>
+            <a:endParaRPr lang="fr-FR" dirty="0"/>
           </a:p>
           <a:p>
             <a:pPr lvl="1"/>
             <a:r>
               <a:rPr lang="fr-FR" dirty="0"/>
-              <a:t>Utilise le service d’Annuaire pour localiser les services visés (notification à chaque modification constatée)</a:t>
+              <a:t>Utilise le service d’Annuaire pour localiser les composants disponibles, une notification est émise par l’annuaire à chaque modification constatée (disparition ou instanciation d’un composant)</a:t>
             </a:r>
           </a:p>
           <a:p>
             <a:r>
               <a:rPr lang="fr-FR" dirty="0"/>
-              <a:t>Services:</a:t>
+              <a:t>Services offerts:</a:t>
             </a:r>
           </a:p>
           <a:p>
             <a:pPr lvl="1"/>
             <a:r>
               <a:rPr lang="fr-FR" dirty="0"/>
-              <a:t>Authentification: vérification de la présence des jetons d’authentification</a:t>
+              <a:t>Routage des requêtes vers l’instance de composant disponible sur le réseau (</a:t>
+            </a:r>
+            <a:r>
+              <a:rPr lang="fr-FR" dirty="0" err="1"/>
+              <a:t>Load</a:t>
+            </a:r>
+            <a:r>
+              <a:rPr lang="fr-FR" dirty="0"/>
+              <a:t>-Balancing).</a:t>
             </a:r>
           </a:p>
           <a:p>
             <a:pPr lvl="1"/>
             <a:r>
               <a:rPr lang="fr-FR" dirty="0"/>
-              <a:t>Sécurité: applique les règles de sécurité (API Publiques : Privées), limitation des échanges.</a:t>
+              <a:t>Sécurité: applique les règles de sécurité (API Publiques : Privées), limitation des échanges (</a:t>
+            </a:r>
+            <a:r>
+              <a:rPr lang="fr-FR" dirty="0" err="1"/>
+              <a:t>throttling</a:t>
+            </a:r>
+            <a:r>
+              <a:rPr lang="fr-FR" dirty="0"/>
+              <a:t>).</a:t>
+            </a:r>
+          </a:p>
+          <a:p>
+            <a:pPr lvl="1"/>
+            <a:r>
+              <a:rPr lang="fr-FR" dirty="0"/>
+              <a:t>Authentification: vérification de la présence des jetons d’authentification, utilisation de données fraiches ou à partir du cache.</a:t>
             </a:r>
           </a:p>
           <a:p>
@@ -11429,7 +11495,18 @@
             </a:r>
             <a:r>
               <a:rPr lang="fr-FR" dirty="0"/>
-              <a:t>: trace tous les échanges</a:t>
+              <a:t>: trace tous les échanges; utilisation d’un transaction ID.</a:t>
+            </a:r>
+          </a:p>
+          <a:p>
+            <a:pPr lvl="1"/>
+            <a:r>
+              <a:rPr lang="fr-FR" dirty="0" err="1"/>
+              <a:t>Aggrégation</a:t>
+            </a:r>
+            <a:r>
+              <a:rPr lang="fr-FR" dirty="0"/>
+              <a:t>: </a:t>
             </a:r>
           </a:p>
           <a:p>
@@ -11441,14 +11518,7 @@
           </a:p>
           <a:p>
             <a:pPr lvl="1"/>
-            <a:r>
-              <a:rPr lang="fr-FR" dirty="0" err="1"/>
-              <a:t>Load</a:t>
-            </a:r>
-            <a:r>
-              <a:rPr lang="fr-FR" dirty="0"/>
-              <a:t>-Balancing: route les requêtes vers le composants le plus efficace.</a:t>
-            </a:r>
+            <a:endParaRPr lang="fr-FR" dirty="0"/>
           </a:p>
         </p:txBody>
       </p:sp>
@@ -12543,7 +12613,9 @@
         </p:nvSpPr>
         <p:spPr/>
         <p:txBody>
-          <a:bodyPr/>
+          <a:bodyPr>
+            <a:normAutofit/>
+          </a:bodyPr>
           <a:lstStyle/>
           <a:p>
             <a:r>
@@ -12568,14 +12640,22 @@
             <a:pPr lvl="1"/>
             <a:r>
               <a:rPr lang="fr-FR" dirty="0"/>
-              <a:t>Dispose du catalogue à jour des composants disponibles.</a:t>
+              <a:t>Maintient à jour le catalogue des composants disponibles - </a:t>
+            </a:r>
+            <a:r>
+              <a:rPr lang="fr-FR" sz="1800" dirty="0"/>
+              <a:t>Annuaire alimenté par les composants qui se déclarent (au démarrage puis périodiquement)</a:t>
+            </a:r>
+            <a:r>
+              <a:rPr lang="fr-FR" dirty="0"/>
+              <a:t>.</a:t>
             </a:r>
           </a:p>
           <a:p>
             <a:pPr lvl="1"/>
             <a:r>
               <a:rPr lang="fr-FR" dirty="0"/>
-              <a:t>Vérifie l’état de santé des composants (API </a:t>
+              <a:t>Vérifie périodiquement l’état de santé des composants (API </a:t>
             </a:r>
             <a:r>
               <a:rPr lang="fr-FR" dirty="0" err="1"/>
@@ -12583,28 +12663,25 @@
             </a:r>
             <a:r>
               <a:rPr lang="fr-FR" dirty="0"/>
-              <a:t>).</a:t>
+              <a:t>). </a:t>
+            </a:r>
+            <a:r>
+              <a:rPr lang="fr-FR" sz="1800" dirty="0"/>
+              <a:t>Implémente le pattern « Circuit breaker »</a:t>
             </a:r>
           </a:p>
           <a:p>
             <a:pPr lvl="1"/>
             <a:r>
               <a:rPr lang="fr-FR" dirty="0"/>
-              <a:t>Annuaire alimenté par les composants qui se déclarent au démarrage puis périodiquement.</a:t>
+              <a:t>Emet une notification pour se faire repéré sur le réseau.</a:t>
             </a:r>
           </a:p>
           <a:p>
             <a:pPr lvl="1"/>
             <a:r>
               <a:rPr lang="fr-FR" dirty="0"/>
-              <a:t>Implémente le pattern « Circuit breaker »</a:t>
-            </a:r>
-          </a:p>
-          <a:p>
-            <a:pPr lvl="1"/>
-            <a:r>
-              <a:rPr lang="fr-FR" dirty="0"/>
-              <a:t>Emet une notification pour inviter les abonnés à se mettre à jour.</a:t>
+              <a:t>Emet une notification pour inviter les abonnés à se mettre à jour (API Gateway).</a:t>
             </a:r>
           </a:p>
         </p:txBody>

--- a/maquette.pptx
+++ b/maquette.pptx
@@ -8,8 +8,8 @@
     <p:sldId id="256" r:id="rId2"/>
     <p:sldId id="269" r:id="rId3"/>
     <p:sldId id="257" r:id="rId4"/>
-    <p:sldId id="270" r:id="rId5"/>
-    <p:sldId id="258" r:id="rId6"/>
+    <p:sldId id="258" r:id="rId5"/>
+    <p:sldId id="270" r:id="rId6"/>
     <p:sldId id="267" r:id="rId7"/>
     <p:sldId id="268" r:id="rId8"/>
     <p:sldId id="259" r:id="rId9"/>
@@ -22,7 +22,7 @@
     <p:sldId id="266" r:id="rId16"/>
   </p:sldIdLst>
   <p:sldSz cx="12192000" cy="6858000"/>
-  <p:notesSz cx="6858000" cy="9144000"/>
+  <p:notesSz cx="6805613" cy="9944100"/>
   <p:defaultTextStyle>
     <a:defPPr>
       <a:defRPr lang="fr-FR"/>
@@ -279,7 +279,7 @@
           <a:p>
             <a:fld id="{C9788473-FFB2-4B48-A667-AF2C4182B393}" type="datetimeFigureOut">
               <a:rPr lang="fr-FR" smtClean="0"/>
-              <a:t>10/08/2018</a:t>
+              <a:t>13/08/2018</a:t>
             </a:fld>
             <a:endParaRPr lang="fr-FR"/>
           </a:p>
@@ -479,7 +479,7 @@
           <a:p>
             <a:fld id="{C9788473-FFB2-4B48-A667-AF2C4182B393}" type="datetimeFigureOut">
               <a:rPr lang="fr-FR" smtClean="0"/>
-              <a:t>10/08/2018</a:t>
+              <a:t>13/08/2018</a:t>
             </a:fld>
             <a:endParaRPr lang="fr-FR"/>
           </a:p>
@@ -689,7 +689,7 @@
           <a:p>
             <a:fld id="{C9788473-FFB2-4B48-A667-AF2C4182B393}" type="datetimeFigureOut">
               <a:rPr lang="fr-FR" smtClean="0"/>
-              <a:t>10/08/2018</a:t>
+              <a:t>13/08/2018</a:t>
             </a:fld>
             <a:endParaRPr lang="fr-FR"/>
           </a:p>
@@ -889,7 +889,7 @@
           <a:p>
             <a:fld id="{C9788473-FFB2-4B48-A667-AF2C4182B393}" type="datetimeFigureOut">
               <a:rPr lang="fr-FR" smtClean="0"/>
-              <a:t>10/08/2018</a:t>
+              <a:t>13/08/2018</a:t>
             </a:fld>
             <a:endParaRPr lang="fr-FR"/>
           </a:p>
@@ -1165,7 +1165,7 @@
           <a:p>
             <a:fld id="{C9788473-FFB2-4B48-A667-AF2C4182B393}" type="datetimeFigureOut">
               <a:rPr lang="fr-FR" smtClean="0"/>
-              <a:t>10/08/2018</a:t>
+              <a:t>13/08/2018</a:t>
             </a:fld>
             <a:endParaRPr lang="fr-FR"/>
           </a:p>
@@ -1433,7 +1433,7 @@
           <a:p>
             <a:fld id="{C9788473-FFB2-4B48-A667-AF2C4182B393}" type="datetimeFigureOut">
               <a:rPr lang="fr-FR" smtClean="0"/>
-              <a:t>10/08/2018</a:t>
+              <a:t>13/08/2018</a:t>
             </a:fld>
             <a:endParaRPr lang="fr-FR"/>
           </a:p>
@@ -1848,7 +1848,7 @@
           <a:p>
             <a:fld id="{C9788473-FFB2-4B48-A667-AF2C4182B393}" type="datetimeFigureOut">
               <a:rPr lang="fr-FR" smtClean="0"/>
-              <a:t>10/08/2018</a:t>
+              <a:t>13/08/2018</a:t>
             </a:fld>
             <a:endParaRPr lang="fr-FR"/>
           </a:p>
@@ -1990,7 +1990,7 @@
           <a:p>
             <a:fld id="{C9788473-FFB2-4B48-A667-AF2C4182B393}" type="datetimeFigureOut">
               <a:rPr lang="fr-FR" smtClean="0"/>
-              <a:t>10/08/2018</a:t>
+              <a:t>13/08/2018</a:t>
             </a:fld>
             <a:endParaRPr lang="fr-FR"/>
           </a:p>
@@ -2103,7 +2103,7 @@
           <a:p>
             <a:fld id="{C9788473-FFB2-4B48-A667-AF2C4182B393}" type="datetimeFigureOut">
               <a:rPr lang="fr-FR" smtClean="0"/>
-              <a:t>10/08/2018</a:t>
+              <a:t>13/08/2018</a:t>
             </a:fld>
             <a:endParaRPr lang="fr-FR"/>
           </a:p>
@@ -2416,7 +2416,7 @@
           <a:p>
             <a:fld id="{C9788473-FFB2-4B48-A667-AF2C4182B393}" type="datetimeFigureOut">
               <a:rPr lang="fr-FR" smtClean="0"/>
-              <a:t>10/08/2018</a:t>
+              <a:t>13/08/2018</a:t>
             </a:fld>
             <a:endParaRPr lang="fr-FR"/>
           </a:p>
@@ -2705,7 +2705,7 @@
           <a:p>
             <a:fld id="{C9788473-FFB2-4B48-A667-AF2C4182B393}" type="datetimeFigureOut">
               <a:rPr lang="fr-FR" smtClean="0"/>
-              <a:t>10/08/2018</a:t>
+              <a:t>13/08/2018</a:t>
             </a:fld>
             <a:endParaRPr lang="fr-FR"/>
           </a:p>
@@ -2948,7 +2948,7 @@
           <a:p>
             <a:fld id="{C9788473-FFB2-4B48-A667-AF2C4182B393}" type="datetimeFigureOut">
               <a:rPr lang="fr-FR" smtClean="0"/>
-              <a:t>10/08/2018</a:t>
+              <a:t>13/08/2018</a:t>
             </a:fld>
             <a:endParaRPr lang="fr-FR"/>
           </a:p>
@@ -3513,7 +3513,7 @@
             <a:pPr lvl="1"/>
             <a:r>
               <a:rPr lang="fr-FR" dirty="0"/>
-              <a:t>Utilise l’annuaire LDAP et la base des utilisateurs d’AFO</a:t>
+              <a:t>Réutilise l’implémentation de l’API Connect; Utilise l’annuaire LDAP et la base des utilisateurs d’AFO</a:t>
             </a:r>
           </a:p>
           <a:p>
@@ -5790,7 +5790,7 @@
             <a:pPr lvl="1"/>
             <a:r>
               <a:rPr lang="fr-FR" dirty="0"/>
-              <a:t>Utilise la gestion des paniers d’AFO</a:t>
+              <a:t>Utilise la gestion des paniers d’AFO proposée par l’API Connect.</a:t>
             </a:r>
           </a:p>
           <a:p>
@@ -5815,6 +5815,13 @@
             <a:r>
               <a:rPr lang="fr-FR" dirty="0"/>
               <a:t>Parcourir le contenu d’un panier</a:t>
+            </a:r>
+          </a:p>
+          <a:p>
+            <a:pPr lvl="1"/>
+            <a:r>
+              <a:rPr lang="fr-FR" dirty="0"/>
+              <a:t>…</a:t>
             </a:r>
           </a:p>
         </p:txBody>
@@ -8541,6 +8548,199 @@
           </p:txBody>
         </p:sp>
       </p:grpSp>
+      <p:sp>
+        <p:nvSpPr>
+          <p:cNvPr id="3" name="TextBox 2">
+            <a:extLst>
+              <a:ext uri="{FF2B5EF4-FFF2-40B4-BE49-F238E27FC236}">
+                <a16:creationId xmlns:a16="http://schemas.microsoft.com/office/drawing/2014/main" id="{48CB1F85-9940-4EBC-A2C4-CC7D01784C66}"/>
+              </a:ext>
+            </a:extLst>
+          </p:cNvPr>
+          <p:cNvSpPr txBox="1"/>
+          <p:nvPr/>
+        </p:nvSpPr>
+        <p:spPr>
+          <a:xfrm>
+            <a:off x="2336953" y="2531406"/>
+            <a:ext cx="461665" cy="1477328"/>
+          </a:xfrm>
+          <a:prstGeom prst="rect">
+            <a:avLst/>
+          </a:prstGeom>
+          <a:solidFill>
+            <a:schemeClr val="accent2"/>
+          </a:solidFill>
+        </p:spPr>
+        <p:txBody>
+          <a:bodyPr vert="vert" wrap="square" rtlCol="0">
+            <a:spAutoFit/>
+          </a:bodyPr>
+          <a:lstStyle/>
+          <a:p>
+            <a:r>
+              <a:rPr lang="fr-FR" dirty="0" err="1"/>
+              <a:t>Load</a:t>
+            </a:r>
+            <a:r>
+              <a:rPr lang="fr-FR" dirty="0"/>
+              <a:t> balancer</a:t>
+            </a:r>
+          </a:p>
+        </p:txBody>
+      </p:sp>
+      <p:sp>
+        <p:nvSpPr>
+          <p:cNvPr id="6" name="TextBox 5">
+            <a:extLst>
+              <a:ext uri="{FF2B5EF4-FFF2-40B4-BE49-F238E27FC236}">
+                <a16:creationId xmlns:a16="http://schemas.microsoft.com/office/drawing/2014/main" id="{D1905D06-B828-4FD8-BC55-7155A98ADB76}"/>
+              </a:ext>
+            </a:extLst>
+          </p:cNvPr>
+          <p:cNvSpPr txBox="1"/>
+          <p:nvPr/>
+        </p:nvSpPr>
+        <p:spPr>
+          <a:xfrm>
+            <a:off x="2558650" y="1420996"/>
+            <a:ext cx="6419095" cy="540000"/>
+          </a:xfrm>
+          <a:prstGeom prst="rect">
+            <a:avLst/>
+          </a:prstGeom>
+          <a:solidFill>
+            <a:schemeClr val="accent2">
+              <a:lumMod val="60000"/>
+              <a:lumOff val="40000"/>
+            </a:schemeClr>
+          </a:solidFill>
+        </p:spPr>
+        <p:txBody>
+          <a:bodyPr wrap="square" rtlCol="0" anchor="ctr">
+            <a:spAutoFit/>
+          </a:bodyPr>
+          <a:lstStyle/>
+          <a:p>
+            <a:pPr algn="ctr"/>
+            <a:r>
+              <a:rPr lang="fr-FR" dirty="0" err="1"/>
+              <a:t>Orchestrator</a:t>
+            </a:r>
+            <a:r>
+              <a:rPr lang="fr-FR" dirty="0"/>
+              <a:t> (PM2)</a:t>
+            </a:r>
+          </a:p>
+        </p:txBody>
+      </p:sp>
+      <p:sp>
+        <p:nvSpPr>
+          <p:cNvPr id="44" name="TextBox 43">
+            <a:extLst>
+              <a:ext uri="{FF2B5EF4-FFF2-40B4-BE49-F238E27FC236}">
+                <a16:creationId xmlns:a16="http://schemas.microsoft.com/office/drawing/2014/main" id="{30431883-87AD-4D9E-A500-C37B10B28049}"/>
+              </a:ext>
+            </a:extLst>
+          </p:cNvPr>
+          <p:cNvSpPr txBox="1"/>
+          <p:nvPr/>
+        </p:nvSpPr>
+        <p:spPr>
+          <a:xfrm>
+            <a:off x="9160859" y="2407361"/>
+            <a:ext cx="461665" cy="1477328"/>
+          </a:xfrm>
+          <a:prstGeom prst="rect">
+            <a:avLst/>
+          </a:prstGeom>
+          <a:solidFill>
+            <a:schemeClr val="accent2"/>
+          </a:solidFill>
+        </p:spPr>
+        <p:txBody>
+          <a:bodyPr vert="vert" wrap="square" rtlCol="0">
+            <a:spAutoFit/>
+          </a:bodyPr>
+          <a:lstStyle/>
+          <a:p>
+            <a:r>
+              <a:rPr lang="fr-FR" dirty="0" err="1"/>
+              <a:t>Load</a:t>
+            </a:r>
+            <a:r>
+              <a:rPr lang="fr-FR" dirty="0"/>
+              <a:t> balancer</a:t>
+            </a:r>
+          </a:p>
+        </p:txBody>
+      </p:sp>
+      <p:sp>
+        <p:nvSpPr>
+          <p:cNvPr id="46" name="TextBox 45">
+            <a:extLst>
+              <a:ext uri="{FF2B5EF4-FFF2-40B4-BE49-F238E27FC236}">
+                <a16:creationId xmlns:a16="http://schemas.microsoft.com/office/drawing/2014/main" id="{87221DE8-0E88-4BEF-8383-3837D9A9BB3A}"/>
+              </a:ext>
+            </a:extLst>
+          </p:cNvPr>
+          <p:cNvSpPr txBox="1"/>
+          <p:nvPr/>
+        </p:nvSpPr>
+        <p:spPr>
+          <a:xfrm>
+            <a:off x="10324934" y="2271222"/>
+            <a:ext cx="997527" cy="2062103"/>
+          </a:xfrm>
+          <a:prstGeom prst="rect">
+            <a:avLst/>
+          </a:prstGeom>
+          <a:solidFill>
+            <a:schemeClr val="accent1">
+              <a:lumMod val="60000"/>
+              <a:lumOff val="40000"/>
+            </a:schemeClr>
+          </a:solidFill>
+          <a:ln>
+            <a:solidFill>
+              <a:schemeClr val="accent1"/>
+            </a:solidFill>
+          </a:ln>
+        </p:spPr>
+        <p:txBody>
+          <a:bodyPr wrap="square" rtlCol="0">
+            <a:spAutoFit/>
+          </a:bodyPr>
+          <a:lstStyle/>
+          <a:p>
+            <a:pPr algn="ctr"/>
+            <a:endParaRPr lang="fr-FR" dirty="0"/>
+          </a:p>
+          <a:p>
+            <a:pPr algn="ctr"/>
+            <a:endParaRPr lang="fr-FR" dirty="0"/>
+          </a:p>
+          <a:p>
+            <a:pPr algn="ctr"/>
+            <a:r>
+              <a:rPr lang="fr-FR" dirty="0"/>
+              <a:t>API Connect</a:t>
+            </a:r>
+          </a:p>
+          <a:p>
+            <a:pPr algn="ctr"/>
+            <a:endParaRPr lang="fr-FR" dirty="0"/>
+          </a:p>
+          <a:p>
+            <a:pPr algn="ctr"/>
+            <a:endParaRPr lang="fr-FR" dirty="0"/>
+          </a:p>
+          <a:p>
+            <a:pPr algn="ctr"/>
+            <a:endParaRPr lang="fr-FR" dirty="0"/>
+          </a:p>
+        </p:txBody>
+      </p:sp>
     </p:spTree>
     <p:extLst>
       <p:ext uri="{BB962C8B-B14F-4D97-AF65-F5344CB8AC3E}">
@@ -8615,31 +8815,46 @@
             <p:ph idx="1"/>
           </p:nvPr>
         </p:nvSpPr>
-        <p:spPr/>
+        <p:spPr>
+          <a:xfrm>
+            <a:off x="838200" y="1814739"/>
+            <a:ext cx="10515600" cy="4351338"/>
+          </a:xfrm>
+        </p:spPr>
         <p:txBody>
           <a:bodyPr>
-            <a:normAutofit fontScale="85000" lnSpcReduction="20000"/>
+            <a:normAutofit fontScale="85000" lnSpcReduction="10000"/>
           </a:bodyPr>
           <a:lstStyle/>
           <a:p>
             <a:r>
               <a:rPr lang="fr-FR" dirty="0"/>
+              <a:t>Démarrage:</a:t>
+            </a:r>
+          </a:p>
+          <a:p>
+            <a:pPr lvl="1"/>
+            <a:r>
+              <a:rPr lang="fr-FR" dirty="0"/>
               <a:t>Les composants sont instanciés.</a:t>
             </a:r>
           </a:p>
           <a:p>
+            <a:pPr lvl="1"/>
             <a:r>
               <a:rPr lang="fr-FR" dirty="0"/>
               <a:t>Les composants attendent l’annonce des annuaires pour se faire connaitre.</a:t>
             </a:r>
           </a:p>
           <a:p>
+            <a:pPr lvl="1"/>
             <a:r>
               <a:rPr lang="fr-FR" dirty="0"/>
               <a:t>Les composants s’enregistrent dans les annuaires.</a:t>
             </a:r>
           </a:p>
           <a:p>
+            <a:pPr lvl="1"/>
             <a:r>
               <a:rPr lang="fr-FR" dirty="0"/>
               <a:t>L’annuaire interroge périodiquement chaque composant pour évaluer son état de santé</a:t>
@@ -8651,31 +8866,64 @@
           <a:p>
             <a:r>
               <a:rPr lang="fr-FR" dirty="0"/>
-              <a:t>Un client formule une requête (Utilisation d’une Url générique).</a:t>
-            </a:r>
-          </a:p>
-          <a:p>
+              <a:t>Régime de croisière:</a:t>
+            </a:r>
+          </a:p>
+          <a:p>
+            <a:pPr lvl="1"/>
+            <a:r>
+              <a:rPr lang="fr-FR" dirty="0"/>
+              <a:t>Un client formule une requête (Utilisation d’une Url générique - </a:t>
+            </a:r>
+            <a:r>
+              <a:rPr lang="fr-FR" dirty="0">
+                <a:hlinkClick r:id="rId2"/>
+              </a:rPr>
+              <a:t>http://</a:t>
+            </a:r>
+            <a:r>
+              <a:rPr lang="fr-FR" dirty="0">
+                <a:hlinkClick r:id="rId2"/>
+              </a:rPr>
+              <a:t>158.50.163.7</a:t>
+            </a:r>
+            <a:r>
+              <a:rPr lang="fr-FR" dirty="0">
+                <a:hlinkClick r:id="rId2"/>
+              </a:rPr>
+              <a:t>:8080/afpforum</a:t>
+            </a:r>
+            <a:r>
+              <a:rPr lang="fr-FR" dirty="0"/>
+              <a:t>).</a:t>
+            </a:r>
+          </a:p>
+          <a:p>
+            <a:pPr lvl="1"/>
             <a:r>
               <a:rPr lang="fr-FR" dirty="0"/>
               <a:t>La requête est routée par le sas d’entrée de l’entreprise vers l’API Manager.</a:t>
             </a:r>
           </a:p>
           <a:p>
+            <a:pPr lvl="1"/>
             <a:r>
               <a:rPr lang="fr-FR" dirty="0"/>
               <a:t>L’API manager demande à un annuaire quel composant peut répondre à la requête.</a:t>
             </a:r>
           </a:p>
           <a:p>
+            <a:pPr lvl="1"/>
             <a:r>
               <a:rPr lang="fr-FR" dirty="0"/>
               <a:t>L’annuaire retourne l’Url interne du composant.</a:t>
             </a:r>
           </a:p>
           <a:p>
+            <a:pPr lvl="1"/>
             <a:r>
               <a:rPr lang="fr-FR" dirty="0"/>
-              <a:t>L’API manager interroge le composant puis retourne la réponse.</a:t>
+              <a:t>L’API manager enrichie puis route la requête vers le composant puis retourne la réponse.</a:t>
             </a:r>
           </a:p>
           <a:p>
@@ -8765,7 +9013,7 @@
         </p:spPr>
         <p:txBody>
           <a:bodyPr>
-            <a:normAutofit lnSpcReduction="10000"/>
+            <a:normAutofit fontScale="92500" lnSpcReduction="10000"/>
           </a:bodyPr>
           <a:lstStyle/>
           <a:p>
@@ -8792,6 +9040,16 @@
               <a:rPr lang="fr-FR" sz="2000" dirty="0">
                 <a:hlinkClick r:id="rId3"/>
               </a:rPr>
+              <a:t>http://localhost:8080/afpforum/api/events?lang=en</a:t>
+            </a:r>
+            <a:endParaRPr lang="fr-FR" sz="2000" dirty="0"/>
+          </a:p>
+          <a:p>
+            <a:pPr lvl="1"/>
+            <a:r>
+              <a:rPr lang="fr-FR" sz="2000" dirty="0">
+                <a:hlinkClick r:id="rId4"/>
+              </a:rPr>
               <a:t>http://localhost:8080/afpforum/api/events/events-by-sequence/CUY01,CKJ50?lang=fr</a:t>
             </a:r>
             <a:endParaRPr lang="fr-FR" sz="2000" dirty="0"/>
@@ -8808,22 +9066,28 @@
           <a:p>
             <a:pPr lvl="1"/>
             <a:r>
-              <a:rPr lang="fr-FR" dirty="0">
-                <a:hlinkClick r:id="rId4"/>
+              <a:rPr lang="fr-FR" sz="1900" dirty="0">
+                <a:hlinkClick r:id="rId5"/>
               </a:rPr>
               <a:t>http://localhost:3000/api/user/login</a:t>
             </a:r>
-            <a:endParaRPr lang="fr-FR" dirty="0"/>
+            <a:endParaRPr lang="fr-FR" sz="1900" dirty="0"/>
           </a:p>
           <a:p>
             <a:pPr lvl="1"/>
-            <a:endParaRPr lang="fr-FR" sz="2400" dirty="0"/>
+            <a:r>
+              <a:rPr lang="fr-FR" sz="1900" dirty="0">
+                <a:hlinkClick r:id="rId6"/>
+              </a:rPr>
+              <a:t>http://localhost:64925/api/events?lang=en</a:t>
+            </a:r>
+            <a:endParaRPr lang="fr-FR" sz="1900" dirty="0"/>
           </a:p>
           <a:p>
             <a:pPr lvl="1"/>
             <a:r>
               <a:rPr lang="fr-FR" sz="2000" dirty="0">
-                <a:hlinkClick r:id="rId5"/>
+                <a:hlinkClick r:id="rId7"/>
               </a:rPr>
               <a:t>http://localhost:3001/api/events/events-by-sequence/CUY01,CKJ50?lang=fr</a:t>
             </a:r>
@@ -8891,9 +9155,9 @@
             <a:pPr lvl="1"/>
             <a:r>
               <a:rPr lang="fr-FR" sz="2000" dirty="0">
-                <a:hlinkClick r:id="rId6"/>
+                <a:hlinkClick r:id="rId8"/>
               </a:rPr>
-              <a:t>http://127.0.0.1:5555/registry/list</a:t>
+              <a:t>http://localhost:5555/registry/list</a:t>
             </a:r>
             <a:endParaRPr lang="fr-FR" sz="2000" dirty="0"/>
           </a:p>
@@ -9162,13 +9426,8 @@
           <a:p>
             <a:r>
               <a:rPr lang="fr-FR" dirty="0"/>
-              <a:t>Gestion des version </a:t>
-            </a:r>
-            <a:r>
-              <a:rPr lang="fr-FR"/>
-              <a:t>des APIs</a:t>
-            </a:r>
-            <a:endParaRPr lang="fr-FR" dirty="0"/>
+              <a:t>Gestion des versions des APIs</a:t>
+            </a:r>
           </a:p>
           <a:p>
             <a:r>
@@ -9213,7 +9472,7 @@
           <p:cNvPr id="2" name="Title 1">
             <a:extLst>
               <a:ext uri="{FF2B5EF4-FFF2-40B4-BE49-F238E27FC236}">
-                <a16:creationId xmlns:a16="http://schemas.microsoft.com/office/drawing/2014/main" id="{2784687D-23B8-4E40-AEF6-6452B80AEC11}"/>
+                <a16:creationId xmlns:a16="http://schemas.microsoft.com/office/drawing/2014/main" id="{343C399C-8B6C-4C97-B73F-F88B33DFE1AA}"/>
               </a:ext>
             </a:extLst>
           </p:cNvPr>
@@ -9231,7 +9490,11 @@
           <a:p>
             <a:r>
               <a:rPr lang="fr-FR" dirty="0"/>
-              <a:t>Définition des composants</a:t>
+              <a:t>Les composants : </a:t>
+            </a:r>
+            <a:r>
+              <a:rPr lang="fr-FR" sz="3600" dirty="0"/>
+              <a:t>Parties communes</a:t>
             </a:r>
           </a:p>
         </p:txBody>
@@ -9241,7 +9504,7 @@
           <p:cNvPr id="3" name="Content Placeholder 2">
             <a:extLst>
               <a:ext uri="{FF2B5EF4-FFF2-40B4-BE49-F238E27FC236}">
-                <a16:creationId xmlns:a16="http://schemas.microsoft.com/office/drawing/2014/main" id="{D76C1FAB-7866-4776-8F13-24FBD5CADE02}"/>
+                <a16:creationId xmlns:a16="http://schemas.microsoft.com/office/drawing/2014/main" id="{DFAEFE3B-9BBD-4BF9-AC23-8F1196D4009F}"/>
               </a:ext>
             </a:extLst>
           </p:cNvPr>
@@ -9259,15 +9522,369 @@
           <a:p>
             <a:r>
               <a:rPr lang="fr-FR" dirty="0"/>
-              <a:t>Définition des interfaces (contrats)</a:t>
+              <a:t>Chaque composant implémente une ou plusieurs API. L’implémentation minimum prend en charge l’API </a:t>
+            </a:r>
+            <a:r>
+              <a:rPr lang="fr-FR" dirty="0" err="1"/>
+              <a:t>Health</a:t>
+            </a:r>
+            <a:r>
+              <a:rPr lang="fr-FR" dirty="0"/>
+              <a:t>, une API de service, une API métier. </a:t>
+            </a:r>
+          </a:p>
+          <a:p>
+            <a:r>
+              <a:rPr lang="fr-FR" dirty="0"/>
+              <a:t>L’API </a:t>
+            </a:r>
+            <a:r>
+              <a:rPr lang="fr-FR" dirty="0" err="1"/>
+              <a:t>Health</a:t>
+            </a:r>
+            <a:r>
+              <a:rPr lang="fr-FR" dirty="0"/>
+              <a:t> est destinée à un usage interne, elle est utilisée par le système pour évaluer l’état de santé des composants.</a:t>
+            </a:r>
+          </a:p>
+          <a:p>
+            <a:r>
+              <a:rPr lang="fr-FR" dirty="0"/>
+              <a:t>L’API de service est destinée à un usage interne, elle est utilisée par le système pour échanger des messages de service.</a:t>
             </a:r>
           </a:p>
         </p:txBody>
       </p:sp>
+      <p:grpSp>
+        <p:nvGrpSpPr>
+          <p:cNvPr id="10" name="Group 9">
+            <a:extLst>
+              <a:ext uri="{FF2B5EF4-FFF2-40B4-BE49-F238E27FC236}">
+                <a16:creationId xmlns:a16="http://schemas.microsoft.com/office/drawing/2014/main" id="{FEA27849-3FB4-4393-9E10-DF9B4CCD1A8D}"/>
+              </a:ext>
+            </a:extLst>
+          </p:cNvPr>
+          <p:cNvGrpSpPr/>
+          <p:nvPr/>
+        </p:nvGrpSpPr>
+        <p:grpSpPr>
+          <a:xfrm>
+            <a:off x="6865842" y="5038475"/>
+            <a:ext cx="4905003" cy="1511921"/>
+            <a:chOff x="5744610" y="4875189"/>
+            <a:chExt cx="4905003" cy="1511921"/>
+          </a:xfrm>
+        </p:grpSpPr>
+        <p:grpSp>
+          <p:nvGrpSpPr>
+            <p:cNvPr id="13" name="Group 12">
+              <a:extLst>
+                <a:ext uri="{FF2B5EF4-FFF2-40B4-BE49-F238E27FC236}">
+                  <a16:creationId xmlns:a16="http://schemas.microsoft.com/office/drawing/2014/main" id="{7E9C8A2F-B8BB-4025-AAB4-FE2340558677}"/>
+                </a:ext>
+              </a:extLst>
+            </p:cNvPr>
+            <p:cNvGrpSpPr/>
+            <p:nvPr/>
+          </p:nvGrpSpPr>
+          <p:grpSpPr>
+            <a:xfrm>
+              <a:off x="5744610" y="4875189"/>
+              <a:ext cx="4317422" cy="1511921"/>
+              <a:chOff x="3211781" y="3919949"/>
+              <a:chExt cx="4317422" cy="1511921"/>
+            </a:xfrm>
+          </p:grpSpPr>
+          <p:sp>
+            <p:nvSpPr>
+              <p:cNvPr id="4" name="Rectangle: Rounded Corners 3">
+                <a:extLst>
+                  <a:ext uri="{FF2B5EF4-FFF2-40B4-BE49-F238E27FC236}">
+                    <a16:creationId xmlns:a16="http://schemas.microsoft.com/office/drawing/2014/main" id="{92B4D2B9-B495-4F67-831E-7DDAD1A65696}"/>
+                  </a:ext>
+                </a:extLst>
+              </p:cNvPr>
+              <p:cNvSpPr/>
+              <p:nvPr/>
+            </p:nvSpPr>
+            <p:spPr>
+              <a:xfrm>
+                <a:off x="4664364" y="4424218"/>
+                <a:ext cx="1958109" cy="1006764"/>
+              </a:xfrm>
+              <a:prstGeom prst="roundRect">
+                <a:avLst/>
+              </a:prstGeom>
+            </p:spPr>
+            <p:style>
+              <a:lnRef idx="2">
+                <a:schemeClr val="accent1">
+                  <a:shade val="50000"/>
+                </a:schemeClr>
+              </a:lnRef>
+              <a:fillRef idx="1">
+                <a:schemeClr val="accent1"/>
+              </a:fillRef>
+              <a:effectRef idx="0">
+                <a:schemeClr val="accent1"/>
+              </a:effectRef>
+              <a:fontRef idx="minor">
+                <a:schemeClr val="lt1"/>
+              </a:fontRef>
+            </p:style>
+            <p:txBody>
+              <a:bodyPr rtlCol="0" anchor="ctr"/>
+              <a:lstStyle/>
+              <a:p>
+                <a:pPr algn="ctr"/>
+                <a:r>
+                  <a:rPr lang="fr-FR" dirty="0" err="1"/>
+                  <a:t>Compsant</a:t>
+                </a:r>
+                <a:endParaRPr lang="fr-FR" dirty="0"/>
+              </a:p>
+            </p:txBody>
+          </p:sp>
+          <p:cxnSp>
+            <p:nvCxnSpPr>
+              <p:cNvPr id="6" name="Straight Arrow Connector 5">
+                <a:extLst>
+                  <a:ext uri="{FF2B5EF4-FFF2-40B4-BE49-F238E27FC236}">
+                    <a16:creationId xmlns:a16="http://schemas.microsoft.com/office/drawing/2014/main" id="{5FB151FC-5E2C-4727-8F83-C4C82C9FA79E}"/>
+                  </a:ext>
+                </a:extLst>
+              </p:cNvPr>
+              <p:cNvCxnSpPr>
+                <a:stCxn id="4" idx="0"/>
+              </p:cNvCxnSpPr>
+              <p:nvPr/>
+            </p:nvCxnSpPr>
+            <p:spPr>
+              <a:xfrm flipH="1" flipV="1">
+                <a:off x="5643418" y="3982821"/>
+                <a:ext cx="1" cy="441397"/>
+              </a:xfrm>
+              <a:prstGeom prst="straightConnector1">
+                <a:avLst/>
+              </a:prstGeom>
+              <a:ln>
+                <a:tailEnd type="oval"/>
+              </a:ln>
+            </p:spPr>
+            <p:style>
+              <a:lnRef idx="1">
+                <a:schemeClr val="accent1"/>
+              </a:lnRef>
+              <a:fillRef idx="0">
+                <a:schemeClr val="accent1"/>
+              </a:fillRef>
+              <a:effectRef idx="0">
+                <a:schemeClr val="accent1"/>
+              </a:effectRef>
+              <a:fontRef idx="minor">
+                <a:schemeClr val="tx1"/>
+              </a:fontRef>
+            </p:style>
+          </p:cxnSp>
+          <p:cxnSp>
+            <p:nvCxnSpPr>
+              <p:cNvPr id="8" name="Straight Arrow Connector 7">
+                <a:extLst>
+                  <a:ext uri="{FF2B5EF4-FFF2-40B4-BE49-F238E27FC236}">
+                    <a16:creationId xmlns:a16="http://schemas.microsoft.com/office/drawing/2014/main" id="{F84D94D5-9488-484D-98DA-40C765532DFB}"/>
+                  </a:ext>
+                </a:extLst>
+              </p:cNvPr>
+              <p:cNvCxnSpPr>
+                <a:cxnSpLocks/>
+                <a:stCxn id="4" idx="1"/>
+              </p:cNvCxnSpPr>
+              <p:nvPr/>
+            </p:nvCxnSpPr>
+            <p:spPr>
+              <a:xfrm flipH="1">
+                <a:off x="3980873" y="4927600"/>
+                <a:ext cx="683491" cy="0"/>
+              </a:xfrm>
+              <a:prstGeom prst="straightConnector1">
+                <a:avLst/>
+              </a:prstGeom>
+              <a:ln>
+                <a:tailEnd type="oval"/>
+              </a:ln>
+            </p:spPr>
+            <p:style>
+              <a:lnRef idx="1">
+                <a:schemeClr val="accent1"/>
+              </a:lnRef>
+              <a:fillRef idx="0">
+                <a:schemeClr val="accent1"/>
+              </a:fillRef>
+              <a:effectRef idx="0">
+                <a:schemeClr val="accent1"/>
+              </a:effectRef>
+              <a:fontRef idx="minor">
+                <a:schemeClr val="tx1"/>
+              </a:fontRef>
+            </p:style>
+          </p:cxnSp>
+          <p:sp>
+            <p:nvSpPr>
+              <p:cNvPr id="11" name="TextBox 10">
+                <a:extLst>
+                  <a:ext uri="{FF2B5EF4-FFF2-40B4-BE49-F238E27FC236}">
+                    <a16:creationId xmlns:a16="http://schemas.microsoft.com/office/drawing/2014/main" id="{11326FD8-57CB-4ED2-9472-ACF8095F19B8}"/>
+                  </a:ext>
+                </a:extLst>
+              </p:cNvPr>
+              <p:cNvSpPr txBox="1"/>
+              <p:nvPr/>
+            </p:nvSpPr>
+            <p:spPr>
+              <a:xfrm>
+                <a:off x="5715742" y="3919949"/>
+                <a:ext cx="1813461" cy="369332"/>
+              </a:xfrm>
+              <a:prstGeom prst="rect">
+                <a:avLst/>
+              </a:prstGeom>
+              <a:noFill/>
+            </p:spPr>
+            <p:txBody>
+              <a:bodyPr wrap="square" rtlCol="0">
+                <a:spAutoFit/>
+              </a:bodyPr>
+              <a:lstStyle/>
+              <a:p>
+                <a:r>
+                  <a:rPr lang="fr-FR" dirty="0"/>
+                  <a:t>API </a:t>
+                </a:r>
+                <a:r>
+                  <a:rPr lang="fr-FR" dirty="0" err="1"/>
+                  <a:t>Health</a:t>
+                </a:r>
+                <a:endParaRPr lang="fr-FR" dirty="0"/>
+              </a:p>
+            </p:txBody>
+          </p:sp>
+          <p:sp>
+            <p:nvSpPr>
+              <p:cNvPr id="12" name="TextBox 11">
+                <a:extLst>
+                  <a:ext uri="{FF2B5EF4-FFF2-40B4-BE49-F238E27FC236}">
+                    <a16:creationId xmlns:a16="http://schemas.microsoft.com/office/drawing/2014/main" id="{B447B04B-BAA4-40F0-A459-138DB73767F1}"/>
+                  </a:ext>
+                </a:extLst>
+              </p:cNvPr>
+              <p:cNvSpPr txBox="1"/>
+              <p:nvPr/>
+            </p:nvSpPr>
+            <p:spPr>
+              <a:xfrm>
+                <a:off x="3211781" y="5062538"/>
+                <a:ext cx="1813461" cy="369332"/>
+              </a:xfrm>
+              <a:prstGeom prst="rect">
+                <a:avLst/>
+              </a:prstGeom>
+              <a:noFill/>
+            </p:spPr>
+            <p:txBody>
+              <a:bodyPr wrap="square" rtlCol="0">
+                <a:spAutoFit/>
+              </a:bodyPr>
+              <a:lstStyle/>
+              <a:p>
+                <a:r>
+                  <a:rPr lang="fr-FR" dirty="0"/>
+                  <a:t>API Métier</a:t>
+                </a:r>
+              </a:p>
+            </p:txBody>
+          </p:sp>
+        </p:grpSp>
+        <p:cxnSp>
+          <p:nvCxnSpPr>
+            <p:cNvPr id="7" name="Straight Arrow Connector 6">
+              <a:extLst>
+                <a:ext uri="{FF2B5EF4-FFF2-40B4-BE49-F238E27FC236}">
+                  <a16:creationId xmlns:a16="http://schemas.microsoft.com/office/drawing/2014/main" id="{43D910C9-9774-45EA-BC94-EA7F20F905C5}"/>
+                </a:ext>
+              </a:extLst>
+            </p:cNvPr>
+            <p:cNvCxnSpPr>
+              <a:stCxn id="4" idx="3"/>
+            </p:cNvCxnSpPr>
+            <p:nvPr/>
+          </p:nvCxnSpPr>
+          <p:spPr>
+            <a:xfrm>
+              <a:off x="9155302" y="5882840"/>
+              <a:ext cx="699898" cy="0"/>
+            </a:xfrm>
+            <a:prstGeom prst="straightConnector1">
+              <a:avLst/>
+            </a:prstGeom>
+            <a:ln>
+              <a:tailEnd type="oval"/>
+            </a:ln>
+          </p:spPr>
+          <p:style>
+            <a:lnRef idx="1">
+              <a:schemeClr val="accent1"/>
+            </a:lnRef>
+            <a:fillRef idx="0">
+              <a:schemeClr val="accent1"/>
+            </a:fillRef>
+            <a:effectRef idx="0">
+              <a:schemeClr val="accent1"/>
+            </a:effectRef>
+            <a:fontRef idx="minor">
+              <a:schemeClr val="tx1"/>
+            </a:fontRef>
+          </p:style>
+        </p:cxnSp>
+        <p:sp>
+          <p:nvSpPr>
+            <p:cNvPr id="9" name="TextBox 8">
+              <a:extLst>
+                <a:ext uri="{FF2B5EF4-FFF2-40B4-BE49-F238E27FC236}">
+                  <a16:creationId xmlns:a16="http://schemas.microsoft.com/office/drawing/2014/main" id="{5408868E-D934-4514-8A99-66D43B53D686}"/>
+                </a:ext>
+              </a:extLst>
+            </p:cNvPr>
+            <p:cNvSpPr txBox="1"/>
+            <p:nvPr/>
+          </p:nvSpPr>
+          <p:spPr>
+            <a:xfrm>
+              <a:off x="9321556" y="5954692"/>
+              <a:ext cx="1328057" cy="369332"/>
+            </a:xfrm>
+            <a:prstGeom prst="rect">
+              <a:avLst/>
+            </a:prstGeom>
+            <a:noFill/>
+          </p:spPr>
+          <p:txBody>
+            <a:bodyPr wrap="square" rtlCol="0">
+              <a:spAutoFit/>
+            </a:bodyPr>
+            <a:lstStyle/>
+            <a:p>
+              <a:r>
+                <a:rPr lang="fr-FR" dirty="0"/>
+                <a:t>API Service</a:t>
+              </a:r>
+            </a:p>
+          </p:txBody>
+        </p:sp>
+      </p:grpSp>
     </p:spTree>
     <p:extLst>
       <p:ext uri="{BB962C8B-B14F-4D97-AF65-F5344CB8AC3E}">
-        <p14:creationId xmlns:p14="http://schemas.microsoft.com/office/powerpoint/2010/main" val="4272597895"/>
+        <p14:creationId xmlns:p14="http://schemas.microsoft.com/office/powerpoint/2010/main" val="1781997244"/>
       </p:ext>
     </p:extLst>
   </p:cSld>
@@ -9299,7 +9916,7 @@
           <p:cNvPr id="2" name="Title 1">
             <a:extLst>
               <a:ext uri="{FF2B5EF4-FFF2-40B4-BE49-F238E27FC236}">
-                <a16:creationId xmlns:a16="http://schemas.microsoft.com/office/drawing/2014/main" id="{343C399C-8B6C-4C97-B73F-F88B33DFE1AA}"/>
+                <a16:creationId xmlns:a16="http://schemas.microsoft.com/office/drawing/2014/main" id="{2784687D-23B8-4E40-AEF6-6452B80AEC11}"/>
               </a:ext>
             </a:extLst>
           </p:cNvPr>
@@ -9317,11 +9934,7 @@
           <a:p>
             <a:r>
               <a:rPr lang="fr-FR" dirty="0"/>
-              <a:t>Les composants : </a:t>
-            </a:r>
-            <a:r>
-              <a:rPr lang="fr-FR" sz="3600" dirty="0"/>
-              <a:t>Parties communes</a:t>
+              <a:t>Définition des composants</a:t>
             </a:r>
           </a:p>
         </p:txBody>
@@ -9331,7 +9944,7 @@
           <p:cNvPr id="3" name="Content Placeholder 2">
             <a:extLst>
               <a:ext uri="{FF2B5EF4-FFF2-40B4-BE49-F238E27FC236}">
-                <a16:creationId xmlns:a16="http://schemas.microsoft.com/office/drawing/2014/main" id="{DFAEFE3B-9BBD-4BF9-AC23-8F1196D4009F}"/>
+                <a16:creationId xmlns:a16="http://schemas.microsoft.com/office/drawing/2014/main" id="{D76C1FAB-7866-4776-8F13-24FBD5CADE02}"/>
               </a:ext>
             </a:extLst>
           </p:cNvPr>
@@ -9349,305 +9962,68 @@
           <a:p>
             <a:r>
               <a:rPr lang="fr-FR" dirty="0"/>
-              <a:t>Chaque composant implémente une ou plusieurs API. L’implémentation minimum prend en charge l’API </a:t>
-            </a:r>
+              <a:t>Définition des interfaces (contrats)</a:t>
+            </a:r>
+          </a:p>
+          <a:p>
+            <a:pPr lvl="1"/>
             <a:r>
               <a:rPr lang="fr-FR" dirty="0" err="1"/>
               <a:t>Health</a:t>
             </a:r>
+            <a:endParaRPr lang="fr-FR" dirty="0"/>
+          </a:p>
+          <a:p>
+            <a:pPr lvl="1"/>
             <a:r>
               <a:rPr lang="fr-FR" dirty="0"/>
-              <a:t> plus une API métier. </a:t>
-            </a:r>
-          </a:p>
-          <a:p>
+              <a:t>Service</a:t>
+            </a:r>
+          </a:p>
+          <a:p>
+            <a:pPr lvl="1"/>
             <a:r>
               <a:rPr lang="fr-FR" dirty="0"/>
-              <a:t>Api commune à tous les composants:</a:t>
+              <a:t>Métier</a:t>
             </a:r>
           </a:p>
           <a:p>
             <a:pPr lvl="1"/>
-            <a:r>
-              <a:rPr lang="fr-FR" dirty="0" err="1"/>
-              <a:t>Health</a:t>
-            </a:r>
             <a:endParaRPr lang="fr-FR" dirty="0"/>
           </a:p>
           <a:p>
-            <a:pPr lvl="2"/>
-            <a:r>
-              <a:rPr lang="fr-FR" dirty="0" err="1"/>
-              <a:t>Status</a:t>
-            </a:r>
             <a:r>
               <a:rPr lang="fr-FR" dirty="0"/>
-              <a:t> (</a:t>
-            </a:r>
-            <a:r>
-              <a:rPr lang="fr-FR" dirty="0">
-                <a:hlinkClick r:id="rId2"/>
-              </a:rPr>
-              <a:t>http://XXX.XXX.XXX.XXX:PPPP/health/status</a:t>
-            </a:r>
+              <a:t>Définition des comportements</a:t>
+            </a:r>
+          </a:p>
+          <a:p>
+            <a:pPr lvl="1"/>
             <a:r>
               <a:rPr lang="fr-FR" dirty="0"/>
-              <a:t>)</a:t>
-            </a:r>
-          </a:p>
-          <a:p>
-            <a:pPr lvl="2"/>
-            <a:endParaRPr lang="fr-FR" dirty="0"/>
-          </a:p>
-          <a:p>
+              <a:t>Se mettre à l’écoute des messages de service.</a:t>
+            </a:r>
+          </a:p>
+          <a:p>
+            <a:pPr lvl="1"/>
             <a:r>
               <a:rPr lang="fr-FR" dirty="0"/>
-              <a:t>L’API </a:t>
-            </a:r>
-            <a:r>
-              <a:rPr lang="fr-FR" dirty="0" err="1"/>
-              <a:t>Health</a:t>
-            </a:r>
+              <a:t>Se déclarer dans les annuaires visibles.</a:t>
+            </a:r>
+          </a:p>
+          <a:p>
+            <a:pPr lvl="1"/>
             <a:r>
               <a:rPr lang="fr-FR" dirty="0"/>
-              <a:t> est destinée à un usage interne, elle est utilisée par le système pour évaluer l’état de santé des composants</a:t>
+              <a:t>Réutiliser le transaction ID reçu dans tous ses échanges</a:t>
             </a:r>
           </a:p>
         </p:txBody>
       </p:sp>
-      <p:grpSp>
-        <p:nvGrpSpPr>
-          <p:cNvPr id="13" name="Group 12">
-            <a:extLst>
-              <a:ext uri="{FF2B5EF4-FFF2-40B4-BE49-F238E27FC236}">
-                <a16:creationId xmlns:a16="http://schemas.microsoft.com/office/drawing/2014/main" id="{7E9C8A2F-B8BB-4025-AAB4-FE2340558677}"/>
-              </a:ext>
-            </a:extLst>
-          </p:cNvPr>
-          <p:cNvGrpSpPr/>
-          <p:nvPr/>
-        </p:nvGrpSpPr>
-        <p:grpSpPr>
-          <a:xfrm>
-            <a:off x="7776609" y="3101811"/>
-            <a:ext cx="4317422" cy="1511921"/>
-            <a:chOff x="3211781" y="3919949"/>
-            <a:chExt cx="4317422" cy="1511921"/>
-          </a:xfrm>
-        </p:grpSpPr>
-        <p:sp>
-          <p:nvSpPr>
-            <p:cNvPr id="4" name="Rectangle: Rounded Corners 3">
-              <a:extLst>
-                <a:ext uri="{FF2B5EF4-FFF2-40B4-BE49-F238E27FC236}">
-                  <a16:creationId xmlns:a16="http://schemas.microsoft.com/office/drawing/2014/main" id="{92B4D2B9-B495-4F67-831E-7DDAD1A65696}"/>
-                </a:ext>
-              </a:extLst>
-            </p:cNvPr>
-            <p:cNvSpPr/>
-            <p:nvPr/>
-          </p:nvSpPr>
-          <p:spPr>
-            <a:xfrm>
-              <a:off x="4664364" y="4424218"/>
-              <a:ext cx="1958109" cy="1006764"/>
-            </a:xfrm>
-            <a:prstGeom prst="roundRect">
-              <a:avLst/>
-            </a:prstGeom>
-          </p:spPr>
-          <p:style>
-            <a:lnRef idx="2">
-              <a:schemeClr val="accent1">
-                <a:shade val="50000"/>
-              </a:schemeClr>
-            </a:lnRef>
-            <a:fillRef idx="1">
-              <a:schemeClr val="accent1"/>
-            </a:fillRef>
-            <a:effectRef idx="0">
-              <a:schemeClr val="accent1"/>
-            </a:effectRef>
-            <a:fontRef idx="minor">
-              <a:schemeClr val="lt1"/>
-            </a:fontRef>
-          </p:style>
-          <p:txBody>
-            <a:bodyPr rtlCol="0" anchor="ctr"/>
-            <a:lstStyle/>
-            <a:p>
-              <a:pPr algn="ctr"/>
-              <a:r>
-                <a:rPr lang="fr-FR" dirty="0" err="1"/>
-                <a:t>Compsant</a:t>
-              </a:r>
-              <a:endParaRPr lang="fr-FR" dirty="0"/>
-            </a:p>
-          </p:txBody>
-        </p:sp>
-        <p:cxnSp>
-          <p:nvCxnSpPr>
-            <p:cNvPr id="6" name="Straight Arrow Connector 5">
-              <a:extLst>
-                <a:ext uri="{FF2B5EF4-FFF2-40B4-BE49-F238E27FC236}">
-                  <a16:creationId xmlns:a16="http://schemas.microsoft.com/office/drawing/2014/main" id="{5FB151FC-5E2C-4727-8F83-C4C82C9FA79E}"/>
-                </a:ext>
-              </a:extLst>
-            </p:cNvPr>
-            <p:cNvCxnSpPr>
-              <a:stCxn id="4" idx="0"/>
-            </p:cNvCxnSpPr>
-            <p:nvPr/>
-          </p:nvCxnSpPr>
-          <p:spPr>
-            <a:xfrm flipH="1" flipV="1">
-              <a:off x="5643418" y="3982821"/>
-              <a:ext cx="1" cy="441397"/>
-            </a:xfrm>
-            <a:prstGeom prst="straightConnector1">
-              <a:avLst/>
-            </a:prstGeom>
-            <a:ln>
-              <a:tailEnd type="oval"/>
-            </a:ln>
-          </p:spPr>
-          <p:style>
-            <a:lnRef idx="1">
-              <a:schemeClr val="accent1"/>
-            </a:lnRef>
-            <a:fillRef idx="0">
-              <a:schemeClr val="accent1"/>
-            </a:fillRef>
-            <a:effectRef idx="0">
-              <a:schemeClr val="accent1"/>
-            </a:effectRef>
-            <a:fontRef idx="minor">
-              <a:schemeClr val="tx1"/>
-            </a:fontRef>
-          </p:style>
-        </p:cxnSp>
-        <p:cxnSp>
-          <p:nvCxnSpPr>
-            <p:cNvPr id="8" name="Straight Arrow Connector 7">
-              <a:extLst>
-                <a:ext uri="{FF2B5EF4-FFF2-40B4-BE49-F238E27FC236}">
-                  <a16:creationId xmlns:a16="http://schemas.microsoft.com/office/drawing/2014/main" id="{F84D94D5-9488-484D-98DA-40C765532DFB}"/>
-                </a:ext>
-              </a:extLst>
-            </p:cNvPr>
-            <p:cNvCxnSpPr>
-              <a:cxnSpLocks/>
-              <a:stCxn id="4" idx="1"/>
-            </p:cNvCxnSpPr>
-            <p:nvPr/>
-          </p:nvCxnSpPr>
-          <p:spPr>
-            <a:xfrm flipH="1">
-              <a:off x="3980873" y="4927600"/>
-              <a:ext cx="683491" cy="0"/>
-            </a:xfrm>
-            <a:prstGeom prst="straightConnector1">
-              <a:avLst/>
-            </a:prstGeom>
-            <a:ln>
-              <a:tailEnd type="oval"/>
-            </a:ln>
-          </p:spPr>
-          <p:style>
-            <a:lnRef idx="1">
-              <a:schemeClr val="accent1"/>
-            </a:lnRef>
-            <a:fillRef idx="0">
-              <a:schemeClr val="accent1"/>
-            </a:fillRef>
-            <a:effectRef idx="0">
-              <a:schemeClr val="accent1"/>
-            </a:effectRef>
-            <a:fontRef idx="minor">
-              <a:schemeClr val="tx1"/>
-            </a:fontRef>
-          </p:style>
-        </p:cxnSp>
-        <p:sp>
-          <p:nvSpPr>
-            <p:cNvPr id="11" name="TextBox 10">
-              <a:extLst>
-                <a:ext uri="{FF2B5EF4-FFF2-40B4-BE49-F238E27FC236}">
-                  <a16:creationId xmlns:a16="http://schemas.microsoft.com/office/drawing/2014/main" id="{11326FD8-57CB-4ED2-9472-ACF8095F19B8}"/>
-                </a:ext>
-              </a:extLst>
-            </p:cNvPr>
-            <p:cNvSpPr txBox="1"/>
-            <p:nvPr/>
-          </p:nvSpPr>
-          <p:spPr>
-            <a:xfrm>
-              <a:off x="5715742" y="3919949"/>
-              <a:ext cx="1813461" cy="369332"/>
-            </a:xfrm>
-            <a:prstGeom prst="rect">
-              <a:avLst/>
-            </a:prstGeom>
-            <a:noFill/>
-          </p:spPr>
-          <p:txBody>
-            <a:bodyPr wrap="square" rtlCol="0">
-              <a:spAutoFit/>
-            </a:bodyPr>
-            <a:lstStyle/>
-            <a:p>
-              <a:r>
-                <a:rPr lang="fr-FR" dirty="0"/>
-                <a:t>API </a:t>
-              </a:r>
-              <a:r>
-                <a:rPr lang="fr-FR" dirty="0" err="1"/>
-                <a:t>Health</a:t>
-              </a:r>
-              <a:endParaRPr lang="fr-FR" dirty="0"/>
-            </a:p>
-          </p:txBody>
-        </p:sp>
-        <p:sp>
-          <p:nvSpPr>
-            <p:cNvPr id="12" name="TextBox 11">
-              <a:extLst>
-                <a:ext uri="{FF2B5EF4-FFF2-40B4-BE49-F238E27FC236}">
-                  <a16:creationId xmlns:a16="http://schemas.microsoft.com/office/drawing/2014/main" id="{B447B04B-BAA4-40F0-A459-138DB73767F1}"/>
-                </a:ext>
-              </a:extLst>
-            </p:cNvPr>
-            <p:cNvSpPr txBox="1"/>
-            <p:nvPr/>
-          </p:nvSpPr>
-          <p:spPr>
-            <a:xfrm>
-              <a:off x="3211781" y="5062538"/>
-              <a:ext cx="1813461" cy="369332"/>
-            </a:xfrm>
-            <a:prstGeom prst="rect">
-              <a:avLst/>
-            </a:prstGeom>
-            <a:noFill/>
-          </p:spPr>
-          <p:txBody>
-            <a:bodyPr wrap="square" rtlCol="0">
-              <a:spAutoFit/>
-            </a:bodyPr>
-            <a:lstStyle/>
-            <a:p>
-              <a:r>
-                <a:rPr lang="fr-FR" dirty="0"/>
-                <a:t>API Métier</a:t>
-              </a:r>
-            </a:p>
-          </p:txBody>
-        </p:sp>
-      </p:grpSp>
     </p:spTree>
     <p:extLst>
       <p:ext uri="{BB962C8B-B14F-4D97-AF65-F5344CB8AC3E}">
-        <p14:creationId xmlns:p14="http://schemas.microsoft.com/office/powerpoint/2010/main" val="1781997244"/>
+        <p14:creationId xmlns:p14="http://schemas.microsoft.com/office/powerpoint/2010/main" val="4272597895"/>
       </p:ext>
     </p:extLst>
   </p:cSld>
@@ -9746,13 +10122,13 @@
           <a:p>
             <a:r>
               <a:rPr lang="fr-FR" dirty="0"/>
-              <a:t>Chaque composant est à l’écoute d’une liste de diffusion afin de connaître les annuaires disponibles.</a:t>
+              <a:t>Chaque composant est à l’écoute des messages de service afin de connaître les annuaires disponibles (multicast).</a:t>
             </a:r>
           </a:p>
           <a:p>
             <a:r>
               <a:rPr lang="fr-FR" dirty="0"/>
-              <a:t>Chaque composant utilise une liste d’annuaires pour se faire connaître du système.</a:t>
+              <a:t>Chaque composant utilise une message de service pour se faire connaître du système.</a:t>
             </a:r>
           </a:p>
           <a:p>
@@ -11312,6 +11688,56 @@
           </p:style>
         </p:cxnSp>
       </p:grpSp>
+      <p:sp>
+        <p:nvSpPr>
+          <p:cNvPr id="3" name="TextBox 2">
+            <a:extLst>
+              <a:ext uri="{FF2B5EF4-FFF2-40B4-BE49-F238E27FC236}">
+                <a16:creationId xmlns:a16="http://schemas.microsoft.com/office/drawing/2014/main" id="{F9BC2799-9CA2-4810-B0D3-5D0F81E9BF05}"/>
+              </a:ext>
+            </a:extLst>
+          </p:cNvPr>
+          <p:cNvSpPr txBox="1"/>
+          <p:nvPr/>
+        </p:nvSpPr>
+        <p:spPr>
+          <a:xfrm>
+            <a:off x="3481367" y="1500310"/>
+            <a:ext cx="8142514" cy="923330"/>
+          </a:xfrm>
+          <a:prstGeom prst="rect">
+            <a:avLst/>
+          </a:prstGeom>
+          <a:solidFill>
+            <a:schemeClr val="accent2">
+              <a:lumMod val="40000"/>
+              <a:lumOff val="60000"/>
+            </a:schemeClr>
+          </a:solidFill>
+        </p:spPr>
+        <p:txBody>
+          <a:bodyPr wrap="square" rtlCol="0">
+            <a:spAutoFit/>
+          </a:bodyPr>
+          <a:lstStyle/>
+          <a:p>
+            <a:pPr algn="ctr"/>
+            <a:endParaRPr lang="fr-FR" dirty="0"/>
+          </a:p>
+          <a:p>
+            <a:pPr algn="ctr"/>
+            <a:r>
+              <a:rPr lang="fr-FR" dirty="0" err="1"/>
+              <a:t>Orchestrator</a:t>
+            </a:r>
+            <a:endParaRPr lang="fr-FR" dirty="0"/>
+          </a:p>
+          <a:p>
+            <a:pPr algn="ctr"/>
+            <a:endParaRPr lang="fr-FR" dirty="0"/>
+          </a:p>
+        </p:txBody>
+      </p:sp>
     </p:spTree>
     <p:extLst>
       <p:ext uri="{BB962C8B-B14F-4D97-AF65-F5344CB8AC3E}">
@@ -11506,14 +11932,14 @@
             </a:r>
             <a:r>
               <a:rPr lang="fr-FR" dirty="0"/>
-              <a:t>: </a:t>
+              <a:t>: un appel d’un client peut se traduire par plusieurs échanges internes.</a:t>
             </a:r>
           </a:p>
           <a:p>
             <a:pPr lvl="1"/>
             <a:r>
               <a:rPr lang="fr-FR" dirty="0"/>
-              <a:t>Transformation: </a:t>
+              <a:t>Transformation: …</a:t>
             </a:r>
           </a:p>
           <a:p>
@@ -12614,7 +13040,7 @@
         <p:spPr/>
         <p:txBody>
           <a:bodyPr>
-            <a:normAutofit/>
+            <a:normAutofit lnSpcReduction="10000"/>
           </a:bodyPr>
           <a:lstStyle/>
           <a:p>
@@ -12627,7 +13053,7 @@
             <a:pPr lvl="1"/>
             <a:r>
               <a:rPr lang="fr-FR" dirty="0"/>
-              <a:t>Dispose d’une Url dynamique annoncée à tous les composants du système via une diffusion multicast</a:t>
+              <a:t>Possède le catalogue des composants disponibles; Dispose d’une Url dynamique annoncée à tous les composants du système via l’API de service (diffusion multicast)</a:t>
             </a:r>
           </a:p>
           <a:p>
@@ -12681,7 +13107,7 @@
             <a:pPr lvl="1"/>
             <a:r>
               <a:rPr lang="fr-FR" dirty="0"/>
-              <a:t>Emet une notification pour inviter les abonnés à se mettre à jour (API Gateway).</a:t>
+              <a:t>Emet une notification pour inviter les abonnés à se mettre à jour en cas de modification du troupeau (API Gateway).</a:t>
             </a:r>
           </a:p>
         </p:txBody>

--- a/maquette.pptx
+++ b/maquette.pptx
@@ -12,14 +12,22 @@
     <p:sldId id="270" r:id="rId6"/>
     <p:sldId id="267" r:id="rId7"/>
     <p:sldId id="268" r:id="rId8"/>
-    <p:sldId id="259" r:id="rId9"/>
-    <p:sldId id="260" r:id="rId10"/>
-    <p:sldId id="261" r:id="rId11"/>
-    <p:sldId id="262" r:id="rId12"/>
-    <p:sldId id="263" r:id="rId13"/>
-    <p:sldId id="264" r:id="rId14"/>
-    <p:sldId id="265" r:id="rId15"/>
-    <p:sldId id="266" r:id="rId16"/>
+    <p:sldId id="277" r:id="rId9"/>
+    <p:sldId id="259" r:id="rId10"/>
+    <p:sldId id="260" r:id="rId11"/>
+    <p:sldId id="273" r:id="rId12"/>
+    <p:sldId id="261" r:id="rId13"/>
+    <p:sldId id="262" r:id="rId14"/>
+    <p:sldId id="263" r:id="rId15"/>
+    <p:sldId id="274" r:id="rId16"/>
+    <p:sldId id="275" r:id="rId17"/>
+    <p:sldId id="276" r:id="rId18"/>
+    <p:sldId id="278" r:id="rId19"/>
+    <p:sldId id="264" r:id="rId20"/>
+    <p:sldId id="265" r:id="rId21"/>
+    <p:sldId id="272" r:id="rId22"/>
+    <p:sldId id="271" r:id="rId23"/>
+    <p:sldId id="266" r:id="rId24"/>
   </p:sldIdLst>
   <p:sldSz cx="12192000" cy="6858000"/>
   <p:notesSz cx="6805613" cy="9944100"/>
@@ -279,7 +287,7 @@
           <a:p>
             <a:fld id="{C9788473-FFB2-4B48-A667-AF2C4182B393}" type="datetimeFigureOut">
               <a:rPr lang="fr-FR" smtClean="0"/>
-              <a:t>13/08/2018</a:t>
+              <a:t>17/09/2018</a:t>
             </a:fld>
             <a:endParaRPr lang="fr-FR"/>
           </a:p>
@@ -479,7 +487,7 @@
           <a:p>
             <a:fld id="{C9788473-FFB2-4B48-A667-AF2C4182B393}" type="datetimeFigureOut">
               <a:rPr lang="fr-FR" smtClean="0"/>
-              <a:t>13/08/2018</a:t>
+              <a:t>17/09/2018</a:t>
             </a:fld>
             <a:endParaRPr lang="fr-FR"/>
           </a:p>
@@ -689,7 +697,7 @@
           <a:p>
             <a:fld id="{C9788473-FFB2-4B48-A667-AF2C4182B393}" type="datetimeFigureOut">
               <a:rPr lang="fr-FR" smtClean="0"/>
-              <a:t>13/08/2018</a:t>
+              <a:t>17/09/2018</a:t>
             </a:fld>
             <a:endParaRPr lang="fr-FR"/>
           </a:p>
@@ -889,7 +897,7 @@
           <a:p>
             <a:fld id="{C9788473-FFB2-4B48-A667-AF2C4182B393}" type="datetimeFigureOut">
               <a:rPr lang="fr-FR" smtClean="0"/>
-              <a:t>13/08/2018</a:t>
+              <a:t>17/09/2018</a:t>
             </a:fld>
             <a:endParaRPr lang="fr-FR"/>
           </a:p>
@@ -1165,7 +1173,7 @@
           <a:p>
             <a:fld id="{C9788473-FFB2-4B48-A667-AF2C4182B393}" type="datetimeFigureOut">
               <a:rPr lang="fr-FR" smtClean="0"/>
-              <a:t>13/08/2018</a:t>
+              <a:t>17/09/2018</a:t>
             </a:fld>
             <a:endParaRPr lang="fr-FR"/>
           </a:p>
@@ -1433,7 +1441,7 @@
           <a:p>
             <a:fld id="{C9788473-FFB2-4B48-A667-AF2C4182B393}" type="datetimeFigureOut">
               <a:rPr lang="fr-FR" smtClean="0"/>
-              <a:t>13/08/2018</a:t>
+              <a:t>17/09/2018</a:t>
             </a:fld>
             <a:endParaRPr lang="fr-FR"/>
           </a:p>
@@ -1848,7 +1856,7 @@
           <a:p>
             <a:fld id="{C9788473-FFB2-4B48-A667-AF2C4182B393}" type="datetimeFigureOut">
               <a:rPr lang="fr-FR" smtClean="0"/>
-              <a:t>13/08/2018</a:t>
+              <a:t>17/09/2018</a:t>
             </a:fld>
             <a:endParaRPr lang="fr-FR"/>
           </a:p>
@@ -1990,7 +1998,7 @@
           <a:p>
             <a:fld id="{C9788473-FFB2-4B48-A667-AF2C4182B393}" type="datetimeFigureOut">
               <a:rPr lang="fr-FR" smtClean="0"/>
-              <a:t>13/08/2018</a:t>
+              <a:t>17/09/2018</a:t>
             </a:fld>
             <a:endParaRPr lang="fr-FR"/>
           </a:p>
@@ -2103,7 +2111,7 @@
           <a:p>
             <a:fld id="{C9788473-FFB2-4B48-A667-AF2C4182B393}" type="datetimeFigureOut">
               <a:rPr lang="fr-FR" smtClean="0"/>
-              <a:t>13/08/2018</a:t>
+              <a:t>17/09/2018</a:t>
             </a:fld>
             <a:endParaRPr lang="fr-FR"/>
           </a:p>
@@ -2416,7 +2424,7 @@
           <a:p>
             <a:fld id="{C9788473-FFB2-4B48-A667-AF2C4182B393}" type="datetimeFigureOut">
               <a:rPr lang="fr-FR" smtClean="0"/>
-              <a:t>13/08/2018</a:t>
+              <a:t>17/09/2018</a:t>
             </a:fld>
             <a:endParaRPr lang="fr-FR"/>
           </a:p>
@@ -2705,7 +2713,7 @@
           <a:p>
             <a:fld id="{C9788473-FFB2-4B48-A667-AF2C4182B393}" type="datetimeFigureOut">
               <a:rPr lang="fr-FR" smtClean="0"/>
-              <a:t>13/08/2018</a:t>
+              <a:t>17/09/2018</a:t>
             </a:fld>
             <a:endParaRPr lang="fr-FR"/>
           </a:p>
@@ -2948,7 +2956,7 @@
           <a:p>
             <a:fld id="{C9788473-FFB2-4B48-A667-AF2C4182B393}" type="datetimeFigureOut">
               <a:rPr lang="fr-FR" smtClean="0"/>
-              <a:t>13/08/2018</a:t>
+              <a:t>17/09/2018</a:t>
             </a:fld>
             <a:endParaRPr lang="fr-FR"/>
           </a:p>
@@ -3460,6 +3468,2343 @@
           <p:cNvPr id="2" name="Title 1">
             <a:extLst>
               <a:ext uri="{FF2B5EF4-FFF2-40B4-BE49-F238E27FC236}">
+                <a16:creationId xmlns:a16="http://schemas.microsoft.com/office/drawing/2014/main" id="{EA68E7C9-5674-48BF-9738-5649817C8492}"/>
+              </a:ext>
+            </a:extLst>
+          </p:cNvPr>
+          <p:cNvSpPr>
+            <a:spLocks noGrp="1"/>
+          </p:cNvSpPr>
+          <p:nvPr>
+            <p:ph type="title"/>
+          </p:nvPr>
+        </p:nvSpPr>
+        <p:spPr/>
+        <p:txBody>
+          <a:bodyPr/>
+          <a:lstStyle/>
+          <a:p>
+            <a:r>
+              <a:rPr lang="fr-FR" dirty="0"/>
+              <a:t>Annuaire</a:t>
+            </a:r>
+          </a:p>
+        </p:txBody>
+      </p:sp>
+      <p:sp>
+        <p:nvSpPr>
+          <p:cNvPr id="3" name="Content Placeholder 2">
+            <a:extLst>
+              <a:ext uri="{FF2B5EF4-FFF2-40B4-BE49-F238E27FC236}">
+                <a16:creationId xmlns:a16="http://schemas.microsoft.com/office/drawing/2014/main" id="{F903AED7-73D9-4772-B3F5-AE9BB7EDFBF5}"/>
+              </a:ext>
+            </a:extLst>
+          </p:cNvPr>
+          <p:cNvSpPr>
+            <a:spLocks noGrp="1"/>
+          </p:cNvSpPr>
+          <p:nvPr>
+            <p:ph idx="1"/>
+          </p:nvPr>
+        </p:nvSpPr>
+        <p:spPr/>
+        <p:txBody>
+          <a:bodyPr>
+            <a:normAutofit fontScale="92500" lnSpcReduction="10000"/>
+          </a:bodyPr>
+          <a:lstStyle/>
+          <a:p>
+            <a:r>
+              <a:rPr lang="fr-FR" dirty="0"/>
+              <a:t>Caractéristiques:</a:t>
+            </a:r>
+          </a:p>
+          <a:p>
+            <a:pPr lvl="1"/>
+            <a:r>
+              <a:rPr lang="fr-FR" dirty="0"/>
+              <a:t>Possède le catalogue des composants disponibles; Dispose d’une Url dynamique annoncée à tous les composants du système via l’API de service (diffusion multicast). Il existe des système d’annuaire clé en main (Cf. CONSUL) qui présentent les même </a:t>
+            </a:r>
+            <a:r>
+              <a:rPr lang="fr-FR" dirty="0" err="1"/>
+              <a:t>fonctionnaitées</a:t>
+            </a:r>
+            <a:r>
+              <a:rPr lang="fr-FR" dirty="0"/>
+              <a:t>.</a:t>
+            </a:r>
+          </a:p>
+          <a:p>
+            <a:r>
+              <a:rPr lang="fr-FR" dirty="0"/>
+              <a:t>Rôle:</a:t>
+            </a:r>
+          </a:p>
+          <a:p>
+            <a:pPr lvl="1"/>
+            <a:r>
+              <a:rPr lang="fr-FR" dirty="0"/>
+              <a:t>Maintient à jour le catalogue des composants disponibles - </a:t>
+            </a:r>
+            <a:r>
+              <a:rPr lang="fr-FR" sz="1800" dirty="0"/>
+              <a:t>Annuaire alimenté par les composants qui se déclarent (au démarrage puis périodiquement)</a:t>
+            </a:r>
+            <a:r>
+              <a:rPr lang="fr-FR" dirty="0"/>
+              <a:t>.</a:t>
+            </a:r>
+          </a:p>
+          <a:p>
+            <a:pPr lvl="1"/>
+            <a:r>
+              <a:rPr lang="fr-FR" dirty="0"/>
+              <a:t>Vérifie périodiquement l’état de santé des composants (API </a:t>
+            </a:r>
+            <a:r>
+              <a:rPr lang="fr-FR" dirty="0" err="1"/>
+              <a:t>Health</a:t>
+            </a:r>
+            <a:r>
+              <a:rPr lang="fr-FR" dirty="0"/>
+              <a:t>). </a:t>
+            </a:r>
+            <a:r>
+              <a:rPr lang="fr-FR" sz="1800" dirty="0"/>
+              <a:t>Implémente le pattern « Circuit breaker »</a:t>
+            </a:r>
+          </a:p>
+          <a:p>
+            <a:pPr lvl="1"/>
+            <a:r>
+              <a:rPr lang="fr-FR" dirty="0"/>
+              <a:t>Emet une notification pour se faire repéré sur le réseau.</a:t>
+            </a:r>
+          </a:p>
+          <a:p>
+            <a:pPr lvl="1"/>
+            <a:r>
+              <a:rPr lang="fr-FR" dirty="0"/>
+              <a:t>Emet une notification pour inviter les abonnés à se mettre à jour en cas de modification du troupeau (API Gateway).</a:t>
+            </a:r>
+          </a:p>
+        </p:txBody>
+      </p:sp>
+      <p:grpSp>
+        <p:nvGrpSpPr>
+          <p:cNvPr id="5" name="Group 4">
+            <a:extLst>
+              <a:ext uri="{FF2B5EF4-FFF2-40B4-BE49-F238E27FC236}">
+                <a16:creationId xmlns:a16="http://schemas.microsoft.com/office/drawing/2014/main" id="{4902807A-583B-4A66-AB02-7D24A98A1CC0}"/>
+              </a:ext>
+            </a:extLst>
+          </p:cNvPr>
+          <p:cNvGrpSpPr/>
+          <p:nvPr/>
+        </p:nvGrpSpPr>
+        <p:grpSpPr>
+          <a:xfrm>
+            <a:off x="6387852" y="576943"/>
+            <a:ext cx="5412262" cy="696685"/>
+            <a:chOff x="836138" y="4057401"/>
+            <a:chExt cx="10254344" cy="2539341"/>
+          </a:xfrm>
+        </p:grpSpPr>
+        <p:sp>
+          <p:nvSpPr>
+            <p:cNvPr id="6" name="Rectangle: Rounded Corners 5">
+              <a:extLst>
+                <a:ext uri="{FF2B5EF4-FFF2-40B4-BE49-F238E27FC236}">
+                  <a16:creationId xmlns:a16="http://schemas.microsoft.com/office/drawing/2014/main" id="{0A8E14B3-1B33-49F1-899E-5B7265BBBC83}"/>
+                </a:ext>
+              </a:extLst>
+            </p:cNvPr>
+            <p:cNvSpPr/>
+            <p:nvPr/>
+          </p:nvSpPr>
+          <p:spPr>
+            <a:xfrm>
+              <a:off x="836138" y="4993572"/>
+              <a:ext cx="914400" cy="666998"/>
+            </a:xfrm>
+            <a:prstGeom prst="roundRect">
+              <a:avLst/>
+            </a:prstGeom>
+          </p:spPr>
+          <p:style>
+            <a:lnRef idx="2">
+              <a:schemeClr val="accent1">
+                <a:shade val="50000"/>
+              </a:schemeClr>
+            </a:lnRef>
+            <a:fillRef idx="1">
+              <a:schemeClr val="accent1"/>
+            </a:fillRef>
+            <a:effectRef idx="0">
+              <a:schemeClr val="accent1"/>
+            </a:effectRef>
+            <a:fontRef idx="minor">
+              <a:schemeClr val="lt1"/>
+            </a:fontRef>
+          </p:style>
+          <p:txBody>
+            <a:bodyPr rtlCol="0" anchor="ctr"/>
+            <a:lstStyle/>
+            <a:p>
+              <a:pPr algn="ctr"/>
+              <a:r>
+                <a:rPr lang="fr-FR" sz="900" dirty="0"/>
+                <a:t>Client</a:t>
+              </a:r>
+            </a:p>
+          </p:txBody>
+        </p:sp>
+        <p:sp>
+          <p:nvSpPr>
+            <p:cNvPr id="7" name="Rectangle: Rounded Corners 6">
+              <a:extLst>
+                <a:ext uri="{FF2B5EF4-FFF2-40B4-BE49-F238E27FC236}">
+                  <a16:creationId xmlns:a16="http://schemas.microsoft.com/office/drawing/2014/main" id="{9A9077F8-4DFC-4884-A896-488EDE78D97D}"/>
+                </a:ext>
+              </a:extLst>
+            </p:cNvPr>
+            <p:cNvSpPr/>
+            <p:nvPr/>
+          </p:nvSpPr>
+          <p:spPr>
+            <a:xfrm>
+              <a:off x="2166257" y="4057401"/>
+              <a:ext cx="1121229" cy="2539341"/>
+            </a:xfrm>
+            <a:prstGeom prst="roundRect">
+              <a:avLst/>
+            </a:prstGeom>
+          </p:spPr>
+          <p:style>
+            <a:lnRef idx="2">
+              <a:schemeClr val="accent1">
+                <a:shade val="50000"/>
+              </a:schemeClr>
+            </a:lnRef>
+            <a:fillRef idx="1">
+              <a:schemeClr val="accent1"/>
+            </a:fillRef>
+            <a:effectRef idx="0">
+              <a:schemeClr val="accent1"/>
+            </a:effectRef>
+            <a:fontRef idx="minor">
+              <a:schemeClr val="lt1"/>
+            </a:fontRef>
+          </p:style>
+          <p:txBody>
+            <a:bodyPr rtlCol="0" anchor="ctr"/>
+            <a:lstStyle/>
+            <a:p>
+              <a:pPr algn="ctr"/>
+              <a:r>
+                <a:rPr lang="fr-FR" sz="900" dirty="0" err="1"/>
+                <a:t>Load</a:t>
+              </a:r>
+              <a:endParaRPr lang="fr-FR" sz="900" dirty="0"/>
+            </a:p>
+            <a:p>
+              <a:pPr algn="ctr"/>
+              <a:r>
+                <a:rPr lang="fr-FR" sz="900" dirty="0"/>
+                <a:t>Balancer</a:t>
+              </a:r>
+            </a:p>
+          </p:txBody>
+        </p:sp>
+        <p:sp>
+          <p:nvSpPr>
+            <p:cNvPr id="8" name="Rectangle: Rounded Corners 7">
+              <a:extLst>
+                <a:ext uri="{FF2B5EF4-FFF2-40B4-BE49-F238E27FC236}">
+                  <a16:creationId xmlns:a16="http://schemas.microsoft.com/office/drawing/2014/main" id="{741BDE4D-67FD-40BD-A0F3-81CC36C8FABB}"/>
+                </a:ext>
+              </a:extLst>
+            </p:cNvPr>
+            <p:cNvSpPr/>
+            <p:nvPr/>
+          </p:nvSpPr>
+          <p:spPr>
+            <a:xfrm>
+              <a:off x="3827649" y="4124366"/>
+              <a:ext cx="1593438" cy="673265"/>
+            </a:xfrm>
+            <a:prstGeom prst="roundRect">
+              <a:avLst/>
+            </a:prstGeom>
+          </p:spPr>
+          <p:style>
+            <a:lnRef idx="2">
+              <a:schemeClr val="accent1">
+                <a:shade val="50000"/>
+              </a:schemeClr>
+            </a:lnRef>
+            <a:fillRef idx="1">
+              <a:schemeClr val="accent1"/>
+            </a:fillRef>
+            <a:effectRef idx="0">
+              <a:schemeClr val="accent1"/>
+            </a:effectRef>
+            <a:fontRef idx="minor">
+              <a:schemeClr val="lt1"/>
+            </a:fontRef>
+          </p:style>
+          <p:txBody>
+            <a:bodyPr rtlCol="0" anchor="ctr"/>
+            <a:lstStyle/>
+            <a:p>
+              <a:pPr algn="ctr"/>
+              <a:r>
+                <a:rPr lang="fr-FR" sz="900" dirty="0"/>
+                <a:t>API Gateway</a:t>
+              </a:r>
+            </a:p>
+          </p:txBody>
+        </p:sp>
+        <p:sp>
+          <p:nvSpPr>
+            <p:cNvPr id="9" name="Rectangle: Rounded Corners 8">
+              <a:extLst>
+                <a:ext uri="{FF2B5EF4-FFF2-40B4-BE49-F238E27FC236}">
+                  <a16:creationId xmlns:a16="http://schemas.microsoft.com/office/drawing/2014/main" id="{975CFD1F-B7B1-49E5-BCBC-491E9BF44206}"/>
+                </a:ext>
+              </a:extLst>
+            </p:cNvPr>
+            <p:cNvSpPr/>
+            <p:nvPr/>
+          </p:nvSpPr>
+          <p:spPr>
+            <a:xfrm>
+              <a:off x="3827649" y="5638635"/>
+              <a:ext cx="1593438" cy="673265"/>
+            </a:xfrm>
+            <a:prstGeom prst="roundRect">
+              <a:avLst/>
+            </a:prstGeom>
+          </p:spPr>
+          <p:style>
+            <a:lnRef idx="2">
+              <a:schemeClr val="accent1">
+                <a:shade val="50000"/>
+              </a:schemeClr>
+            </a:lnRef>
+            <a:fillRef idx="1">
+              <a:schemeClr val="accent1"/>
+            </a:fillRef>
+            <a:effectRef idx="0">
+              <a:schemeClr val="accent1"/>
+            </a:effectRef>
+            <a:fontRef idx="minor">
+              <a:schemeClr val="lt1"/>
+            </a:fontRef>
+          </p:style>
+          <p:txBody>
+            <a:bodyPr rtlCol="0" anchor="ctr"/>
+            <a:lstStyle/>
+            <a:p>
+              <a:pPr algn="ctr"/>
+              <a:r>
+                <a:rPr lang="fr-FR" sz="900" dirty="0"/>
+                <a:t>API Gateway</a:t>
+              </a:r>
+            </a:p>
+          </p:txBody>
+        </p:sp>
+        <p:sp>
+          <p:nvSpPr>
+            <p:cNvPr id="10" name="Rectangle: Rounded Corners 9">
+              <a:extLst>
+                <a:ext uri="{FF2B5EF4-FFF2-40B4-BE49-F238E27FC236}">
+                  <a16:creationId xmlns:a16="http://schemas.microsoft.com/office/drawing/2014/main" id="{A8211D76-43BA-47D8-9EA8-89E31EC86CB2}"/>
+                </a:ext>
+              </a:extLst>
+            </p:cNvPr>
+            <p:cNvSpPr/>
+            <p:nvPr/>
+          </p:nvSpPr>
+          <p:spPr>
+            <a:xfrm>
+              <a:off x="6042726" y="4726843"/>
+              <a:ext cx="1593438" cy="673265"/>
+            </a:xfrm>
+            <a:prstGeom prst="roundRect">
+              <a:avLst/>
+            </a:prstGeom>
+          </p:spPr>
+          <p:style>
+            <a:lnRef idx="2">
+              <a:schemeClr val="accent1">
+                <a:shade val="50000"/>
+              </a:schemeClr>
+            </a:lnRef>
+            <a:fillRef idx="1">
+              <a:schemeClr val="accent1"/>
+            </a:fillRef>
+            <a:effectRef idx="0">
+              <a:schemeClr val="accent1"/>
+            </a:effectRef>
+            <a:fontRef idx="minor">
+              <a:schemeClr val="lt1"/>
+            </a:fontRef>
+          </p:style>
+          <p:txBody>
+            <a:bodyPr rtlCol="0" anchor="ctr"/>
+            <a:lstStyle/>
+            <a:p>
+              <a:pPr algn="ctr"/>
+              <a:r>
+                <a:rPr lang="fr-FR" sz="900" dirty="0"/>
+                <a:t>Annuaire</a:t>
+              </a:r>
+            </a:p>
+          </p:txBody>
+        </p:sp>
+        <p:sp>
+          <p:nvSpPr>
+            <p:cNvPr id="11" name="Rectangle: Rounded Corners 10">
+              <a:extLst>
+                <a:ext uri="{FF2B5EF4-FFF2-40B4-BE49-F238E27FC236}">
+                  <a16:creationId xmlns:a16="http://schemas.microsoft.com/office/drawing/2014/main" id="{3C562715-0FF2-4D26-B60D-303082289B49}"/>
+                </a:ext>
+              </a:extLst>
+            </p:cNvPr>
+            <p:cNvSpPr/>
+            <p:nvPr/>
+          </p:nvSpPr>
+          <p:spPr>
+            <a:xfrm>
+              <a:off x="8970406" y="4260520"/>
+              <a:ext cx="1593438" cy="673265"/>
+            </a:xfrm>
+            <a:prstGeom prst="roundRect">
+              <a:avLst/>
+            </a:prstGeom>
+          </p:spPr>
+          <p:style>
+            <a:lnRef idx="2">
+              <a:schemeClr val="accent1">
+                <a:shade val="50000"/>
+              </a:schemeClr>
+            </a:lnRef>
+            <a:fillRef idx="1">
+              <a:schemeClr val="accent1"/>
+            </a:fillRef>
+            <a:effectRef idx="0">
+              <a:schemeClr val="accent1"/>
+            </a:effectRef>
+            <a:fontRef idx="minor">
+              <a:schemeClr val="lt1"/>
+            </a:fontRef>
+          </p:style>
+          <p:txBody>
+            <a:bodyPr rtlCol="0" anchor="ctr"/>
+            <a:lstStyle/>
+            <a:p>
+              <a:pPr algn="ctr"/>
+              <a:r>
+                <a:rPr lang="fr-FR" sz="900" dirty="0"/>
+                <a:t>Composant</a:t>
+              </a:r>
+            </a:p>
+          </p:txBody>
+        </p:sp>
+        <p:sp>
+          <p:nvSpPr>
+            <p:cNvPr id="12" name="Rectangle: Rounded Corners 11">
+              <a:extLst>
+                <a:ext uri="{FF2B5EF4-FFF2-40B4-BE49-F238E27FC236}">
+                  <a16:creationId xmlns:a16="http://schemas.microsoft.com/office/drawing/2014/main" id="{89EC9257-699D-4C65-A199-4782CA42CD97}"/>
+                </a:ext>
+              </a:extLst>
+            </p:cNvPr>
+            <p:cNvSpPr/>
+            <p:nvPr/>
+          </p:nvSpPr>
+          <p:spPr>
+            <a:xfrm>
+              <a:off x="9233725" y="4791364"/>
+              <a:ext cx="1593438" cy="673265"/>
+            </a:xfrm>
+            <a:prstGeom prst="roundRect">
+              <a:avLst/>
+            </a:prstGeom>
+          </p:spPr>
+          <p:style>
+            <a:lnRef idx="2">
+              <a:schemeClr val="accent1">
+                <a:shade val="50000"/>
+              </a:schemeClr>
+            </a:lnRef>
+            <a:fillRef idx="1">
+              <a:schemeClr val="accent1"/>
+            </a:fillRef>
+            <a:effectRef idx="0">
+              <a:schemeClr val="accent1"/>
+            </a:effectRef>
+            <a:fontRef idx="minor">
+              <a:schemeClr val="lt1"/>
+            </a:fontRef>
+          </p:style>
+          <p:txBody>
+            <a:bodyPr rtlCol="0" anchor="ctr"/>
+            <a:lstStyle/>
+            <a:p>
+              <a:pPr algn="ctr"/>
+              <a:r>
+                <a:rPr lang="fr-FR" sz="900" dirty="0"/>
+                <a:t>Composant</a:t>
+              </a:r>
+            </a:p>
+          </p:txBody>
+        </p:sp>
+        <p:sp>
+          <p:nvSpPr>
+            <p:cNvPr id="13" name="Rectangle: Rounded Corners 12">
+              <a:extLst>
+                <a:ext uri="{FF2B5EF4-FFF2-40B4-BE49-F238E27FC236}">
+                  <a16:creationId xmlns:a16="http://schemas.microsoft.com/office/drawing/2014/main" id="{D763A0CC-62DD-478A-957E-487444AC9465}"/>
+                </a:ext>
+              </a:extLst>
+            </p:cNvPr>
+            <p:cNvSpPr/>
+            <p:nvPr/>
+          </p:nvSpPr>
+          <p:spPr>
+            <a:xfrm>
+              <a:off x="9497044" y="5337886"/>
+              <a:ext cx="1593438" cy="673265"/>
+            </a:xfrm>
+            <a:prstGeom prst="roundRect">
+              <a:avLst/>
+            </a:prstGeom>
+          </p:spPr>
+          <p:style>
+            <a:lnRef idx="2">
+              <a:schemeClr val="accent1">
+                <a:shade val="50000"/>
+              </a:schemeClr>
+            </a:lnRef>
+            <a:fillRef idx="1">
+              <a:schemeClr val="accent1"/>
+            </a:fillRef>
+            <a:effectRef idx="0">
+              <a:schemeClr val="accent1"/>
+            </a:effectRef>
+            <a:fontRef idx="minor">
+              <a:schemeClr val="lt1"/>
+            </a:fontRef>
+          </p:style>
+          <p:txBody>
+            <a:bodyPr rtlCol="0" anchor="ctr"/>
+            <a:lstStyle/>
+            <a:p>
+              <a:pPr algn="ctr"/>
+              <a:r>
+                <a:rPr lang="fr-FR" sz="900" dirty="0"/>
+                <a:t>Composant</a:t>
+              </a:r>
+            </a:p>
+          </p:txBody>
+        </p:sp>
+        <p:sp>
+          <p:nvSpPr>
+            <p:cNvPr id="14" name="Rectangle: Rounded Corners 13">
+              <a:extLst>
+                <a:ext uri="{FF2B5EF4-FFF2-40B4-BE49-F238E27FC236}">
+                  <a16:creationId xmlns:a16="http://schemas.microsoft.com/office/drawing/2014/main" id="{854FD125-AA59-4E2D-9B60-474EE27CA514}"/>
+                </a:ext>
+              </a:extLst>
+            </p:cNvPr>
+            <p:cNvSpPr/>
+            <p:nvPr/>
+          </p:nvSpPr>
+          <p:spPr>
+            <a:xfrm>
+              <a:off x="6306045" y="5198412"/>
+              <a:ext cx="1593438" cy="673265"/>
+            </a:xfrm>
+            <a:prstGeom prst="roundRect">
+              <a:avLst/>
+            </a:prstGeom>
+          </p:spPr>
+          <p:style>
+            <a:lnRef idx="2">
+              <a:schemeClr val="accent1">
+                <a:shade val="50000"/>
+              </a:schemeClr>
+            </a:lnRef>
+            <a:fillRef idx="1">
+              <a:schemeClr val="accent1"/>
+            </a:fillRef>
+            <a:effectRef idx="0">
+              <a:schemeClr val="accent1"/>
+            </a:effectRef>
+            <a:fontRef idx="minor">
+              <a:schemeClr val="lt1"/>
+            </a:fontRef>
+          </p:style>
+          <p:txBody>
+            <a:bodyPr rtlCol="0" anchor="ctr"/>
+            <a:lstStyle/>
+            <a:p>
+              <a:pPr algn="ctr"/>
+              <a:r>
+                <a:rPr lang="fr-FR" sz="900" dirty="0"/>
+                <a:t>Annuaire</a:t>
+              </a:r>
+            </a:p>
+          </p:txBody>
+        </p:sp>
+        <p:cxnSp>
+          <p:nvCxnSpPr>
+            <p:cNvPr id="15" name="Straight Arrow Connector 14">
+              <a:extLst>
+                <a:ext uri="{FF2B5EF4-FFF2-40B4-BE49-F238E27FC236}">
+                  <a16:creationId xmlns:a16="http://schemas.microsoft.com/office/drawing/2014/main" id="{6BDFD511-94AC-4E94-899A-0CC8852FA504}"/>
+                </a:ext>
+              </a:extLst>
+            </p:cNvPr>
+            <p:cNvCxnSpPr>
+              <a:stCxn id="11" idx="1"/>
+              <a:endCxn id="10" idx="3"/>
+            </p:cNvCxnSpPr>
+            <p:nvPr/>
+          </p:nvCxnSpPr>
+          <p:spPr>
+            <a:xfrm flipH="1">
+              <a:off x="7636164" y="4597153"/>
+              <a:ext cx="1334242" cy="466323"/>
+            </a:xfrm>
+            <a:prstGeom prst="straightConnector1">
+              <a:avLst/>
+            </a:prstGeom>
+            <a:ln>
+              <a:tailEnd type="triangle"/>
+            </a:ln>
+          </p:spPr>
+          <p:style>
+            <a:lnRef idx="1">
+              <a:schemeClr val="accent1"/>
+            </a:lnRef>
+            <a:fillRef idx="0">
+              <a:schemeClr val="accent1"/>
+            </a:fillRef>
+            <a:effectRef idx="0">
+              <a:schemeClr val="accent1"/>
+            </a:effectRef>
+            <a:fontRef idx="minor">
+              <a:schemeClr val="tx1"/>
+            </a:fontRef>
+          </p:style>
+        </p:cxnSp>
+        <p:cxnSp>
+          <p:nvCxnSpPr>
+            <p:cNvPr id="16" name="Straight Arrow Connector 15">
+              <a:extLst>
+                <a:ext uri="{FF2B5EF4-FFF2-40B4-BE49-F238E27FC236}">
+                  <a16:creationId xmlns:a16="http://schemas.microsoft.com/office/drawing/2014/main" id="{82A03E63-B673-4F32-980D-6F6040D386EC}"/>
+                </a:ext>
+              </a:extLst>
+            </p:cNvPr>
+            <p:cNvCxnSpPr>
+              <a:stCxn id="11" idx="1"/>
+              <a:endCxn id="14" idx="3"/>
+            </p:cNvCxnSpPr>
+            <p:nvPr/>
+          </p:nvCxnSpPr>
+          <p:spPr>
+            <a:xfrm flipH="1">
+              <a:off x="7899483" y="4597153"/>
+              <a:ext cx="1070923" cy="937892"/>
+            </a:xfrm>
+            <a:prstGeom prst="straightConnector1">
+              <a:avLst/>
+            </a:prstGeom>
+            <a:ln>
+              <a:tailEnd type="triangle"/>
+            </a:ln>
+          </p:spPr>
+          <p:style>
+            <a:lnRef idx="1">
+              <a:schemeClr val="accent1"/>
+            </a:lnRef>
+            <a:fillRef idx="0">
+              <a:schemeClr val="accent1"/>
+            </a:fillRef>
+            <a:effectRef idx="0">
+              <a:schemeClr val="accent1"/>
+            </a:effectRef>
+            <a:fontRef idx="minor">
+              <a:schemeClr val="tx1"/>
+            </a:fontRef>
+          </p:style>
+        </p:cxnSp>
+        <p:cxnSp>
+          <p:nvCxnSpPr>
+            <p:cNvPr id="17" name="Straight Arrow Connector 16">
+              <a:extLst>
+                <a:ext uri="{FF2B5EF4-FFF2-40B4-BE49-F238E27FC236}">
+                  <a16:creationId xmlns:a16="http://schemas.microsoft.com/office/drawing/2014/main" id="{475249DA-0447-4378-BC78-07606F19A7D9}"/>
+                </a:ext>
+              </a:extLst>
+            </p:cNvPr>
+            <p:cNvCxnSpPr>
+              <a:stCxn id="12" idx="1"/>
+            </p:cNvCxnSpPr>
+            <p:nvPr/>
+          </p:nvCxnSpPr>
+          <p:spPr>
+            <a:xfrm flipH="1">
+              <a:off x="7636164" y="5127997"/>
+              <a:ext cx="1597561" cy="126742"/>
+            </a:xfrm>
+            <a:prstGeom prst="straightConnector1">
+              <a:avLst/>
+            </a:prstGeom>
+            <a:ln>
+              <a:tailEnd type="triangle"/>
+            </a:ln>
+          </p:spPr>
+          <p:style>
+            <a:lnRef idx="1">
+              <a:schemeClr val="accent1"/>
+            </a:lnRef>
+            <a:fillRef idx="0">
+              <a:schemeClr val="accent1"/>
+            </a:fillRef>
+            <a:effectRef idx="0">
+              <a:schemeClr val="accent1"/>
+            </a:effectRef>
+            <a:fontRef idx="minor">
+              <a:schemeClr val="tx1"/>
+            </a:fontRef>
+          </p:style>
+        </p:cxnSp>
+        <p:cxnSp>
+          <p:nvCxnSpPr>
+            <p:cNvPr id="18" name="Straight Arrow Connector 17">
+              <a:extLst>
+                <a:ext uri="{FF2B5EF4-FFF2-40B4-BE49-F238E27FC236}">
+                  <a16:creationId xmlns:a16="http://schemas.microsoft.com/office/drawing/2014/main" id="{8D4375F4-705E-4D3C-AA56-4D7345FBD611}"/>
+                </a:ext>
+              </a:extLst>
+            </p:cNvPr>
+            <p:cNvCxnSpPr>
+              <a:stCxn id="12" idx="1"/>
+              <a:endCxn id="14" idx="3"/>
+            </p:cNvCxnSpPr>
+            <p:nvPr/>
+          </p:nvCxnSpPr>
+          <p:spPr>
+            <a:xfrm flipH="1">
+              <a:off x="7899483" y="5127997"/>
+              <a:ext cx="1334242" cy="407048"/>
+            </a:xfrm>
+            <a:prstGeom prst="straightConnector1">
+              <a:avLst/>
+            </a:prstGeom>
+            <a:ln>
+              <a:tailEnd type="triangle"/>
+            </a:ln>
+          </p:spPr>
+          <p:style>
+            <a:lnRef idx="1">
+              <a:schemeClr val="accent1"/>
+            </a:lnRef>
+            <a:fillRef idx="0">
+              <a:schemeClr val="accent1"/>
+            </a:fillRef>
+            <a:effectRef idx="0">
+              <a:schemeClr val="accent1"/>
+            </a:effectRef>
+            <a:fontRef idx="minor">
+              <a:schemeClr val="tx1"/>
+            </a:fontRef>
+          </p:style>
+        </p:cxnSp>
+        <p:cxnSp>
+          <p:nvCxnSpPr>
+            <p:cNvPr id="19" name="Straight Arrow Connector 18">
+              <a:extLst>
+                <a:ext uri="{FF2B5EF4-FFF2-40B4-BE49-F238E27FC236}">
+                  <a16:creationId xmlns:a16="http://schemas.microsoft.com/office/drawing/2014/main" id="{EEFEDB3D-709F-4277-8011-B9D793EB2D99}"/>
+                </a:ext>
+              </a:extLst>
+            </p:cNvPr>
+            <p:cNvCxnSpPr>
+              <a:stCxn id="13" idx="1"/>
+              <a:endCxn id="10" idx="3"/>
+            </p:cNvCxnSpPr>
+            <p:nvPr/>
+          </p:nvCxnSpPr>
+          <p:spPr>
+            <a:xfrm flipH="1" flipV="1">
+              <a:off x="7636164" y="5063476"/>
+              <a:ext cx="1860880" cy="611043"/>
+            </a:xfrm>
+            <a:prstGeom prst="straightConnector1">
+              <a:avLst/>
+            </a:prstGeom>
+            <a:ln>
+              <a:tailEnd type="triangle"/>
+            </a:ln>
+          </p:spPr>
+          <p:style>
+            <a:lnRef idx="1">
+              <a:schemeClr val="accent1"/>
+            </a:lnRef>
+            <a:fillRef idx="0">
+              <a:schemeClr val="accent1"/>
+            </a:fillRef>
+            <a:effectRef idx="0">
+              <a:schemeClr val="accent1"/>
+            </a:effectRef>
+            <a:fontRef idx="minor">
+              <a:schemeClr val="tx1"/>
+            </a:fontRef>
+          </p:style>
+        </p:cxnSp>
+        <p:cxnSp>
+          <p:nvCxnSpPr>
+            <p:cNvPr id="20" name="Straight Arrow Connector 19">
+              <a:extLst>
+                <a:ext uri="{FF2B5EF4-FFF2-40B4-BE49-F238E27FC236}">
+                  <a16:creationId xmlns:a16="http://schemas.microsoft.com/office/drawing/2014/main" id="{56AA9725-6F73-4DB6-A2E5-88DF6C500EB1}"/>
+                </a:ext>
+              </a:extLst>
+            </p:cNvPr>
+            <p:cNvCxnSpPr>
+              <a:stCxn id="13" idx="1"/>
+              <a:endCxn id="14" idx="3"/>
+            </p:cNvCxnSpPr>
+            <p:nvPr/>
+          </p:nvCxnSpPr>
+          <p:spPr>
+            <a:xfrm flipH="1" flipV="1">
+              <a:off x="7899483" y="5535045"/>
+              <a:ext cx="1597561" cy="139474"/>
+            </a:xfrm>
+            <a:prstGeom prst="straightConnector1">
+              <a:avLst/>
+            </a:prstGeom>
+            <a:ln>
+              <a:tailEnd type="triangle"/>
+            </a:ln>
+          </p:spPr>
+          <p:style>
+            <a:lnRef idx="1">
+              <a:schemeClr val="accent1"/>
+            </a:lnRef>
+            <a:fillRef idx="0">
+              <a:schemeClr val="accent1"/>
+            </a:fillRef>
+            <a:effectRef idx="0">
+              <a:schemeClr val="accent1"/>
+            </a:effectRef>
+            <a:fontRef idx="minor">
+              <a:schemeClr val="tx1"/>
+            </a:fontRef>
+          </p:style>
+        </p:cxnSp>
+        <p:cxnSp>
+          <p:nvCxnSpPr>
+            <p:cNvPr id="21" name="Connector: Elbow 20">
+              <a:extLst>
+                <a:ext uri="{FF2B5EF4-FFF2-40B4-BE49-F238E27FC236}">
+                  <a16:creationId xmlns:a16="http://schemas.microsoft.com/office/drawing/2014/main" id="{FBC86982-1F0D-466A-97F9-A88F9A682219}"/>
+                </a:ext>
+              </a:extLst>
+            </p:cNvPr>
+            <p:cNvCxnSpPr>
+              <a:stCxn id="10" idx="1"/>
+              <a:endCxn id="8" idx="2"/>
+            </p:cNvCxnSpPr>
+            <p:nvPr/>
+          </p:nvCxnSpPr>
+          <p:spPr>
+            <a:xfrm rot="10800000">
+              <a:off x="4624368" y="4797632"/>
+              <a:ext cx="1418358" cy="265845"/>
+            </a:xfrm>
+            <a:prstGeom prst="bentConnector2">
+              <a:avLst/>
+            </a:prstGeom>
+            <a:ln>
+              <a:tailEnd type="triangle"/>
+            </a:ln>
+          </p:spPr>
+          <p:style>
+            <a:lnRef idx="1">
+              <a:schemeClr val="accent1"/>
+            </a:lnRef>
+            <a:fillRef idx="0">
+              <a:schemeClr val="accent1"/>
+            </a:fillRef>
+            <a:effectRef idx="0">
+              <a:schemeClr val="accent1"/>
+            </a:effectRef>
+            <a:fontRef idx="minor">
+              <a:schemeClr val="tx1"/>
+            </a:fontRef>
+          </p:style>
+        </p:cxnSp>
+        <p:cxnSp>
+          <p:nvCxnSpPr>
+            <p:cNvPr id="22" name="Connector: Elbow 21">
+              <a:extLst>
+                <a:ext uri="{FF2B5EF4-FFF2-40B4-BE49-F238E27FC236}">
+                  <a16:creationId xmlns:a16="http://schemas.microsoft.com/office/drawing/2014/main" id="{2D999758-E5C1-4341-9B9E-ADB9B76DA66E}"/>
+                </a:ext>
+              </a:extLst>
+            </p:cNvPr>
+            <p:cNvCxnSpPr>
+              <a:stCxn id="14" idx="1"/>
+              <a:endCxn id="9" idx="0"/>
+            </p:cNvCxnSpPr>
+            <p:nvPr/>
+          </p:nvCxnSpPr>
+          <p:spPr>
+            <a:xfrm rot="10800000" flipV="1">
+              <a:off x="4624369" y="5535045"/>
+              <a:ext cx="1681677" cy="103590"/>
+            </a:xfrm>
+            <a:prstGeom prst="bentConnector2">
+              <a:avLst/>
+            </a:prstGeom>
+            <a:ln>
+              <a:tailEnd type="triangle"/>
+            </a:ln>
+          </p:spPr>
+          <p:style>
+            <a:lnRef idx="1">
+              <a:schemeClr val="accent1"/>
+            </a:lnRef>
+            <a:fillRef idx="0">
+              <a:schemeClr val="accent1"/>
+            </a:fillRef>
+            <a:effectRef idx="0">
+              <a:schemeClr val="accent1"/>
+            </a:effectRef>
+            <a:fontRef idx="minor">
+              <a:schemeClr val="tx1"/>
+            </a:fontRef>
+          </p:style>
+        </p:cxnSp>
+        <p:cxnSp>
+          <p:nvCxnSpPr>
+            <p:cNvPr id="23" name="Straight Arrow Connector 22">
+              <a:extLst>
+                <a:ext uri="{FF2B5EF4-FFF2-40B4-BE49-F238E27FC236}">
+                  <a16:creationId xmlns:a16="http://schemas.microsoft.com/office/drawing/2014/main" id="{6A4E8DE4-2636-4EF5-A559-0781A6C26E4C}"/>
+                </a:ext>
+              </a:extLst>
+            </p:cNvPr>
+            <p:cNvCxnSpPr>
+              <a:stCxn id="6" idx="3"/>
+              <a:endCxn id="7" idx="1"/>
+            </p:cNvCxnSpPr>
+            <p:nvPr/>
+          </p:nvCxnSpPr>
+          <p:spPr>
+            <a:xfrm>
+              <a:off x="1750538" y="5327071"/>
+              <a:ext cx="415719" cy="1"/>
+            </a:xfrm>
+            <a:prstGeom prst="straightConnector1">
+              <a:avLst/>
+            </a:prstGeom>
+            <a:ln>
+              <a:tailEnd type="triangle"/>
+            </a:ln>
+          </p:spPr>
+          <p:style>
+            <a:lnRef idx="1">
+              <a:schemeClr val="accent1"/>
+            </a:lnRef>
+            <a:fillRef idx="0">
+              <a:schemeClr val="accent1"/>
+            </a:fillRef>
+            <a:effectRef idx="0">
+              <a:schemeClr val="accent1"/>
+            </a:effectRef>
+            <a:fontRef idx="minor">
+              <a:schemeClr val="tx1"/>
+            </a:fontRef>
+          </p:style>
+        </p:cxnSp>
+        <p:cxnSp>
+          <p:nvCxnSpPr>
+            <p:cNvPr id="24" name="Straight Arrow Connector 23">
+              <a:extLst>
+                <a:ext uri="{FF2B5EF4-FFF2-40B4-BE49-F238E27FC236}">
+                  <a16:creationId xmlns:a16="http://schemas.microsoft.com/office/drawing/2014/main" id="{D50C9C28-9FEA-423C-9F66-19F91F32172F}"/>
+                </a:ext>
+              </a:extLst>
+            </p:cNvPr>
+            <p:cNvCxnSpPr>
+              <a:stCxn id="7" idx="3"/>
+              <a:endCxn id="8" idx="1"/>
+            </p:cNvCxnSpPr>
+            <p:nvPr/>
+          </p:nvCxnSpPr>
+          <p:spPr>
+            <a:xfrm flipV="1">
+              <a:off x="3287486" y="4460999"/>
+              <a:ext cx="540163" cy="866073"/>
+            </a:xfrm>
+            <a:prstGeom prst="straightConnector1">
+              <a:avLst/>
+            </a:prstGeom>
+            <a:ln>
+              <a:tailEnd type="triangle"/>
+            </a:ln>
+          </p:spPr>
+          <p:style>
+            <a:lnRef idx="1">
+              <a:schemeClr val="accent1"/>
+            </a:lnRef>
+            <a:fillRef idx="0">
+              <a:schemeClr val="accent1"/>
+            </a:fillRef>
+            <a:effectRef idx="0">
+              <a:schemeClr val="accent1"/>
+            </a:effectRef>
+            <a:fontRef idx="minor">
+              <a:schemeClr val="tx1"/>
+            </a:fontRef>
+          </p:style>
+        </p:cxnSp>
+        <p:cxnSp>
+          <p:nvCxnSpPr>
+            <p:cNvPr id="25" name="Straight Arrow Connector 24">
+              <a:extLst>
+                <a:ext uri="{FF2B5EF4-FFF2-40B4-BE49-F238E27FC236}">
+                  <a16:creationId xmlns:a16="http://schemas.microsoft.com/office/drawing/2014/main" id="{2CB285B2-9773-41CA-B2BB-EF3F39A70E19}"/>
+                </a:ext>
+              </a:extLst>
+            </p:cNvPr>
+            <p:cNvCxnSpPr>
+              <a:stCxn id="7" idx="3"/>
+              <a:endCxn id="9" idx="1"/>
+            </p:cNvCxnSpPr>
+            <p:nvPr/>
+          </p:nvCxnSpPr>
+          <p:spPr>
+            <a:xfrm>
+              <a:off x="3287486" y="5327072"/>
+              <a:ext cx="540163" cy="648196"/>
+            </a:xfrm>
+            <a:prstGeom prst="straightConnector1">
+              <a:avLst/>
+            </a:prstGeom>
+            <a:ln>
+              <a:tailEnd type="triangle"/>
+            </a:ln>
+          </p:spPr>
+          <p:style>
+            <a:lnRef idx="1">
+              <a:schemeClr val="accent1"/>
+            </a:lnRef>
+            <a:fillRef idx="0">
+              <a:schemeClr val="accent1"/>
+            </a:fillRef>
+            <a:effectRef idx="0">
+              <a:schemeClr val="accent1"/>
+            </a:effectRef>
+            <a:fontRef idx="minor">
+              <a:schemeClr val="tx1"/>
+            </a:fontRef>
+          </p:style>
+        </p:cxnSp>
+        <p:cxnSp>
+          <p:nvCxnSpPr>
+            <p:cNvPr id="26" name="Connector: Elbow 25">
+              <a:extLst>
+                <a:ext uri="{FF2B5EF4-FFF2-40B4-BE49-F238E27FC236}">
+                  <a16:creationId xmlns:a16="http://schemas.microsoft.com/office/drawing/2014/main" id="{5FC8F5F8-4830-415F-B401-B959B290593A}"/>
+                </a:ext>
+              </a:extLst>
+            </p:cNvPr>
+            <p:cNvCxnSpPr>
+              <a:stCxn id="14" idx="1"/>
+              <a:endCxn id="8" idx="3"/>
+            </p:cNvCxnSpPr>
+            <p:nvPr/>
+          </p:nvCxnSpPr>
+          <p:spPr>
+            <a:xfrm rot="10800000">
+              <a:off x="5421087" y="4460999"/>
+              <a:ext cx="884958" cy="1074046"/>
+            </a:xfrm>
+            <a:prstGeom prst="bentConnector3">
+              <a:avLst/>
+            </a:prstGeom>
+            <a:ln>
+              <a:tailEnd type="triangle"/>
+            </a:ln>
+          </p:spPr>
+          <p:style>
+            <a:lnRef idx="1">
+              <a:schemeClr val="accent1"/>
+            </a:lnRef>
+            <a:fillRef idx="0">
+              <a:schemeClr val="accent1"/>
+            </a:fillRef>
+            <a:effectRef idx="0">
+              <a:schemeClr val="accent1"/>
+            </a:effectRef>
+            <a:fontRef idx="minor">
+              <a:schemeClr val="tx1"/>
+            </a:fontRef>
+          </p:style>
+        </p:cxnSp>
+        <p:cxnSp>
+          <p:nvCxnSpPr>
+            <p:cNvPr id="27" name="Connector: Elbow 26">
+              <a:extLst>
+                <a:ext uri="{FF2B5EF4-FFF2-40B4-BE49-F238E27FC236}">
+                  <a16:creationId xmlns:a16="http://schemas.microsoft.com/office/drawing/2014/main" id="{2E65338C-F5D8-42E3-A23E-85DE3F088EAD}"/>
+                </a:ext>
+              </a:extLst>
+            </p:cNvPr>
+            <p:cNvCxnSpPr>
+              <a:stCxn id="10" idx="1"/>
+              <a:endCxn id="9" idx="3"/>
+            </p:cNvCxnSpPr>
+            <p:nvPr/>
+          </p:nvCxnSpPr>
+          <p:spPr>
+            <a:xfrm rot="10800000" flipV="1">
+              <a:off x="5421088" y="5063476"/>
+              <a:ext cx="621639" cy="911792"/>
+            </a:xfrm>
+            <a:prstGeom prst="bentConnector3">
+              <a:avLst/>
+            </a:prstGeom>
+            <a:ln>
+              <a:tailEnd type="triangle"/>
+            </a:ln>
+          </p:spPr>
+          <p:style>
+            <a:lnRef idx="1">
+              <a:schemeClr val="accent1"/>
+            </a:lnRef>
+            <a:fillRef idx="0">
+              <a:schemeClr val="accent1"/>
+            </a:fillRef>
+            <a:effectRef idx="0">
+              <a:schemeClr val="accent1"/>
+            </a:effectRef>
+            <a:fontRef idx="minor">
+              <a:schemeClr val="tx1"/>
+            </a:fontRef>
+          </p:style>
+        </p:cxnSp>
+      </p:grpSp>
+    </p:spTree>
+    <p:extLst>
+      <p:ext uri="{BB962C8B-B14F-4D97-AF65-F5344CB8AC3E}">
+        <p14:creationId xmlns:p14="http://schemas.microsoft.com/office/powerpoint/2010/main" val="744247867"/>
+      </p:ext>
+    </p:extLst>
+  </p:cSld>
+  <p:clrMapOvr>
+    <a:masterClrMapping/>
+  </p:clrMapOvr>
+</p:sld>
+</file>
+
+<file path=ppt/slides/slide11.xml><?xml version="1.0" encoding="utf-8"?>
+<p:sld xmlns:a="http://schemas.openxmlformats.org/drawingml/2006/main" xmlns:r="http://schemas.openxmlformats.org/officeDocument/2006/relationships" xmlns:p="http://schemas.openxmlformats.org/presentationml/2006/main">
+  <p:cSld>
+    <p:spTree>
+      <p:nvGrpSpPr>
+        <p:cNvPr id="1" name=""/>
+        <p:cNvGrpSpPr/>
+        <p:nvPr/>
+      </p:nvGrpSpPr>
+      <p:grpSpPr>
+        <a:xfrm>
+          <a:off x="0" y="0"/>
+          <a:ext cx="0" cy="0"/>
+          <a:chOff x="0" y="0"/>
+          <a:chExt cx="0" cy="0"/>
+        </a:xfrm>
+      </p:grpSpPr>
+      <p:sp>
+        <p:nvSpPr>
+          <p:cNvPr id="2" name="Title 1">
+            <a:extLst>
+              <a:ext uri="{FF2B5EF4-FFF2-40B4-BE49-F238E27FC236}">
+                <a16:creationId xmlns:a16="http://schemas.microsoft.com/office/drawing/2014/main" id="{B62ECA11-5E24-4E56-BBFE-F6861A598A14}"/>
+              </a:ext>
+            </a:extLst>
+          </p:cNvPr>
+          <p:cNvSpPr>
+            <a:spLocks noGrp="1"/>
+          </p:cNvSpPr>
+          <p:nvPr>
+            <p:ph type="title"/>
+          </p:nvPr>
+        </p:nvSpPr>
+        <p:spPr/>
+        <p:txBody>
+          <a:bodyPr/>
+          <a:lstStyle/>
+          <a:p>
+            <a:r>
+              <a:rPr lang="fr-FR" dirty="0"/>
+              <a:t>Annuaire</a:t>
+            </a:r>
+          </a:p>
+        </p:txBody>
+      </p:sp>
+      <p:sp>
+        <p:nvSpPr>
+          <p:cNvPr id="3" name="Content Placeholder 2">
+            <a:extLst>
+              <a:ext uri="{FF2B5EF4-FFF2-40B4-BE49-F238E27FC236}">
+                <a16:creationId xmlns:a16="http://schemas.microsoft.com/office/drawing/2014/main" id="{94128CEB-9B53-4196-941C-644C27ECDBD6}"/>
+              </a:ext>
+            </a:extLst>
+          </p:cNvPr>
+          <p:cNvSpPr>
+            <a:spLocks noGrp="1"/>
+          </p:cNvSpPr>
+          <p:nvPr>
+            <p:ph idx="1"/>
+          </p:nvPr>
+        </p:nvSpPr>
+        <p:spPr/>
+        <p:txBody>
+          <a:bodyPr>
+            <a:normAutofit fontScale="85000" lnSpcReduction="20000"/>
+          </a:bodyPr>
+          <a:lstStyle/>
+          <a:p>
+            <a:pPr marL="0" indent="0">
+              <a:buNone/>
+            </a:pPr>
+            <a:r>
+              <a:rPr lang="fr-FR" dirty="0"/>
+              <a:t>Il reçoit les demandes de MAJ des </a:t>
+            </a:r>
+            <a:r>
+              <a:rPr lang="fr-FR" dirty="0" err="1"/>
+              <a:t>gateway</a:t>
+            </a:r>
+            <a:r>
+              <a:rPr lang="fr-FR" dirty="0"/>
+              <a:t>:</a:t>
+            </a:r>
+          </a:p>
+          <a:p>
+            <a:pPr marL="0" indent="0">
+              <a:buNone/>
+            </a:pPr>
+            <a:endParaRPr lang="fr-FR" dirty="0"/>
+          </a:p>
+          <a:p>
+            <a:pPr marL="0" indent="0">
+              <a:buNone/>
+            </a:pPr>
+            <a:r>
+              <a:rPr lang="fr-FR" dirty="0"/>
+              <a:t>http://127.0.0.1:XXXXX/api/v1/registry/list</a:t>
+            </a:r>
+          </a:p>
+          <a:p>
+            <a:pPr marL="0" indent="0">
+              <a:buNone/>
+            </a:pPr>
+            <a:r>
+              <a:rPr lang="fr-FR" dirty="0"/>
+              <a:t>[ {"type":"1","url":"http://158.50.163.7:56065","host":"158.50.163.7","port":"56065","pathname":"/api/v1/events","status":true,"cptr":6},</a:t>
+            </a:r>
+          </a:p>
+          <a:p>
+            <a:pPr marL="0" indent="0">
+              <a:buNone/>
+            </a:pPr>
+            <a:r>
+              <a:rPr lang="fr-FR" dirty="0"/>
+              <a:t>    {"type":"2","url":"http://158.50.163.7:56066","host":"158.50.163.7","port":"56066","pathname":"/api/v1/selections","status":true,"cptr":5},</a:t>
+            </a:r>
+          </a:p>
+          <a:p>
+            <a:pPr marL="0" indent="0">
+              <a:buNone/>
+            </a:pPr>
+            <a:r>
+              <a:rPr lang="fr-FR" dirty="0"/>
+              <a:t>    {"type":"3","url":"http://158.50.163.7:56067","host":"158.50.163.7","port":"56067","pathname":"/api/v1/user","status":true,"cptr":5}</a:t>
+            </a:r>
+          </a:p>
+          <a:p>
+            <a:pPr marL="0" indent="0">
+              <a:buNone/>
+            </a:pPr>
+            <a:r>
+              <a:rPr lang="fr-FR" dirty="0"/>
+              <a:t>]</a:t>
+            </a:r>
+          </a:p>
+        </p:txBody>
+      </p:sp>
+      <p:grpSp>
+        <p:nvGrpSpPr>
+          <p:cNvPr id="48" name="Group 47">
+            <a:extLst>
+              <a:ext uri="{FF2B5EF4-FFF2-40B4-BE49-F238E27FC236}">
+                <a16:creationId xmlns:a16="http://schemas.microsoft.com/office/drawing/2014/main" id="{62A16BD3-CE8C-4857-91B8-3786A30C2A47}"/>
+              </a:ext>
+            </a:extLst>
+          </p:cNvPr>
+          <p:cNvGrpSpPr/>
+          <p:nvPr/>
+        </p:nvGrpSpPr>
+        <p:grpSpPr>
+          <a:xfrm>
+            <a:off x="6387852" y="576943"/>
+            <a:ext cx="5412262" cy="696685"/>
+            <a:chOff x="836138" y="4057401"/>
+            <a:chExt cx="10254344" cy="2539341"/>
+          </a:xfrm>
+        </p:grpSpPr>
+        <p:sp>
+          <p:nvSpPr>
+            <p:cNvPr id="49" name="Rectangle: Rounded Corners 48">
+              <a:extLst>
+                <a:ext uri="{FF2B5EF4-FFF2-40B4-BE49-F238E27FC236}">
+                  <a16:creationId xmlns:a16="http://schemas.microsoft.com/office/drawing/2014/main" id="{E544CE1E-EE55-4DE6-B5B0-32F3F4651530}"/>
+                </a:ext>
+              </a:extLst>
+            </p:cNvPr>
+            <p:cNvSpPr/>
+            <p:nvPr/>
+          </p:nvSpPr>
+          <p:spPr>
+            <a:xfrm>
+              <a:off x="836138" y="4993572"/>
+              <a:ext cx="914400" cy="666998"/>
+            </a:xfrm>
+            <a:prstGeom prst="roundRect">
+              <a:avLst/>
+            </a:prstGeom>
+          </p:spPr>
+          <p:style>
+            <a:lnRef idx="2">
+              <a:schemeClr val="accent1">
+                <a:shade val="50000"/>
+              </a:schemeClr>
+            </a:lnRef>
+            <a:fillRef idx="1">
+              <a:schemeClr val="accent1"/>
+            </a:fillRef>
+            <a:effectRef idx="0">
+              <a:schemeClr val="accent1"/>
+            </a:effectRef>
+            <a:fontRef idx="minor">
+              <a:schemeClr val="lt1"/>
+            </a:fontRef>
+          </p:style>
+          <p:txBody>
+            <a:bodyPr rtlCol="0" anchor="ctr"/>
+            <a:lstStyle/>
+            <a:p>
+              <a:pPr algn="ctr"/>
+              <a:r>
+                <a:rPr lang="fr-FR" sz="900" dirty="0"/>
+                <a:t>Client</a:t>
+              </a:r>
+            </a:p>
+          </p:txBody>
+        </p:sp>
+        <p:sp>
+          <p:nvSpPr>
+            <p:cNvPr id="50" name="Rectangle: Rounded Corners 49">
+              <a:extLst>
+                <a:ext uri="{FF2B5EF4-FFF2-40B4-BE49-F238E27FC236}">
+                  <a16:creationId xmlns:a16="http://schemas.microsoft.com/office/drawing/2014/main" id="{90AAC261-138B-4943-8815-67AF9F917B4E}"/>
+                </a:ext>
+              </a:extLst>
+            </p:cNvPr>
+            <p:cNvSpPr/>
+            <p:nvPr/>
+          </p:nvSpPr>
+          <p:spPr>
+            <a:xfrm>
+              <a:off x="2166257" y="4057401"/>
+              <a:ext cx="1121229" cy="2539341"/>
+            </a:xfrm>
+            <a:prstGeom prst="roundRect">
+              <a:avLst/>
+            </a:prstGeom>
+          </p:spPr>
+          <p:style>
+            <a:lnRef idx="2">
+              <a:schemeClr val="accent1">
+                <a:shade val="50000"/>
+              </a:schemeClr>
+            </a:lnRef>
+            <a:fillRef idx="1">
+              <a:schemeClr val="accent1"/>
+            </a:fillRef>
+            <a:effectRef idx="0">
+              <a:schemeClr val="accent1"/>
+            </a:effectRef>
+            <a:fontRef idx="minor">
+              <a:schemeClr val="lt1"/>
+            </a:fontRef>
+          </p:style>
+          <p:txBody>
+            <a:bodyPr rtlCol="0" anchor="ctr"/>
+            <a:lstStyle/>
+            <a:p>
+              <a:pPr algn="ctr"/>
+              <a:r>
+                <a:rPr lang="fr-FR" sz="900" dirty="0" err="1"/>
+                <a:t>Load</a:t>
+              </a:r>
+              <a:endParaRPr lang="fr-FR" sz="900" dirty="0"/>
+            </a:p>
+            <a:p>
+              <a:pPr algn="ctr"/>
+              <a:r>
+                <a:rPr lang="fr-FR" sz="900" dirty="0"/>
+                <a:t>Balancer</a:t>
+              </a:r>
+            </a:p>
+          </p:txBody>
+        </p:sp>
+        <p:sp>
+          <p:nvSpPr>
+            <p:cNvPr id="51" name="Rectangle: Rounded Corners 50">
+              <a:extLst>
+                <a:ext uri="{FF2B5EF4-FFF2-40B4-BE49-F238E27FC236}">
+                  <a16:creationId xmlns:a16="http://schemas.microsoft.com/office/drawing/2014/main" id="{E6F7A911-4B60-43C2-A041-790ECA8CB27D}"/>
+                </a:ext>
+              </a:extLst>
+            </p:cNvPr>
+            <p:cNvSpPr/>
+            <p:nvPr/>
+          </p:nvSpPr>
+          <p:spPr>
+            <a:xfrm>
+              <a:off x="3827649" y="4124366"/>
+              <a:ext cx="1593438" cy="673265"/>
+            </a:xfrm>
+            <a:prstGeom prst="roundRect">
+              <a:avLst/>
+            </a:prstGeom>
+          </p:spPr>
+          <p:style>
+            <a:lnRef idx="2">
+              <a:schemeClr val="accent1">
+                <a:shade val="50000"/>
+              </a:schemeClr>
+            </a:lnRef>
+            <a:fillRef idx="1">
+              <a:schemeClr val="accent1"/>
+            </a:fillRef>
+            <a:effectRef idx="0">
+              <a:schemeClr val="accent1"/>
+            </a:effectRef>
+            <a:fontRef idx="minor">
+              <a:schemeClr val="lt1"/>
+            </a:fontRef>
+          </p:style>
+          <p:txBody>
+            <a:bodyPr rtlCol="0" anchor="ctr"/>
+            <a:lstStyle/>
+            <a:p>
+              <a:pPr algn="ctr"/>
+              <a:r>
+                <a:rPr lang="fr-FR" sz="900" dirty="0"/>
+                <a:t>API Gateway</a:t>
+              </a:r>
+            </a:p>
+          </p:txBody>
+        </p:sp>
+        <p:sp>
+          <p:nvSpPr>
+            <p:cNvPr id="52" name="Rectangle: Rounded Corners 51">
+              <a:extLst>
+                <a:ext uri="{FF2B5EF4-FFF2-40B4-BE49-F238E27FC236}">
+                  <a16:creationId xmlns:a16="http://schemas.microsoft.com/office/drawing/2014/main" id="{0BDB047D-A2E6-4CAD-909B-541AADF45EF3}"/>
+                </a:ext>
+              </a:extLst>
+            </p:cNvPr>
+            <p:cNvSpPr/>
+            <p:nvPr/>
+          </p:nvSpPr>
+          <p:spPr>
+            <a:xfrm>
+              <a:off x="3827649" y="5638635"/>
+              <a:ext cx="1593438" cy="673265"/>
+            </a:xfrm>
+            <a:prstGeom prst="roundRect">
+              <a:avLst/>
+            </a:prstGeom>
+          </p:spPr>
+          <p:style>
+            <a:lnRef idx="2">
+              <a:schemeClr val="accent1">
+                <a:shade val="50000"/>
+              </a:schemeClr>
+            </a:lnRef>
+            <a:fillRef idx="1">
+              <a:schemeClr val="accent1"/>
+            </a:fillRef>
+            <a:effectRef idx="0">
+              <a:schemeClr val="accent1"/>
+            </a:effectRef>
+            <a:fontRef idx="minor">
+              <a:schemeClr val="lt1"/>
+            </a:fontRef>
+          </p:style>
+          <p:txBody>
+            <a:bodyPr rtlCol="0" anchor="ctr"/>
+            <a:lstStyle/>
+            <a:p>
+              <a:pPr algn="ctr"/>
+              <a:r>
+                <a:rPr lang="fr-FR" sz="900" dirty="0"/>
+                <a:t>API Gateway</a:t>
+              </a:r>
+            </a:p>
+          </p:txBody>
+        </p:sp>
+        <p:sp>
+          <p:nvSpPr>
+            <p:cNvPr id="53" name="Rectangle: Rounded Corners 52">
+              <a:extLst>
+                <a:ext uri="{FF2B5EF4-FFF2-40B4-BE49-F238E27FC236}">
+                  <a16:creationId xmlns:a16="http://schemas.microsoft.com/office/drawing/2014/main" id="{4B1A97B1-6589-494B-8198-892B9AEBD5E0}"/>
+                </a:ext>
+              </a:extLst>
+            </p:cNvPr>
+            <p:cNvSpPr/>
+            <p:nvPr/>
+          </p:nvSpPr>
+          <p:spPr>
+            <a:xfrm>
+              <a:off x="6042726" y="4726843"/>
+              <a:ext cx="1593438" cy="673265"/>
+            </a:xfrm>
+            <a:prstGeom prst="roundRect">
+              <a:avLst/>
+            </a:prstGeom>
+          </p:spPr>
+          <p:style>
+            <a:lnRef idx="2">
+              <a:schemeClr val="accent1">
+                <a:shade val="50000"/>
+              </a:schemeClr>
+            </a:lnRef>
+            <a:fillRef idx="1">
+              <a:schemeClr val="accent1"/>
+            </a:fillRef>
+            <a:effectRef idx="0">
+              <a:schemeClr val="accent1"/>
+            </a:effectRef>
+            <a:fontRef idx="minor">
+              <a:schemeClr val="lt1"/>
+            </a:fontRef>
+          </p:style>
+          <p:txBody>
+            <a:bodyPr rtlCol="0" anchor="ctr"/>
+            <a:lstStyle/>
+            <a:p>
+              <a:pPr algn="ctr"/>
+              <a:r>
+                <a:rPr lang="fr-FR" sz="900" dirty="0"/>
+                <a:t>Annuaire</a:t>
+              </a:r>
+            </a:p>
+          </p:txBody>
+        </p:sp>
+        <p:sp>
+          <p:nvSpPr>
+            <p:cNvPr id="54" name="Rectangle: Rounded Corners 53">
+              <a:extLst>
+                <a:ext uri="{FF2B5EF4-FFF2-40B4-BE49-F238E27FC236}">
+                  <a16:creationId xmlns:a16="http://schemas.microsoft.com/office/drawing/2014/main" id="{3969B2F2-A13E-4087-AA75-1AB46583C7C3}"/>
+                </a:ext>
+              </a:extLst>
+            </p:cNvPr>
+            <p:cNvSpPr/>
+            <p:nvPr/>
+          </p:nvSpPr>
+          <p:spPr>
+            <a:xfrm>
+              <a:off x="8970406" y="4260520"/>
+              <a:ext cx="1593438" cy="673265"/>
+            </a:xfrm>
+            <a:prstGeom prst="roundRect">
+              <a:avLst/>
+            </a:prstGeom>
+          </p:spPr>
+          <p:style>
+            <a:lnRef idx="2">
+              <a:schemeClr val="accent1">
+                <a:shade val="50000"/>
+              </a:schemeClr>
+            </a:lnRef>
+            <a:fillRef idx="1">
+              <a:schemeClr val="accent1"/>
+            </a:fillRef>
+            <a:effectRef idx="0">
+              <a:schemeClr val="accent1"/>
+            </a:effectRef>
+            <a:fontRef idx="minor">
+              <a:schemeClr val="lt1"/>
+            </a:fontRef>
+          </p:style>
+          <p:txBody>
+            <a:bodyPr rtlCol="0" anchor="ctr"/>
+            <a:lstStyle/>
+            <a:p>
+              <a:pPr algn="ctr"/>
+              <a:r>
+                <a:rPr lang="fr-FR" sz="900" dirty="0"/>
+                <a:t>Composant</a:t>
+              </a:r>
+            </a:p>
+          </p:txBody>
+        </p:sp>
+        <p:sp>
+          <p:nvSpPr>
+            <p:cNvPr id="55" name="Rectangle: Rounded Corners 54">
+              <a:extLst>
+                <a:ext uri="{FF2B5EF4-FFF2-40B4-BE49-F238E27FC236}">
+                  <a16:creationId xmlns:a16="http://schemas.microsoft.com/office/drawing/2014/main" id="{47846F43-F46C-4FDD-80C2-8C74BEA871E9}"/>
+                </a:ext>
+              </a:extLst>
+            </p:cNvPr>
+            <p:cNvSpPr/>
+            <p:nvPr/>
+          </p:nvSpPr>
+          <p:spPr>
+            <a:xfrm>
+              <a:off x="9233725" y="4791364"/>
+              <a:ext cx="1593438" cy="673265"/>
+            </a:xfrm>
+            <a:prstGeom prst="roundRect">
+              <a:avLst/>
+            </a:prstGeom>
+          </p:spPr>
+          <p:style>
+            <a:lnRef idx="2">
+              <a:schemeClr val="accent1">
+                <a:shade val="50000"/>
+              </a:schemeClr>
+            </a:lnRef>
+            <a:fillRef idx="1">
+              <a:schemeClr val="accent1"/>
+            </a:fillRef>
+            <a:effectRef idx="0">
+              <a:schemeClr val="accent1"/>
+            </a:effectRef>
+            <a:fontRef idx="minor">
+              <a:schemeClr val="lt1"/>
+            </a:fontRef>
+          </p:style>
+          <p:txBody>
+            <a:bodyPr rtlCol="0" anchor="ctr"/>
+            <a:lstStyle/>
+            <a:p>
+              <a:pPr algn="ctr"/>
+              <a:r>
+                <a:rPr lang="fr-FR" sz="900" dirty="0"/>
+                <a:t>Composant</a:t>
+              </a:r>
+            </a:p>
+          </p:txBody>
+        </p:sp>
+        <p:sp>
+          <p:nvSpPr>
+            <p:cNvPr id="56" name="Rectangle: Rounded Corners 55">
+              <a:extLst>
+                <a:ext uri="{FF2B5EF4-FFF2-40B4-BE49-F238E27FC236}">
+                  <a16:creationId xmlns:a16="http://schemas.microsoft.com/office/drawing/2014/main" id="{4A9150B5-B672-4B4F-87B8-C5BF389B212E}"/>
+                </a:ext>
+              </a:extLst>
+            </p:cNvPr>
+            <p:cNvSpPr/>
+            <p:nvPr/>
+          </p:nvSpPr>
+          <p:spPr>
+            <a:xfrm>
+              <a:off x="9497044" y="5337886"/>
+              <a:ext cx="1593438" cy="673265"/>
+            </a:xfrm>
+            <a:prstGeom prst="roundRect">
+              <a:avLst/>
+            </a:prstGeom>
+          </p:spPr>
+          <p:style>
+            <a:lnRef idx="2">
+              <a:schemeClr val="accent1">
+                <a:shade val="50000"/>
+              </a:schemeClr>
+            </a:lnRef>
+            <a:fillRef idx="1">
+              <a:schemeClr val="accent1"/>
+            </a:fillRef>
+            <a:effectRef idx="0">
+              <a:schemeClr val="accent1"/>
+            </a:effectRef>
+            <a:fontRef idx="minor">
+              <a:schemeClr val="lt1"/>
+            </a:fontRef>
+          </p:style>
+          <p:txBody>
+            <a:bodyPr rtlCol="0" anchor="ctr"/>
+            <a:lstStyle/>
+            <a:p>
+              <a:pPr algn="ctr"/>
+              <a:r>
+                <a:rPr lang="fr-FR" sz="900" dirty="0"/>
+                <a:t>Composant</a:t>
+              </a:r>
+            </a:p>
+          </p:txBody>
+        </p:sp>
+        <p:sp>
+          <p:nvSpPr>
+            <p:cNvPr id="57" name="Rectangle: Rounded Corners 56">
+              <a:extLst>
+                <a:ext uri="{FF2B5EF4-FFF2-40B4-BE49-F238E27FC236}">
+                  <a16:creationId xmlns:a16="http://schemas.microsoft.com/office/drawing/2014/main" id="{CBB84BFC-4E83-4576-913F-2BA36C7F2AB0}"/>
+                </a:ext>
+              </a:extLst>
+            </p:cNvPr>
+            <p:cNvSpPr/>
+            <p:nvPr/>
+          </p:nvSpPr>
+          <p:spPr>
+            <a:xfrm>
+              <a:off x="6306045" y="5198412"/>
+              <a:ext cx="1593438" cy="673265"/>
+            </a:xfrm>
+            <a:prstGeom prst="roundRect">
+              <a:avLst/>
+            </a:prstGeom>
+          </p:spPr>
+          <p:style>
+            <a:lnRef idx="2">
+              <a:schemeClr val="accent1">
+                <a:shade val="50000"/>
+              </a:schemeClr>
+            </a:lnRef>
+            <a:fillRef idx="1">
+              <a:schemeClr val="accent1"/>
+            </a:fillRef>
+            <a:effectRef idx="0">
+              <a:schemeClr val="accent1"/>
+            </a:effectRef>
+            <a:fontRef idx="minor">
+              <a:schemeClr val="lt1"/>
+            </a:fontRef>
+          </p:style>
+          <p:txBody>
+            <a:bodyPr rtlCol="0" anchor="ctr"/>
+            <a:lstStyle/>
+            <a:p>
+              <a:pPr algn="ctr"/>
+              <a:r>
+                <a:rPr lang="fr-FR" sz="900" dirty="0"/>
+                <a:t>Annuaire</a:t>
+              </a:r>
+            </a:p>
+          </p:txBody>
+        </p:sp>
+        <p:cxnSp>
+          <p:nvCxnSpPr>
+            <p:cNvPr id="58" name="Straight Arrow Connector 57">
+              <a:extLst>
+                <a:ext uri="{FF2B5EF4-FFF2-40B4-BE49-F238E27FC236}">
+                  <a16:creationId xmlns:a16="http://schemas.microsoft.com/office/drawing/2014/main" id="{C5D1D024-3FF5-4DCD-BE7C-AD84D5A8C29D}"/>
+                </a:ext>
+              </a:extLst>
+            </p:cNvPr>
+            <p:cNvCxnSpPr>
+              <a:stCxn id="54" idx="1"/>
+              <a:endCxn id="53" idx="3"/>
+            </p:cNvCxnSpPr>
+            <p:nvPr/>
+          </p:nvCxnSpPr>
+          <p:spPr>
+            <a:xfrm flipH="1">
+              <a:off x="7636164" y="4597153"/>
+              <a:ext cx="1334242" cy="466323"/>
+            </a:xfrm>
+            <a:prstGeom prst="straightConnector1">
+              <a:avLst/>
+            </a:prstGeom>
+            <a:ln>
+              <a:tailEnd type="triangle"/>
+            </a:ln>
+          </p:spPr>
+          <p:style>
+            <a:lnRef idx="1">
+              <a:schemeClr val="accent1"/>
+            </a:lnRef>
+            <a:fillRef idx="0">
+              <a:schemeClr val="accent1"/>
+            </a:fillRef>
+            <a:effectRef idx="0">
+              <a:schemeClr val="accent1"/>
+            </a:effectRef>
+            <a:fontRef idx="minor">
+              <a:schemeClr val="tx1"/>
+            </a:fontRef>
+          </p:style>
+        </p:cxnSp>
+        <p:cxnSp>
+          <p:nvCxnSpPr>
+            <p:cNvPr id="59" name="Straight Arrow Connector 58">
+              <a:extLst>
+                <a:ext uri="{FF2B5EF4-FFF2-40B4-BE49-F238E27FC236}">
+                  <a16:creationId xmlns:a16="http://schemas.microsoft.com/office/drawing/2014/main" id="{163FEB5A-52B6-4577-ADF9-AABB47D3247F}"/>
+                </a:ext>
+              </a:extLst>
+            </p:cNvPr>
+            <p:cNvCxnSpPr>
+              <a:stCxn id="54" idx="1"/>
+              <a:endCxn id="57" idx="3"/>
+            </p:cNvCxnSpPr>
+            <p:nvPr/>
+          </p:nvCxnSpPr>
+          <p:spPr>
+            <a:xfrm flipH="1">
+              <a:off x="7899483" y="4597153"/>
+              <a:ext cx="1070923" cy="937892"/>
+            </a:xfrm>
+            <a:prstGeom prst="straightConnector1">
+              <a:avLst/>
+            </a:prstGeom>
+            <a:ln>
+              <a:tailEnd type="triangle"/>
+            </a:ln>
+          </p:spPr>
+          <p:style>
+            <a:lnRef idx="1">
+              <a:schemeClr val="accent1"/>
+            </a:lnRef>
+            <a:fillRef idx="0">
+              <a:schemeClr val="accent1"/>
+            </a:fillRef>
+            <a:effectRef idx="0">
+              <a:schemeClr val="accent1"/>
+            </a:effectRef>
+            <a:fontRef idx="minor">
+              <a:schemeClr val="tx1"/>
+            </a:fontRef>
+          </p:style>
+        </p:cxnSp>
+        <p:cxnSp>
+          <p:nvCxnSpPr>
+            <p:cNvPr id="60" name="Straight Arrow Connector 59">
+              <a:extLst>
+                <a:ext uri="{FF2B5EF4-FFF2-40B4-BE49-F238E27FC236}">
+                  <a16:creationId xmlns:a16="http://schemas.microsoft.com/office/drawing/2014/main" id="{3B9956D0-9533-48DA-A393-78C83F067A46}"/>
+                </a:ext>
+              </a:extLst>
+            </p:cNvPr>
+            <p:cNvCxnSpPr>
+              <a:stCxn id="55" idx="1"/>
+            </p:cNvCxnSpPr>
+            <p:nvPr/>
+          </p:nvCxnSpPr>
+          <p:spPr>
+            <a:xfrm flipH="1">
+              <a:off x="7636164" y="5127997"/>
+              <a:ext cx="1597561" cy="126742"/>
+            </a:xfrm>
+            <a:prstGeom prst="straightConnector1">
+              <a:avLst/>
+            </a:prstGeom>
+            <a:ln>
+              <a:tailEnd type="triangle"/>
+            </a:ln>
+          </p:spPr>
+          <p:style>
+            <a:lnRef idx="1">
+              <a:schemeClr val="accent1"/>
+            </a:lnRef>
+            <a:fillRef idx="0">
+              <a:schemeClr val="accent1"/>
+            </a:fillRef>
+            <a:effectRef idx="0">
+              <a:schemeClr val="accent1"/>
+            </a:effectRef>
+            <a:fontRef idx="minor">
+              <a:schemeClr val="tx1"/>
+            </a:fontRef>
+          </p:style>
+        </p:cxnSp>
+        <p:cxnSp>
+          <p:nvCxnSpPr>
+            <p:cNvPr id="61" name="Straight Arrow Connector 60">
+              <a:extLst>
+                <a:ext uri="{FF2B5EF4-FFF2-40B4-BE49-F238E27FC236}">
+                  <a16:creationId xmlns:a16="http://schemas.microsoft.com/office/drawing/2014/main" id="{E5FA060F-6D10-43CA-B33B-29F29AF9132B}"/>
+                </a:ext>
+              </a:extLst>
+            </p:cNvPr>
+            <p:cNvCxnSpPr>
+              <a:stCxn id="55" idx="1"/>
+              <a:endCxn id="57" idx="3"/>
+            </p:cNvCxnSpPr>
+            <p:nvPr/>
+          </p:nvCxnSpPr>
+          <p:spPr>
+            <a:xfrm flipH="1">
+              <a:off x="7899483" y="5127997"/>
+              <a:ext cx="1334242" cy="407048"/>
+            </a:xfrm>
+            <a:prstGeom prst="straightConnector1">
+              <a:avLst/>
+            </a:prstGeom>
+            <a:ln>
+              <a:tailEnd type="triangle"/>
+            </a:ln>
+          </p:spPr>
+          <p:style>
+            <a:lnRef idx="1">
+              <a:schemeClr val="accent1"/>
+            </a:lnRef>
+            <a:fillRef idx="0">
+              <a:schemeClr val="accent1"/>
+            </a:fillRef>
+            <a:effectRef idx="0">
+              <a:schemeClr val="accent1"/>
+            </a:effectRef>
+            <a:fontRef idx="minor">
+              <a:schemeClr val="tx1"/>
+            </a:fontRef>
+          </p:style>
+        </p:cxnSp>
+        <p:cxnSp>
+          <p:nvCxnSpPr>
+            <p:cNvPr id="62" name="Straight Arrow Connector 61">
+              <a:extLst>
+                <a:ext uri="{FF2B5EF4-FFF2-40B4-BE49-F238E27FC236}">
+                  <a16:creationId xmlns:a16="http://schemas.microsoft.com/office/drawing/2014/main" id="{D62C9DE7-F79A-4385-9BAE-5EE40AA89017}"/>
+                </a:ext>
+              </a:extLst>
+            </p:cNvPr>
+            <p:cNvCxnSpPr>
+              <a:stCxn id="56" idx="1"/>
+              <a:endCxn id="53" idx="3"/>
+            </p:cNvCxnSpPr>
+            <p:nvPr/>
+          </p:nvCxnSpPr>
+          <p:spPr>
+            <a:xfrm flipH="1" flipV="1">
+              <a:off x="7636164" y="5063476"/>
+              <a:ext cx="1860880" cy="611043"/>
+            </a:xfrm>
+            <a:prstGeom prst="straightConnector1">
+              <a:avLst/>
+            </a:prstGeom>
+            <a:ln>
+              <a:tailEnd type="triangle"/>
+            </a:ln>
+          </p:spPr>
+          <p:style>
+            <a:lnRef idx="1">
+              <a:schemeClr val="accent1"/>
+            </a:lnRef>
+            <a:fillRef idx="0">
+              <a:schemeClr val="accent1"/>
+            </a:fillRef>
+            <a:effectRef idx="0">
+              <a:schemeClr val="accent1"/>
+            </a:effectRef>
+            <a:fontRef idx="minor">
+              <a:schemeClr val="tx1"/>
+            </a:fontRef>
+          </p:style>
+        </p:cxnSp>
+        <p:cxnSp>
+          <p:nvCxnSpPr>
+            <p:cNvPr id="63" name="Straight Arrow Connector 62">
+              <a:extLst>
+                <a:ext uri="{FF2B5EF4-FFF2-40B4-BE49-F238E27FC236}">
+                  <a16:creationId xmlns:a16="http://schemas.microsoft.com/office/drawing/2014/main" id="{E5757D77-1579-477D-AF29-D163224AE92A}"/>
+                </a:ext>
+              </a:extLst>
+            </p:cNvPr>
+            <p:cNvCxnSpPr>
+              <a:stCxn id="56" idx="1"/>
+              <a:endCxn id="57" idx="3"/>
+            </p:cNvCxnSpPr>
+            <p:nvPr/>
+          </p:nvCxnSpPr>
+          <p:spPr>
+            <a:xfrm flipH="1" flipV="1">
+              <a:off x="7899483" y="5535045"/>
+              <a:ext cx="1597561" cy="139474"/>
+            </a:xfrm>
+            <a:prstGeom prst="straightConnector1">
+              <a:avLst/>
+            </a:prstGeom>
+            <a:ln>
+              <a:tailEnd type="triangle"/>
+            </a:ln>
+          </p:spPr>
+          <p:style>
+            <a:lnRef idx="1">
+              <a:schemeClr val="accent1"/>
+            </a:lnRef>
+            <a:fillRef idx="0">
+              <a:schemeClr val="accent1"/>
+            </a:fillRef>
+            <a:effectRef idx="0">
+              <a:schemeClr val="accent1"/>
+            </a:effectRef>
+            <a:fontRef idx="minor">
+              <a:schemeClr val="tx1"/>
+            </a:fontRef>
+          </p:style>
+        </p:cxnSp>
+        <p:cxnSp>
+          <p:nvCxnSpPr>
+            <p:cNvPr id="64" name="Connector: Elbow 63">
+              <a:extLst>
+                <a:ext uri="{FF2B5EF4-FFF2-40B4-BE49-F238E27FC236}">
+                  <a16:creationId xmlns:a16="http://schemas.microsoft.com/office/drawing/2014/main" id="{2682B48E-9D04-46C5-9E6F-FB087FA8381F}"/>
+                </a:ext>
+              </a:extLst>
+            </p:cNvPr>
+            <p:cNvCxnSpPr>
+              <a:stCxn id="53" idx="1"/>
+              <a:endCxn id="51" idx="2"/>
+            </p:cNvCxnSpPr>
+            <p:nvPr/>
+          </p:nvCxnSpPr>
+          <p:spPr>
+            <a:xfrm rot="10800000">
+              <a:off x="4624368" y="4797632"/>
+              <a:ext cx="1418358" cy="265845"/>
+            </a:xfrm>
+            <a:prstGeom prst="bentConnector2">
+              <a:avLst/>
+            </a:prstGeom>
+            <a:ln>
+              <a:tailEnd type="triangle"/>
+            </a:ln>
+          </p:spPr>
+          <p:style>
+            <a:lnRef idx="1">
+              <a:schemeClr val="accent1"/>
+            </a:lnRef>
+            <a:fillRef idx="0">
+              <a:schemeClr val="accent1"/>
+            </a:fillRef>
+            <a:effectRef idx="0">
+              <a:schemeClr val="accent1"/>
+            </a:effectRef>
+            <a:fontRef idx="minor">
+              <a:schemeClr val="tx1"/>
+            </a:fontRef>
+          </p:style>
+        </p:cxnSp>
+        <p:cxnSp>
+          <p:nvCxnSpPr>
+            <p:cNvPr id="65" name="Connector: Elbow 64">
+              <a:extLst>
+                <a:ext uri="{FF2B5EF4-FFF2-40B4-BE49-F238E27FC236}">
+                  <a16:creationId xmlns:a16="http://schemas.microsoft.com/office/drawing/2014/main" id="{BA287C2E-05BC-4A27-B767-22678EEA7A96}"/>
+                </a:ext>
+              </a:extLst>
+            </p:cNvPr>
+            <p:cNvCxnSpPr>
+              <a:stCxn id="57" idx="1"/>
+              <a:endCxn id="52" idx="0"/>
+            </p:cNvCxnSpPr>
+            <p:nvPr/>
+          </p:nvCxnSpPr>
+          <p:spPr>
+            <a:xfrm rot="10800000" flipV="1">
+              <a:off x="4624369" y="5535045"/>
+              <a:ext cx="1681677" cy="103590"/>
+            </a:xfrm>
+            <a:prstGeom prst="bentConnector2">
+              <a:avLst/>
+            </a:prstGeom>
+            <a:ln>
+              <a:tailEnd type="triangle"/>
+            </a:ln>
+          </p:spPr>
+          <p:style>
+            <a:lnRef idx="1">
+              <a:schemeClr val="accent1"/>
+            </a:lnRef>
+            <a:fillRef idx="0">
+              <a:schemeClr val="accent1"/>
+            </a:fillRef>
+            <a:effectRef idx="0">
+              <a:schemeClr val="accent1"/>
+            </a:effectRef>
+            <a:fontRef idx="minor">
+              <a:schemeClr val="tx1"/>
+            </a:fontRef>
+          </p:style>
+        </p:cxnSp>
+        <p:cxnSp>
+          <p:nvCxnSpPr>
+            <p:cNvPr id="66" name="Straight Arrow Connector 65">
+              <a:extLst>
+                <a:ext uri="{FF2B5EF4-FFF2-40B4-BE49-F238E27FC236}">
+                  <a16:creationId xmlns:a16="http://schemas.microsoft.com/office/drawing/2014/main" id="{74650743-DC17-4E4A-AF39-608E88F3FD9D}"/>
+                </a:ext>
+              </a:extLst>
+            </p:cNvPr>
+            <p:cNvCxnSpPr>
+              <a:stCxn id="49" idx="3"/>
+              <a:endCxn id="50" idx="1"/>
+            </p:cNvCxnSpPr>
+            <p:nvPr/>
+          </p:nvCxnSpPr>
+          <p:spPr>
+            <a:xfrm>
+              <a:off x="1750538" y="5327071"/>
+              <a:ext cx="415719" cy="1"/>
+            </a:xfrm>
+            <a:prstGeom prst="straightConnector1">
+              <a:avLst/>
+            </a:prstGeom>
+            <a:ln>
+              <a:tailEnd type="triangle"/>
+            </a:ln>
+          </p:spPr>
+          <p:style>
+            <a:lnRef idx="1">
+              <a:schemeClr val="accent1"/>
+            </a:lnRef>
+            <a:fillRef idx="0">
+              <a:schemeClr val="accent1"/>
+            </a:fillRef>
+            <a:effectRef idx="0">
+              <a:schemeClr val="accent1"/>
+            </a:effectRef>
+            <a:fontRef idx="minor">
+              <a:schemeClr val="tx1"/>
+            </a:fontRef>
+          </p:style>
+        </p:cxnSp>
+        <p:cxnSp>
+          <p:nvCxnSpPr>
+            <p:cNvPr id="67" name="Straight Arrow Connector 66">
+              <a:extLst>
+                <a:ext uri="{FF2B5EF4-FFF2-40B4-BE49-F238E27FC236}">
+                  <a16:creationId xmlns:a16="http://schemas.microsoft.com/office/drawing/2014/main" id="{A10C51F5-644F-460C-BD88-6F1A1C08BDC7}"/>
+                </a:ext>
+              </a:extLst>
+            </p:cNvPr>
+            <p:cNvCxnSpPr>
+              <a:stCxn id="50" idx="3"/>
+              <a:endCxn id="51" idx="1"/>
+            </p:cNvCxnSpPr>
+            <p:nvPr/>
+          </p:nvCxnSpPr>
+          <p:spPr>
+            <a:xfrm flipV="1">
+              <a:off x="3287486" y="4460999"/>
+              <a:ext cx="540163" cy="866073"/>
+            </a:xfrm>
+            <a:prstGeom prst="straightConnector1">
+              <a:avLst/>
+            </a:prstGeom>
+            <a:ln>
+              <a:tailEnd type="triangle"/>
+            </a:ln>
+          </p:spPr>
+          <p:style>
+            <a:lnRef idx="1">
+              <a:schemeClr val="accent1"/>
+            </a:lnRef>
+            <a:fillRef idx="0">
+              <a:schemeClr val="accent1"/>
+            </a:fillRef>
+            <a:effectRef idx="0">
+              <a:schemeClr val="accent1"/>
+            </a:effectRef>
+            <a:fontRef idx="minor">
+              <a:schemeClr val="tx1"/>
+            </a:fontRef>
+          </p:style>
+        </p:cxnSp>
+        <p:cxnSp>
+          <p:nvCxnSpPr>
+            <p:cNvPr id="68" name="Straight Arrow Connector 67">
+              <a:extLst>
+                <a:ext uri="{FF2B5EF4-FFF2-40B4-BE49-F238E27FC236}">
+                  <a16:creationId xmlns:a16="http://schemas.microsoft.com/office/drawing/2014/main" id="{B25AA556-53B0-4B78-8148-C7E91768AABA}"/>
+                </a:ext>
+              </a:extLst>
+            </p:cNvPr>
+            <p:cNvCxnSpPr>
+              <a:stCxn id="50" idx="3"/>
+              <a:endCxn id="52" idx="1"/>
+            </p:cNvCxnSpPr>
+            <p:nvPr/>
+          </p:nvCxnSpPr>
+          <p:spPr>
+            <a:xfrm>
+              <a:off x="3287486" y="5327072"/>
+              <a:ext cx="540163" cy="648196"/>
+            </a:xfrm>
+            <a:prstGeom prst="straightConnector1">
+              <a:avLst/>
+            </a:prstGeom>
+            <a:ln>
+              <a:tailEnd type="triangle"/>
+            </a:ln>
+          </p:spPr>
+          <p:style>
+            <a:lnRef idx="1">
+              <a:schemeClr val="accent1"/>
+            </a:lnRef>
+            <a:fillRef idx="0">
+              <a:schemeClr val="accent1"/>
+            </a:fillRef>
+            <a:effectRef idx="0">
+              <a:schemeClr val="accent1"/>
+            </a:effectRef>
+            <a:fontRef idx="minor">
+              <a:schemeClr val="tx1"/>
+            </a:fontRef>
+          </p:style>
+        </p:cxnSp>
+        <p:cxnSp>
+          <p:nvCxnSpPr>
+            <p:cNvPr id="69" name="Connector: Elbow 68">
+              <a:extLst>
+                <a:ext uri="{FF2B5EF4-FFF2-40B4-BE49-F238E27FC236}">
+                  <a16:creationId xmlns:a16="http://schemas.microsoft.com/office/drawing/2014/main" id="{6149EA0F-A249-4A41-B781-5E8101B787CF}"/>
+                </a:ext>
+              </a:extLst>
+            </p:cNvPr>
+            <p:cNvCxnSpPr>
+              <a:stCxn id="57" idx="1"/>
+              <a:endCxn id="51" idx="3"/>
+            </p:cNvCxnSpPr>
+            <p:nvPr/>
+          </p:nvCxnSpPr>
+          <p:spPr>
+            <a:xfrm rot="10800000">
+              <a:off x="5421087" y="4460999"/>
+              <a:ext cx="884958" cy="1074046"/>
+            </a:xfrm>
+            <a:prstGeom prst="bentConnector3">
+              <a:avLst/>
+            </a:prstGeom>
+            <a:ln>
+              <a:tailEnd type="triangle"/>
+            </a:ln>
+          </p:spPr>
+          <p:style>
+            <a:lnRef idx="1">
+              <a:schemeClr val="accent1"/>
+            </a:lnRef>
+            <a:fillRef idx="0">
+              <a:schemeClr val="accent1"/>
+            </a:fillRef>
+            <a:effectRef idx="0">
+              <a:schemeClr val="accent1"/>
+            </a:effectRef>
+            <a:fontRef idx="minor">
+              <a:schemeClr val="tx1"/>
+            </a:fontRef>
+          </p:style>
+        </p:cxnSp>
+        <p:cxnSp>
+          <p:nvCxnSpPr>
+            <p:cNvPr id="70" name="Connector: Elbow 69">
+              <a:extLst>
+                <a:ext uri="{FF2B5EF4-FFF2-40B4-BE49-F238E27FC236}">
+                  <a16:creationId xmlns:a16="http://schemas.microsoft.com/office/drawing/2014/main" id="{6F724B7E-2DCB-4A7C-8365-0F0A08E6D6C3}"/>
+                </a:ext>
+              </a:extLst>
+            </p:cNvPr>
+            <p:cNvCxnSpPr>
+              <a:stCxn id="53" idx="1"/>
+              <a:endCxn id="52" idx="3"/>
+            </p:cNvCxnSpPr>
+            <p:nvPr/>
+          </p:nvCxnSpPr>
+          <p:spPr>
+            <a:xfrm rot="10800000" flipV="1">
+              <a:off x="5421088" y="5063476"/>
+              <a:ext cx="621639" cy="911792"/>
+            </a:xfrm>
+            <a:prstGeom prst="bentConnector3">
+              <a:avLst/>
+            </a:prstGeom>
+            <a:ln>
+              <a:tailEnd type="triangle"/>
+            </a:ln>
+          </p:spPr>
+          <p:style>
+            <a:lnRef idx="1">
+              <a:schemeClr val="accent1"/>
+            </a:lnRef>
+            <a:fillRef idx="0">
+              <a:schemeClr val="accent1"/>
+            </a:fillRef>
+            <a:effectRef idx="0">
+              <a:schemeClr val="accent1"/>
+            </a:effectRef>
+            <a:fontRef idx="minor">
+              <a:schemeClr val="tx1"/>
+            </a:fontRef>
+          </p:style>
+        </p:cxnSp>
+      </p:grpSp>
+    </p:spTree>
+    <p:extLst>
+      <p:ext uri="{BB962C8B-B14F-4D97-AF65-F5344CB8AC3E}">
+        <p14:creationId xmlns:p14="http://schemas.microsoft.com/office/powerpoint/2010/main" val="1963246811"/>
+      </p:ext>
+    </p:extLst>
+  </p:cSld>
+  <p:clrMapOvr>
+    <a:masterClrMapping/>
+  </p:clrMapOvr>
+</p:sld>
+</file>
+
+<file path=ppt/slides/slide12.xml><?xml version="1.0" encoding="utf-8"?>
+<p:sld xmlns:a="http://schemas.openxmlformats.org/drawingml/2006/main" xmlns:r="http://schemas.openxmlformats.org/officeDocument/2006/relationships" xmlns:p="http://schemas.openxmlformats.org/presentationml/2006/main">
+  <p:cSld>
+    <p:spTree>
+      <p:nvGrpSpPr>
+        <p:cNvPr id="1" name=""/>
+        <p:cNvGrpSpPr/>
+        <p:nvPr/>
+      </p:nvGrpSpPr>
+      <p:grpSpPr>
+        <a:xfrm>
+          <a:off x="0" y="0"/>
+          <a:ext cx="0" cy="0"/>
+          <a:chOff x="0" y="0"/>
+          <a:chExt cx="0" cy="0"/>
+        </a:xfrm>
+      </p:grpSpPr>
+      <p:sp>
+        <p:nvSpPr>
+          <p:cNvPr id="2" name="Title 1">
+            <a:extLst>
+              <a:ext uri="{FF2B5EF4-FFF2-40B4-BE49-F238E27FC236}">
                 <a16:creationId xmlns:a16="http://schemas.microsoft.com/office/drawing/2014/main" id="{9B7484C3-D6CC-4BD2-9E77-9E04169EEFEE}"/>
               </a:ext>
             </a:extLst>
@@ -3513,7 +5858,7 @@
             <a:pPr lvl="1"/>
             <a:r>
               <a:rPr lang="fr-FR" dirty="0"/>
-              <a:t>Réutilise l’implémentation de l’API Connect; Utilise l’annuaire LDAP et la base des utilisateurs d’AFO</a:t>
+              <a:t>Réutilise l’implémentation de l’API Connect; Utilise l’annuaire LDAP et la base des utilisateurs d’AFO puis génère un jeton d’authentification temporaire.</a:t>
             </a:r>
           </a:p>
           <a:p>
@@ -4577,7 +6922,7 @@
 </p:sld>
 </file>
 
-<file path=ppt/slides/slide11.xml><?xml version="1.0" encoding="utf-8"?>
+<file path=ppt/slides/slide13.xml><?xml version="1.0" encoding="utf-8"?>
 <p:sld xmlns:a="http://schemas.openxmlformats.org/drawingml/2006/main" xmlns:r="http://schemas.openxmlformats.org/officeDocument/2006/relationships" xmlns:p="http://schemas.openxmlformats.org/presentationml/2006/main">
   <p:cSld>
     <p:spTree>
@@ -5715,7 +8060,7 @@
 </p:sld>
 </file>
 
-<file path=ppt/slides/slide12.xml><?xml version="1.0" encoding="utf-8"?>
+<file path=ppt/slides/slide14.xml><?xml version="1.0" encoding="utf-8"?>
 <p:sld xmlns:a="http://schemas.openxmlformats.org/drawingml/2006/main" xmlns:r="http://schemas.openxmlformats.org/officeDocument/2006/relationships" xmlns:p="http://schemas.openxmlformats.org/presentationml/2006/main">
   <p:cSld>
     <p:spTree>
@@ -6854,7 +9199,425 @@
 </p:sld>
 </file>
 
-<file path=ppt/slides/slide13.xml><?xml version="1.0" encoding="utf-8"?>
+<file path=ppt/slides/slide15.xml><?xml version="1.0" encoding="utf-8"?>
+<p:sld xmlns:a="http://schemas.openxmlformats.org/drawingml/2006/main" xmlns:r="http://schemas.openxmlformats.org/officeDocument/2006/relationships" xmlns:p="http://schemas.openxmlformats.org/presentationml/2006/main">
+  <p:cSld>
+    <p:spTree>
+      <p:nvGrpSpPr>
+        <p:cNvPr id="1" name=""/>
+        <p:cNvGrpSpPr/>
+        <p:nvPr/>
+      </p:nvGrpSpPr>
+      <p:grpSpPr>
+        <a:xfrm>
+          <a:off x="0" y="0"/>
+          <a:ext cx="0" cy="0"/>
+          <a:chOff x="0" y="0"/>
+          <a:chExt cx="0" cy="0"/>
+        </a:xfrm>
+      </p:grpSpPr>
+      <p:sp>
+        <p:nvSpPr>
+          <p:cNvPr id="2" name="Title 1">
+            <a:extLst>
+              <a:ext uri="{FF2B5EF4-FFF2-40B4-BE49-F238E27FC236}">
+                <a16:creationId xmlns:a16="http://schemas.microsoft.com/office/drawing/2014/main" id="{FE40C887-4AB6-45EC-9774-0B56A7EB327D}"/>
+              </a:ext>
+            </a:extLst>
+          </p:cNvPr>
+          <p:cNvSpPr>
+            <a:spLocks noGrp="1"/>
+          </p:cNvSpPr>
+          <p:nvPr>
+            <p:ph type="title"/>
+          </p:nvPr>
+        </p:nvSpPr>
+        <p:spPr/>
+        <p:txBody>
+          <a:bodyPr/>
+          <a:lstStyle/>
+          <a:p>
+            <a:r>
+              <a:rPr lang="fr-FR" dirty="0"/>
+              <a:t>Logs Manager</a:t>
+            </a:r>
+          </a:p>
+        </p:txBody>
+      </p:sp>
+      <p:sp>
+        <p:nvSpPr>
+          <p:cNvPr id="3" name="Content Placeholder 2">
+            <a:extLst>
+              <a:ext uri="{FF2B5EF4-FFF2-40B4-BE49-F238E27FC236}">
+                <a16:creationId xmlns:a16="http://schemas.microsoft.com/office/drawing/2014/main" id="{A5614448-C843-4AA6-B3F4-99329915F8B5}"/>
+              </a:ext>
+            </a:extLst>
+          </p:cNvPr>
+          <p:cNvSpPr>
+            <a:spLocks noGrp="1"/>
+          </p:cNvSpPr>
+          <p:nvPr>
+            <p:ph idx="1"/>
+          </p:nvPr>
+        </p:nvSpPr>
+        <p:spPr/>
+        <p:txBody>
+          <a:bodyPr/>
+          <a:lstStyle/>
+          <a:p>
+            <a:r>
+              <a:rPr lang="fr-FR" dirty="0"/>
+              <a:t>Ce composant reçoit tous les logs émis par le système, il les filtres et les mémorises.</a:t>
+            </a:r>
+          </a:p>
+        </p:txBody>
+      </p:sp>
+    </p:spTree>
+    <p:extLst>
+      <p:ext uri="{BB962C8B-B14F-4D97-AF65-F5344CB8AC3E}">
+        <p14:creationId xmlns:p14="http://schemas.microsoft.com/office/powerpoint/2010/main" val="916633453"/>
+      </p:ext>
+    </p:extLst>
+  </p:cSld>
+  <p:clrMapOvr>
+    <a:masterClrMapping/>
+  </p:clrMapOvr>
+</p:sld>
+</file>
+
+<file path=ppt/slides/slide16.xml><?xml version="1.0" encoding="utf-8"?>
+<p:sld xmlns:a="http://schemas.openxmlformats.org/drawingml/2006/main" xmlns:r="http://schemas.openxmlformats.org/officeDocument/2006/relationships" xmlns:p="http://schemas.openxmlformats.org/presentationml/2006/main">
+  <p:cSld>
+    <p:spTree>
+      <p:nvGrpSpPr>
+        <p:cNvPr id="1" name=""/>
+        <p:cNvGrpSpPr/>
+        <p:nvPr/>
+      </p:nvGrpSpPr>
+      <p:grpSpPr>
+        <a:xfrm>
+          <a:off x="0" y="0"/>
+          <a:ext cx="0" cy="0"/>
+          <a:chOff x="0" y="0"/>
+          <a:chExt cx="0" cy="0"/>
+        </a:xfrm>
+      </p:grpSpPr>
+      <p:sp>
+        <p:nvSpPr>
+          <p:cNvPr id="2" name="Title 1">
+            <a:extLst>
+              <a:ext uri="{FF2B5EF4-FFF2-40B4-BE49-F238E27FC236}">
+                <a16:creationId xmlns:a16="http://schemas.microsoft.com/office/drawing/2014/main" id="{2853ED2C-C680-421E-92BC-617130C3709A}"/>
+              </a:ext>
+            </a:extLst>
+          </p:cNvPr>
+          <p:cNvSpPr>
+            <a:spLocks noGrp="1"/>
+          </p:cNvSpPr>
+          <p:nvPr>
+            <p:ph type="title"/>
+          </p:nvPr>
+        </p:nvSpPr>
+        <p:spPr/>
+        <p:txBody>
+          <a:bodyPr/>
+          <a:lstStyle/>
+          <a:p>
+            <a:r>
+              <a:rPr lang="fr-FR" dirty="0"/>
+              <a:t>Configuration</a:t>
+            </a:r>
+          </a:p>
+        </p:txBody>
+      </p:sp>
+      <p:sp>
+        <p:nvSpPr>
+          <p:cNvPr id="3" name="Content Placeholder 2">
+            <a:extLst>
+              <a:ext uri="{FF2B5EF4-FFF2-40B4-BE49-F238E27FC236}">
+                <a16:creationId xmlns:a16="http://schemas.microsoft.com/office/drawing/2014/main" id="{C1C89ED1-71B8-4213-9838-D1F5A3029D14}"/>
+              </a:ext>
+            </a:extLst>
+          </p:cNvPr>
+          <p:cNvSpPr>
+            <a:spLocks noGrp="1"/>
+          </p:cNvSpPr>
+          <p:nvPr>
+            <p:ph idx="1"/>
+          </p:nvPr>
+        </p:nvSpPr>
+        <p:spPr/>
+        <p:txBody>
+          <a:bodyPr/>
+          <a:lstStyle/>
+          <a:p>
+            <a:r>
+              <a:rPr lang="fr-FR" dirty="0"/>
+              <a:t>Les différentes configuration sont conservées dans différents fichiers dans un répertoire dédié à la base du site.</a:t>
+            </a:r>
+          </a:p>
+          <a:p>
+            <a:r>
+              <a:rPr lang="fr-FR" dirty="0"/>
+              <a:t>On y trouve les fichiers suivants:</a:t>
+            </a:r>
+          </a:p>
+          <a:p>
+            <a:pPr lvl="1"/>
+            <a:r>
+              <a:rPr lang="fr-FR" dirty="0" err="1"/>
+              <a:t>Default.json</a:t>
+            </a:r>
+            <a:r>
+              <a:rPr lang="fr-FR" dirty="0"/>
+              <a:t>,</a:t>
+            </a:r>
+          </a:p>
+          <a:p>
+            <a:pPr lvl="1"/>
+            <a:r>
+              <a:rPr lang="fr-FR" dirty="0" err="1"/>
+              <a:t>Development.json</a:t>
+            </a:r>
+            <a:endParaRPr lang="fr-FR" dirty="0"/>
+          </a:p>
+          <a:p>
+            <a:pPr lvl="1"/>
+            <a:r>
+              <a:rPr lang="fr-FR" dirty="0" err="1"/>
+              <a:t>Production.json</a:t>
+            </a:r>
+            <a:endParaRPr lang="fr-FR" dirty="0"/>
+          </a:p>
+          <a:p>
+            <a:r>
+              <a:rPr lang="fr-FR" dirty="0"/>
+              <a:t>Chaque composant est responsable de la lecture de sa configuration. Il utilise une variable d’environnement pour savoir quelle configuration doit être lue Ex : NODE_ENV=production</a:t>
+            </a:r>
+          </a:p>
+        </p:txBody>
+      </p:sp>
+    </p:spTree>
+    <p:extLst>
+      <p:ext uri="{BB962C8B-B14F-4D97-AF65-F5344CB8AC3E}">
+        <p14:creationId xmlns:p14="http://schemas.microsoft.com/office/powerpoint/2010/main" val="2364919708"/>
+      </p:ext>
+    </p:extLst>
+  </p:cSld>
+  <p:clrMapOvr>
+    <a:masterClrMapping/>
+  </p:clrMapOvr>
+</p:sld>
+</file>
+
+<file path=ppt/slides/slide17.xml><?xml version="1.0" encoding="utf-8"?>
+<p:sld xmlns:a="http://schemas.openxmlformats.org/drawingml/2006/main" xmlns:r="http://schemas.openxmlformats.org/officeDocument/2006/relationships" xmlns:p="http://schemas.openxmlformats.org/presentationml/2006/main">
+  <p:cSld>
+    <p:spTree>
+      <p:nvGrpSpPr>
+        <p:cNvPr id="1" name=""/>
+        <p:cNvGrpSpPr/>
+        <p:nvPr/>
+      </p:nvGrpSpPr>
+      <p:grpSpPr>
+        <a:xfrm>
+          <a:off x="0" y="0"/>
+          <a:ext cx="0" cy="0"/>
+          <a:chOff x="0" y="0"/>
+          <a:chExt cx="0" cy="0"/>
+        </a:xfrm>
+      </p:grpSpPr>
+      <p:sp>
+        <p:nvSpPr>
+          <p:cNvPr id="2" name="Title 1">
+            <a:extLst>
+              <a:ext uri="{FF2B5EF4-FFF2-40B4-BE49-F238E27FC236}">
+                <a16:creationId xmlns:a16="http://schemas.microsoft.com/office/drawing/2014/main" id="{D752930B-409A-401C-8050-7B9CF0525D77}"/>
+              </a:ext>
+            </a:extLst>
+          </p:cNvPr>
+          <p:cNvSpPr>
+            <a:spLocks noGrp="1"/>
+          </p:cNvSpPr>
+          <p:nvPr>
+            <p:ph type="title"/>
+          </p:nvPr>
+        </p:nvSpPr>
+        <p:spPr/>
+        <p:txBody>
+          <a:bodyPr/>
+          <a:lstStyle/>
+          <a:p>
+            <a:r>
+              <a:rPr lang="fr-FR" dirty="0"/>
+              <a:t>Gestion des </a:t>
+            </a:r>
+            <a:r>
+              <a:rPr lang="fr-FR" dirty="0" err="1"/>
+              <a:t>metriques</a:t>
+            </a:r>
+            <a:endParaRPr lang="fr-FR" dirty="0"/>
+          </a:p>
+        </p:txBody>
+      </p:sp>
+      <p:sp>
+        <p:nvSpPr>
+          <p:cNvPr id="3" name="Content Placeholder 2">
+            <a:extLst>
+              <a:ext uri="{FF2B5EF4-FFF2-40B4-BE49-F238E27FC236}">
+                <a16:creationId xmlns:a16="http://schemas.microsoft.com/office/drawing/2014/main" id="{FEB39F09-27CF-4055-B954-3279A4618534}"/>
+              </a:ext>
+            </a:extLst>
+          </p:cNvPr>
+          <p:cNvSpPr>
+            <a:spLocks noGrp="1"/>
+          </p:cNvSpPr>
+          <p:nvPr>
+            <p:ph idx="1"/>
+          </p:nvPr>
+        </p:nvSpPr>
+        <p:spPr/>
+        <p:txBody>
+          <a:bodyPr/>
+          <a:lstStyle/>
+          <a:p>
+            <a:r>
+              <a:rPr lang="fr-FR" dirty="0"/>
+              <a:t>Utiliser : </a:t>
+            </a:r>
+            <a:r>
+              <a:rPr lang="fr-FR" dirty="0" err="1"/>
+              <a:t>prometheus</a:t>
+            </a:r>
+            <a:endParaRPr lang="fr-FR" dirty="0"/>
+          </a:p>
+        </p:txBody>
+      </p:sp>
+    </p:spTree>
+    <p:extLst>
+      <p:ext uri="{BB962C8B-B14F-4D97-AF65-F5344CB8AC3E}">
+        <p14:creationId xmlns:p14="http://schemas.microsoft.com/office/powerpoint/2010/main" val="140604490"/>
+      </p:ext>
+    </p:extLst>
+  </p:cSld>
+  <p:clrMapOvr>
+    <a:masterClrMapping/>
+  </p:clrMapOvr>
+</p:sld>
+</file>
+
+<file path=ppt/slides/slide18.xml><?xml version="1.0" encoding="utf-8"?>
+<p:sld xmlns:a="http://schemas.openxmlformats.org/drawingml/2006/main" xmlns:r="http://schemas.openxmlformats.org/officeDocument/2006/relationships" xmlns:p="http://schemas.openxmlformats.org/presentationml/2006/main">
+  <p:cSld>
+    <p:spTree>
+      <p:nvGrpSpPr>
+        <p:cNvPr id="1" name=""/>
+        <p:cNvGrpSpPr/>
+        <p:nvPr/>
+      </p:nvGrpSpPr>
+      <p:grpSpPr>
+        <a:xfrm>
+          <a:off x="0" y="0"/>
+          <a:ext cx="0" cy="0"/>
+          <a:chOff x="0" y="0"/>
+          <a:chExt cx="0" cy="0"/>
+        </a:xfrm>
+      </p:grpSpPr>
+      <p:sp>
+        <p:nvSpPr>
+          <p:cNvPr id="2" name="Title 1">
+            <a:extLst>
+              <a:ext uri="{FF2B5EF4-FFF2-40B4-BE49-F238E27FC236}">
+                <a16:creationId xmlns:a16="http://schemas.microsoft.com/office/drawing/2014/main" id="{227D7007-10EB-4885-956C-00A00EBE0320}"/>
+              </a:ext>
+            </a:extLst>
+          </p:cNvPr>
+          <p:cNvSpPr>
+            <a:spLocks noGrp="1"/>
+          </p:cNvSpPr>
+          <p:nvPr>
+            <p:ph type="title"/>
+          </p:nvPr>
+        </p:nvSpPr>
+        <p:spPr/>
+        <p:txBody>
+          <a:bodyPr/>
+          <a:lstStyle/>
+          <a:p>
+            <a:r>
+              <a:rPr lang="fr-FR" dirty="0"/>
+              <a:t>Documentation des APIs</a:t>
+            </a:r>
+          </a:p>
+        </p:txBody>
+      </p:sp>
+      <p:sp>
+        <p:nvSpPr>
+          <p:cNvPr id="3" name="Content Placeholder 2">
+            <a:extLst>
+              <a:ext uri="{FF2B5EF4-FFF2-40B4-BE49-F238E27FC236}">
+                <a16:creationId xmlns:a16="http://schemas.microsoft.com/office/drawing/2014/main" id="{06F53830-38D6-4B4D-B974-CE053C413D15}"/>
+              </a:ext>
+            </a:extLst>
+          </p:cNvPr>
+          <p:cNvSpPr>
+            <a:spLocks noGrp="1"/>
+          </p:cNvSpPr>
+          <p:nvPr>
+            <p:ph idx="1"/>
+          </p:nvPr>
+        </p:nvSpPr>
+        <p:spPr/>
+        <p:txBody>
+          <a:bodyPr/>
+          <a:lstStyle/>
+          <a:p>
+            <a:r>
+              <a:rPr lang="fr-FR" dirty="0"/>
+              <a:t>Chaque composant embarque sa définition.</a:t>
+            </a:r>
+          </a:p>
+          <a:p>
+            <a:r>
+              <a:rPr lang="fr-FR" dirty="0"/>
+              <a:t>Elle repose sur la spécification « </a:t>
+            </a:r>
+            <a:r>
+              <a:rPr lang="fr-FR" dirty="0" err="1"/>
+              <a:t>OpenAPI</a:t>
+            </a:r>
+            <a:r>
+              <a:rPr lang="fr-FR" dirty="0"/>
+              <a:t> </a:t>
+            </a:r>
+            <a:r>
+              <a:rPr lang="fr-FR" dirty="0" err="1"/>
+              <a:t>Specification</a:t>
+            </a:r>
+            <a:r>
+              <a:rPr lang="fr-FR" dirty="0"/>
+              <a:t> ».</a:t>
+            </a:r>
+          </a:p>
+          <a:p>
+            <a:endParaRPr lang="fr-FR" dirty="0"/>
+          </a:p>
+        </p:txBody>
+      </p:sp>
+    </p:spTree>
+    <p:extLst>
+      <p:ext uri="{BB962C8B-B14F-4D97-AF65-F5344CB8AC3E}">
+        <p14:creationId xmlns:p14="http://schemas.microsoft.com/office/powerpoint/2010/main" val="2240961970"/>
+      </p:ext>
+    </p:extLst>
+  </p:cSld>
+  <p:clrMapOvr>
+    <a:masterClrMapping/>
+  </p:clrMapOvr>
+</p:sld>
+</file>
+
+<file path=ppt/slides/slide19.xml><?xml version="1.0" encoding="utf-8"?>
 <p:sld xmlns:a="http://schemas.openxmlformats.org/drawingml/2006/main" xmlns:r="http://schemas.openxmlformats.org/officeDocument/2006/relationships" xmlns:p="http://schemas.openxmlformats.org/presentationml/2006/main">
   <p:cSld>
     <p:spTree>
@@ -8745,449 +11508,6 @@
     <p:extLst>
       <p:ext uri="{BB962C8B-B14F-4D97-AF65-F5344CB8AC3E}">
         <p14:creationId xmlns:p14="http://schemas.microsoft.com/office/powerpoint/2010/main" val="2613020630"/>
-      </p:ext>
-    </p:extLst>
-  </p:cSld>
-  <p:clrMapOvr>
-    <a:masterClrMapping/>
-  </p:clrMapOvr>
-</p:sld>
-</file>
-
-<file path=ppt/slides/slide14.xml><?xml version="1.0" encoding="utf-8"?>
-<p:sld xmlns:a="http://schemas.openxmlformats.org/drawingml/2006/main" xmlns:r="http://schemas.openxmlformats.org/officeDocument/2006/relationships" xmlns:p="http://schemas.openxmlformats.org/presentationml/2006/main">
-  <p:cSld>
-    <p:spTree>
-      <p:nvGrpSpPr>
-        <p:cNvPr id="1" name=""/>
-        <p:cNvGrpSpPr/>
-        <p:nvPr/>
-      </p:nvGrpSpPr>
-      <p:grpSpPr>
-        <a:xfrm>
-          <a:off x="0" y="0"/>
-          <a:ext cx="0" cy="0"/>
-          <a:chOff x="0" y="0"/>
-          <a:chExt cx="0" cy="0"/>
-        </a:xfrm>
-      </p:grpSpPr>
-      <p:sp>
-        <p:nvSpPr>
-          <p:cNvPr id="2" name="Title 1">
-            <a:extLst>
-              <a:ext uri="{FF2B5EF4-FFF2-40B4-BE49-F238E27FC236}">
-                <a16:creationId xmlns:a16="http://schemas.microsoft.com/office/drawing/2014/main" id="{B3FF5F98-B107-4AB6-A283-7A4CE1DF709A}"/>
-              </a:ext>
-            </a:extLst>
-          </p:cNvPr>
-          <p:cNvSpPr>
-            <a:spLocks noGrp="1"/>
-          </p:cNvSpPr>
-          <p:nvPr>
-            <p:ph type="title"/>
-          </p:nvPr>
-        </p:nvSpPr>
-        <p:spPr/>
-        <p:txBody>
-          <a:bodyPr/>
-          <a:lstStyle/>
-          <a:p>
-            <a:r>
-              <a:rPr lang="fr-FR" dirty="0"/>
-              <a:t>Dynamique du système:</a:t>
-            </a:r>
-          </a:p>
-        </p:txBody>
-      </p:sp>
-      <p:sp>
-        <p:nvSpPr>
-          <p:cNvPr id="3" name="Content Placeholder 2">
-            <a:extLst>
-              <a:ext uri="{FF2B5EF4-FFF2-40B4-BE49-F238E27FC236}">
-                <a16:creationId xmlns:a16="http://schemas.microsoft.com/office/drawing/2014/main" id="{14A0F887-D375-4E99-BB5F-3FE31862BEE6}"/>
-              </a:ext>
-            </a:extLst>
-          </p:cNvPr>
-          <p:cNvSpPr>
-            <a:spLocks noGrp="1"/>
-          </p:cNvSpPr>
-          <p:nvPr>
-            <p:ph idx="1"/>
-          </p:nvPr>
-        </p:nvSpPr>
-        <p:spPr>
-          <a:xfrm>
-            <a:off x="838200" y="1814739"/>
-            <a:ext cx="10515600" cy="4351338"/>
-          </a:xfrm>
-        </p:spPr>
-        <p:txBody>
-          <a:bodyPr>
-            <a:normAutofit fontScale="85000" lnSpcReduction="10000"/>
-          </a:bodyPr>
-          <a:lstStyle/>
-          <a:p>
-            <a:r>
-              <a:rPr lang="fr-FR" dirty="0"/>
-              <a:t>Démarrage:</a:t>
-            </a:r>
-          </a:p>
-          <a:p>
-            <a:pPr lvl="1"/>
-            <a:r>
-              <a:rPr lang="fr-FR" dirty="0"/>
-              <a:t>Les composants sont instanciés.</a:t>
-            </a:r>
-          </a:p>
-          <a:p>
-            <a:pPr lvl="1"/>
-            <a:r>
-              <a:rPr lang="fr-FR" dirty="0"/>
-              <a:t>Les composants attendent l’annonce des annuaires pour se faire connaitre.</a:t>
-            </a:r>
-          </a:p>
-          <a:p>
-            <a:pPr lvl="1"/>
-            <a:r>
-              <a:rPr lang="fr-FR" dirty="0"/>
-              <a:t>Les composants s’enregistrent dans les annuaires.</a:t>
-            </a:r>
-          </a:p>
-          <a:p>
-            <a:pPr lvl="1"/>
-            <a:r>
-              <a:rPr lang="fr-FR" dirty="0"/>
-              <a:t>L’annuaire interroge périodiquement chaque composant pour évaluer son état de santé</a:t>
-            </a:r>
-          </a:p>
-          <a:p>
-            <a:endParaRPr lang="fr-FR" dirty="0"/>
-          </a:p>
-          <a:p>
-            <a:r>
-              <a:rPr lang="fr-FR" dirty="0"/>
-              <a:t>Régime de croisière:</a:t>
-            </a:r>
-          </a:p>
-          <a:p>
-            <a:pPr lvl="1"/>
-            <a:r>
-              <a:rPr lang="fr-FR" dirty="0"/>
-              <a:t>Un client formule une requête (Utilisation d’une Url générique - </a:t>
-            </a:r>
-            <a:r>
-              <a:rPr lang="fr-FR" dirty="0">
-                <a:hlinkClick r:id="rId2"/>
-              </a:rPr>
-              <a:t>http://</a:t>
-            </a:r>
-            <a:r>
-              <a:rPr lang="fr-FR" dirty="0">
-                <a:hlinkClick r:id="rId2"/>
-              </a:rPr>
-              <a:t>158.50.163.7</a:t>
-            </a:r>
-            <a:r>
-              <a:rPr lang="fr-FR" dirty="0">
-                <a:hlinkClick r:id="rId2"/>
-              </a:rPr>
-              <a:t>:8080/afpforum</a:t>
-            </a:r>
-            <a:r>
-              <a:rPr lang="fr-FR" dirty="0"/>
-              <a:t>).</a:t>
-            </a:r>
-          </a:p>
-          <a:p>
-            <a:pPr lvl="1"/>
-            <a:r>
-              <a:rPr lang="fr-FR" dirty="0"/>
-              <a:t>La requête est routée par le sas d’entrée de l’entreprise vers l’API Manager.</a:t>
-            </a:r>
-          </a:p>
-          <a:p>
-            <a:pPr lvl="1"/>
-            <a:r>
-              <a:rPr lang="fr-FR" dirty="0"/>
-              <a:t>L’API manager demande à un annuaire quel composant peut répondre à la requête.</a:t>
-            </a:r>
-          </a:p>
-          <a:p>
-            <a:pPr lvl="1"/>
-            <a:r>
-              <a:rPr lang="fr-FR" dirty="0"/>
-              <a:t>L’annuaire retourne l’Url interne du composant.</a:t>
-            </a:r>
-          </a:p>
-          <a:p>
-            <a:pPr lvl="1"/>
-            <a:r>
-              <a:rPr lang="fr-FR" dirty="0"/>
-              <a:t>L’API manager enrichie puis route la requête vers le composant puis retourne la réponse.</a:t>
-            </a:r>
-          </a:p>
-          <a:p>
-            <a:endParaRPr lang="fr-FR" dirty="0"/>
-          </a:p>
-          <a:p>
-            <a:endParaRPr lang="fr-FR" dirty="0"/>
-          </a:p>
-        </p:txBody>
-      </p:sp>
-    </p:spTree>
-    <p:extLst>
-      <p:ext uri="{BB962C8B-B14F-4D97-AF65-F5344CB8AC3E}">
-        <p14:creationId xmlns:p14="http://schemas.microsoft.com/office/powerpoint/2010/main" val="3000001624"/>
-      </p:ext>
-    </p:extLst>
-  </p:cSld>
-  <p:clrMapOvr>
-    <a:masterClrMapping/>
-  </p:clrMapOvr>
-</p:sld>
-</file>
-
-<file path=ppt/slides/slide15.xml><?xml version="1.0" encoding="utf-8"?>
-<p:sld xmlns:a="http://schemas.openxmlformats.org/drawingml/2006/main" xmlns:r="http://schemas.openxmlformats.org/officeDocument/2006/relationships" xmlns:p="http://schemas.openxmlformats.org/presentationml/2006/main">
-  <p:cSld>
-    <p:spTree>
-      <p:nvGrpSpPr>
-        <p:cNvPr id="1" name=""/>
-        <p:cNvGrpSpPr/>
-        <p:nvPr/>
-      </p:nvGrpSpPr>
-      <p:grpSpPr>
-        <a:xfrm>
-          <a:off x="0" y="0"/>
-          <a:ext cx="0" cy="0"/>
-          <a:chOff x="0" y="0"/>
-          <a:chExt cx="0" cy="0"/>
-        </a:xfrm>
-      </p:grpSpPr>
-      <p:sp>
-        <p:nvSpPr>
-          <p:cNvPr id="2" name="Title 1">
-            <a:extLst>
-              <a:ext uri="{FF2B5EF4-FFF2-40B4-BE49-F238E27FC236}">
-                <a16:creationId xmlns:a16="http://schemas.microsoft.com/office/drawing/2014/main" id="{185CD936-43C2-4077-8A67-CCCD4FC466EC}"/>
-              </a:ext>
-            </a:extLst>
-          </p:cNvPr>
-          <p:cNvSpPr>
-            <a:spLocks noGrp="1"/>
-          </p:cNvSpPr>
-          <p:nvPr>
-            <p:ph type="title"/>
-          </p:nvPr>
-        </p:nvSpPr>
-        <p:spPr/>
-        <p:txBody>
-          <a:bodyPr/>
-          <a:lstStyle/>
-          <a:p>
-            <a:endParaRPr lang="fr-FR" dirty="0"/>
-          </a:p>
-        </p:txBody>
-      </p:sp>
-      <p:sp>
-        <p:nvSpPr>
-          <p:cNvPr id="3" name="Content Placeholder 2">
-            <a:extLst>
-              <a:ext uri="{FF2B5EF4-FFF2-40B4-BE49-F238E27FC236}">
-                <a16:creationId xmlns:a16="http://schemas.microsoft.com/office/drawing/2014/main" id="{4ED06865-4239-454A-B954-78FAE931139E}"/>
-              </a:ext>
-            </a:extLst>
-          </p:cNvPr>
-          <p:cNvSpPr>
-            <a:spLocks noGrp="1"/>
-          </p:cNvSpPr>
-          <p:nvPr>
-            <p:ph idx="1"/>
-          </p:nvPr>
-        </p:nvSpPr>
-        <p:spPr>
-          <a:xfrm>
-            <a:off x="326571" y="1825625"/>
-            <a:ext cx="11506199" cy="4351338"/>
-          </a:xfrm>
-        </p:spPr>
-        <p:txBody>
-          <a:bodyPr>
-            <a:normAutofit fontScale="92500" lnSpcReduction="10000"/>
-          </a:bodyPr>
-          <a:lstStyle/>
-          <a:p>
-            <a:r>
-              <a:rPr lang="fr-FR" sz="2400" dirty="0">
-                <a:hlinkClick r:id="rId2"/>
-              </a:rPr>
-              <a:t>Url vues depuis l’internet:</a:t>
-            </a:r>
-          </a:p>
-          <a:p>
-            <a:pPr lvl="1"/>
-            <a:r>
-              <a:rPr lang="fr-FR" sz="2000" dirty="0">
-                <a:hlinkClick r:id="rId2"/>
-              </a:rPr>
-              <a:t>http://localhost:8080/afpforum/api/user/login</a:t>
-            </a:r>
-            <a:endParaRPr lang="fr-FR" sz="2000" dirty="0"/>
-          </a:p>
-          <a:p>
-            <a:pPr lvl="1"/>
-            <a:r>
-              <a:rPr lang="fr-FR" sz="2000" dirty="0">
-                <a:hlinkClick r:id="rId3"/>
-              </a:rPr>
-              <a:t>http://localhost:8080/afpforum/api/events?lang=en</a:t>
-            </a:r>
-            <a:endParaRPr lang="fr-FR" sz="2000" dirty="0"/>
-          </a:p>
-          <a:p>
-            <a:pPr lvl="1"/>
-            <a:r>
-              <a:rPr lang="fr-FR" sz="2000" dirty="0">
-                <a:hlinkClick r:id="rId4"/>
-              </a:rPr>
-              <a:t>http://localhost:8080/afpforum/api/events/events-by-sequence/CUY01,CKJ50?lang=fr</a:t>
-            </a:r>
-            <a:endParaRPr lang="fr-FR" sz="2000" dirty="0"/>
-          </a:p>
-          <a:p>
-            <a:endParaRPr lang="fr-FR" sz="2400" dirty="0"/>
-          </a:p>
-          <a:p>
-            <a:r>
-              <a:rPr lang="fr-FR" sz="2400" dirty="0"/>
-              <a:t>Url utilisées sur l’intranet:</a:t>
-            </a:r>
-          </a:p>
-          <a:p>
-            <a:pPr lvl="1"/>
-            <a:r>
-              <a:rPr lang="fr-FR" sz="1900" dirty="0">
-                <a:hlinkClick r:id="rId5"/>
-              </a:rPr>
-              <a:t>http://localhost:3000/api/user/login</a:t>
-            </a:r>
-            <a:endParaRPr lang="fr-FR" sz="1900" dirty="0"/>
-          </a:p>
-          <a:p>
-            <a:pPr lvl="1"/>
-            <a:r>
-              <a:rPr lang="fr-FR" sz="1900" dirty="0">
-                <a:hlinkClick r:id="rId6"/>
-              </a:rPr>
-              <a:t>http://localhost:64925/api/events?lang=en</a:t>
-            </a:r>
-            <a:endParaRPr lang="fr-FR" sz="1900" dirty="0"/>
-          </a:p>
-          <a:p>
-            <a:pPr lvl="1"/>
-            <a:r>
-              <a:rPr lang="fr-FR" sz="2000" dirty="0">
-                <a:hlinkClick r:id="rId7"/>
-              </a:rPr>
-              <a:t>http://localhost:3001/api/events/events-by-sequence/CUY01,CKJ50?lang=fr</a:t>
-            </a:r>
-            <a:endParaRPr lang="fr-FR" sz="2000" dirty="0"/>
-          </a:p>
-          <a:p>
-            <a:pPr lvl="2"/>
-            <a:r>
-              <a:rPr lang="fr-FR" sz="1000" dirty="0"/>
-              <a:t>[{"sequenceId":"CUY01","title":"Sanctions force </a:t>
-            </a:r>
-            <a:r>
-              <a:rPr lang="fr-FR" sz="1000" dirty="0" err="1"/>
-              <a:t>unified</a:t>
-            </a:r>
-            <a:r>
-              <a:rPr lang="fr-FR" sz="1000" dirty="0"/>
-              <a:t> </a:t>
-            </a:r>
-            <a:r>
-              <a:rPr lang="fr-FR" sz="1000" dirty="0" err="1"/>
-              <a:t>Korea</a:t>
-            </a:r>
-            <a:r>
-              <a:rPr lang="fr-FR" sz="1000" dirty="0"/>
-              <a:t> teams to go no-brand at </a:t>
-            </a:r>
-            <a:r>
-              <a:rPr lang="fr-FR" sz="1000" dirty="0" err="1"/>
-              <a:t>Asiad</a:t>
-            </a:r>
-            <a:r>
-              <a:rPr lang="fr-FR" sz="1000" dirty="0"/>
-              <a:t>","</a:t>
-            </a:r>
-            <a:r>
-              <a:rPr lang="fr-FR" sz="1000" dirty="0" err="1"/>
-              <a:t>important":false</a:t>
-            </a:r>
-            <a:r>
-              <a:rPr lang="fr-FR" sz="1000" dirty="0"/>
-              <a:t>},</a:t>
-            </a:r>
-          </a:p>
-          <a:p>
-            <a:pPr lvl="2"/>
-            <a:r>
-              <a:rPr lang="fr-FR" sz="1000" dirty="0"/>
-              <a:t>{"sequenceId":"CKJ50","title":"IAAF Diamond </a:t>
-            </a:r>
-            <a:r>
-              <a:rPr lang="fr-FR" sz="1000" dirty="0" err="1"/>
-              <a:t>League","important":false</a:t>
-            </a:r>
-            <a:r>
-              <a:rPr lang="fr-FR" sz="1000" dirty="0"/>
-              <a:t>}]</a:t>
-            </a:r>
-          </a:p>
-          <a:p>
-            <a:pPr lvl="2"/>
-            <a:endParaRPr lang="fr-FR" sz="1000" dirty="0"/>
-          </a:p>
-          <a:p>
-            <a:pPr lvl="1"/>
-            <a:r>
-              <a:rPr lang="fr-FR" sz="2000" dirty="0">
-                <a:hlinkClick r:id="rId8"/>
-              </a:rPr>
-              <a:t>http://localhost:5555/registry/list</a:t>
-            </a:r>
-            <a:endParaRPr lang="fr-FR" sz="2000" dirty="0"/>
-          </a:p>
-          <a:p>
-            <a:pPr lvl="2"/>
-            <a:r>
-              <a:rPr lang="fr-FR" sz="1000" dirty="0"/>
-              <a:t>[{"type":"1","url":"http://158..:3001","host":"158…","port":"3001","pathname":"/api/events","status":true,"cptr":5},</a:t>
-            </a:r>
-          </a:p>
-          <a:p>
-            <a:pPr lvl="2"/>
-            <a:r>
-              <a:rPr lang="fr-FR" sz="1000" dirty="0"/>
-              <a:t>{"type":"2","url":"http://158...:3002","host":"158...","port":"3002","pathname":"/api/selections","status":true,"cptr":5},</a:t>
-            </a:r>
-          </a:p>
-          <a:p>
-            <a:pPr lvl="2"/>
-            <a:r>
-              <a:rPr lang="fr-FR" sz="1000" dirty="0"/>
-              <a:t>{"type":"3","url":"http://158...:3000","host":"158...","port":"3000","pathname":"/api/user","status":true,"cptr":5}]</a:t>
-            </a:r>
-          </a:p>
-        </p:txBody>
-      </p:sp>
-    </p:spTree>
-    <p:extLst>
-      <p:ext uri="{BB962C8B-B14F-4D97-AF65-F5344CB8AC3E}">
-        <p14:creationId xmlns:p14="http://schemas.microsoft.com/office/powerpoint/2010/main" val="758375645"/>
       </p:ext>
     </p:extLst>
   </p:cSld>
@@ -9304,6 +11624,665 @@
     <p:extLst>
       <p:ext uri="{BB962C8B-B14F-4D97-AF65-F5344CB8AC3E}">
         <p14:creationId xmlns:p14="http://schemas.microsoft.com/office/powerpoint/2010/main" val="3228703209"/>
+      </p:ext>
+    </p:extLst>
+  </p:cSld>
+  <p:clrMapOvr>
+    <a:masterClrMapping/>
+  </p:clrMapOvr>
+</p:sld>
+</file>
+
+<file path=ppt/slides/slide20.xml><?xml version="1.0" encoding="utf-8"?>
+<p:sld xmlns:a="http://schemas.openxmlformats.org/drawingml/2006/main" xmlns:r="http://schemas.openxmlformats.org/officeDocument/2006/relationships" xmlns:p="http://schemas.openxmlformats.org/presentationml/2006/main">
+  <p:cSld>
+    <p:spTree>
+      <p:nvGrpSpPr>
+        <p:cNvPr id="1" name=""/>
+        <p:cNvGrpSpPr/>
+        <p:nvPr/>
+      </p:nvGrpSpPr>
+      <p:grpSpPr>
+        <a:xfrm>
+          <a:off x="0" y="0"/>
+          <a:ext cx="0" cy="0"/>
+          <a:chOff x="0" y="0"/>
+          <a:chExt cx="0" cy="0"/>
+        </a:xfrm>
+      </p:grpSpPr>
+      <p:sp>
+        <p:nvSpPr>
+          <p:cNvPr id="2" name="Title 1">
+            <a:extLst>
+              <a:ext uri="{FF2B5EF4-FFF2-40B4-BE49-F238E27FC236}">
+                <a16:creationId xmlns:a16="http://schemas.microsoft.com/office/drawing/2014/main" id="{B3FF5F98-B107-4AB6-A283-7A4CE1DF709A}"/>
+              </a:ext>
+            </a:extLst>
+          </p:cNvPr>
+          <p:cNvSpPr>
+            <a:spLocks noGrp="1"/>
+          </p:cNvSpPr>
+          <p:nvPr>
+            <p:ph type="title"/>
+          </p:nvPr>
+        </p:nvSpPr>
+        <p:spPr/>
+        <p:txBody>
+          <a:bodyPr/>
+          <a:lstStyle/>
+          <a:p>
+            <a:r>
+              <a:rPr lang="fr-FR" dirty="0"/>
+              <a:t>Dynamique du système:</a:t>
+            </a:r>
+          </a:p>
+        </p:txBody>
+      </p:sp>
+      <p:sp>
+        <p:nvSpPr>
+          <p:cNvPr id="3" name="Content Placeholder 2">
+            <a:extLst>
+              <a:ext uri="{FF2B5EF4-FFF2-40B4-BE49-F238E27FC236}">
+                <a16:creationId xmlns:a16="http://schemas.microsoft.com/office/drawing/2014/main" id="{14A0F887-D375-4E99-BB5F-3FE31862BEE6}"/>
+              </a:ext>
+            </a:extLst>
+          </p:cNvPr>
+          <p:cNvSpPr>
+            <a:spLocks noGrp="1"/>
+          </p:cNvSpPr>
+          <p:nvPr>
+            <p:ph idx="1"/>
+          </p:nvPr>
+        </p:nvSpPr>
+        <p:spPr>
+          <a:xfrm>
+            <a:off x="838200" y="1814739"/>
+            <a:ext cx="10515600" cy="4351338"/>
+          </a:xfrm>
+        </p:spPr>
+        <p:txBody>
+          <a:bodyPr>
+            <a:normAutofit fontScale="85000" lnSpcReduction="20000"/>
+          </a:bodyPr>
+          <a:lstStyle/>
+          <a:p>
+            <a:r>
+              <a:rPr lang="fr-FR" dirty="0"/>
+              <a:t>Démarrage:</a:t>
+            </a:r>
+          </a:p>
+          <a:p>
+            <a:pPr lvl="1"/>
+            <a:r>
+              <a:rPr lang="fr-FR" dirty="0"/>
+              <a:t>Les composants sont instanciés.</a:t>
+            </a:r>
+          </a:p>
+          <a:p>
+            <a:pPr lvl="1"/>
+            <a:r>
+              <a:rPr lang="fr-FR" dirty="0"/>
+              <a:t>Les composants attendent l’annonce des annuaires pour se faire connaitre.</a:t>
+            </a:r>
+          </a:p>
+          <a:p>
+            <a:pPr lvl="1"/>
+            <a:r>
+              <a:rPr lang="fr-FR" dirty="0"/>
+              <a:t>Les composants s’enregistrent dans les annuaires.</a:t>
+            </a:r>
+          </a:p>
+          <a:p>
+            <a:pPr lvl="1"/>
+            <a:r>
+              <a:rPr lang="fr-FR" dirty="0"/>
+              <a:t>L’annuaire interroge périodiquement chaque composant pour évaluer son état de santé (utilisation de l’API </a:t>
+            </a:r>
+            <a:r>
+              <a:rPr lang="fr-FR" dirty="0" err="1"/>
+              <a:t>Health</a:t>
+            </a:r>
+            <a:r>
+              <a:rPr lang="fr-FR" dirty="0"/>
+              <a:t>)</a:t>
+            </a:r>
+          </a:p>
+          <a:p>
+            <a:endParaRPr lang="fr-FR" dirty="0"/>
+          </a:p>
+          <a:p>
+            <a:r>
+              <a:rPr lang="fr-FR" dirty="0"/>
+              <a:t>Régime de croisière:</a:t>
+            </a:r>
+          </a:p>
+          <a:p>
+            <a:pPr lvl="1"/>
+            <a:r>
+              <a:rPr lang="fr-FR" dirty="0"/>
+              <a:t>Un client formule une requête (Utilisation d’une Url générique - </a:t>
+            </a:r>
+            <a:r>
+              <a:rPr lang="fr-FR" dirty="0">
+                <a:hlinkClick r:id="rId2"/>
+              </a:rPr>
+              <a:t>http://158.50.163.7:8080/afpforum</a:t>
+            </a:r>
+            <a:r>
+              <a:rPr lang="fr-FR" dirty="0"/>
+              <a:t>).</a:t>
+            </a:r>
+          </a:p>
+          <a:p>
+            <a:pPr lvl="1"/>
+            <a:r>
+              <a:rPr lang="fr-FR" dirty="0"/>
+              <a:t>La requête est routée par le sas d’entrée de l’entreprise (Boitier F5 ou serveur NGNIX) vers l’API Manager.</a:t>
+            </a:r>
+          </a:p>
+          <a:p>
+            <a:pPr lvl="1"/>
+            <a:r>
+              <a:rPr lang="fr-FR" dirty="0"/>
+              <a:t>L’API manager demande à un annuaire quel composant peut répondre à la requête.</a:t>
+            </a:r>
+          </a:p>
+          <a:p>
+            <a:pPr lvl="1"/>
+            <a:r>
+              <a:rPr lang="fr-FR" dirty="0"/>
+              <a:t>L’annuaire retourne l’Url interne du composant.</a:t>
+            </a:r>
+          </a:p>
+          <a:p>
+            <a:pPr lvl="1"/>
+            <a:r>
+              <a:rPr lang="fr-FR" dirty="0"/>
+              <a:t>L’API manager enrichie puis route la requête vers le composant puis retourne la réponse.</a:t>
+            </a:r>
+          </a:p>
+          <a:p>
+            <a:endParaRPr lang="fr-FR" dirty="0"/>
+          </a:p>
+          <a:p>
+            <a:endParaRPr lang="fr-FR" dirty="0"/>
+          </a:p>
+        </p:txBody>
+      </p:sp>
+    </p:spTree>
+    <p:extLst>
+      <p:ext uri="{BB962C8B-B14F-4D97-AF65-F5344CB8AC3E}">
+        <p14:creationId xmlns:p14="http://schemas.microsoft.com/office/powerpoint/2010/main" val="3000001624"/>
+      </p:ext>
+    </p:extLst>
+  </p:cSld>
+  <p:clrMapOvr>
+    <a:masterClrMapping/>
+  </p:clrMapOvr>
+</p:sld>
+</file>
+
+<file path=ppt/slides/slide21.xml><?xml version="1.0" encoding="utf-8"?>
+<p:sld xmlns:a="http://schemas.openxmlformats.org/drawingml/2006/main" xmlns:r="http://schemas.openxmlformats.org/officeDocument/2006/relationships" xmlns:p="http://schemas.openxmlformats.org/presentationml/2006/main">
+  <p:cSld>
+    <p:spTree>
+      <p:nvGrpSpPr>
+        <p:cNvPr id="1" name=""/>
+        <p:cNvGrpSpPr/>
+        <p:nvPr/>
+      </p:nvGrpSpPr>
+      <p:grpSpPr>
+        <a:xfrm>
+          <a:off x="0" y="0"/>
+          <a:ext cx="0" cy="0"/>
+          <a:chOff x="0" y="0"/>
+          <a:chExt cx="0" cy="0"/>
+        </a:xfrm>
+      </p:grpSpPr>
+      <p:sp>
+        <p:nvSpPr>
+          <p:cNvPr id="2" name="Title 1">
+            <a:extLst>
+              <a:ext uri="{FF2B5EF4-FFF2-40B4-BE49-F238E27FC236}">
+                <a16:creationId xmlns:a16="http://schemas.microsoft.com/office/drawing/2014/main" id="{59718A2B-148A-4561-8968-99C55ED2D5F4}"/>
+              </a:ext>
+            </a:extLst>
+          </p:cNvPr>
+          <p:cNvSpPr>
+            <a:spLocks noGrp="1"/>
+          </p:cNvSpPr>
+          <p:nvPr>
+            <p:ph type="title"/>
+          </p:nvPr>
+        </p:nvSpPr>
+        <p:spPr/>
+        <p:txBody>
+          <a:bodyPr/>
+          <a:lstStyle/>
+          <a:p>
+            <a:r>
+              <a:rPr lang="fr-FR" dirty="0"/>
+              <a:t>Résolution des </a:t>
+            </a:r>
+            <a:r>
+              <a:rPr lang="fr-FR" dirty="0" err="1"/>
+              <a:t>Urls</a:t>
+            </a:r>
+            <a:endParaRPr lang="fr-FR" dirty="0"/>
+          </a:p>
+        </p:txBody>
+      </p:sp>
+      <p:sp>
+        <p:nvSpPr>
+          <p:cNvPr id="3" name="Content Placeholder 2">
+            <a:extLst>
+              <a:ext uri="{FF2B5EF4-FFF2-40B4-BE49-F238E27FC236}">
+                <a16:creationId xmlns:a16="http://schemas.microsoft.com/office/drawing/2014/main" id="{E8C27B19-EAED-4D16-BE68-8036437899D5}"/>
+              </a:ext>
+            </a:extLst>
+          </p:cNvPr>
+          <p:cNvSpPr>
+            <a:spLocks noGrp="1"/>
+          </p:cNvSpPr>
+          <p:nvPr>
+            <p:ph idx="1"/>
+          </p:nvPr>
+        </p:nvSpPr>
+        <p:spPr/>
+        <p:txBody>
+          <a:bodyPr/>
+          <a:lstStyle/>
+          <a:p>
+            <a:r>
+              <a:rPr lang="nb-NO" dirty="0"/>
+              <a:t>Url publique: </a:t>
+            </a:r>
+          </a:p>
+          <a:p>
+            <a:pPr lvl="1"/>
+            <a:r>
+              <a:rPr lang="nb-NO" dirty="0">
+                <a:hlinkClick r:id="rId2"/>
+              </a:rPr>
+              <a:t>http://158.50.210.19:8080/afpforum/api/v1/registry/list</a:t>
+            </a:r>
+            <a:endParaRPr lang="nb-NO" dirty="0"/>
+          </a:p>
+          <a:p>
+            <a:endParaRPr lang="nb-NO" dirty="0"/>
+          </a:p>
+          <a:p>
+            <a:r>
+              <a:rPr lang="nb-NO" dirty="0"/>
+              <a:t>Interroger l’API gateway pour résoudre L’url publique</a:t>
+            </a:r>
+          </a:p>
+          <a:p>
+            <a:pPr lvl="1"/>
+            <a:endParaRPr lang="nb-NO" dirty="0"/>
+          </a:p>
+          <a:p>
+            <a:r>
+              <a:rPr lang="nb-NO" dirty="0"/>
+              <a:t>Url sur le réseau interne: </a:t>
+            </a:r>
+          </a:p>
+          <a:p>
+            <a:pPr lvl="1"/>
+            <a:r>
+              <a:rPr lang="nb-NO" dirty="0">
+                <a:hlinkClick r:id="rId3"/>
+              </a:rPr>
+              <a:t>http://158.50.219.81:XXXXX/api/v1/registry/list</a:t>
+            </a:r>
+            <a:endParaRPr lang="nb-NO" dirty="0"/>
+          </a:p>
+          <a:p>
+            <a:pPr lvl="1"/>
+            <a:endParaRPr lang="fr-FR" dirty="0"/>
+          </a:p>
+        </p:txBody>
+      </p:sp>
+    </p:spTree>
+    <p:extLst>
+      <p:ext uri="{BB962C8B-B14F-4D97-AF65-F5344CB8AC3E}">
+        <p14:creationId xmlns:p14="http://schemas.microsoft.com/office/powerpoint/2010/main" val="3238264371"/>
+      </p:ext>
+    </p:extLst>
+  </p:cSld>
+  <p:clrMapOvr>
+    <a:masterClrMapping/>
+  </p:clrMapOvr>
+</p:sld>
+</file>
+
+<file path=ppt/slides/slide22.xml><?xml version="1.0" encoding="utf-8"?>
+<p:sld xmlns:a="http://schemas.openxmlformats.org/drawingml/2006/main" xmlns:r="http://schemas.openxmlformats.org/officeDocument/2006/relationships" xmlns:p="http://schemas.openxmlformats.org/presentationml/2006/main">
+  <p:cSld>
+    <p:spTree>
+      <p:nvGrpSpPr>
+        <p:cNvPr id="1" name=""/>
+        <p:cNvGrpSpPr/>
+        <p:nvPr/>
+      </p:nvGrpSpPr>
+      <p:grpSpPr>
+        <a:xfrm>
+          <a:off x="0" y="0"/>
+          <a:ext cx="0" cy="0"/>
+          <a:chOff x="0" y="0"/>
+          <a:chExt cx="0" cy="0"/>
+        </a:xfrm>
+      </p:grpSpPr>
+      <p:sp>
+        <p:nvSpPr>
+          <p:cNvPr id="2" name="Title 1">
+            <a:extLst>
+              <a:ext uri="{FF2B5EF4-FFF2-40B4-BE49-F238E27FC236}">
+                <a16:creationId xmlns:a16="http://schemas.microsoft.com/office/drawing/2014/main" id="{C32AD96E-EAB0-492E-A215-54479AF5BD7C}"/>
+              </a:ext>
+            </a:extLst>
+          </p:cNvPr>
+          <p:cNvSpPr>
+            <a:spLocks noGrp="1"/>
+          </p:cNvSpPr>
+          <p:nvPr>
+            <p:ph type="title"/>
+          </p:nvPr>
+        </p:nvSpPr>
+        <p:spPr/>
+        <p:txBody>
+          <a:bodyPr/>
+          <a:lstStyle/>
+          <a:p>
+            <a:r>
+              <a:rPr lang="fr-FR" dirty="0"/>
+              <a:t>Gestion des versions</a:t>
+            </a:r>
+          </a:p>
+        </p:txBody>
+      </p:sp>
+      <p:sp>
+        <p:nvSpPr>
+          <p:cNvPr id="3" name="Content Placeholder 2">
+            <a:extLst>
+              <a:ext uri="{FF2B5EF4-FFF2-40B4-BE49-F238E27FC236}">
+                <a16:creationId xmlns:a16="http://schemas.microsoft.com/office/drawing/2014/main" id="{764710DD-AC6B-43C6-9B44-519BDA2077F2}"/>
+              </a:ext>
+            </a:extLst>
+          </p:cNvPr>
+          <p:cNvSpPr>
+            <a:spLocks noGrp="1"/>
+          </p:cNvSpPr>
+          <p:nvPr>
+            <p:ph idx="1"/>
+          </p:nvPr>
+        </p:nvSpPr>
+        <p:spPr/>
+        <p:txBody>
+          <a:bodyPr/>
+          <a:lstStyle/>
+          <a:p>
+            <a:r>
+              <a:rPr lang="fr-FR" dirty="0"/>
+              <a:t>Chaque API est versionnée:</a:t>
+            </a:r>
+          </a:p>
+        </p:txBody>
+      </p:sp>
+    </p:spTree>
+    <p:extLst>
+      <p:ext uri="{BB962C8B-B14F-4D97-AF65-F5344CB8AC3E}">
+        <p14:creationId xmlns:p14="http://schemas.microsoft.com/office/powerpoint/2010/main" val="2833821615"/>
+      </p:ext>
+    </p:extLst>
+  </p:cSld>
+  <p:clrMapOvr>
+    <a:masterClrMapping/>
+  </p:clrMapOvr>
+</p:sld>
+</file>
+
+<file path=ppt/slides/slide23.xml><?xml version="1.0" encoding="utf-8"?>
+<p:sld xmlns:a="http://schemas.openxmlformats.org/drawingml/2006/main" xmlns:r="http://schemas.openxmlformats.org/officeDocument/2006/relationships" xmlns:p="http://schemas.openxmlformats.org/presentationml/2006/main">
+  <p:cSld>
+    <p:spTree>
+      <p:nvGrpSpPr>
+        <p:cNvPr id="1" name=""/>
+        <p:cNvGrpSpPr/>
+        <p:nvPr/>
+      </p:nvGrpSpPr>
+      <p:grpSpPr>
+        <a:xfrm>
+          <a:off x="0" y="0"/>
+          <a:ext cx="0" cy="0"/>
+          <a:chOff x="0" y="0"/>
+          <a:chExt cx="0" cy="0"/>
+        </a:xfrm>
+      </p:grpSpPr>
+      <p:sp>
+        <p:nvSpPr>
+          <p:cNvPr id="2" name="Title 1">
+            <a:extLst>
+              <a:ext uri="{FF2B5EF4-FFF2-40B4-BE49-F238E27FC236}">
+                <a16:creationId xmlns:a16="http://schemas.microsoft.com/office/drawing/2014/main" id="{185CD936-43C2-4077-8A67-CCCD4FC466EC}"/>
+              </a:ext>
+            </a:extLst>
+          </p:cNvPr>
+          <p:cNvSpPr>
+            <a:spLocks noGrp="1"/>
+          </p:cNvSpPr>
+          <p:nvPr>
+            <p:ph type="title"/>
+          </p:nvPr>
+        </p:nvSpPr>
+        <p:spPr/>
+        <p:txBody>
+          <a:bodyPr/>
+          <a:lstStyle/>
+          <a:p>
+            <a:endParaRPr lang="fr-FR" dirty="0"/>
+          </a:p>
+        </p:txBody>
+      </p:sp>
+      <p:sp>
+        <p:nvSpPr>
+          <p:cNvPr id="3" name="Content Placeholder 2">
+            <a:extLst>
+              <a:ext uri="{FF2B5EF4-FFF2-40B4-BE49-F238E27FC236}">
+                <a16:creationId xmlns:a16="http://schemas.microsoft.com/office/drawing/2014/main" id="{4ED06865-4239-454A-B954-78FAE931139E}"/>
+              </a:ext>
+            </a:extLst>
+          </p:cNvPr>
+          <p:cNvSpPr>
+            <a:spLocks noGrp="1"/>
+          </p:cNvSpPr>
+          <p:nvPr>
+            <p:ph idx="1"/>
+          </p:nvPr>
+        </p:nvSpPr>
+        <p:spPr>
+          <a:xfrm>
+            <a:off x="326571" y="1825625"/>
+            <a:ext cx="11506199" cy="4351338"/>
+          </a:xfrm>
+        </p:spPr>
+        <p:txBody>
+          <a:bodyPr>
+            <a:normAutofit fontScale="92500" lnSpcReduction="10000"/>
+          </a:bodyPr>
+          <a:lstStyle/>
+          <a:p>
+            <a:r>
+              <a:rPr lang="fr-FR" sz="2400" dirty="0">
+                <a:hlinkClick r:id="rId2"/>
+              </a:rPr>
+              <a:t>Url vues depuis l’internet:</a:t>
+            </a:r>
+          </a:p>
+          <a:p>
+            <a:pPr lvl="1"/>
+            <a:r>
+              <a:rPr lang="fr-FR" sz="2000" dirty="0">
+                <a:hlinkClick r:id="rId2"/>
+              </a:rPr>
+              <a:t>http://localhost:8080/afpforum/api/user/login</a:t>
+            </a:r>
+            <a:endParaRPr lang="fr-FR" sz="2000" dirty="0"/>
+          </a:p>
+          <a:p>
+            <a:pPr lvl="1"/>
+            <a:r>
+              <a:rPr lang="fr-FR" sz="2000" dirty="0">
+                <a:hlinkClick r:id="rId3"/>
+              </a:rPr>
+              <a:t>http://localhost:8080/afpforum/api/events?lang=en</a:t>
+            </a:r>
+            <a:endParaRPr lang="fr-FR" sz="2000" dirty="0"/>
+          </a:p>
+          <a:p>
+            <a:pPr lvl="1"/>
+            <a:r>
+              <a:rPr lang="fr-FR" sz="2000" dirty="0">
+                <a:hlinkClick r:id="rId4"/>
+              </a:rPr>
+              <a:t>http://localhost:8080/afpforum/api/events/events-by-sequence/CUY01,CKJ50?lang=fr</a:t>
+            </a:r>
+            <a:endParaRPr lang="fr-FR" sz="2000" dirty="0"/>
+          </a:p>
+          <a:p>
+            <a:endParaRPr lang="fr-FR" sz="2400" dirty="0"/>
+          </a:p>
+          <a:p>
+            <a:r>
+              <a:rPr lang="fr-FR" sz="2400" dirty="0"/>
+              <a:t>Url utilisées sur l’intranet:</a:t>
+            </a:r>
+          </a:p>
+          <a:p>
+            <a:pPr lvl="1"/>
+            <a:r>
+              <a:rPr lang="fr-FR" sz="1900" dirty="0">
+                <a:hlinkClick r:id="rId5"/>
+              </a:rPr>
+              <a:t>http://localhost:3000/api/user/login</a:t>
+            </a:r>
+            <a:endParaRPr lang="fr-FR" sz="1900" dirty="0"/>
+          </a:p>
+          <a:p>
+            <a:pPr lvl="1"/>
+            <a:r>
+              <a:rPr lang="fr-FR" sz="1900" dirty="0">
+                <a:hlinkClick r:id="rId6"/>
+              </a:rPr>
+              <a:t>http://localhost:64925/api/events?lang=en</a:t>
+            </a:r>
+            <a:endParaRPr lang="fr-FR" sz="1900" dirty="0"/>
+          </a:p>
+          <a:p>
+            <a:pPr lvl="1"/>
+            <a:r>
+              <a:rPr lang="fr-FR" sz="2000" dirty="0">
+                <a:hlinkClick r:id="rId7"/>
+              </a:rPr>
+              <a:t>http://localhost:3001/api/events/events-by-sequence/CUY01,CKJ50?lang=fr</a:t>
+            </a:r>
+            <a:endParaRPr lang="fr-FR" sz="2000" dirty="0"/>
+          </a:p>
+          <a:p>
+            <a:pPr lvl="2"/>
+            <a:r>
+              <a:rPr lang="fr-FR" sz="1000" dirty="0"/>
+              <a:t>[{"sequenceId":"CUY01","title":"Sanctions force </a:t>
+            </a:r>
+            <a:r>
+              <a:rPr lang="fr-FR" sz="1000" dirty="0" err="1"/>
+              <a:t>unified</a:t>
+            </a:r>
+            <a:r>
+              <a:rPr lang="fr-FR" sz="1000" dirty="0"/>
+              <a:t> </a:t>
+            </a:r>
+            <a:r>
+              <a:rPr lang="fr-FR" sz="1000" dirty="0" err="1"/>
+              <a:t>Korea</a:t>
+            </a:r>
+            <a:r>
+              <a:rPr lang="fr-FR" sz="1000" dirty="0"/>
+              <a:t> teams to go no-brand at </a:t>
+            </a:r>
+            <a:r>
+              <a:rPr lang="fr-FR" sz="1000" dirty="0" err="1"/>
+              <a:t>Asiad</a:t>
+            </a:r>
+            <a:r>
+              <a:rPr lang="fr-FR" sz="1000" dirty="0"/>
+              <a:t>","</a:t>
+            </a:r>
+            <a:r>
+              <a:rPr lang="fr-FR" sz="1000" dirty="0" err="1"/>
+              <a:t>important":false</a:t>
+            </a:r>
+            <a:r>
+              <a:rPr lang="fr-FR" sz="1000" dirty="0"/>
+              <a:t>},</a:t>
+            </a:r>
+          </a:p>
+          <a:p>
+            <a:pPr lvl="2"/>
+            <a:r>
+              <a:rPr lang="fr-FR" sz="1000" dirty="0"/>
+              <a:t>{"sequenceId":"CKJ50","title":"IAAF Diamond </a:t>
+            </a:r>
+            <a:r>
+              <a:rPr lang="fr-FR" sz="1000" dirty="0" err="1"/>
+              <a:t>League","important":false</a:t>
+            </a:r>
+            <a:r>
+              <a:rPr lang="fr-FR" sz="1000" dirty="0"/>
+              <a:t>}]</a:t>
+            </a:r>
+          </a:p>
+          <a:p>
+            <a:pPr lvl="2"/>
+            <a:endParaRPr lang="fr-FR" sz="1000" dirty="0"/>
+          </a:p>
+          <a:p>
+            <a:pPr lvl="1"/>
+            <a:r>
+              <a:rPr lang="fr-FR" sz="2000" dirty="0">
+                <a:hlinkClick r:id="rId8"/>
+              </a:rPr>
+              <a:t>http://localhost:5555/registry/list</a:t>
+            </a:r>
+            <a:endParaRPr lang="fr-FR" sz="2000" dirty="0"/>
+          </a:p>
+          <a:p>
+            <a:pPr lvl="2"/>
+            <a:r>
+              <a:rPr lang="fr-FR" sz="1000" dirty="0"/>
+              <a:t>[{"type":"1","url":"http://158..:3001","host":"158…","port":"3001","pathname":"/api/events","status":true,"cptr":5},</a:t>
+            </a:r>
+          </a:p>
+          <a:p>
+            <a:pPr lvl="2"/>
+            <a:r>
+              <a:rPr lang="fr-FR" sz="1000" dirty="0"/>
+              <a:t>{"type":"2","url":"http://158...:3002","host":"158...","port":"3002","pathname":"/api/selections","status":true,"cptr":5},</a:t>
+            </a:r>
+          </a:p>
+          <a:p>
+            <a:pPr lvl="2"/>
+            <a:r>
+              <a:rPr lang="fr-FR" sz="1000" dirty="0"/>
+              <a:t>{"type":"3","url":"http://158...:3000","host":"158...","port":"3000","pathname":"/api/user","status":true,"cptr":5}]</a:t>
+            </a:r>
+          </a:p>
+        </p:txBody>
+      </p:sp>
+    </p:spTree>
+    <p:extLst>
+      <p:ext uri="{BB962C8B-B14F-4D97-AF65-F5344CB8AC3E}">
+        <p14:creationId xmlns:p14="http://schemas.microsoft.com/office/powerpoint/2010/main" val="758375645"/>
       </p:ext>
     </p:extLst>
   </p:cSld>
@@ -11738,6 +14717,55 @@
           </a:p>
         </p:txBody>
       </p:sp>
+      <p:sp>
+        <p:nvSpPr>
+          <p:cNvPr id="28" name="Rectangle: Rounded Corners 27">
+            <a:extLst>
+              <a:ext uri="{FF2B5EF4-FFF2-40B4-BE49-F238E27FC236}">
+                <a16:creationId xmlns:a16="http://schemas.microsoft.com/office/drawing/2014/main" id="{BF1C9B9F-25AB-4E62-82BA-2039A6EB561D}"/>
+              </a:ext>
+            </a:extLst>
+          </p:cNvPr>
+          <p:cNvSpPr/>
+          <p:nvPr/>
+        </p:nvSpPr>
+        <p:spPr>
+          <a:xfrm>
+            <a:off x="6096000" y="5583039"/>
+            <a:ext cx="1593438" cy="673265"/>
+          </a:xfrm>
+          <a:prstGeom prst="roundRect">
+            <a:avLst/>
+          </a:prstGeom>
+        </p:spPr>
+        <p:style>
+          <a:lnRef idx="2">
+            <a:schemeClr val="accent1">
+              <a:shade val="50000"/>
+            </a:schemeClr>
+          </a:lnRef>
+          <a:fillRef idx="1">
+            <a:schemeClr val="accent1"/>
+          </a:fillRef>
+          <a:effectRef idx="0">
+            <a:schemeClr val="accent1"/>
+          </a:effectRef>
+          <a:fontRef idx="minor">
+            <a:schemeClr val="lt1"/>
+          </a:fontRef>
+        </p:style>
+        <p:txBody>
+          <a:bodyPr rtlCol="0" anchor="ctr"/>
+          <a:lstStyle/>
+          <a:p>
+            <a:pPr algn="ctr"/>
+            <a:r>
+              <a:rPr lang="fr-FR" dirty="0"/>
+              <a:t>Logs Manager</a:t>
+            </a:r>
+          </a:p>
+        </p:txBody>
+      </p:sp>
     </p:spTree>
     <p:extLst>
       <p:ext uri="{BB962C8B-B14F-4D97-AF65-F5344CB8AC3E}">
@@ -11752,6 +14780,89 @@
 </file>
 
 <file path=ppt/slides/slide8.xml><?xml version="1.0" encoding="utf-8"?>
+<p:sld xmlns:a="http://schemas.openxmlformats.org/drawingml/2006/main" xmlns:r="http://schemas.openxmlformats.org/officeDocument/2006/relationships" xmlns:p="http://schemas.openxmlformats.org/presentationml/2006/main">
+  <p:cSld>
+    <p:spTree>
+      <p:nvGrpSpPr>
+        <p:cNvPr id="1" name=""/>
+        <p:cNvGrpSpPr/>
+        <p:nvPr/>
+      </p:nvGrpSpPr>
+      <p:grpSpPr>
+        <a:xfrm>
+          <a:off x="0" y="0"/>
+          <a:ext cx="0" cy="0"/>
+          <a:chOff x="0" y="0"/>
+          <a:chExt cx="0" cy="0"/>
+        </a:xfrm>
+      </p:grpSpPr>
+      <p:sp>
+        <p:nvSpPr>
+          <p:cNvPr id="2" name="Title 1">
+            <a:extLst>
+              <a:ext uri="{FF2B5EF4-FFF2-40B4-BE49-F238E27FC236}">
+                <a16:creationId xmlns:a16="http://schemas.microsoft.com/office/drawing/2014/main" id="{D6A20722-209D-4C32-BE2E-3ADB2B13CEC8}"/>
+              </a:ext>
+            </a:extLst>
+          </p:cNvPr>
+          <p:cNvSpPr>
+            <a:spLocks noGrp="1"/>
+          </p:cNvSpPr>
+          <p:nvPr>
+            <p:ph type="title"/>
+          </p:nvPr>
+        </p:nvSpPr>
+        <p:spPr/>
+        <p:txBody>
+          <a:bodyPr/>
+          <a:lstStyle/>
+          <a:p>
+            <a:r>
+              <a:rPr lang="fr-FR" dirty="0"/>
+              <a:t>Orchestrateur ?</a:t>
+            </a:r>
+          </a:p>
+        </p:txBody>
+      </p:sp>
+      <p:sp>
+        <p:nvSpPr>
+          <p:cNvPr id="3" name="Content Placeholder 2">
+            <a:extLst>
+              <a:ext uri="{FF2B5EF4-FFF2-40B4-BE49-F238E27FC236}">
+                <a16:creationId xmlns:a16="http://schemas.microsoft.com/office/drawing/2014/main" id="{6F3E7E14-8FDE-4936-8E18-41377501487E}"/>
+              </a:ext>
+            </a:extLst>
+          </p:cNvPr>
+          <p:cNvSpPr>
+            <a:spLocks noGrp="1"/>
+          </p:cNvSpPr>
+          <p:nvPr>
+            <p:ph idx="1"/>
+          </p:nvPr>
+        </p:nvSpPr>
+        <p:spPr/>
+        <p:txBody>
+          <a:bodyPr/>
+          <a:lstStyle/>
+          <a:p>
+            <a:endParaRPr lang="fr-FR"/>
+          </a:p>
+        </p:txBody>
+      </p:sp>
+    </p:spTree>
+    <p:extLst>
+      <p:ext uri="{BB962C8B-B14F-4D97-AF65-F5344CB8AC3E}">
+        <p14:creationId xmlns:p14="http://schemas.microsoft.com/office/powerpoint/2010/main" val="3860375625"/>
+      </p:ext>
+    </p:extLst>
+  </p:cSld>
+  <p:clrMapOvr>
+    <a:masterClrMapping/>
+  </p:clrMapOvr>
+</p:sld>
+</file>
+
+<file path=ppt/slides/slide9.xml><?xml version="1.0" encoding="utf-8"?>
 <p:sld xmlns:a="http://schemas.openxmlformats.org/drawingml/2006/main" xmlns:r="http://schemas.openxmlformats.org/officeDocument/2006/relationships" xmlns:p="http://schemas.openxmlformats.org/presentationml/2006/main">
   <p:cSld>
     <p:spTree>
@@ -12967,1170 +16078,6 @@
     <p:extLst>
       <p:ext uri="{BB962C8B-B14F-4D97-AF65-F5344CB8AC3E}">
         <p14:creationId xmlns:p14="http://schemas.microsoft.com/office/powerpoint/2010/main" val="3077940611"/>
-      </p:ext>
-    </p:extLst>
-  </p:cSld>
-  <p:clrMapOvr>
-    <a:masterClrMapping/>
-  </p:clrMapOvr>
-</p:sld>
-</file>
-
-<file path=ppt/slides/slide9.xml><?xml version="1.0" encoding="utf-8"?>
-<p:sld xmlns:a="http://schemas.openxmlformats.org/drawingml/2006/main" xmlns:r="http://schemas.openxmlformats.org/officeDocument/2006/relationships" xmlns:p="http://schemas.openxmlformats.org/presentationml/2006/main">
-  <p:cSld>
-    <p:spTree>
-      <p:nvGrpSpPr>
-        <p:cNvPr id="1" name=""/>
-        <p:cNvGrpSpPr/>
-        <p:nvPr/>
-      </p:nvGrpSpPr>
-      <p:grpSpPr>
-        <a:xfrm>
-          <a:off x="0" y="0"/>
-          <a:ext cx="0" cy="0"/>
-          <a:chOff x="0" y="0"/>
-          <a:chExt cx="0" cy="0"/>
-        </a:xfrm>
-      </p:grpSpPr>
-      <p:sp>
-        <p:nvSpPr>
-          <p:cNvPr id="2" name="Title 1">
-            <a:extLst>
-              <a:ext uri="{FF2B5EF4-FFF2-40B4-BE49-F238E27FC236}">
-                <a16:creationId xmlns:a16="http://schemas.microsoft.com/office/drawing/2014/main" id="{EA68E7C9-5674-48BF-9738-5649817C8492}"/>
-              </a:ext>
-            </a:extLst>
-          </p:cNvPr>
-          <p:cNvSpPr>
-            <a:spLocks noGrp="1"/>
-          </p:cNvSpPr>
-          <p:nvPr>
-            <p:ph type="title"/>
-          </p:nvPr>
-        </p:nvSpPr>
-        <p:spPr/>
-        <p:txBody>
-          <a:bodyPr/>
-          <a:lstStyle/>
-          <a:p>
-            <a:r>
-              <a:rPr lang="fr-FR" dirty="0"/>
-              <a:t>Annuaire</a:t>
-            </a:r>
-          </a:p>
-        </p:txBody>
-      </p:sp>
-      <p:sp>
-        <p:nvSpPr>
-          <p:cNvPr id="3" name="Content Placeholder 2">
-            <a:extLst>
-              <a:ext uri="{FF2B5EF4-FFF2-40B4-BE49-F238E27FC236}">
-                <a16:creationId xmlns:a16="http://schemas.microsoft.com/office/drawing/2014/main" id="{F903AED7-73D9-4772-B3F5-AE9BB7EDFBF5}"/>
-              </a:ext>
-            </a:extLst>
-          </p:cNvPr>
-          <p:cNvSpPr>
-            <a:spLocks noGrp="1"/>
-          </p:cNvSpPr>
-          <p:nvPr>
-            <p:ph idx="1"/>
-          </p:nvPr>
-        </p:nvSpPr>
-        <p:spPr/>
-        <p:txBody>
-          <a:bodyPr>
-            <a:normAutofit lnSpcReduction="10000"/>
-          </a:bodyPr>
-          <a:lstStyle/>
-          <a:p>
-            <a:r>
-              <a:rPr lang="fr-FR" dirty="0"/>
-              <a:t>Caractéristiques:</a:t>
-            </a:r>
-          </a:p>
-          <a:p>
-            <a:pPr lvl="1"/>
-            <a:r>
-              <a:rPr lang="fr-FR" dirty="0"/>
-              <a:t>Possède le catalogue des composants disponibles; Dispose d’une Url dynamique annoncée à tous les composants du système via l’API de service (diffusion multicast)</a:t>
-            </a:r>
-          </a:p>
-          <a:p>
-            <a:r>
-              <a:rPr lang="fr-FR" dirty="0"/>
-              <a:t>Rôle:</a:t>
-            </a:r>
-          </a:p>
-          <a:p>
-            <a:pPr lvl="1"/>
-            <a:r>
-              <a:rPr lang="fr-FR" dirty="0"/>
-              <a:t>Maintient à jour le catalogue des composants disponibles - </a:t>
-            </a:r>
-            <a:r>
-              <a:rPr lang="fr-FR" sz="1800" dirty="0"/>
-              <a:t>Annuaire alimenté par les composants qui se déclarent (au démarrage puis périodiquement)</a:t>
-            </a:r>
-            <a:r>
-              <a:rPr lang="fr-FR" dirty="0"/>
-              <a:t>.</a:t>
-            </a:r>
-          </a:p>
-          <a:p>
-            <a:pPr lvl="1"/>
-            <a:r>
-              <a:rPr lang="fr-FR" dirty="0"/>
-              <a:t>Vérifie périodiquement l’état de santé des composants (API </a:t>
-            </a:r>
-            <a:r>
-              <a:rPr lang="fr-FR" dirty="0" err="1"/>
-              <a:t>Health</a:t>
-            </a:r>
-            <a:r>
-              <a:rPr lang="fr-FR" dirty="0"/>
-              <a:t>). </a:t>
-            </a:r>
-            <a:r>
-              <a:rPr lang="fr-FR" sz="1800" dirty="0"/>
-              <a:t>Implémente le pattern « Circuit breaker »</a:t>
-            </a:r>
-          </a:p>
-          <a:p>
-            <a:pPr lvl="1"/>
-            <a:r>
-              <a:rPr lang="fr-FR" dirty="0"/>
-              <a:t>Emet une notification pour se faire repéré sur le réseau.</a:t>
-            </a:r>
-          </a:p>
-          <a:p>
-            <a:pPr lvl="1"/>
-            <a:r>
-              <a:rPr lang="fr-FR" dirty="0"/>
-              <a:t>Emet une notification pour inviter les abonnés à se mettre à jour en cas de modification du troupeau (API Gateway).</a:t>
-            </a:r>
-          </a:p>
-        </p:txBody>
-      </p:sp>
-      <p:grpSp>
-        <p:nvGrpSpPr>
-          <p:cNvPr id="5" name="Group 4">
-            <a:extLst>
-              <a:ext uri="{FF2B5EF4-FFF2-40B4-BE49-F238E27FC236}">
-                <a16:creationId xmlns:a16="http://schemas.microsoft.com/office/drawing/2014/main" id="{4902807A-583B-4A66-AB02-7D24A98A1CC0}"/>
-              </a:ext>
-            </a:extLst>
-          </p:cNvPr>
-          <p:cNvGrpSpPr/>
-          <p:nvPr/>
-        </p:nvGrpSpPr>
-        <p:grpSpPr>
-          <a:xfrm>
-            <a:off x="6387852" y="576943"/>
-            <a:ext cx="5412262" cy="696685"/>
-            <a:chOff x="836138" y="4057401"/>
-            <a:chExt cx="10254344" cy="2539341"/>
-          </a:xfrm>
-        </p:grpSpPr>
-        <p:sp>
-          <p:nvSpPr>
-            <p:cNvPr id="6" name="Rectangle: Rounded Corners 5">
-              <a:extLst>
-                <a:ext uri="{FF2B5EF4-FFF2-40B4-BE49-F238E27FC236}">
-                  <a16:creationId xmlns:a16="http://schemas.microsoft.com/office/drawing/2014/main" id="{0A8E14B3-1B33-49F1-899E-5B7265BBBC83}"/>
-                </a:ext>
-              </a:extLst>
-            </p:cNvPr>
-            <p:cNvSpPr/>
-            <p:nvPr/>
-          </p:nvSpPr>
-          <p:spPr>
-            <a:xfrm>
-              <a:off x="836138" y="4993572"/>
-              <a:ext cx="914400" cy="666998"/>
-            </a:xfrm>
-            <a:prstGeom prst="roundRect">
-              <a:avLst/>
-            </a:prstGeom>
-          </p:spPr>
-          <p:style>
-            <a:lnRef idx="2">
-              <a:schemeClr val="accent1">
-                <a:shade val="50000"/>
-              </a:schemeClr>
-            </a:lnRef>
-            <a:fillRef idx="1">
-              <a:schemeClr val="accent1"/>
-            </a:fillRef>
-            <a:effectRef idx="0">
-              <a:schemeClr val="accent1"/>
-            </a:effectRef>
-            <a:fontRef idx="minor">
-              <a:schemeClr val="lt1"/>
-            </a:fontRef>
-          </p:style>
-          <p:txBody>
-            <a:bodyPr rtlCol="0" anchor="ctr"/>
-            <a:lstStyle/>
-            <a:p>
-              <a:pPr algn="ctr"/>
-              <a:r>
-                <a:rPr lang="fr-FR" sz="900" dirty="0"/>
-                <a:t>Client</a:t>
-              </a:r>
-            </a:p>
-          </p:txBody>
-        </p:sp>
-        <p:sp>
-          <p:nvSpPr>
-            <p:cNvPr id="7" name="Rectangle: Rounded Corners 6">
-              <a:extLst>
-                <a:ext uri="{FF2B5EF4-FFF2-40B4-BE49-F238E27FC236}">
-                  <a16:creationId xmlns:a16="http://schemas.microsoft.com/office/drawing/2014/main" id="{9A9077F8-4DFC-4884-A896-488EDE78D97D}"/>
-                </a:ext>
-              </a:extLst>
-            </p:cNvPr>
-            <p:cNvSpPr/>
-            <p:nvPr/>
-          </p:nvSpPr>
-          <p:spPr>
-            <a:xfrm>
-              <a:off x="2166257" y="4057401"/>
-              <a:ext cx="1121229" cy="2539341"/>
-            </a:xfrm>
-            <a:prstGeom prst="roundRect">
-              <a:avLst/>
-            </a:prstGeom>
-          </p:spPr>
-          <p:style>
-            <a:lnRef idx="2">
-              <a:schemeClr val="accent1">
-                <a:shade val="50000"/>
-              </a:schemeClr>
-            </a:lnRef>
-            <a:fillRef idx="1">
-              <a:schemeClr val="accent1"/>
-            </a:fillRef>
-            <a:effectRef idx="0">
-              <a:schemeClr val="accent1"/>
-            </a:effectRef>
-            <a:fontRef idx="minor">
-              <a:schemeClr val="lt1"/>
-            </a:fontRef>
-          </p:style>
-          <p:txBody>
-            <a:bodyPr rtlCol="0" anchor="ctr"/>
-            <a:lstStyle/>
-            <a:p>
-              <a:pPr algn="ctr"/>
-              <a:r>
-                <a:rPr lang="fr-FR" sz="900" dirty="0" err="1"/>
-                <a:t>Load</a:t>
-              </a:r>
-              <a:endParaRPr lang="fr-FR" sz="900" dirty="0"/>
-            </a:p>
-            <a:p>
-              <a:pPr algn="ctr"/>
-              <a:r>
-                <a:rPr lang="fr-FR" sz="900" dirty="0"/>
-                <a:t>Balancer</a:t>
-              </a:r>
-            </a:p>
-          </p:txBody>
-        </p:sp>
-        <p:sp>
-          <p:nvSpPr>
-            <p:cNvPr id="8" name="Rectangle: Rounded Corners 7">
-              <a:extLst>
-                <a:ext uri="{FF2B5EF4-FFF2-40B4-BE49-F238E27FC236}">
-                  <a16:creationId xmlns:a16="http://schemas.microsoft.com/office/drawing/2014/main" id="{741BDE4D-67FD-40BD-A0F3-81CC36C8FABB}"/>
-                </a:ext>
-              </a:extLst>
-            </p:cNvPr>
-            <p:cNvSpPr/>
-            <p:nvPr/>
-          </p:nvSpPr>
-          <p:spPr>
-            <a:xfrm>
-              <a:off x="3827649" y="4124366"/>
-              <a:ext cx="1593438" cy="673265"/>
-            </a:xfrm>
-            <a:prstGeom prst="roundRect">
-              <a:avLst/>
-            </a:prstGeom>
-          </p:spPr>
-          <p:style>
-            <a:lnRef idx="2">
-              <a:schemeClr val="accent1">
-                <a:shade val="50000"/>
-              </a:schemeClr>
-            </a:lnRef>
-            <a:fillRef idx="1">
-              <a:schemeClr val="accent1"/>
-            </a:fillRef>
-            <a:effectRef idx="0">
-              <a:schemeClr val="accent1"/>
-            </a:effectRef>
-            <a:fontRef idx="minor">
-              <a:schemeClr val="lt1"/>
-            </a:fontRef>
-          </p:style>
-          <p:txBody>
-            <a:bodyPr rtlCol="0" anchor="ctr"/>
-            <a:lstStyle/>
-            <a:p>
-              <a:pPr algn="ctr"/>
-              <a:r>
-                <a:rPr lang="fr-FR" sz="900" dirty="0"/>
-                <a:t>API Gateway</a:t>
-              </a:r>
-            </a:p>
-          </p:txBody>
-        </p:sp>
-        <p:sp>
-          <p:nvSpPr>
-            <p:cNvPr id="9" name="Rectangle: Rounded Corners 8">
-              <a:extLst>
-                <a:ext uri="{FF2B5EF4-FFF2-40B4-BE49-F238E27FC236}">
-                  <a16:creationId xmlns:a16="http://schemas.microsoft.com/office/drawing/2014/main" id="{975CFD1F-B7B1-49E5-BCBC-491E9BF44206}"/>
-                </a:ext>
-              </a:extLst>
-            </p:cNvPr>
-            <p:cNvSpPr/>
-            <p:nvPr/>
-          </p:nvSpPr>
-          <p:spPr>
-            <a:xfrm>
-              <a:off x="3827649" y="5638635"/>
-              <a:ext cx="1593438" cy="673265"/>
-            </a:xfrm>
-            <a:prstGeom prst="roundRect">
-              <a:avLst/>
-            </a:prstGeom>
-          </p:spPr>
-          <p:style>
-            <a:lnRef idx="2">
-              <a:schemeClr val="accent1">
-                <a:shade val="50000"/>
-              </a:schemeClr>
-            </a:lnRef>
-            <a:fillRef idx="1">
-              <a:schemeClr val="accent1"/>
-            </a:fillRef>
-            <a:effectRef idx="0">
-              <a:schemeClr val="accent1"/>
-            </a:effectRef>
-            <a:fontRef idx="minor">
-              <a:schemeClr val="lt1"/>
-            </a:fontRef>
-          </p:style>
-          <p:txBody>
-            <a:bodyPr rtlCol="0" anchor="ctr"/>
-            <a:lstStyle/>
-            <a:p>
-              <a:pPr algn="ctr"/>
-              <a:r>
-                <a:rPr lang="fr-FR" sz="900" dirty="0"/>
-                <a:t>API Gateway</a:t>
-              </a:r>
-            </a:p>
-          </p:txBody>
-        </p:sp>
-        <p:sp>
-          <p:nvSpPr>
-            <p:cNvPr id="10" name="Rectangle: Rounded Corners 9">
-              <a:extLst>
-                <a:ext uri="{FF2B5EF4-FFF2-40B4-BE49-F238E27FC236}">
-                  <a16:creationId xmlns:a16="http://schemas.microsoft.com/office/drawing/2014/main" id="{A8211D76-43BA-47D8-9EA8-89E31EC86CB2}"/>
-                </a:ext>
-              </a:extLst>
-            </p:cNvPr>
-            <p:cNvSpPr/>
-            <p:nvPr/>
-          </p:nvSpPr>
-          <p:spPr>
-            <a:xfrm>
-              <a:off x="6042726" y="4726843"/>
-              <a:ext cx="1593438" cy="673265"/>
-            </a:xfrm>
-            <a:prstGeom prst="roundRect">
-              <a:avLst/>
-            </a:prstGeom>
-          </p:spPr>
-          <p:style>
-            <a:lnRef idx="2">
-              <a:schemeClr val="accent1">
-                <a:shade val="50000"/>
-              </a:schemeClr>
-            </a:lnRef>
-            <a:fillRef idx="1">
-              <a:schemeClr val="accent1"/>
-            </a:fillRef>
-            <a:effectRef idx="0">
-              <a:schemeClr val="accent1"/>
-            </a:effectRef>
-            <a:fontRef idx="minor">
-              <a:schemeClr val="lt1"/>
-            </a:fontRef>
-          </p:style>
-          <p:txBody>
-            <a:bodyPr rtlCol="0" anchor="ctr"/>
-            <a:lstStyle/>
-            <a:p>
-              <a:pPr algn="ctr"/>
-              <a:r>
-                <a:rPr lang="fr-FR" sz="900" dirty="0"/>
-                <a:t>Annuaire</a:t>
-              </a:r>
-            </a:p>
-          </p:txBody>
-        </p:sp>
-        <p:sp>
-          <p:nvSpPr>
-            <p:cNvPr id="11" name="Rectangle: Rounded Corners 10">
-              <a:extLst>
-                <a:ext uri="{FF2B5EF4-FFF2-40B4-BE49-F238E27FC236}">
-                  <a16:creationId xmlns:a16="http://schemas.microsoft.com/office/drawing/2014/main" id="{3C562715-0FF2-4D26-B60D-303082289B49}"/>
-                </a:ext>
-              </a:extLst>
-            </p:cNvPr>
-            <p:cNvSpPr/>
-            <p:nvPr/>
-          </p:nvSpPr>
-          <p:spPr>
-            <a:xfrm>
-              <a:off x="8970406" y="4260520"/>
-              <a:ext cx="1593438" cy="673265"/>
-            </a:xfrm>
-            <a:prstGeom prst="roundRect">
-              <a:avLst/>
-            </a:prstGeom>
-          </p:spPr>
-          <p:style>
-            <a:lnRef idx="2">
-              <a:schemeClr val="accent1">
-                <a:shade val="50000"/>
-              </a:schemeClr>
-            </a:lnRef>
-            <a:fillRef idx="1">
-              <a:schemeClr val="accent1"/>
-            </a:fillRef>
-            <a:effectRef idx="0">
-              <a:schemeClr val="accent1"/>
-            </a:effectRef>
-            <a:fontRef idx="minor">
-              <a:schemeClr val="lt1"/>
-            </a:fontRef>
-          </p:style>
-          <p:txBody>
-            <a:bodyPr rtlCol="0" anchor="ctr"/>
-            <a:lstStyle/>
-            <a:p>
-              <a:pPr algn="ctr"/>
-              <a:r>
-                <a:rPr lang="fr-FR" sz="900" dirty="0"/>
-                <a:t>Composant</a:t>
-              </a:r>
-            </a:p>
-          </p:txBody>
-        </p:sp>
-        <p:sp>
-          <p:nvSpPr>
-            <p:cNvPr id="12" name="Rectangle: Rounded Corners 11">
-              <a:extLst>
-                <a:ext uri="{FF2B5EF4-FFF2-40B4-BE49-F238E27FC236}">
-                  <a16:creationId xmlns:a16="http://schemas.microsoft.com/office/drawing/2014/main" id="{89EC9257-699D-4C65-A199-4782CA42CD97}"/>
-                </a:ext>
-              </a:extLst>
-            </p:cNvPr>
-            <p:cNvSpPr/>
-            <p:nvPr/>
-          </p:nvSpPr>
-          <p:spPr>
-            <a:xfrm>
-              <a:off x="9233725" y="4791364"/>
-              <a:ext cx="1593438" cy="673265"/>
-            </a:xfrm>
-            <a:prstGeom prst="roundRect">
-              <a:avLst/>
-            </a:prstGeom>
-          </p:spPr>
-          <p:style>
-            <a:lnRef idx="2">
-              <a:schemeClr val="accent1">
-                <a:shade val="50000"/>
-              </a:schemeClr>
-            </a:lnRef>
-            <a:fillRef idx="1">
-              <a:schemeClr val="accent1"/>
-            </a:fillRef>
-            <a:effectRef idx="0">
-              <a:schemeClr val="accent1"/>
-            </a:effectRef>
-            <a:fontRef idx="minor">
-              <a:schemeClr val="lt1"/>
-            </a:fontRef>
-          </p:style>
-          <p:txBody>
-            <a:bodyPr rtlCol="0" anchor="ctr"/>
-            <a:lstStyle/>
-            <a:p>
-              <a:pPr algn="ctr"/>
-              <a:r>
-                <a:rPr lang="fr-FR" sz="900" dirty="0"/>
-                <a:t>Composant</a:t>
-              </a:r>
-            </a:p>
-          </p:txBody>
-        </p:sp>
-        <p:sp>
-          <p:nvSpPr>
-            <p:cNvPr id="13" name="Rectangle: Rounded Corners 12">
-              <a:extLst>
-                <a:ext uri="{FF2B5EF4-FFF2-40B4-BE49-F238E27FC236}">
-                  <a16:creationId xmlns:a16="http://schemas.microsoft.com/office/drawing/2014/main" id="{D763A0CC-62DD-478A-957E-487444AC9465}"/>
-                </a:ext>
-              </a:extLst>
-            </p:cNvPr>
-            <p:cNvSpPr/>
-            <p:nvPr/>
-          </p:nvSpPr>
-          <p:spPr>
-            <a:xfrm>
-              <a:off x="9497044" y="5337886"/>
-              <a:ext cx="1593438" cy="673265"/>
-            </a:xfrm>
-            <a:prstGeom prst="roundRect">
-              <a:avLst/>
-            </a:prstGeom>
-          </p:spPr>
-          <p:style>
-            <a:lnRef idx="2">
-              <a:schemeClr val="accent1">
-                <a:shade val="50000"/>
-              </a:schemeClr>
-            </a:lnRef>
-            <a:fillRef idx="1">
-              <a:schemeClr val="accent1"/>
-            </a:fillRef>
-            <a:effectRef idx="0">
-              <a:schemeClr val="accent1"/>
-            </a:effectRef>
-            <a:fontRef idx="minor">
-              <a:schemeClr val="lt1"/>
-            </a:fontRef>
-          </p:style>
-          <p:txBody>
-            <a:bodyPr rtlCol="0" anchor="ctr"/>
-            <a:lstStyle/>
-            <a:p>
-              <a:pPr algn="ctr"/>
-              <a:r>
-                <a:rPr lang="fr-FR" sz="900" dirty="0"/>
-                <a:t>Composant</a:t>
-              </a:r>
-            </a:p>
-          </p:txBody>
-        </p:sp>
-        <p:sp>
-          <p:nvSpPr>
-            <p:cNvPr id="14" name="Rectangle: Rounded Corners 13">
-              <a:extLst>
-                <a:ext uri="{FF2B5EF4-FFF2-40B4-BE49-F238E27FC236}">
-                  <a16:creationId xmlns:a16="http://schemas.microsoft.com/office/drawing/2014/main" id="{854FD125-AA59-4E2D-9B60-474EE27CA514}"/>
-                </a:ext>
-              </a:extLst>
-            </p:cNvPr>
-            <p:cNvSpPr/>
-            <p:nvPr/>
-          </p:nvSpPr>
-          <p:spPr>
-            <a:xfrm>
-              <a:off x="6306045" y="5198412"/>
-              <a:ext cx="1593438" cy="673265"/>
-            </a:xfrm>
-            <a:prstGeom prst="roundRect">
-              <a:avLst/>
-            </a:prstGeom>
-          </p:spPr>
-          <p:style>
-            <a:lnRef idx="2">
-              <a:schemeClr val="accent1">
-                <a:shade val="50000"/>
-              </a:schemeClr>
-            </a:lnRef>
-            <a:fillRef idx="1">
-              <a:schemeClr val="accent1"/>
-            </a:fillRef>
-            <a:effectRef idx="0">
-              <a:schemeClr val="accent1"/>
-            </a:effectRef>
-            <a:fontRef idx="minor">
-              <a:schemeClr val="lt1"/>
-            </a:fontRef>
-          </p:style>
-          <p:txBody>
-            <a:bodyPr rtlCol="0" anchor="ctr"/>
-            <a:lstStyle/>
-            <a:p>
-              <a:pPr algn="ctr"/>
-              <a:r>
-                <a:rPr lang="fr-FR" sz="900" dirty="0"/>
-                <a:t>Annuaire</a:t>
-              </a:r>
-            </a:p>
-          </p:txBody>
-        </p:sp>
-        <p:cxnSp>
-          <p:nvCxnSpPr>
-            <p:cNvPr id="15" name="Straight Arrow Connector 14">
-              <a:extLst>
-                <a:ext uri="{FF2B5EF4-FFF2-40B4-BE49-F238E27FC236}">
-                  <a16:creationId xmlns:a16="http://schemas.microsoft.com/office/drawing/2014/main" id="{6BDFD511-94AC-4E94-899A-0CC8852FA504}"/>
-                </a:ext>
-              </a:extLst>
-            </p:cNvPr>
-            <p:cNvCxnSpPr>
-              <a:stCxn id="11" idx="1"/>
-              <a:endCxn id="10" idx="3"/>
-            </p:cNvCxnSpPr>
-            <p:nvPr/>
-          </p:nvCxnSpPr>
-          <p:spPr>
-            <a:xfrm flipH="1">
-              <a:off x="7636164" y="4597153"/>
-              <a:ext cx="1334242" cy="466323"/>
-            </a:xfrm>
-            <a:prstGeom prst="straightConnector1">
-              <a:avLst/>
-            </a:prstGeom>
-            <a:ln>
-              <a:tailEnd type="triangle"/>
-            </a:ln>
-          </p:spPr>
-          <p:style>
-            <a:lnRef idx="1">
-              <a:schemeClr val="accent1"/>
-            </a:lnRef>
-            <a:fillRef idx="0">
-              <a:schemeClr val="accent1"/>
-            </a:fillRef>
-            <a:effectRef idx="0">
-              <a:schemeClr val="accent1"/>
-            </a:effectRef>
-            <a:fontRef idx="minor">
-              <a:schemeClr val="tx1"/>
-            </a:fontRef>
-          </p:style>
-        </p:cxnSp>
-        <p:cxnSp>
-          <p:nvCxnSpPr>
-            <p:cNvPr id="16" name="Straight Arrow Connector 15">
-              <a:extLst>
-                <a:ext uri="{FF2B5EF4-FFF2-40B4-BE49-F238E27FC236}">
-                  <a16:creationId xmlns:a16="http://schemas.microsoft.com/office/drawing/2014/main" id="{82A03E63-B673-4F32-980D-6F6040D386EC}"/>
-                </a:ext>
-              </a:extLst>
-            </p:cNvPr>
-            <p:cNvCxnSpPr>
-              <a:stCxn id="11" idx="1"/>
-              <a:endCxn id="14" idx="3"/>
-            </p:cNvCxnSpPr>
-            <p:nvPr/>
-          </p:nvCxnSpPr>
-          <p:spPr>
-            <a:xfrm flipH="1">
-              <a:off x="7899483" y="4597153"/>
-              <a:ext cx="1070923" cy="937892"/>
-            </a:xfrm>
-            <a:prstGeom prst="straightConnector1">
-              <a:avLst/>
-            </a:prstGeom>
-            <a:ln>
-              <a:tailEnd type="triangle"/>
-            </a:ln>
-          </p:spPr>
-          <p:style>
-            <a:lnRef idx="1">
-              <a:schemeClr val="accent1"/>
-            </a:lnRef>
-            <a:fillRef idx="0">
-              <a:schemeClr val="accent1"/>
-            </a:fillRef>
-            <a:effectRef idx="0">
-              <a:schemeClr val="accent1"/>
-            </a:effectRef>
-            <a:fontRef idx="minor">
-              <a:schemeClr val="tx1"/>
-            </a:fontRef>
-          </p:style>
-        </p:cxnSp>
-        <p:cxnSp>
-          <p:nvCxnSpPr>
-            <p:cNvPr id="17" name="Straight Arrow Connector 16">
-              <a:extLst>
-                <a:ext uri="{FF2B5EF4-FFF2-40B4-BE49-F238E27FC236}">
-                  <a16:creationId xmlns:a16="http://schemas.microsoft.com/office/drawing/2014/main" id="{475249DA-0447-4378-BC78-07606F19A7D9}"/>
-                </a:ext>
-              </a:extLst>
-            </p:cNvPr>
-            <p:cNvCxnSpPr>
-              <a:stCxn id="12" idx="1"/>
-            </p:cNvCxnSpPr>
-            <p:nvPr/>
-          </p:nvCxnSpPr>
-          <p:spPr>
-            <a:xfrm flipH="1">
-              <a:off x="7636164" y="5127997"/>
-              <a:ext cx="1597561" cy="126742"/>
-            </a:xfrm>
-            <a:prstGeom prst="straightConnector1">
-              <a:avLst/>
-            </a:prstGeom>
-            <a:ln>
-              <a:tailEnd type="triangle"/>
-            </a:ln>
-          </p:spPr>
-          <p:style>
-            <a:lnRef idx="1">
-              <a:schemeClr val="accent1"/>
-            </a:lnRef>
-            <a:fillRef idx="0">
-              <a:schemeClr val="accent1"/>
-            </a:fillRef>
-            <a:effectRef idx="0">
-              <a:schemeClr val="accent1"/>
-            </a:effectRef>
-            <a:fontRef idx="minor">
-              <a:schemeClr val="tx1"/>
-            </a:fontRef>
-          </p:style>
-        </p:cxnSp>
-        <p:cxnSp>
-          <p:nvCxnSpPr>
-            <p:cNvPr id="18" name="Straight Arrow Connector 17">
-              <a:extLst>
-                <a:ext uri="{FF2B5EF4-FFF2-40B4-BE49-F238E27FC236}">
-                  <a16:creationId xmlns:a16="http://schemas.microsoft.com/office/drawing/2014/main" id="{8D4375F4-705E-4D3C-AA56-4D7345FBD611}"/>
-                </a:ext>
-              </a:extLst>
-            </p:cNvPr>
-            <p:cNvCxnSpPr>
-              <a:stCxn id="12" idx="1"/>
-              <a:endCxn id="14" idx="3"/>
-            </p:cNvCxnSpPr>
-            <p:nvPr/>
-          </p:nvCxnSpPr>
-          <p:spPr>
-            <a:xfrm flipH="1">
-              <a:off x="7899483" y="5127997"/>
-              <a:ext cx="1334242" cy="407048"/>
-            </a:xfrm>
-            <a:prstGeom prst="straightConnector1">
-              <a:avLst/>
-            </a:prstGeom>
-            <a:ln>
-              <a:tailEnd type="triangle"/>
-            </a:ln>
-          </p:spPr>
-          <p:style>
-            <a:lnRef idx="1">
-              <a:schemeClr val="accent1"/>
-            </a:lnRef>
-            <a:fillRef idx="0">
-              <a:schemeClr val="accent1"/>
-            </a:fillRef>
-            <a:effectRef idx="0">
-              <a:schemeClr val="accent1"/>
-            </a:effectRef>
-            <a:fontRef idx="minor">
-              <a:schemeClr val="tx1"/>
-            </a:fontRef>
-          </p:style>
-        </p:cxnSp>
-        <p:cxnSp>
-          <p:nvCxnSpPr>
-            <p:cNvPr id="19" name="Straight Arrow Connector 18">
-              <a:extLst>
-                <a:ext uri="{FF2B5EF4-FFF2-40B4-BE49-F238E27FC236}">
-                  <a16:creationId xmlns:a16="http://schemas.microsoft.com/office/drawing/2014/main" id="{EEFEDB3D-709F-4277-8011-B9D793EB2D99}"/>
-                </a:ext>
-              </a:extLst>
-            </p:cNvPr>
-            <p:cNvCxnSpPr>
-              <a:stCxn id="13" idx="1"/>
-              <a:endCxn id="10" idx="3"/>
-            </p:cNvCxnSpPr>
-            <p:nvPr/>
-          </p:nvCxnSpPr>
-          <p:spPr>
-            <a:xfrm flipH="1" flipV="1">
-              <a:off x="7636164" y="5063476"/>
-              <a:ext cx="1860880" cy="611043"/>
-            </a:xfrm>
-            <a:prstGeom prst="straightConnector1">
-              <a:avLst/>
-            </a:prstGeom>
-            <a:ln>
-              <a:tailEnd type="triangle"/>
-            </a:ln>
-          </p:spPr>
-          <p:style>
-            <a:lnRef idx="1">
-              <a:schemeClr val="accent1"/>
-            </a:lnRef>
-            <a:fillRef idx="0">
-              <a:schemeClr val="accent1"/>
-            </a:fillRef>
-            <a:effectRef idx="0">
-              <a:schemeClr val="accent1"/>
-            </a:effectRef>
-            <a:fontRef idx="minor">
-              <a:schemeClr val="tx1"/>
-            </a:fontRef>
-          </p:style>
-        </p:cxnSp>
-        <p:cxnSp>
-          <p:nvCxnSpPr>
-            <p:cNvPr id="20" name="Straight Arrow Connector 19">
-              <a:extLst>
-                <a:ext uri="{FF2B5EF4-FFF2-40B4-BE49-F238E27FC236}">
-                  <a16:creationId xmlns:a16="http://schemas.microsoft.com/office/drawing/2014/main" id="{56AA9725-6F73-4DB6-A2E5-88DF6C500EB1}"/>
-                </a:ext>
-              </a:extLst>
-            </p:cNvPr>
-            <p:cNvCxnSpPr>
-              <a:stCxn id="13" idx="1"/>
-              <a:endCxn id="14" idx="3"/>
-            </p:cNvCxnSpPr>
-            <p:nvPr/>
-          </p:nvCxnSpPr>
-          <p:spPr>
-            <a:xfrm flipH="1" flipV="1">
-              <a:off x="7899483" y="5535045"/>
-              <a:ext cx="1597561" cy="139474"/>
-            </a:xfrm>
-            <a:prstGeom prst="straightConnector1">
-              <a:avLst/>
-            </a:prstGeom>
-            <a:ln>
-              <a:tailEnd type="triangle"/>
-            </a:ln>
-          </p:spPr>
-          <p:style>
-            <a:lnRef idx="1">
-              <a:schemeClr val="accent1"/>
-            </a:lnRef>
-            <a:fillRef idx="0">
-              <a:schemeClr val="accent1"/>
-            </a:fillRef>
-            <a:effectRef idx="0">
-              <a:schemeClr val="accent1"/>
-            </a:effectRef>
-            <a:fontRef idx="minor">
-              <a:schemeClr val="tx1"/>
-            </a:fontRef>
-          </p:style>
-        </p:cxnSp>
-        <p:cxnSp>
-          <p:nvCxnSpPr>
-            <p:cNvPr id="21" name="Connector: Elbow 20">
-              <a:extLst>
-                <a:ext uri="{FF2B5EF4-FFF2-40B4-BE49-F238E27FC236}">
-                  <a16:creationId xmlns:a16="http://schemas.microsoft.com/office/drawing/2014/main" id="{FBC86982-1F0D-466A-97F9-A88F9A682219}"/>
-                </a:ext>
-              </a:extLst>
-            </p:cNvPr>
-            <p:cNvCxnSpPr>
-              <a:stCxn id="10" idx="1"/>
-              <a:endCxn id="8" idx="2"/>
-            </p:cNvCxnSpPr>
-            <p:nvPr/>
-          </p:nvCxnSpPr>
-          <p:spPr>
-            <a:xfrm rot="10800000">
-              <a:off x="4624368" y="4797632"/>
-              <a:ext cx="1418358" cy="265845"/>
-            </a:xfrm>
-            <a:prstGeom prst="bentConnector2">
-              <a:avLst/>
-            </a:prstGeom>
-            <a:ln>
-              <a:tailEnd type="triangle"/>
-            </a:ln>
-          </p:spPr>
-          <p:style>
-            <a:lnRef idx="1">
-              <a:schemeClr val="accent1"/>
-            </a:lnRef>
-            <a:fillRef idx="0">
-              <a:schemeClr val="accent1"/>
-            </a:fillRef>
-            <a:effectRef idx="0">
-              <a:schemeClr val="accent1"/>
-            </a:effectRef>
-            <a:fontRef idx="minor">
-              <a:schemeClr val="tx1"/>
-            </a:fontRef>
-          </p:style>
-        </p:cxnSp>
-        <p:cxnSp>
-          <p:nvCxnSpPr>
-            <p:cNvPr id="22" name="Connector: Elbow 21">
-              <a:extLst>
-                <a:ext uri="{FF2B5EF4-FFF2-40B4-BE49-F238E27FC236}">
-                  <a16:creationId xmlns:a16="http://schemas.microsoft.com/office/drawing/2014/main" id="{2D999758-E5C1-4341-9B9E-ADB9B76DA66E}"/>
-                </a:ext>
-              </a:extLst>
-            </p:cNvPr>
-            <p:cNvCxnSpPr>
-              <a:stCxn id="14" idx="1"/>
-              <a:endCxn id="9" idx="0"/>
-            </p:cNvCxnSpPr>
-            <p:nvPr/>
-          </p:nvCxnSpPr>
-          <p:spPr>
-            <a:xfrm rot="10800000" flipV="1">
-              <a:off x="4624369" y="5535045"/>
-              <a:ext cx="1681677" cy="103590"/>
-            </a:xfrm>
-            <a:prstGeom prst="bentConnector2">
-              <a:avLst/>
-            </a:prstGeom>
-            <a:ln>
-              <a:tailEnd type="triangle"/>
-            </a:ln>
-          </p:spPr>
-          <p:style>
-            <a:lnRef idx="1">
-              <a:schemeClr val="accent1"/>
-            </a:lnRef>
-            <a:fillRef idx="0">
-              <a:schemeClr val="accent1"/>
-            </a:fillRef>
-            <a:effectRef idx="0">
-              <a:schemeClr val="accent1"/>
-            </a:effectRef>
-            <a:fontRef idx="minor">
-              <a:schemeClr val="tx1"/>
-            </a:fontRef>
-          </p:style>
-        </p:cxnSp>
-        <p:cxnSp>
-          <p:nvCxnSpPr>
-            <p:cNvPr id="23" name="Straight Arrow Connector 22">
-              <a:extLst>
-                <a:ext uri="{FF2B5EF4-FFF2-40B4-BE49-F238E27FC236}">
-                  <a16:creationId xmlns:a16="http://schemas.microsoft.com/office/drawing/2014/main" id="{6A4E8DE4-2636-4EF5-A559-0781A6C26E4C}"/>
-                </a:ext>
-              </a:extLst>
-            </p:cNvPr>
-            <p:cNvCxnSpPr>
-              <a:stCxn id="6" idx="3"/>
-              <a:endCxn id="7" idx="1"/>
-            </p:cNvCxnSpPr>
-            <p:nvPr/>
-          </p:nvCxnSpPr>
-          <p:spPr>
-            <a:xfrm>
-              <a:off x="1750538" y="5327071"/>
-              <a:ext cx="415719" cy="1"/>
-            </a:xfrm>
-            <a:prstGeom prst="straightConnector1">
-              <a:avLst/>
-            </a:prstGeom>
-            <a:ln>
-              <a:tailEnd type="triangle"/>
-            </a:ln>
-          </p:spPr>
-          <p:style>
-            <a:lnRef idx="1">
-              <a:schemeClr val="accent1"/>
-            </a:lnRef>
-            <a:fillRef idx="0">
-              <a:schemeClr val="accent1"/>
-            </a:fillRef>
-            <a:effectRef idx="0">
-              <a:schemeClr val="accent1"/>
-            </a:effectRef>
-            <a:fontRef idx="minor">
-              <a:schemeClr val="tx1"/>
-            </a:fontRef>
-          </p:style>
-        </p:cxnSp>
-        <p:cxnSp>
-          <p:nvCxnSpPr>
-            <p:cNvPr id="24" name="Straight Arrow Connector 23">
-              <a:extLst>
-                <a:ext uri="{FF2B5EF4-FFF2-40B4-BE49-F238E27FC236}">
-                  <a16:creationId xmlns:a16="http://schemas.microsoft.com/office/drawing/2014/main" id="{D50C9C28-9FEA-423C-9F66-19F91F32172F}"/>
-                </a:ext>
-              </a:extLst>
-            </p:cNvPr>
-            <p:cNvCxnSpPr>
-              <a:stCxn id="7" idx="3"/>
-              <a:endCxn id="8" idx="1"/>
-            </p:cNvCxnSpPr>
-            <p:nvPr/>
-          </p:nvCxnSpPr>
-          <p:spPr>
-            <a:xfrm flipV="1">
-              <a:off x="3287486" y="4460999"/>
-              <a:ext cx="540163" cy="866073"/>
-            </a:xfrm>
-            <a:prstGeom prst="straightConnector1">
-              <a:avLst/>
-            </a:prstGeom>
-            <a:ln>
-              <a:tailEnd type="triangle"/>
-            </a:ln>
-          </p:spPr>
-          <p:style>
-            <a:lnRef idx="1">
-              <a:schemeClr val="accent1"/>
-            </a:lnRef>
-            <a:fillRef idx="0">
-              <a:schemeClr val="accent1"/>
-            </a:fillRef>
-            <a:effectRef idx="0">
-              <a:schemeClr val="accent1"/>
-            </a:effectRef>
-            <a:fontRef idx="minor">
-              <a:schemeClr val="tx1"/>
-            </a:fontRef>
-          </p:style>
-        </p:cxnSp>
-        <p:cxnSp>
-          <p:nvCxnSpPr>
-            <p:cNvPr id="25" name="Straight Arrow Connector 24">
-              <a:extLst>
-                <a:ext uri="{FF2B5EF4-FFF2-40B4-BE49-F238E27FC236}">
-                  <a16:creationId xmlns:a16="http://schemas.microsoft.com/office/drawing/2014/main" id="{2CB285B2-9773-41CA-B2BB-EF3F39A70E19}"/>
-                </a:ext>
-              </a:extLst>
-            </p:cNvPr>
-            <p:cNvCxnSpPr>
-              <a:stCxn id="7" idx="3"/>
-              <a:endCxn id="9" idx="1"/>
-            </p:cNvCxnSpPr>
-            <p:nvPr/>
-          </p:nvCxnSpPr>
-          <p:spPr>
-            <a:xfrm>
-              <a:off x="3287486" y="5327072"/>
-              <a:ext cx="540163" cy="648196"/>
-            </a:xfrm>
-            <a:prstGeom prst="straightConnector1">
-              <a:avLst/>
-            </a:prstGeom>
-            <a:ln>
-              <a:tailEnd type="triangle"/>
-            </a:ln>
-          </p:spPr>
-          <p:style>
-            <a:lnRef idx="1">
-              <a:schemeClr val="accent1"/>
-            </a:lnRef>
-            <a:fillRef idx="0">
-              <a:schemeClr val="accent1"/>
-            </a:fillRef>
-            <a:effectRef idx="0">
-              <a:schemeClr val="accent1"/>
-            </a:effectRef>
-            <a:fontRef idx="minor">
-              <a:schemeClr val="tx1"/>
-            </a:fontRef>
-          </p:style>
-        </p:cxnSp>
-        <p:cxnSp>
-          <p:nvCxnSpPr>
-            <p:cNvPr id="26" name="Connector: Elbow 25">
-              <a:extLst>
-                <a:ext uri="{FF2B5EF4-FFF2-40B4-BE49-F238E27FC236}">
-                  <a16:creationId xmlns:a16="http://schemas.microsoft.com/office/drawing/2014/main" id="{5FC8F5F8-4830-415F-B401-B959B290593A}"/>
-                </a:ext>
-              </a:extLst>
-            </p:cNvPr>
-            <p:cNvCxnSpPr>
-              <a:stCxn id="14" idx="1"/>
-              <a:endCxn id="8" idx="3"/>
-            </p:cNvCxnSpPr>
-            <p:nvPr/>
-          </p:nvCxnSpPr>
-          <p:spPr>
-            <a:xfrm rot="10800000">
-              <a:off x="5421087" y="4460999"/>
-              <a:ext cx="884958" cy="1074046"/>
-            </a:xfrm>
-            <a:prstGeom prst="bentConnector3">
-              <a:avLst/>
-            </a:prstGeom>
-            <a:ln>
-              <a:tailEnd type="triangle"/>
-            </a:ln>
-          </p:spPr>
-          <p:style>
-            <a:lnRef idx="1">
-              <a:schemeClr val="accent1"/>
-            </a:lnRef>
-            <a:fillRef idx="0">
-              <a:schemeClr val="accent1"/>
-            </a:fillRef>
-            <a:effectRef idx="0">
-              <a:schemeClr val="accent1"/>
-            </a:effectRef>
-            <a:fontRef idx="minor">
-              <a:schemeClr val="tx1"/>
-            </a:fontRef>
-          </p:style>
-        </p:cxnSp>
-        <p:cxnSp>
-          <p:nvCxnSpPr>
-            <p:cNvPr id="27" name="Connector: Elbow 26">
-              <a:extLst>
-                <a:ext uri="{FF2B5EF4-FFF2-40B4-BE49-F238E27FC236}">
-                  <a16:creationId xmlns:a16="http://schemas.microsoft.com/office/drawing/2014/main" id="{2E65338C-F5D8-42E3-A23E-85DE3F088EAD}"/>
-                </a:ext>
-              </a:extLst>
-            </p:cNvPr>
-            <p:cNvCxnSpPr>
-              <a:stCxn id="10" idx="1"/>
-              <a:endCxn id="9" idx="3"/>
-            </p:cNvCxnSpPr>
-            <p:nvPr/>
-          </p:nvCxnSpPr>
-          <p:spPr>
-            <a:xfrm rot="10800000" flipV="1">
-              <a:off x="5421088" y="5063476"/>
-              <a:ext cx="621639" cy="911792"/>
-            </a:xfrm>
-            <a:prstGeom prst="bentConnector3">
-              <a:avLst/>
-            </a:prstGeom>
-            <a:ln>
-              <a:tailEnd type="triangle"/>
-            </a:ln>
-          </p:spPr>
-          <p:style>
-            <a:lnRef idx="1">
-              <a:schemeClr val="accent1"/>
-            </a:lnRef>
-            <a:fillRef idx="0">
-              <a:schemeClr val="accent1"/>
-            </a:fillRef>
-            <a:effectRef idx="0">
-              <a:schemeClr val="accent1"/>
-            </a:effectRef>
-            <a:fontRef idx="minor">
-              <a:schemeClr val="tx1"/>
-            </a:fontRef>
-          </p:style>
-        </p:cxnSp>
-      </p:grpSp>
-    </p:spTree>
-    <p:extLst>
-      <p:ext uri="{BB962C8B-B14F-4D97-AF65-F5344CB8AC3E}">
-        <p14:creationId xmlns:p14="http://schemas.microsoft.com/office/powerpoint/2010/main" val="744247867"/>
       </p:ext>
     </p:extLst>
   </p:cSld>
